--- a/Lecture 4 - Measure of Dispersion & Normal Curve/Lecture 4 - Measure of Dispersion & Normal Curve.pptx
+++ b/Lecture 4 - Measure of Dispersion & Normal Curve/Lecture 4 - Measure of Dispersion & Normal Curve.pptx
@@ -5,7 +5,7 @@
     <p:sldMasterId id="2147483648" r:id="rId1"/>
   </p:sldMasterIdLst>
   <p:notesMasterIdLst>
-    <p:notesMasterId r:id="rId49"/>
+    <p:notesMasterId r:id="rId59"/>
   </p:notesMasterIdLst>
   <p:sldIdLst>
     <p:sldId id="257" r:id="rId2"/>
@@ -37,24 +37,34 @@
     <p:sldId id="319" r:id="rId28"/>
     <p:sldId id="320" r:id="rId29"/>
     <p:sldId id="321" r:id="rId30"/>
-    <p:sldId id="322" r:id="rId31"/>
-    <p:sldId id="323" r:id="rId32"/>
-    <p:sldId id="324" r:id="rId33"/>
-    <p:sldId id="326" r:id="rId34"/>
-    <p:sldId id="327" r:id="rId35"/>
-    <p:sldId id="328" r:id="rId36"/>
-    <p:sldId id="329" r:id="rId37"/>
-    <p:sldId id="330" r:id="rId38"/>
-    <p:sldId id="331" r:id="rId39"/>
-    <p:sldId id="332" r:id="rId40"/>
-    <p:sldId id="333" r:id="rId41"/>
-    <p:sldId id="334" r:id="rId42"/>
-    <p:sldId id="335" r:id="rId43"/>
-    <p:sldId id="336" r:id="rId44"/>
-    <p:sldId id="337" r:id="rId45"/>
-    <p:sldId id="338" r:id="rId46"/>
-    <p:sldId id="339" r:id="rId47"/>
-    <p:sldId id="340" r:id="rId48"/>
+    <p:sldId id="341" r:id="rId31"/>
+    <p:sldId id="322" r:id="rId32"/>
+    <p:sldId id="342" r:id="rId33"/>
+    <p:sldId id="343" r:id="rId34"/>
+    <p:sldId id="344" r:id="rId35"/>
+    <p:sldId id="323" r:id="rId36"/>
+    <p:sldId id="324" r:id="rId37"/>
+    <p:sldId id="326" r:id="rId38"/>
+    <p:sldId id="327" r:id="rId39"/>
+    <p:sldId id="328" r:id="rId40"/>
+    <p:sldId id="329" r:id="rId41"/>
+    <p:sldId id="330" r:id="rId42"/>
+    <p:sldId id="331" r:id="rId43"/>
+    <p:sldId id="332" r:id="rId44"/>
+    <p:sldId id="333" r:id="rId45"/>
+    <p:sldId id="334" r:id="rId46"/>
+    <p:sldId id="335" r:id="rId47"/>
+    <p:sldId id="336" r:id="rId48"/>
+    <p:sldId id="337" r:id="rId49"/>
+    <p:sldId id="338" r:id="rId50"/>
+    <p:sldId id="339" r:id="rId51"/>
+    <p:sldId id="345" r:id="rId52"/>
+    <p:sldId id="346" r:id="rId53"/>
+    <p:sldId id="347" r:id="rId54"/>
+    <p:sldId id="351" r:id="rId55"/>
+    <p:sldId id="348" r:id="rId56"/>
+    <p:sldId id="340" r:id="rId57"/>
+    <p:sldId id="350" r:id="rId58"/>
   </p:sldIdLst>
   <p:sldSz cx="9144000" cy="6858000" type="screen4x3"/>
   <p:notesSz cx="6858000" cy="9144000"/>
@@ -254,7 +264,7 @@
           <a:p>
             <a:fld id="{B0316F50-3316-4D82-B05F-C98105323623}" type="datetimeFigureOut">
               <a:rPr lang="en-US" smtClean="0"/>
-              <a:t>12/30/17</a:t>
+              <a:t>1/31/18</a:t>
             </a:fld>
             <a:endParaRPr lang="en-US"/>
           </a:p>
@@ -1371,7 +1381,7 @@
     </p:spTree>
     <p:extLst>
       <p:ext uri="{BB962C8B-B14F-4D97-AF65-F5344CB8AC3E}">
-        <p14:creationId xmlns:p14="http://schemas.microsoft.com/office/powerpoint/2010/main" val="3067340508"/>
+        <p14:creationId xmlns:p14="http://schemas.microsoft.com/office/powerpoint/2010/main" val="3202391330"/>
       </p:ext>
     </p:extLst>
   </p:cSld>
@@ -1427,11 +1437,11 @@
           <a:p>
             <a:r>
               <a:rPr lang="en-US" dirty="0"/>
-              <a:t>Now</a:t>
+              <a:t>One standard deviation on either side of the mean of a normal curve will encompass</a:t>
             </a:r>
             <a:r>
               <a:rPr lang="en-US" baseline="0" dirty="0"/>
-              <a:t> you know quite a bit about the normal curve</a:t>
+              <a:t> approximately 68% of the area under the curve.</a:t>
             </a:r>
             <a:endParaRPr lang="en-US" dirty="0"/>
           </a:p>
@@ -1454,7 +1464,7 @@
           <a:p>
             <a:fld id="{CD18FEA6-5764-462C-8448-0796EFE23DDF}" type="slidenum">
               <a:rPr lang="en-US" smtClean="0"/>
-              <a:t>32</a:t>
+              <a:t>31</a:t>
             </a:fld>
             <a:endParaRPr lang="en-US"/>
           </a:p>
@@ -1463,7 +1473,7 @@
     </p:spTree>
     <p:extLst>
       <p:ext uri="{BB962C8B-B14F-4D97-AF65-F5344CB8AC3E}">
-        <p14:creationId xmlns:p14="http://schemas.microsoft.com/office/powerpoint/2010/main" val="2408329582"/>
+        <p14:creationId xmlns:p14="http://schemas.microsoft.com/office/powerpoint/2010/main" val="3067340508"/>
       </p:ext>
     </p:extLst>
   </p:cSld>
@@ -1578,6 +1588,374 @@
       </p:grpSpPr>
       <p:sp>
         <p:nvSpPr>
+          <p:cNvPr id="2" name="Slide Image Placeholder 1"/>
+          <p:cNvSpPr>
+            <a:spLocks noGrp="1" noRot="1" noChangeAspect="1"/>
+          </p:cNvSpPr>
+          <p:nvPr>
+            <p:ph type="sldImg"/>
+          </p:nvPr>
+        </p:nvSpPr>
+        <p:spPr/>
+      </p:sp>
+      <p:sp>
+        <p:nvSpPr>
+          <p:cNvPr id="3" name="Notes Placeholder 2"/>
+          <p:cNvSpPr>
+            <a:spLocks noGrp="1"/>
+          </p:cNvSpPr>
+          <p:nvPr>
+            <p:ph type="body" idx="1"/>
+          </p:nvPr>
+        </p:nvSpPr>
+        <p:spPr/>
+        <p:txBody>
+          <a:bodyPr/>
+          <a:lstStyle/>
+          <a:p>
+            <a:r>
+              <a:rPr lang="en-US" dirty="0"/>
+              <a:t>One standard deviation on either side of the mean of a normal curve will encompass</a:t>
+            </a:r>
+            <a:r>
+              <a:rPr lang="en-US" baseline="0" dirty="0"/>
+              <a:t> approximately 68% of the area under the curve.</a:t>
+            </a:r>
+            <a:endParaRPr lang="en-US" dirty="0"/>
+          </a:p>
+        </p:txBody>
+      </p:sp>
+      <p:sp>
+        <p:nvSpPr>
+          <p:cNvPr id="4" name="Slide Number Placeholder 3"/>
+          <p:cNvSpPr>
+            <a:spLocks noGrp="1"/>
+          </p:cNvSpPr>
+          <p:nvPr>
+            <p:ph type="sldNum" sz="quarter" idx="10"/>
+          </p:nvPr>
+        </p:nvSpPr>
+        <p:spPr/>
+        <p:txBody>
+          <a:bodyPr/>
+          <a:lstStyle/>
+          <a:p>
+            <a:fld id="{CD18FEA6-5764-462C-8448-0796EFE23DDF}" type="slidenum">
+              <a:rPr lang="en-US" smtClean="0"/>
+              <a:t>32</a:t>
+            </a:fld>
+            <a:endParaRPr lang="en-US"/>
+          </a:p>
+        </p:txBody>
+      </p:sp>
+    </p:spTree>
+    <p:extLst>
+      <p:ext uri="{BB962C8B-B14F-4D97-AF65-F5344CB8AC3E}">
+        <p14:creationId xmlns:p14="http://schemas.microsoft.com/office/powerpoint/2010/main" val="1654607332"/>
+      </p:ext>
+    </p:extLst>
+  </p:cSld>
+  <p:clrMapOvr>
+    <a:masterClrMapping/>
+  </p:clrMapOvr>
+</p:notes>
+</file>
+
+<file path=ppt/notesSlides/notesSlide21.xml><?xml version="1.0" encoding="utf-8"?>
+<p:notes xmlns:a="http://schemas.openxmlformats.org/drawingml/2006/main" xmlns:r="http://schemas.openxmlformats.org/officeDocument/2006/relationships" xmlns:p="http://schemas.openxmlformats.org/presentationml/2006/main">
+  <p:cSld>
+    <p:spTree>
+      <p:nvGrpSpPr>
+        <p:cNvPr id="1" name=""/>
+        <p:cNvGrpSpPr/>
+        <p:nvPr/>
+      </p:nvGrpSpPr>
+      <p:grpSpPr>
+        <a:xfrm>
+          <a:off x="0" y="0"/>
+          <a:ext cx="0" cy="0"/>
+          <a:chOff x="0" y="0"/>
+          <a:chExt cx="0" cy="0"/>
+        </a:xfrm>
+      </p:grpSpPr>
+      <p:sp>
+        <p:nvSpPr>
+          <p:cNvPr id="2" name="Slide Image Placeholder 1"/>
+          <p:cNvSpPr>
+            <a:spLocks noGrp="1" noRot="1" noChangeAspect="1"/>
+          </p:cNvSpPr>
+          <p:nvPr>
+            <p:ph type="sldImg"/>
+          </p:nvPr>
+        </p:nvSpPr>
+        <p:spPr/>
+      </p:sp>
+      <p:sp>
+        <p:nvSpPr>
+          <p:cNvPr id="3" name="Notes Placeholder 2"/>
+          <p:cNvSpPr>
+            <a:spLocks noGrp="1"/>
+          </p:cNvSpPr>
+          <p:nvPr>
+            <p:ph type="body" idx="1"/>
+          </p:nvPr>
+        </p:nvSpPr>
+        <p:spPr/>
+        <p:txBody>
+          <a:bodyPr/>
+          <a:lstStyle/>
+          <a:p>
+            <a:r>
+              <a:rPr lang="en-US" dirty="0"/>
+              <a:t>One standard deviation on either side of the mean of a normal curve will encompass</a:t>
+            </a:r>
+            <a:r>
+              <a:rPr lang="en-US" baseline="0" dirty="0"/>
+              <a:t> approximately 68% of the area under the curve.</a:t>
+            </a:r>
+            <a:endParaRPr lang="en-US" dirty="0"/>
+          </a:p>
+        </p:txBody>
+      </p:sp>
+      <p:sp>
+        <p:nvSpPr>
+          <p:cNvPr id="4" name="Slide Number Placeholder 3"/>
+          <p:cNvSpPr>
+            <a:spLocks noGrp="1"/>
+          </p:cNvSpPr>
+          <p:nvPr>
+            <p:ph type="sldNum" sz="quarter" idx="10"/>
+          </p:nvPr>
+        </p:nvSpPr>
+        <p:spPr/>
+        <p:txBody>
+          <a:bodyPr/>
+          <a:lstStyle/>
+          <a:p>
+            <a:fld id="{CD18FEA6-5764-462C-8448-0796EFE23DDF}" type="slidenum">
+              <a:rPr lang="en-US" smtClean="0"/>
+              <a:t>33</a:t>
+            </a:fld>
+            <a:endParaRPr lang="en-US"/>
+          </a:p>
+        </p:txBody>
+      </p:sp>
+    </p:spTree>
+    <p:extLst>
+      <p:ext uri="{BB962C8B-B14F-4D97-AF65-F5344CB8AC3E}">
+        <p14:creationId xmlns:p14="http://schemas.microsoft.com/office/powerpoint/2010/main" val="2616177110"/>
+      </p:ext>
+    </p:extLst>
+  </p:cSld>
+  <p:clrMapOvr>
+    <a:masterClrMapping/>
+  </p:clrMapOvr>
+</p:notes>
+</file>
+
+<file path=ppt/notesSlides/notesSlide22.xml><?xml version="1.0" encoding="utf-8"?>
+<p:notes xmlns:a="http://schemas.openxmlformats.org/drawingml/2006/main" xmlns:r="http://schemas.openxmlformats.org/officeDocument/2006/relationships" xmlns:p="http://schemas.openxmlformats.org/presentationml/2006/main">
+  <p:cSld>
+    <p:spTree>
+      <p:nvGrpSpPr>
+        <p:cNvPr id="1" name=""/>
+        <p:cNvGrpSpPr/>
+        <p:nvPr/>
+      </p:nvGrpSpPr>
+      <p:grpSpPr>
+        <a:xfrm>
+          <a:off x="0" y="0"/>
+          <a:ext cx="0" cy="0"/>
+          <a:chOff x="0" y="0"/>
+          <a:chExt cx="0" cy="0"/>
+        </a:xfrm>
+      </p:grpSpPr>
+      <p:sp>
+        <p:nvSpPr>
+          <p:cNvPr id="2" name="Slide Image Placeholder 1"/>
+          <p:cNvSpPr>
+            <a:spLocks noGrp="1" noRot="1" noChangeAspect="1"/>
+          </p:cNvSpPr>
+          <p:nvPr>
+            <p:ph type="sldImg"/>
+          </p:nvPr>
+        </p:nvSpPr>
+        <p:spPr/>
+      </p:sp>
+      <p:sp>
+        <p:nvSpPr>
+          <p:cNvPr id="3" name="Notes Placeholder 2"/>
+          <p:cNvSpPr>
+            <a:spLocks noGrp="1"/>
+          </p:cNvSpPr>
+          <p:nvPr>
+            <p:ph type="body" idx="1"/>
+          </p:nvPr>
+        </p:nvSpPr>
+        <p:spPr/>
+        <p:txBody>
+          <a:bodyPr/>
+          <a:lstStyle/>
+          <a:p>
+            <a:r>
+              <a:rPr lang="en-US" dirty="0"/>
+              <a:t>One standard deviation on either side of the mean of a normal curve will encompass</a:t>
+            </a:r>
+            <a:r>
+              <a:rPr lang="en-US" baseline="0" dirty="0"/>
+              <a:t> approximately 68% of the area under the curve.</a:t>
+            </a:r>
+            <a:endParaRPr lang="en-US" dirty="0"/>
+          </a:p>
+        </p:txBody>
+      </p:sp>
+      <p:sp>
+        <p:nvSpPr>
+          <p:cNvPr id="4" name="Slide Number Placeholder 3"/>
+          <p:cNvSpPr>
+            <a:spLocks noGrp="1"/>
+          </p:cNvSpPr>
+          <p:nvPr>
+            <p:ph type="sldNum" sz="quarter" idx="10"/>
+          </p:nvPr>
+        </p:nvSpPr>
+        <p:spPr/>
+        <p:txBody>
+          <a:bodyPr/>
+          <a:lstStyle/>
+          <a:p>
+            <a:fld id="{CD18FEA6-5764-462C-8448-0796EFE23DDF}" type="slidenum">
+              <a:rPr lang="en-US" smtClean="0"/>
+              <a:t>34</a:t>
+            </a:fld>
+            <a:endParaRPr lang="en-US"/>
+          </a:p>
+        </p:txBody>
+      </p:sp>
+    </p:spTree>
+    <p:extLst>
+      <p:ext uri="{BB962C8B-B14F-4D97-AF65-F5344CB8AC3E}">
+        <p14:creationId xmlns:p14="http://schemas.microsoft.com/office/powerpoint/2010/main" val="1075520777"/>
+      </p:ext>
+    </p:extLst>
+  </p:cSld>
+  <p:clrMapOvr>
+    <a:masterClrMapping/>
+  </p:clrMapOvr>
+</p:notes>
+</file>
+
+<file path=ppt/notesSlides/notesSlide23.xml><?xml version="1.0" encoding="utf-8"?>
+<p:notes xmlns:a="http://schemas.openxmlformats.org/drawingml/2006/main" xmlns:r="http://schemas.openxmlformats.org/officeDocument/2006/relationships" xmlns:p="http://schemas.openxmlformats.org/presentationml/2006/main">
+  <p:cSld>
+    <p:spTree>
+      <p:nvGrpSpPr>
+        <p:cNvPr id="1" name=""/>
+        <p:cNvGrpSpPr/>
+        <p:nvPr/>
+      </p:nvGrpSpPr>
+      <p:grpSpPr>
+        <a:xfrm>
+          <a:off x="0" y="0"/>
+          <a:ext cx="0" cy="0"/>
+          <a:chOff x="0" y="0"/>
+          <a:chExt cx="0" cy="0"/>
+        </a:xfrm>
+      </p:grpSpPr>
+      <p:sp>
+        <p:nvSpPr>
+          <p:cNvPr id="2" name="Slide Image Placeholder 1"/>
+          <p:cNvSpPr>
+            <a:spLocks noGrp="1" noRot="1" noChangeAspect="1"/>
+          </p:cNvSpPr>
+          <p:nvPr>
+            <p:ph type="sldImg"/>
+          </p:nvPr>
+        </p:nvSpPr>
+        <p:spPr/>
+      </p:sp>
+      <p:sp>
+        <p:nvSpPr>
+          <p:cNvPr id="3" name="Notes Placeholder 2"/>
+          <p:cNvSpPr>
+            <a:spLocks noGrp="1"/>
+          </p:cNvSpPr>
+          <p:nvPr>
+            <p:ph type="body" idx="1"/>
+          </p:nvPr>
+        </p:nvSpPr>
+        <p:spPr/>
+        <p:txBody>
+          <a:bodyPr/>
+          <a:lstStyle/>
+          <a:p>
+            <a:r>
+              <a:rPr lang="en-US" dirty="0"/>
+              <a:t>Now</a:t>
+            </a:r>
+            <a:r>
+              <a:rPr lang="en-US" baseline="0" dirty="0"/>
+              <a:t> you know quite a bit about the normal curve</a:t>
+            </a:r>
+            <a:endParaRPr lang="en-US" dirty="0"/>
+          </a:p>
+        </p:txBody>
+      </p:sp>
+      <p:sp>
+        <p:nvSpPr>
+          <p:cNvPr id="4" name="Slide Number Placeholder 3"/>
+          <p:cNvSpPr>
+            <a:spLocks noGrp="1"/>
+          </p:cNvSpPr>
+          <p:nvPr>
+            <p:ph type="sldNum" sz="quarter" idx="10"/>
+          </p:nvPr>
+        </p:nvSpPr>
+        <p:spPr/>
+        <p:txBody>
+          <a:bodyPr/>
+          <a:lstStyle/>
+          <a:p>
+            <a:fld id="{CD18FEA6-5764-462C-8448-0796EFE23DDF}" type="slidenum">
+              <a:rPr lang="en-US" smtClean="0"/>
+              <a:t>36</a:t>
+            </a:fld>
+            <a:endParaRPr lang="en-US"/>
+          </a:p>
+        </p:txBody>
+      </p:sp>
+    </p:spTree>
+    <p:extLst>
+      <p:ext uri="{BB962C8B-B14F-4D97-AF65-F5344CB8AC3E}">
+        <p14:creationId xmlns:p14="http://schemas.microsoft.com/office/powerpoint/2010/main" val="2408329582"/>
+      </p:ext>
+    </p:extLst>
+  </p:cSld>
+  <p:clrMapOvr>
+    <a:masterClrMapping/>
+  </p:clrMapOvr>
+</p:notes>
+</file>
+
+<file path=ppt/notesSlides/notesSlide24.xml><?xml version="1.0" encoding="utf-8"?>
+<p:notes xmlns:a="http://schemas.openxmlformats.org/drawingml/2006/main" xmlns:r="http://schemas.openxmlformats.org/officeDocument/2006/relationships" xmlns:p="http://schemas.openxmlformats.org/presentationml/2006/main">
+  <p:cSld>
+    <p:spTree>
+      <p:nvGrpSpPr>
+        <p:cNvPr id="1" name=""/>
+        <p:cNvGrpSpPr/>
+        <p:nvPr/>
+      </p:nvGrpSpPr>
+      <p:grpSpPr>
+        <a:xfrm>
+          <a:off x="0" y="0"/>
+          <a:ext cx="0" cy="0"/>
+          <a:chOff x="0" y="0"/>
+          <a:chExt cx="0" cy="0"/>
+        </a:xfrm>
+      </p:grpSpPr>
+      <p:sp>
+        <p:nvSpPr>
           <p:cNvPr id="34818" name="Rectangle 2"/>
           <p:cNvSpPr>
             <a:spLocks noGrp="1" noRot="1" noChangeAspect="1" noChangeArrowheads="1" noTextEdit="1"/>
@@ -1645,7 +2023,7 @@
 </p:notes>
 </file>
 
-<file path=ppt/notesSlides/notesSlide21.xml><?xml version="1.0" encoding="utf-8"?>
+<file path=ppt/notesSlides/notesSlide25.xml><?xml version="1.0" encoding="utf-8"?>
 <p:notes xmlns:a="http://schemas.openxmlformats.org/drawingml/2006/main" xmlns:r="http://schemas.openxmlformats.org/officeDocument/2006/relationships" xmlns:p="http://schemas.openxmlformats.org/presentationml/2006/main">
   <p:cSld>
     <p:spTree>
@@ -1731,7 +2109,7 @@
 </p:notes>
 </file>
 
-<file path=ppt/notesSlides/notesSlide22.xml><?xml version="1.0" encoding="utf-8"?>
+<file path=ppt/notesSlides/notesSlide26.xml><?xml version="1.0" encoding="utf-8"?>
 <p:notes xmlns:a="http://schemas.openxmlformats.org/drawingml/2006/main" xmlns:r="http://schemas.openxmlformats.org/officeDocument/2006/relationships" xmlns:p="http://schemas.openxmlformats.org/presentationml/2006/main">
   <p:cSld>
     <p:spTree>
@@ -1817,7 +2195,7 @@
 </p:notes>
 </file>
 
-<file path=ppt/notesSlides/notesSlide23.xml><?xml version="1.0" encoding="utf-8"?>
+<file path=ppt/notesSlides/notesSlide27.xml><?xml version="1.0" encoding="utf-8"?>
 <p:notes xmlns:a="http://schemas.openxmlformats.org/drawingml/2006/main" xmlns:r="http://schemas.openxmlformats.org/officeDocument/2006/relationships" xmlns:p="http://schemas.openxmlformats.org/presentationml/2006/main">
   <p:cSld>
     <p:spTree>
@@ -1903,7 +2281,7 @@
 </p:notes>
 </file>
 
-<file path=ppt/notesSlides/notesSlide24.xml><?xml version="1.0" encoding="utf-8"?>
+<file path=ppt/notesSlides/notesSlide28.xml><?xml version="1.0" encoding="utf-8"?>
 <p:notes xmlns:a="http://schemas.openxmlformats.org/drawingml/2006/main" xmlns:r="http://schemas.openxmlformats.org/officeDocument/2006/relationships" xmlns:p="http://schemas.openxmlformats.org/presentationml/2006/main">
   <p:cSld>
     <p:spTree>
@@ -1989,7 +2367,7 @@
 </p:notes>
 </file>
 
-<file path=ppt/notesSlides/notesSlide25.xml><?xml version="1.0" encoding="utf-8"?>
+<file path=ppt/notesSlides/notesSlide29.xml><?xml version="1.0" encoding="utf-8"?>
 <p:notes xmlns:a="http://schemas.openxmlformats.org/drawingml/2006/main" xmlns:r="http://schemas.openxmlformats.org/officeDocument/2006/relationships" xmlns:p="http://schemas.openxmlformats.org/presentationml/2006/main">
   <p:cSld>
     <p:spTree>
@@ -2062,7 +2440,7 @@
           <a:p>
             <a:fld id="{0909C779-91D0-4C91-8201-65066B4C7319}" type="slidenum">
               <a:rPr lang="en-US" smtClean="0"/>
-              <a:t>39</a:t>
+              <a:t>43</a:t>
             </a:fld>
             <a:endParaRPr lang="en-US"/>
           </a:p>
@@ -2072,292 +2450,6 @@
     <p:extLst>
       <p:ext uri="{BB962C8B-B14F-4D97-AF65-F5344CB8AC3E}">
         <p14:creationId xmlns:p14="http://schemas.microsoft.com/office/powerpoint/2010/main" val="1197949973"/>
-      </p:ext>
-    </p:extLst>
-  </p:cSld>
-  <p:clrMapOvr>
-    <a:masterClrMapping/>
-  </p:clrMapOvr>
-</p:notes>
-</file>
-
-<file path=ppt/notesSlides/notesSlide26.xml><?xml version="1.0" encoding="utf-8"?>
-<p:notes xmlns:a="http://schemas.openxmlformats.org/drawingml/2006/main" xmlns:r="http://schemas.openxmlformats.org/officeDocument/2006/relationships" xmlns:p="http://schemas.openxmlformats.org/presentationml/2006/main">
-  <p:cSld>
-    <p:spTree>
-      <p:nvGrpSpPr>
-        <p:cNvPr id="1" name=""/>
-        <p:cNvGrpSpPr/>
-        <p:nvPr/>
-      </p:nvGrpSpPr>
-      <p:grpSpPr>
-        <a:xfrm>
-          <a:off x="0" y="0"/>
-          <a:ext cx="0" cy="0"/>
-          <a:chOff x="0" y="0"/>
-          <a:chExt cx="0" cy="0"/>
-        </a:xfrm>
-      </p:grpSpPr>
-      <p:sp>
-        <p:nvSpPr>
-          <p:cNvPr id="41986" name="Rectangle 2"/>
-          <p:cNvSpPr>
-            <a:spLocks noGrp="1" noRot="1" noChangeAspect="1" noChangeArrowheads="1" noTextEdit="1"/>
-          </p:cNvSpPr>
-          <p:nvPr>
-            <p:ph type="sldImg"/>
-          </p:nvPr>
-        </p:nvSpPr>
-        <p:spPr>
-          <a:ln/>
-        </p:spPr>
-      </p:sp>
-      <p:sp>
-        <p:nvSpPr>
-          <p:cNvPr id="41987" name="Rectangle 3"/>
-          <p:cNvSpPr>
-            <a:spLocks noGrp="1" noChangeArrowheads="1"/>
-          </p:cNvSpPr>
-          <p:nvPr>
-            <p:ph type="body" idx="1"/>
-          </p:nvPr>
-        </p:nvSpPr>
-        <p:spPr>
-          <a:noFill/>
-          <a:ln/>
-          <a:extLst>
-            <a:ext uri="{909E8E84-426E-40DD-AFC4-6F175D3DCCD1}">
-              <a14:hiddenFill xmlns:a14="http://schemas.microsoft.com/office/drawing/2010/main">
-                <a:solidFill>
-                  <a:srgbClr val="FFFFFF"/>
-                </a:solidFill>
-              </a14:hiddenFill>
-            </a:ext>
-            <a:ext uri="{91240B29-F687-4F45-9708-019B960494DF}">
-              <a14:hiddenLine xmlns:a14="http://schemas.microsoft.com/office/drawing/2010/main" w="9525">
-                <a:solidFill>
-                  <a:srgbClr val="000000"/>
-                </a:solidFill>
-                <a:miter lim="800000"/>
-                <a:headEnd/>
-                <a:tailEnd/>
-              </a14:hiddenLine>
-            </a:ext>
-          </a:extLst>
-        </p:spPr>
-        <p:txBody>
-          <a:bodyPr/>
-          <a:lstStyle/>
-          <a:p>
-            <a:pPr eaLnBrk="1" hangingPunct="1"/>
-            <a:endParaRPr lang="en-US"/>
-          </a:p>
-        </p:txBody>
-      </p:sp>
-    </p:spTree>
-    <p:extLst>
-      <p:ext uri="{BB962C8B-B14F-4D97-AF65-F5344CB8AC3E}">
-        <p14:creationId xmlns:p14="http://schemas.microsoft.com/office/powerpoint/2010/main" val="37622765"/>
-      </p:ext>
-    </p:extLst>
-  </p:cSld>
-  <p:clrMapOvr>
-    <a:masterClrMapping/>
-  </p:clrMapOvr>
-</p:notes>
-</file>
-
-<file path=ppt/notesSlides/notesSlide27.xml><?xml version="1.0" encoding="utf-8"?>
-<p:notes xmlns:a="http://schemas.openxmlformats.org/drawingml/2006/main" xmlns:r="http://schemas.openxmlformats.org/officeDocument/2006/relationships" xmlns:p="http://schemas.openxmlformats.org/presentationml/2006/main">
-  <p:cSld>
-    <p:spTree>
-      <p:nvGrpSpPr>
-        <p:cNvPr id="1" name=""/>
-        <p:cNvGrpSpPr/>
-        <p:nvPr/>
-      </p:nvGrpSpPr>
-      <p:grpSpPr>
-        <a:xfrm>
-          <a:off x="0" y="0"/>
-          <a:ext cx="0" cy="0"/>
-          <a:chOff x="0" y="0"/>
-          <a:chExt cx="0" cy="0"/>
-        </a:xfrm>
-      </p:grpSpPr>
-      <p:sp>
-        <p:nvSpPr>
-          <p:cNvPr id="43010" name="Rectangle 2"/>
-          <p:cNvSpPr>
-            <a:spLocks noGrp="1" noRot="1" noChangeAspect="1" noChangeArrowheads="1" noTextEdit="1"/>
-          </p:cNvSpPr>
-          <p:nvPr>
-            <p:ph type="sldImg"/>
-          </p:nvPr>
-        </p:nvSpPr>
-        <p:spPr>
-          <a:ln/>
-        </p:spPr>
-      </p:sp>
-      <p:sp>
-        <p:nvSpPr>
-          <p:cNvPr id="43011" name="Rectangle 3"/>
-          <p:cNvSpPr>
-            <a:spLocks noGrp="1" noChangeArrowheads="1"/>
-          </p:cNvSpPr>
-          <p:nvPr>
-            <p:ph type="body" idx="1"/>
-          </p:nvPr>
-        </p:nvSpPr>
-        <p:spPr>
-          <a:noFill/>
-          <a:ln/>
-          <a:extLst>
-            <a:ext uri="{909E8E84-426E-40DD-AFC4-6F175D3DCCD1}">
-              <a14:hiddenFill xmlns:a14="http://schemas.microsoft.com/office/drawing/2010/main">
-                <a:solidFill>
-                  <a:srgbClr val="FFFFFF"/>
-                </a:solidFill>
-              </a14:hiddenFill>
-            </a:ext>
-            <a:ext uri="{91240B29-F687-4F45-9708-019B960494DF}">
-              <a14:hiddenLine xmlns:a14="http://schemas.microsoft.com/office/drawing/2010/main" w="9525">
-                <a:solidFill>
-                  <a:srgbClr val="000000"/>
-                </a:solidFill>
-                <a:miter lim="800000"/>
-                <a:headEnd/>
-                <a:tailEnd/>
-              </a14:hiddenLine>
-            </a:ext>
-          </a:extLst>
-        </p:spPr>
-        <p:txBody>
-          <a:bodyPr/>
-          <a:lstStyle/>
-          <a:p>
-            <a:pPr eaLnBrk="1" hangingPunct="1"/>
-            <a:endParaRPr lang="en-US"/>
-          </a:p>
-        </p:txBody>
-      </p:sp>
-    </p:spTree>
-    <p:extLst>
-      <p:ext uri="{BB962C8B-B14F-4D97-AF65-F5344CB8AC3E}">
-        <p14:creationId xmlns:p14="http://schemas.microsoft.com/office/powerpoint/2010/main" val="2396840865"/>
-      </p:ext>
-    </p:extLst>
-  </p:cSld>
-  <p:clrMapOvr>
-    <a:masterClrMapping/>
-  </p:clrMapOvr>
-</p:notes>
-</file>
-
-<file path=ppt/notesSlides/notesSlide28.xml><?xml version="1.0" encoding="utf-8"?>
-<p:notes xmlns:a="http://schemas.openxmlformats.org/drawingml/2006/main" xmlns:r="http://schemas.openxmlformats.org/officeDocument/2006/relationships" xmlns:p="http://schemas.openxmlformats.org/presentationml/2006/main">
-  <p:cSld>
-    <p:spTree>
-      <p:nvGrpSpPr>
-        <p:cNvPr id="1" name=""/>
-        <p:cNvGrpSpPr/>
-        <p:nvPr/>
-      </p:nvGrpSpPr>
-      <p:grpSpPr>
-        <a:xfrm>
-          <a:off x="0" y="0"/>
-          <a:ext cx="0" cy="0"/>
-          <a:chOff x="0" y="0"/>
-          <a:chExt cx="0" cy="0"/>
-        </a:xfrm>
-      </p:grpSpPr>
-      <p:sp>
-        <p:nvSpPr>
-          <p:cNvPr id="44034" name="Rectangle 2"/>
-          <p:cNvSpPr>
-            <a:spLocks noGrp="1" noRot="1" noChangeAspect="1" noChangeArrowheads="1" noTextEdit="1"/>
-          </p:cNvSpPr>
-          <p:nvPr>
-            <p:ph type="sldImg"/>
-          </p:nvPr>
-        </p:nvSpPr>
-        <p:spPr>
-          <a:ln/>
-        </p:spPr>
-      </p:sp>
-      <p:sp>
-        <p:nvSpPr>
-          <p:cNvPr id="44035" name="Rectangle 3"/>
-          <p:cNvSpPr>
-            <a:spLocks noGrp="1" noChangeArrowheads="1"/>
-          </p:cNvSpPr>
-          <p:nvPr>
-            <p:ph type="body" idx="1"/>
-          </p:nvPr>
-        </p:nvSpPr>
-        <p:spPr>
-          <a:noFill/>
-          <a:ln/>
-          <a:extLst>
-            <a:ext uri="{909E8E84-426E-40DD-AFC4-6F175D3DCCD1}">
-              <a14:hiddenFill xmlns:a14="http://schemas.microsoft.com/office/drawing/2010/main">
-                <a:solidFill>
-                  <a:srgbClr val="FFFFFF"/>
-                </a:solidFill>
-              </a14:hiddenFill>
-            </a:ext>
-            <a:ext uri="{91240B29-F687-4F45-9708-019B960494DF}">
-              <a14:hiddenLine xmlns:a14="http://schemas.microsoft.com/office/drawing/2010/main" w="9525">
-                <a:solidFill>
-                  <a:srgbClr val="000000"/>
-                </a:solidFill>
-                <a:miter lim="800000"/>
-                <a:headEnd/>
-                <a:tailEnd/>
-              </a14:hiddenLine>
-            </a:ext>
-          </a:extLst>
-        </p:spPr>
-        <p:txBody>
-          <a:bodyPr/>
-          <a:lstStyle/>
-          <a:p>
-            <a:pPr marL="0" marR="0" indent="0" algn="l" defTabSz="914400" rtl="0" eaLnBrk="1" fontAlgn="auto" latinLnBrk="0" hangingPunct="1">
-              <a:lnSpc>
-                <a:spcPct val="100000"/>
-              </a:lnSpc>
-              <a:spcBef>
-                <a:spcPts val="0"/>
-              </a:spcBef>
-              <a:spcAft>
-                <a:spcPts val="0"/>
-              </a:spcAft>
-              <a:buClrTx/>
-              <a:buSzTx/>
-              <a:buFontTx/>
-              <a:buNone/>
-              <a:tabLst/>
-              <a:defRPr/>
-            </a:pPr>
-            <a:r>
-              <a:rPr lang="en-US" sz="1200" dirty="0">
-                <a:solidFill>
-                  <a:schemeClr val="tx2"/>
-                </a:solidFill>
-                <a:latin typeface="Bookman Old Style" pitchFamily="18" charset="0"/>
-              </a:rPr>
-              <a:t>Two scores that are the same number of standard deviations above (or below) the mean in their respective distributions will have the same z score</a:t>
-            </a:r>
-          </a:p>
-          <a:p>
-            <a:pPr eaLnBrk="1" hangingPunct="1"/>
-            <a:endParaRPr lang="en-US" dirty="0"/>
-          </a:p>
-        </p:txBody>
-      </p:sp>
-    </p:spTree>
-    <p:extLst>
-      <p:ext uri="{BB962C8B-B14F-4D97-AF65-F5344CB8AC3E}">
-        <p14:creationId xmlns:p14="http://schemas.microsoft.com/office/powerpoint/2010/main" val="2769518338"/>
       </p:ext>
     </p:extLst>
   </p:cSld>
@@ -2444,6 +2536,292 @@
     <p:extLst>
       <p:ext uri="{BB962C8B-B14F-4D97-AF65-F5344CB8AC3E}">
         <p14:creationId xmlns:p14="http://schemas.microsoft.com/office/powerpoint/2010/main" val="297562991"/>
+      </p:ext>
+    </p:extLst>
+  </p:cSld>
+  <p:clrMapOvr>
+    <a:masterClrMapping/>
+  </p:clrMapOvr>
+</p:notes>
+</file>
+
+<file path=ppt/notesSlides/notesSlide30.xml><?xml version="1.0" encoding="utf-8"?>
+<p:notes xmlns:a="http://schemas.openxmlformats.org/drawingml/2006/main" xmlns:r="http://schemas.openxmlformats.org/officeDocument/2006/relationships" xmlns:p="http://schemas.openxmlformats.org/presentationml/2006/main">
+  <p:cSld>
+    <p:spTree>
+      <p:nvGrpSpPr>
+        <p:cNvPr id="1" name=""/>
+        <p:cNvGrpSpPr/>
+        <p:nvPr/>
+      </p:nvGrpSpPr>
+      <p:grpSpPr>
+        <a:xfrm>
+          <a:off x="0" y="0"/>
+          <a:ext cx="0" cy="0"/>
+          <a:chOff x="0" y="0"/>
+          <a:chExt cx="0" cy="0"/>
+        </a:xfrm>
+      </p:grpSpPr>
+      <p:sp>
+        <p:nvSpPr>
+          <p:cNvPr id="41986" name="Rectangle 2"/>
+          <p:cNvSpPr>
+            <a:spLocks noGrp="1" noRot="1" noChangeAspect="1" noChangeArrowheads="1" noTextEdit="1"/>
+          </p:cNvSpPr>
+          <p:nvPr>
+            <p:ph type="sldImg"/>
+          </p:nvPr>
+        </p:nvSpPr>
+        <p:spPr>
+          <a:ln/>
+        </p:spPr>
+      </p:sp>
+      <p:sp>
+        <p:nvSpPr>
+          <p:cNvPr id="41987" name="Rectangle 3"/>
+          <p:cNvSpPr>
+            <a:spLocks noGrp="1" noChangeArrowheads="1"/>
+          </p:cNvSpPr>
+          <p:nvPr>
+            <p:ph type="body" idx="1"/>
+          </p:nvPr>
+        </p:nvSpPr>
+        <p:spPr>
+          <a:noFill/>
+          <a:ln/>
+          <a:extLst>
+            <a:ext uri="{909E8E84-426E-40DD-AFC4-6F175D3DCCD1}">
+              <a14:hiddenFill xmlns:a14="http://schemas.microsoft.com/office/drawing/2010/main">
+                <a:solidFill>
+                  <a:srgbClr val="FFFFFF"/>
+                </a:solidFill>
+              </a14:hiddenFill>
+            </a:ext>
+            <a:ext uri="{91240B29-F687-4F45-9708-019B960494DF}">
+              <a14:hiddenLine xmlns:a14="http://schemas.microsoft.com/office/drawing/2010/main" w="9525">
+                <a:solidFill>
+                  <a:srgbClr val="000000"/>
+                </a:solidFill>
+                <a:miter lim="800000"/>
+                <a:headEnd/>
+                <a:tailEnd/>
+              </a14:hiddenLine>
+            </a:ext>
+          </a:extLst>
+        </p:spPr>
+        <p:txBody>
+          <a:bodyPr/>
+          <a:lstStyle/>
+          <a:p>
+            <a:pPr eaLnBrk="1" hangingPunct="1"/>
+            <a:endParaRPr lang="en-US"/>
+          </a:p>
+        </p:txBody>
+      </p:sp>
+    </p:spTree>
+    <p:extLst>
+      <p:ext uri="{BB962C8B-B14F-4D97-AF65-F5344CB8AC3E}">
+        <p14:creationId xmlns:p14="http://schemas.microsoft.com/office/powerpoint/2010/main" val="37622765"/>
+      </p:ext>
+    </p:extLst>
+  </p:cSld>
+  <p:clrMapOvr>
+    <a:masterClrMapping/>
+  </p:clrMapOvr>
+</p:notes>
+</file>
+
+<file path=ppt/notesSlides/notesSlide31.xml><?xml version="1.0" encoding="utf-8"?>
+<p:notes xmlns:a="http://schemas.openxmlformats.org/drawingml/2006/main" xmlns:r="http://schemas.openxmlformats.org/officeDocument/2006/relationships" xmlns:p="http://schemas.openxmlformats.org/presentationml/2006/main">
+  <p:cSld>
+    <p:spTree>
+      <p:nvGrpSpPr>
+        <p:cNvPr id="1" name=""/>
+        <p:cNvGrpSpPr/>
+        <p:nvPr/>
+      </p:nvGrpSpPr>
+      <p:grpSpPr>
+        <a:xfrm>
+          <a:off x="0" y="0"/>
+          <a:ext cx="0" cy="0"/>
+          <a:chOff x="0" y="0"/>
+          <a:chExt cx="0" cy="0"/>
+        </a:xfrm>
+      </p:grpSpPr>
+      <p:sp>
+        <p:nvSpPr>
+          <p:cNvPr id="43010" name="Rectangle 2"/>
+          <p:cNvSpPr>
+            <a:spLocks noGrp="1" noRot="1" noChangeAspect="1" noChangeArrowheads="1" noTextEdit="1"/>
+          </p:cNvSpPr>
+          <p:nvPr>
+            <p:ph type="sldImg"/>
+          </p:nvPr>
+        </p:nvSpPr>
+        <p:spPr>
+          <a:ln/>
+        </p:spPr>
+      </p:sp>
+      <p:sp>
+        <p:nvSpPr>
+          <p:cNvPr id="43011" name="Rectangle 3"/>
+          <p:cNvSpPr>
+            <a:spLocks noGrp="1" noChangeArrowheads="1"/>
+          </p:cNvSpPr>
+          <p:nvPr>
+            <p:ph type="body" idx="1"/>
+          </p:nvPr>
+        </p:nvSpPr>
+        <p:spPr>
+          <a:noFill/>
+          <a:ln/>
+          <a:extLst>
+            <a:ext uri="{909E8E84-426E-40DD-AFC4-6F175D3DCCD1}">
+              <a14:hiddenFill xmlns:a14="http://schemas.microsoft.com/office/drawing/2010/main">
+                <a:solidFill>
+                  <a:srgbClr val="FFFFFF"/>
+                </a:solidFill>
+              </a14:hiddenFill>
+            </a:ext>
+            <a:ext uri="{91240B29-F687-4F45-9708-019B960494DF}">
+              <a14:hiddenLine xmlns:a14="http://schemas.microsoft.com/office/drawing/2010/main" w="9525">
+                <a:solidFill>
+                  <a:srgbClr val="000000"/>
+                </a:solidFill>
+                <a:miter lim="800000"/>
+                <a:headEnd/>
+                <a:tailEnd/>
+              </a14:hiddenLine>
+            </a:ext>
+          </a:extLst>
+        </p:spPr>
+        <p:txBody>
+          <a:bodyPr/>
+          <a:lstStyle/>
+          <a:p>
+            <a:pPr eaLnBrk="1" hangingPunct="1"/>
+            <a:endParaRPr lang="en-US"/>
+          </a:p>
+        </p:txBody>
+      </p:sp>
+    </p:spTree>
+    <p:extLst>
+      <p:ext uri="{BB962C8B-B14F-4D97-AF65-F5344CB8AC3E}">
+        <p14:creationId xmlns:p14="http://schemas.microsoft.com/office/powerpoint/2010/main" val="2396840865"/>
+      </p:ext>
+    </p:extLst>
+  </p:cSld>
+  <p:clrMapOvr>
+    <a:masterClrMapping/>
+  </p:clrMapOvr>
+</p:notes>
+</file>
+
+<file path=ppt/notesSlides/notesSlide32.xml><?xml version="1.0" encoding="utf-8"?>
+<p:notes xmlns:a="http://schemas.openxmlformats.org/drawingml/2006/main" xmlns:r="http://schemas.openxmlformats.org/officeDocument/2006/relationships" xmlns:p="http://schemas.openxmlformats.org/presentationml/2006/main">
+  <p:cSld>
+    <p:spTree>
+      <p:nvGrpSpPr>
+        <p:cNvPr id="1" name=""/>
+        <p:cNvGrpSpPr/>
+        <p:nvPr/>
+      </p:nvGrpSpPr>
+      <p:grpSpPr>
+        <a:xfrm>
+          <a:off x="0" y="0"/>
+          <a:ext cx="0" cy="0"/>
+          <a:chOff x="0" y="0"/>
+          <a:chExt cx="0" cy="0"/>
+        </a:xfrm>
+      </p:grpSpPr>
+      <p:sp>
+        <p:nvSpPr>
+          <p:cNvPr id="44034" name="Rectangle 2"/>
+          <p:cNvSpPr>
+            <a:spLocks noGrp="1" noRot="1" noChangeAspect="1" noChangeArrowheads="1" noTextEdit="1"/>
+          </p:cNvSpPr>
+          <p:nvPr>
+            <p:ph type="sldImg"/>
+          </p:nvPr>
+        </p:nvSpPr>
+        <p:spPr>
+          <a:ln/>
+        </p:spPr>
+      </p:sp>
+      <p:sp>
+        <p:nvSpPr>
+          <p:cNvPr id="44035" name="Rectangle 3"/>
+          <p:cNvSpPr>
+            <a:spLocks noGrp="1" noChangeArrowheads="1"/>
+          </p:cNvSpPr>
+          <p:nvPr>
+            <p:ph type="body" idx="1"/>
+          </p:nvPr>
+        </p:nvSpPr>
+        <p:spPr>
+          <a:noFill/>
+          <a:ln/>
+          <a:extLst>
+            <a:ext uri="{909E8E84-426E-40DD-AFC4-6F175D3DCCD1}">
+              <a14:hiddenFill xmlns:a14="http://schemas.microsoft.com/office/drawing/2010/main">
+                <a:solidFill>
+                  <a:srgbClr val="FFFFFF"/>
+                </a:solidFill>
+              </a14:hiddenFill>
+            </a:ext>
+            <a:ext uri="{91240B29-F687-4F45-9708-019B960494DF}">
+              <a14:hiddenLine xmlns:a14="http://schemas.microsoft.com/office/drawing/2010/main" w="9525">
+                <a:solidFill>
+                  <a:srgbClr val="000000"/>
+                </a:solidFill>
+                <a:miter lim="800000"/>
+                <a:headEnd/>
+                <a:tailEnd/>
+              </a14:hiddenLine>
+            </a:ext>
+          </a:extLst>
+        </p:spPr>
+        <p:txBody>
+          <a:bodyPr/>
+          <a:lstStyle/>
+          <a:p>
+            <a:pPr marL="0" marR="0" indent="0" algn="l" defTabSz="914400" rtl="0" eaLnBrk="1" fontAlgn="auto" latinLnBrk="0" hangingPunct="1">
+              <a:lnSpc>
+                <a:spcPct val="100000"/>
+              </a:lnSpc>
+              <a:spcBef>
+                <a:spcPts val="0"/>
+              </a:spcBef>
+              <a:spcAft>
+                <a:spcPts val="0"/>
+              </a:spcAft>
+              <a:buClrTx/>
+              <a:buSzTx/>
+              <a:buFontTx/>
+              <a:buNone/>
+              <a:tabLst/>
+              <a:defRPr/>
+            </a:pPr>
+            <a:r>
+              <a:rPr lang="en-US" sz="1200" dirty="0">
+                <a:solidFill>
+                  <a:schemeClr val="tx2"/>
+                </a:solidFill>
+                <a:latin typeface="Bookman Old Style" pitchFamily="18" charset="0"/>
+              </a:rPr>
+              <a:t>Two scores that are the same number of standard deviations above (or below) the mean in their respective distributions will have the same z score</a:t>
+            </a:r>
+          </a:p>
+          <a:p>
+            <a:pPr eaLnBrk="1" hangingPunct="1"/>
+            <a:endParaRPr lang="en-US" dirty="0"/>
+          </a:p>
+        </p:txBody>
+      </p:sp>
+    </p:spTree>
+    <p:extLst>
+      <p:ext uri="{BB962C8B-B14F-4D97-AF65-F5344CB8AC3E}">
+        <p14:creationId xmlns:p14="http://schemas.microsoft.com/office/powerpoint/2010/main" val="2769518338"/>
       </p:ext>
     </p:extLst>
   </p:cSld>
@@ -3176,7 +3554,7 @@
           <a:p>
             <a:fld id="{89AFD93E-1708-41FC-BC2F-1C4F1BB6CE6C}" type="datetime1">
               <a:rPr lang="en-US" smtClean="0"/>
-              <a:t>12/30/17</a:t>
+              <a:t>1/31/18</a:t>
             </a:fld>
             <a:endParaRPr lang="en-US"/>
           </a:p>
@@ -3344,7 +3722,7 @@
           <a:p>
             <a:fld id="{9E93799E-8070-453B-9C3D-D40F3E2F6C6B}" type="datetime1">
               <a:rPr lang="en-US" smtClean="0"/>
-              <a:t>12/30/17</a:t>
+              <a:t>1/31/18</a:t>
             </a:fld>
             <a:endParaRPr lang="en-US"/>
           </a:p>
@@ -3522,7 +3900,7 @@
           <a:p>
             <a:fld id="{AFCBC7CE-311B-4AF6-9F04-1F91EBEA39F3}" type="datetime1">
               <a:rPr lang="en-US" smtClean="0"/>
-              <a:t>12/30/17</a:t>
+              <a:t>1/31/18</a:t>
             </a:fld>
             <a:endParaRPr lang="en-US"/>
           </a:p>
@@ -3690,7 +4068,7 @@
           <a:p>
             <a:fld id="{6CC4678B-1A05-47FF-B6ED-4585FE7714A6}" type="datetime1">
               <a:rPr lang="en-US" smtClean="0"/>
-              <a:t>12/30/17</a:t>
+              <a:t>1/31/18</a:t>
             </a:fld>
             <a:endParaRPr lang="en-US"/>
           </a:p>
@@ -3935,7 +4313,7 @@
           <a:p>
             <a:fld id="{3337428F-CFCD-4393-92A3-B80012777DE3}" type="datetime1">
               <a:rPr lang="en-US" smtClean="0"/>
-              <a:t>12/30/17</a:t>
+              <a:t>1/31/18</a:t>
             </a:fld>
             <a:endParaRPr lang="en-US"/>
           </a:p>
@@ -4220,7 +4598,7 @@
           <a:p>
             <a:fld id="{3D6B1248-5EA6-4701-A468-22A344FE263D}" type="datetime1">
               <a:rPr lang="en-US" smtClean="0"/>
-              <a:t>12/30/17</a:t>
+              <a:t>1/31/18</a:t>
             </a:fld>
             <a:endParaRPr lang="en-US"/>
           </a:p>
@@ -4639,7 +5017,7 @@
           <a:p>
             <a:fld id="{287E2051-2BBC-4D13-83E6-1417192F4002}" type="datetime1">
               <a:rPr lang="en-US" smtClean="0"/>
-              <a:t>12/30/17</a:t>
+              <a:t>1/31/18</a:t>
             </a:fld>
             <a:endParaRPr lang="en-US"/>
           </a:p>
@@ -4756,7 +5134,7 @@
           <a:p>
             <a:fld id="{E61F33DA-6976-4AF3-B0D6-ABCF4B5D1E73}" type="datetime1">
               <a:rPr lang="en-US" smtClean="0"/>
-              <a:t>12/30/17</a:t>
+              <a:t>1/31/18</a:t>
             </a:fld>
             <a:endParaRPr lang="en-US"/>
           </a:p>
@@ -4851,7 +5229,7 @@
           <a:p>
             <a:fld id="{DA1977E2-AF21-4DA4-A162-01B38379F185}" type="datetime1">
               <a:rPr lang="en-US" smtClean="0"/>
-              <a:t>12/30/17</a:t>
+              <a:t>1/31/18</a:t>
             </a:fld>
             <a:endParaRPr lang="en-US"/>
           </a:p>
@@ -5126,7 +5504,7 @@
           <a:p>
             <a:fld id="{02E7A824-3575-4FDE-99FC-20204EFD05A7}" type="datetime1">
               <a:rPr lang="en-US" smtClean="0"/>
-              <a:t>12/30/17</a:t>
+              <a:t>1/31/18</a:t>
             </a:fld>
             <a:endParaRPr lang="en-US"/>
           </a:p>
@@ -5378,7 +5756,7 @@
           <a:p>
             <a:fld id="{2C18CA6F-1BAD-49FA-B7B2-2968AE60B57D}" type="datetime1">
               <a:rPr lang="en-US" smtClean="0"/>
-              <a:t>12/30/17</a:t>
+              <a:t>1/31/18</a:t>
             </a:fld>
             <a:endParaRPr lang="en-US"/>
           </a:p>
@@ -5589,7 +5967,7 @@
           <a:p>
             <a:fld id="{75BAB8BB-A02E-4785-AAA4-156E2FD485F3}" type="datetime1">
               <a:rPr lang="en-US" smtClean="0"/>
-              <a:t>12/30/17</a:t>
+              <a:t>1/31/18</a:t>
             </a:fld>
             <a:endParaRPr lang="en-US"/>
           </a:p>
@@ -6605,7 +6983,7 @@
           <a:graphicData uri="http://schemas.openxmlformats.org/presentationml/2006/ole">
             <mc:AlternateContent xmlns:mc="http://schemas.openxmlformats.org/markup-compatibility/2006">
               <mc:Choice xmlns:v="urn:schemas-microsoft-com:vml" Requires="v">
-                <p:oleObj spid="_x0000_s20664" name="Equation" r:id="rId4" imgW="177569" imgH="202936" progId="Equation.3">
+                <p:oleObj spid="_x0000_s21072" name="Equation" r:id="rId4" imgW="177569" imgH="202936" progId="Equation.3">
                   <p:embed/>
                 </p:oleObj>
               </mc:Choice>
@@ -6785,7 +7163,7 @@
           <a:graphicData uri="http://schemas.openxmlformats.org/presentationml/2006/ole">
             <mc:AlternateContent xmlns:mc="http://schemas.openxmlformats.org/markup-compatibility/2006">
               <mc:Choice xmlns:v="urn:schemas-microsoft-com:vml" Requires="v">
-                <p:oleObj spid="_x0000_s20665" name="Equation" r:id="rId6" imgW="634680" imgH="253800" progId="Equation.3">
+                <p:oleObj spid="_x0000_s21073" name="Equation" r:id="rId6" imgW="634680" imgH="253800" progId="Equation.3">
                   <p:embed/>
                 </p:oleObj>
               </mc:Choice>
@@ -6907,7 +7285,7 @@
           <a:graphicData uri="http://schemas.openxmlformats.org/presentationml/2006/ole">
             <mc:AlternateContent xmlns:mc="http://schemas.openxmlformats.org/markup-compatibility/2006">
               <mc:Choice xmlns:v="urn:schemas-microsoft-com:vml" Requires="v">
-                <p:oleObj spid="_x0000_s20666" name="Equation" r:id="rId8" imgW="1294838" imgH="266584" progId="Equation.3">
+                <p:oleObj spid="_x0000_s21074" name="Equation" r:id="rId8" imgW="1294838" imgH="266584" progId="Equation.3">
                   <p:embed/>
                 </p:oleObj>
               </mc:Choice>
@@ -6983,7 +7361,7 @@
           <a:graphicData uri="http://schemas.openxmlformats.org/presentationml/2006/ole">
             <mc:AlternateContent xmlns:mc="http://schemas.openxmlformats.org/markup-compatibility/2006">
               <mc:Choice xmlns:v="urn:schemas-microsoft-com:vml" Requires="v">
-                <p:oleObj spid="_x0000_s20667" name="Equation" r:id="rId10" imgW="583920" imgH="253800" progId="Equation.3">
+                <p:oleObj spid="_x0000_s21075" name="Equation" r:id="rId10" imgW="583920" imgH="253800" progId="Equation.3">
                   <p:embed/>
                 </p:oleObj>
               </mc:Choice>
@@ -11139,7 +11517,7 @@
           <a:graphicData uri="http://schemas.openxmlformats.org/presentationml/2006/ole">
             <mc:AlternateContent xmlns:mc="http://schemas.openxmlformats.org/markup-compatibility/2006">
               <mc:Choice xmlns:v="urn:schemas-microsoft-com:vml" Requires="v">
-                <p:oleObj spid="_x0000_s18552" name="Equation" r:id="rId4" imgW="457002" imgH="203112" progId="Equation.3">
+                <p:oleObj spid="_x0000_s18756" name="Equation" r:id="rId4" imgW="457002" imgH="203112" progId="Equation.3">
                   <p:embed/>
                 </p:oleObj>
               </mc:Choice>
@@ -11267,7 +11645,7 @@
           <a:graphicData uri="http://schemas.openxmlformats.org/presentationml/2006/ole">
             <mc:AlternateContent xmlns:mc="http://schemas.openxmlformats.org/markup-compatibility/2006">
               <mc:Choice xmlns:v="urn:schemas-microsoft-com:vml" Requires="v">
-                <p:oleObj spid="_x0000_s18553" name="Equation" r:id="rId6" imgW="457002" imgH="203112" progId="Equation.3">
+                <p:oleObj spid="_x0000_s18757" name="Equation" r:id="rId6" imgW="457002" imgH="203112" progId="Equation.3">
                   <p:embed/>
                 </p:oleObj>
               </mc:Choice>
@@ -12221,7 +12599,7 @@
           <a:graphicData uri="http://schemas.openxmlformats.org/presentationml/2006/ole">
             <mc:AlternateContent xmlns:mc="http://schemas.openxmlformats.org/markup-compatibility/2006">
               <mc:Choice xmlns:v="urn:schemas-microsoft-com:vml" Requires="v">
-                <p:oleObj spid="_x0000_s19694" name="Equation" r:id="rId4" imgW="494870" imgH="215713" progId="Equation.3">
+                <p:oleObj spid="_x0000_s20102" name="Equation" r:id="rId4" imgW="494870" imgH="215713" progId="Equation.3">
                   <p:embed/>
                 </p:oleObj>
               </mc:Choice>
@@ -12341,7 +12719,7 @@
           <a:graphicData uri="http://schemas.openxmlformats.org/presentationml/2006/ole">
             <mc:AlternateContent xmlns:mc="http://schemas.openxmlformats.org/markup-compatibility/2006">
               <mc:Choice xmlns:v="urn:schemas-microsoft-com:vml" Requires="v">
-                <p:oleObj spid="_x0000_s19695" name="Equation" r:id="rId6" imgW="1205977" imgH="266584" progId="Equation.3">
+                <p:oleObj spid="_x0000_s20103" name="Equation" r:id="rId6" imgW="1205977" imgH="266584" progId="Equation.3">
                   <p:embed/>
                 </p:oleObj>
               </mc:Choice>
@@ -12461,7 +12839,7 @@
           <a:graphicData uri="http://schemas.openxmlformats.org/presentationml/2006/ole">
             <mc:AlternateContent xmlns:mc="http://schemas.openxmlformats.org/markup-compatibility/2006">
               <mc:Choice xmlns:v="urn:schemas-microsoft-com:vml" Requires="v">
-                <p:oleObj spid="_x0000_s19696" name="Equation" r:id="rId8" imgW="2120900" imgH="444500" progId="Equation.3">
+                <p:oleObj spid="_x0000_s20104" name="Equation" r:id="rId8" imgW="2120900" imgH="444500" progId="Equation.3">
                   <p:embed/>
                 </p:oleObj>
               </mc:Choice>
@@ -12631,7 +13009,7 @@
           <a:graphicData uri="http://schemas.openxmlformats.org/presentationml/2006/ole">
             <mc:AlternateContent xmlns:mc="http://schemas.openxmlformats.org/markup-compatibility/2006">
               <mc:Choice xmlns:v="urn:schemas-microsoft-com:vml" Requires="v">
-                <p:oleObj spid="_x0000_s19697" name="Equation" r:id="rId10" imgW="2514600" imgH="482400" progId="Equation.3">
+                <p:oleObj spid="_x0000_s20105" name="Equation" r:id="rId10" imgW="2514600" imgH="482400" progId="Equation.3">
                   <p:embed/>
                 </p:oleObj>
               </mc:Choice>
@@ -13500,7 +13878,7 @@
           <a:graphicData uri="http://schemas.openxmlformats.org/presentationml/2006/ole">
             <mc:AlternateContent xmlns:mc="http://schemas.openxmlformats.org/markup-compatibility/2006">
               <mc:Choice xmlns:v="urn:schemas-microsoft-com:vml" Requires="v">
-                <p:oleObj spid="_x0000_s1528" name="Equation" r:id="rId3" imgW="812520" imgH="431640" progId="Equation.DSMT4">
+                <p:oleObj spid="_x0000_s36956" name="Equation" r:id="rId3" imgW="812520" imgH="431640" progId="Equation.DSMT4">
                   <p:embed/>
                 </p:oleObj>
               </mc:Choice>
@@ -13557,7 +13935,7 @@
           <a:graphicData uri="http://schemas.openxmlformats.org/presentationml/2006/ole">
             <mc:AlternateContent xmlns:mc="http://schemas.openxmlformats.org/markup-compatibility/2006">
               <mc:Choice xmlns:v="urn:schemas-microsoft-com:vml" Requires="v">
-                <p:oleObj spid="_x0000_s1529" name="Equation" r:id="rId5" imgW="799920" imgH="431640" progId="Equation.DSMT4">
+                <p:oleObj spid="_x0000_s36957" name="Equation" r:id="rId5" imgW="799920" imgH="431640" progId="Equation.DSMT4">
                   <p:embed/>
                 </p:oleObj>
               </mc:Choice>
@@ -13621,7 +13999,7 @@
           <a:graphicData uri="http://schemas.openxmlformats.org/presentationml/2006/ole">
             <mc:AlternateContent xmlns:mc="http://schemas.openxmlformats.org/markup-compatibility/2006">
               <mc:Choice xmlns:v="urn:schemas-microsoft-com:vml" Requires="v">
-                <p:oleObj spid="_x0000_s1530" name="Equation" r:id="rId7" imgW="1143000" imgH="609480" progId="Equation.DSMT4">
+                <p:oleObj spid="_x0000_s36958" name="Equation" r:id="rId7" imgW="1143000" imgH="609480" progId="Equation.DSMT4">
                   <p:embed/>
                 </p:oleObj>
               </mc:Choice>
@@ -13678,7 +14056,7 @@
           <a:graphicData uri="http://schemas.openxmlformats.org/presentationml/2006/ole">
             <mc:AlternateContent xmlns:mc="http://schemas.openxmlformats.org/markup-compatibility/2006">
               <mc:Choice xmlns:v="urn:schemas-microsoft-com:vml" Requires="v">
-                <p:oleObj spid="_x0000_s1531" name="Equation" r:id="rId9" imgW="1193760" imgH="660240" progId="Equation.DSMT4">
+                <p:oleObj spid="_x0000_s36959" name="Equation" r:id="rId9" imgW="1193760" imgH="660240" progId="Equation.DSMT4">
                   <p:embed/>
                 </p:oleObj>
               </mc:Choice>
@@ -13742,7 +14120,7 @@
           <a:graphicData uri="http://schemas.openxmlformats.org/presentationml/2006/ole">
             <mc:AlternateContent xmlns:mc="http://schemas.openxmlformats.org/markup-compatibility/2006">
               <mc:Choice xmlns:v="urn:schemas-microsoft-com:vml" Requires="v">
-                <p:oleObj spid="_x0000_s1532" name="Equation" r:id="rId11" imgW="1143000" imgH="609480" progId="Equation.DSMT4">
+                <p:oleObj spid="_x0000_s36960" name="Equation" r:id="rId11" imgW="1143000" imgH="609480" progId="Equation.DSMT4">
                   <p:embed/>
                 </p:oleObj>
               </mc:Choice>
@@ -13799,7 +14177,7 @@
           <a:graphicData uri="http://schemas.openxmlformats.org/presentationml/2006/ole">
             <mc:AlternateContent xmlns:mc="http://schemas.openxmlformats.org/markup-compatibility/2006">
               <mc:Choice xmlns:v="urn:schemas-microsoft-com:vml" Requires="v">
-                <p:oleObj spid="_x0000_s1533" name="Equation" r:id="rId13" imgW="1193760" imgH="660240" progId="Equation.DSMT4">
+                <p:oleObj spid="_x0000_s36961" name="Equation" r:id="rId13" imgW="1193760" imgH="660240" progId="Equation.DSMT4">
                   <p:embed/>
                 </p:oleObj>
               </mc:Choice>
@@ -13944,7 +14322,19 @@
               <a:rPr lang="en-US" dirty="0">
                 <a:latin typeface="Palatino Linotype" pitchFamily="18" charset="0"/>
               </a:rPr>
-              <a:t>“Degrees of freedom”—number of values in the final calculation of a statistic that are free to vary.</a:t>
+              <a:t>“</a:t>
+            </a:r>
+            <a:r>
+              <a:rPr lang="en-US" b="1" u="sng" dirty="0">
+                <a:latin typeface="Palatino Linotype" pitchFamily="18" charset="0"/>
+              </a:rPr>
+              <a:t>Degrees of freedom</a:t>
+            </a:r>
+            <a:r>
+              <a:rPr lang="en-US" dirty="0">
+                <a:latin typeface="Palatino Linotype" pitchFamily="18" charset="0"/>
+              </a:rPr>
+              <a:t>”—number of values in the final calculation of a statistic that are free to vary.</a:t>
             </a:r>
           </a:p>
           <a:p>
@@ -14093,7 +14483,37 @@
               <a:rPr lang="en-US" dirty="0">
                 <a:latin typeface="Palatino Linotype" pitchFamily="18" charset="0"/>
               </a:rPr>
-              <a:t>The area under the curve actually contains 100% of the data points.</a:t>
+              <a:t>The </a:t>
+            </a:r>
+            <a:r>
+              <a:rPr lang="en-US" b="1" u="sng" dirty="0">
+                <a:latin typeface="Palatino Linotype" pitchFamily="18" charset="0"/>
+              </a:rPr>
+              <a:t>area under the curve</a:t>
+            </a:r>
+            <a:r>
+              <a:rPr lang="zh-Hans" altLang="en-US" b="1" u="sng" dirty="0">
+                <a:latin typeface="Palatino Linotype" pitchFamily="18" charset="0"/>
+              </a:rPr>
+              <a:t> </a:t>
+            </a:r>
+            <a:r>
+              <a:rPr lang="en-US" altLang="zh-Hans" b="1" u="sng" dirty="0">
+                <a:latin typeface="Palatino Linotype" pitchFamily="18" charset="0"/>
+              </a:rPr>
+              <a:t>(AUC)</a:t>
+            </a:r>
+            <a:r>
+              <a:rPr lang="en-US" b="1" u="sng" dirty="0">
+                <a:latin typeface="Palatino Linotype" pitchFamily="18" charset="0"/>
+              </a:rPr>
+              <a:t> </a:t>
+            </a:r>
+            <a:r>
+              <a:rPr lang="en-US" dirty="0">
+                <a:latin typeface="Palatino Linotype" pitchFamily="18" charset="0"/>
+              </a:rPr>
+              <a:t>actually contains 100% of the data points.</a:t>
             </a:r>
           </a:p>
           <a:p>
@@ -14468,7 +14888,7 @@
           <a:graphicData uri="http://schemas.openxmlformats.org/presentationml/2006/ole">
             <mc:AlternateContent xmlns:mc="http://schemas.openxmlformats.org/markup-compatibility/2006">
               <mc:Choice xmlns:v="urn:schemas-microsoft-com:vml" Requires="v">
-                <p:oleObj spid="_x0000_s11326" name="Bitmap Image" r:id="rId4" imgW="2866667" imgH="2019048" progId="Paint.Picture">
+                <p:oleObj spid="_x0000_s11428" name="Bitmap Image" r:id="rId4" imgW="2866667" imgH="2019048" progId="Paint.Picture">
                   <p:embed/>
                 </p:oleObj>
               </mc:Choice>
@@ -14880,7 +15300,7 @@
           <a:graphicData uri="http://schemas.openxmlformats.org/presentationml/2006/ole">
             <mc:AlternateContent xmlns:mc="http://schemas.openxmlformats.org/markup-compatibility/2006">
               <mc:Choice xmlns:v="urn:schemas-microsoft-com:vml" Requires="v">
-                <p:oleObj spid="_x0000_s12350" name="Bitmap Image" r:id="rId4" imgW="3048426" imgH="1980952" progId="Paint.Picture">
+                <p:oleObj spid="_x0000_s12452" name="Bitmap Image" r:id="rId4" imgW="3048426" imgH="1980952" progId="Paint.Picture">
                   <p:embed/>
                 </p:oleObj>
               </mc:Choice>
@@ -15474,7 +15894,7 @@
           <a:graphicData uri="http://schemas.openxmlformats.org/presentationml/2006/ole">
             <mc:AlternateContent xmlns:mc="http://schemas.openxmlformats.org/markup-compatibility/2006">
               <mc:Choice xmlns:v="urn:schemas-microsoft-com:vml" Requires="v">
-                <p:oleObj spid="_x0000_s13374" name="Bitmap Image" r:id="rId4" imgW="3648584" imgH="2200582" progId="Paint.Picture">
+                <p:oleObj spid="_x0000_s13476" name="Bitmap Image" r:id="rId4" imgW="3648584" imgH="2200582" progId="Paint.Picture">
                   <p:embed/>
                 </p:oleObj>
               </mc:Choice>
@@ -16075,7 +16495,7 @@
           <a:graphicData uri="http://schemas.openxmlformats.org/presentationml/2006/ole">
             <mc:AlternateContent xmlns:mc="http://schemas.openxmlformats.org/markup-compatibility/2006">
               <mc:Choice xmlns:v="urn:schemas-microsoft-com:vml" Requires="v">
-                <p:oleObj spid="_x0000_s6356" name="Equation" r:id="rId3" imgW="812447" imgH="253890" progId="Equation.DSMT4">
+                <p:oleObj spid="_x0000_s6662" name="Equation" r:id="rId3" imgW="812447" imgH="253890" progId="Equation.DSMT4">
                   <p:embed/>
                 </p:oleObj>
               </mc:Choice>
@@ -16205,7 +16625,7 @@
           <a:graphicData uri="http://schemas.openxmlformats.org/presentationml/2006/ole">
             <mc:AlternateContent xmlns:mc="http://schemas.openxmlformats.org/markup-compatibility/2006">
               <mc:Choice xmlns:v="urn:schemas-microsoft-com:vml" Requires="v">
-                <p:oleObj spid="_x0000_s6357" name="Equation" r:id="rId5" imgW="1104900" imgH="254000" progId="Equation.DSMT4">
+                <p:oleObj spid="_x0000_s6663" name="Equation" r:id="rId5" imgW="1104900" imgH="254000" progId="Equation.DSMT4">
                   <p:embed/>
                 </p:oleObj>
               </mc:Choice>
@@ -16335,7 +16755,7 @@
           <a:graphicData uri="http://schemas.openxmlformats.org/presentationml/2006/ole">
             <mc:AlternateContent xmlns:mc="http://schemas.openxmlformats.org/markup-compatibility/2006">
               <mc:Choice xmlns:v="urn:schemas-microsoft-com:vml" Requires="v">
-                <p:oleObj spid="_x0000_s6358" name="Equation" r:id="rId7" imgW="1129810" imgH="253890" progId="Equation.DSMT4">
+                <p:oleObj spid="_x0000_s6664" name="Equation" r:id="rId7" imgW="1129810" imgH="253890" progId="Equation.DSMT4">
                   <p:embed/>
                 </p:oleObj>
               </mc:Choice>
@@ -18024,7 +18444,7 @@
           <a:graphicData uri="http://schemas.openxmlformats.org/presentationml/2006/ole">
             <mc:AlternateContent xmlns:mc="http://schemas.openxmlformats.org/markup-compatibility/2006">
               <mc:Choice xmlns:v="urn:schemas-microsoft-com:vml" Requires="v">
-                <p:oleObj spid="_x0000_s21526" name="Bitmap Image" r:id="rId4" imgW="4858428" imgH="2180952" progId="Paint.Picture">
+                <p:oleObj spid="_x0000_s21628" name="Bitmap Image" r:id="rId4" imgW="4858428" imgH="2180952" progId="Paint.Picture">
                   <p:embed/>
                 </p:oleObj>
               </mc:Choice>
@@ -18831,7 +19251,7 @@
           <a:graphicData uri="http://schemas.openxmlformats.org/presentationml/2006/ole">
             <mc:AlternateContent xmlns:mc="http://schemas.openxmlformats.org/markup-compatibility/2006">
               <mc:Choice xmlns:v="urn:schemas-microsoft-com:vml" Requires="v">
-                <p:oleObj spid="_x0000_s22550" name="Bitmap Image" r:id="rId4" imgW="3648584" imgH="2285714" progId="Paint.Picture">
+                <p:oleObj spid="_x0000_s22652" name="Bitmap Image" r:id="rId4" imgW="3648584" imgH="2285714" progId="Paint.Picture">
                   <p:embed/>
                 </p:oleObj>
               </mc:Choice>
@@ -19626,7 +20046,7 @@
           <a:graphicData uri="http://schemas.openxmlformats.org/presentationml/2006/ole">
             <mc:AlternateContent xmlns:mc="http://schemas.openxmlformats.org/markup-compatibility/2006">
               <mc:Choice xmlns:v="urn:schemas-microsoft-com:vml" Requires="v">
-                <p:oleObj spid="_x0000_s23574" name="Bitmap Image" r:id="rId4" imgW="4229690" imgH="2486372" progId="Paint.Picture">
+                <p:oleObj spid="_x0000_s23676" name="Bitmap Image" r:id="rId4" imgW="4229690" imgH="2486372" progId="Paint.Picture">
                   <p:embed/>
                 </p:oleObj>
               </mc:Choice>
@@ -20508,6 +20928,146 @@
           <a:bodyPr/>
           <a:lstStyle/>
           <a:p>
+            <a:r>
+              <a:rPr lang="en-US" i="1" dirty="0"/>
+              <a:t>Learning Objectives</a:t>
+            </a:r>
+          </a:p>
+          <a:p>
+            <a:pPr marL="914400" lvl="1" indent="-514350">
+              <a:buFont typeface="+mj-lt"/>
+              <a:buAutoNum type="arabicPeriod"/>
+            </a:pPr>
+            <a:r>
+              <a:rPr lang="en-US" dirty="0"/>
+              <a:t>State the proportion of a normal distribution within 1 and within 2 standard deviations of the mean</a:t>
+            </a:r>
+          </a:p>
+          <a:p>
+            <a:pPr marL="914400" lvl="1" indent="-514350">
+              <a:buFont typeface="+mj-lt"/>
+              <a:buAutoNum type="arabicPeriod"/>
+            </a:pPr>
+            <a:r>
+              <a:rPr lang="en-US" dirty="0"/>
+              <a:t>Use the calculator "Calculate Area for a given X"</a:t>
+            </a:r>
+          </a:p>
+          <a:p>
+            <a:pPr marL="914400" lvl="1" indent="-514350">
+              <a:buFont typeface="+mj-lt"/>
+              <a:buAutoNum type="arabicPeriod"/>
+            </a:pPr>
+            <a:r>
+              <a:rPr lang="en-US" dirty="0"/>
+              <a:t>Use the calculator "Calculate X for a given Area"</a:t>
+            </a:r>
+          </a:p>
+          <a:p>
+            <a:endParaRPr lang="en-US" dirty="0">
+              <a:latin typeface="Palatino Linotype" pitchFamily="18" charset="0"/>
+            </a:endParaRPr>
+          </a:p>
+        </p:txBody>
+      </p:sp>
+      <p:sp>
+        <p:nvSpPr>
+          <p:cNvPr id="4" name="Slide Number Placeholder 3"/>
+          <p:cNvSpPr>
+            <a:spLocks noGrp="1"/>
+          </p:cNvSpPr>
+          <p:nvPr>
+            <p:ph type="sldNum" sz="quarter" idx="12"/>
+          </p:nvPr>
+        </p:nvSpPr>
+        <p:spPr/>
+        <p:txBody>
+          <a:bodyPr/>
+          <a:lstStyle/>
+          <a:p>
+            <a:fld id="{916FD222-E0FD-459C-9D88-B0CFF0D9A662}" type="slidenum">
+              <a:rPr lang="en-US" smtClean="0"/>
+              <a:t>30</a:t>
+            </a:fld>
+            <a:endParaRPr lang="en-US"/>
+          </a:p>
+        </p:txBody>
+      </p:sp>
+    </p:spTree>
+    <p:extLst>
+      <p:ext uri="{BB962C8B-B14F-4D97-AF65-F5344CB8AC3E}">
+        <p14:creationId xmlns:p14="http://schemas.microsoft.com/office/powerpoint/2010/main" val="2469006527"/>
+      </p:ext>
+    </p:extLst>
+  </p:cSld>
+  <p:clrMapOvr>
+    <a:masterClrMapping/>
+  </p:clrMapOvr>
+</p:sld>
+</file>
+
+<file path=ppt/slides/slide31.xml><?xml version="1.0" encoding="utf-8"?>
+<p:sld xmlns:a="http://schemas.openxmlformats.org/drawingml/2006/main" xmlns:r="http://schemas.openxmlformats.org/officeDocument/2006/relationships" xmlns:p="http://schemas.openxmlformats.org/presentationml/2006/main">
+  <p:cSld>
+    <p:spTree>
+      <p:nvGrpSpPr>
+        <p:cNvPr id="1" name=""/>
+        <p:cNvGrpSpPr/>
+        <p:nvPr/>
+      </p:nvGrpSpPr>
+      <p:grpSpPr>
+        <a:xfrm>
+          <a:off x="0" y="0"/>
+          <a:ext cx="0" cy="0"/>
+          <a:chOff x="0" y="0"/>
+          <a:chExt cx="0" cy="0"/>
+        </a:xfrm>
+      </p:grpSpPr>
+      <p:sp>
+        <p:nvSpPr>
+          <p:cNvPr id="2" name="Title 1"/>
+          <p:cNvSpPr>
+            <a:spLocks noGrp="1"/>
+          </p:cNvSpPr>
+          <p:nvPr>
+            <p:ph type="title"/>
+          </p:nvPr>
+        </p:nvSpPr>
+        <p:spPr/>
+        <p:txBody>
+          <a:bodyPr>
+            <a:normAutofit/>
+          </a:bodyPr>
+          <a:lstStyle/>
+          <a:p>
+            <a:r>
+              <a:rPr lang="en-US" b="1" dirty="0">
+                <a:solidFill>
+                  <a:srgbClr val="000099"/>
+                </a:solidFill>
+                <a:latin typeface="Palatino Linotype" pitchFamily="18" charset="0"/>
+                <a:ea typeface="Cambria Math" pitchFamily="18" charset="0"/>
+              </a:rPr>
+              <a:t>Areas of normal distribution</a:t>
+            </a:r>
+          </a:p>
+        </p:txBody>
+      </p:sp>
+      <p:sp>
+        <p:nvSpPr>
+          <p:cNvPr id="3" name="Content Placeholder 2"/>
+          <p:cNvSpPr>
+            <a:spLocks noGrp="1"/>
+          </p:cNvSpPr>
+          <p:nvPr>
+            <p:ph idx="1"/>
+          </p:nvPr>
+        </p:nvSpPr>
+        <p:spPr/>
+        <p:txBody>
+          <a:bodyPr/>
+          <a:lstStyle/>
+          <a:p>
             <a:endParaRPr lang="en-US">
               <a:latin typeface="Palatino Linotype" pitchFamily="18" charset="0"/>
             </a:endParaRPr>
@@ -20595,7 +21155,7 @@
           <a:p>
             <a:fld id="{916FD222-E0FD-459C-9D88-B0CFF0D9A662}" type="slidenum">
               <a:rPr lang="en-US" smtClean="0"/>
-              <a:t>30</a:t>
+              <a:t>31</a:t>
             </a:fld>
             <a:endParaRPr lang="en-US"/>
           </a:p>
@@ -20605,142 +21165,6 @@
     <p:extLst>
       <p:ext uri="{BB962C8B-B14F-4D97-AF65-F5344CB8AC3E}">
         <p14:creationId xmlns:p14="http://schemas.microsoft.com/office/powerpoint/2010/main" val="3974147837"/>
-      </p:ext>
-    </p:extLst>
-  </p:cSld>
-  <p:clrMapOvr>
-    <a:masterClrMapping/>
-  </p:clrMapOvr>
-</p:sld>
-</file>
-
-<file path=ppt/slides/slide31.xml><?xml version="1.0" encoding="utf-8"?>
-<p:sld xmlns:a="http://schemas.openxmlformats.org/drawingml/2006/main" xmlns:r="http://schemas.openxmlformats.org/officeDocument/2006/relationships" xmlns:p="http://schemas.openxmlformats.org/presentationml/2006/main">
-  <p:cSld>
-    <p:spTree>
-      <p:nvGrpSpPr>
-        <p:cNvPr id="1" name=""/>
-        <p:cNvGrpSpPr/>
-        <p:nvPr/>
-      </p:nvGrpSpPr>
-      <p:grpSpPr>
-        <a:xfrm>
-          <a:off x="0" y="0"/>
-          <a:ext cx="0" cy="0"/>
-          <a:chOff x="0" y="0"/>
-          <a:chExt cx="0" cy="0"/>
-        </a:xfrm>
-      </p:grpSpPr>
-      <p:sp>
-        <p:nvSpPr>
-          <p:cNvPr id="2" name="Title 1"/>
-          <p:cNvSpPr>
-            <a:spLocks noGrp="1"/>
-          </p:cNvSpPr>
-          <p:nvPr>
-            <p:ph type="title"/>
-          </p:nvPr>
-        </p:nvSpPr>
-        <p:spPr/>
-        <p:txBody>
-          <a:bodyPr/>
-          <a:lstStyle/>
-          <a:p>
-            <a:r>
-              <a:rPr lang="en-US" b="1" dirty="0">
-                <a:solidFill>
-                  <a:srgbClr val="000099"/>
-                </a:solidFill>
-                <a:latin typeface="Palatino Linotype" pitchFamily="18" charset="0"/>
-                <a:ea typeface="Cambria Math" pitchFamily="18" charset="0"/>
-              </a:rPr>
-              <a:t>1-2-3 Rule</a:t>
-            </a:r>
-            <a:endParaRPr lang="en-US" dirty="0">
-              <a:latin typeface="Palatino Linotype" pitchFamily="18" charset="0"/>
-            </a:endParaRPr>
-          </a:p>
-        </p:txBody>
-      </p:sp>
-      <p:sp>
-        <p:nvSpPr>
-          <p:cNvPr id="3" name="Content Placeholder 2"/>
-          <p:cNvSpPr>
-            <a:spLocks noGrp="1"/>
-          </p:cNvSpPr>
-          <p:nvPr>
-            <p:ph idx="1"/>
-          </p:nvPr>
-        </p:nvSpPr>
-        <p:spPr>
-          <a:xfrm>
-            <a:off x="457200" y="1447800"/>
-            <a:ext cx="8305800" cy="5029200"/>
-          </a:xfrm>
-        </p:spPr>
-        <p:txBody>
-          <a:bodyPr>
-            <a:normAutofit/>
-          </a:bodyPr>
-          <a:lstStyle/>
-          <a:p>
-            <a:r>
-              <a:rPr lang="en-US" sz="2400" dirty="0">
-                <a:latin typeface="Palatino Linotype" pitchFamily="18" charset="0"/>
-              </a:rPr>
-              <a:t>Relating standard deviations to the area under the normal curve is so fundamental to statistical inference that statisticians often think of it as the 1-2-3 Rule.</a:t>
-            </a:r>
-          </a:p>
-          <a:p>
-            <a:pPr marL="0" indent="0">
-              <a:buNone/>
-            </a:pPr>
-            <a:endParaRPr lang="en-US" sz="2400" dirty="0">
-              <a:latin typeface="Palatino Linotype" pitchFamily="18" charset="0"/>
-            </a:endParaRPr>
-          </a:p>
-          <a:p>
-            <a:r>
-              <a:rPr lang="en-US" sz="2400" dirty="0">
-                <a:latin typeface="Palatino Linotype" pitchFamily="18" charset="0"/>
-              </a:rPr>
-              <a:t>The rule tells us the amount of area under the normal curve that is located between certain points (expressed in standard deviation units). Approximately 68% of the area is found between one standard deviation above and below the mean. Approximately 95% of the area is found to between two standard deviations above and below the mean. Approximately 99% of the area is found to between three standard deviations above and below the mean. </a:t>
-            </a:r>
-          </a:p>
-          <a:p>
-            <a:endParaRPr lang="en-US" sz="2400" dirty="0">
-              <a:latin typeface="Palatino Linotype" pitchFamily="18" charset="0"/>
-            </a:endParaRPr>
-          </a:p>
-        </p:txBody>
-      </p:sp>
-      <p:sp>
-        <p:nvSpPr>
-          <p:cNvPr id="4" name="Slide Number Placeholder 3"/>
-          <p:cNvSpPr>
-            <a:spLocks noGrp="1"/>
-          </p:cNvSpPr>
-          <p:nvPr>
-            <p:ph type="sldNum" sz="quarter" idx="12"/>
-          </p:nvPr>
-        </p:nvSpPr>
-        <p:spPr/>
-        <p:txBody>
-          <a:bodyPr/>
-          <a:lstStyle/>
-          <a:p>
-            <a:fld id="{916FD222-E0FD-459C-9D88-B0CFF0D9A662}" type="slidenum">
-              <a:rPr lang="en-US" smtClean="0"/>
-              <a:t>31</a:t>
-            </a:fld>
-            <a:endParaRPr lang="en-US"/>
-          </a:p>
-        </p:txBody>
-      </p:sp>
-    </p:spTree>
-    <p:extLst>
-      <p:ext uri="{BB962C8B-B14F-4D97-AF65-F5344CB8AC3E}">
-        <p14:creationId xmlns:p14="http://schemas.microsoft.com/office/powerpoint/2010/main" val="1464882971"/>
       </p:ext>
     </p:extLst>
   </p:cSld>
@@ -20792,40 +21216,7 @@
                 <a:latin typeface="Palatino Linotype" pitchFamily="18" charset="0"/>
                 <a:ea typeface="Cambria Math" pitchFamily="18" charset="0"/>
               </a:rPr>
-              <a:t>More about normal curve</a:t>
-            </a:r>
-          </a:p>
-        </p:txBody>
-      </p:sp>
-      <p:sp>
-        <p:nvSpPr>
-          <p:cNvPr id="3" name="Content Placeholder 2"/>
-          <p:cNvSpPr>
-            <a:spLocks noGrp="1"/>
-          </p:cNvSpPr>
-          <p:nvPr>
-            <p:ph idx="1"/>
-          </p:nvPr>
-        </p:nvSpPr>
-        <p:spPr/>
-        <p:txBody>
-          <a:bodyPr/>
-          <a:lstStyle/>
-          <a:p>
-            <a:r>
-              <a:rPr lang="en-US" dirty="0">
-                <a:latin typeface="Palatino Linotype" pitchFamily="18" charset="0"/>
-              </a:rPr>
-              <a:t>Let’s say you know that some test results are normally distributed. You also know that you are one standard deviation above the mean. </a:t>
-            </a:r>
-          </a:p>
-          <a:p>
-            <a:pPr lvl="1"/>
-            <a:r>
-              <a:rPr lang="en-US" dirty="0">
-                <a:latin typeface="Palatino Linotype" pitchFamily="18" charset="0"/>
-              </a:rPr>
-              <a:t>Approximately what percentage of the test scores would be below/above yours?</a:t>
+              <a:t>Areas of normal distribution</a:t>
             </a:r>
           </a:p>
         </p:txBody>
@@ -20853,10 +21244,46 @@
           </a:p>
         </p:txBody>
       </p:sp>
+      <p:pic>
+        <p:nvPicPr>
+          <p:cNvPr id="6" name="Picture 5">
+            <a:extLst>
+              <a:ext uri="{FF2B5EF4-FFF2-40B4-BE49-F238E27FC236}">
+                <a16:creationId xmlns:a16="http://schemas.microsoft.com/office/drawing/2014/main" id="{0004BA25-A7A3-4640-9E67-E46EE96D5C27}"/>
+              </a:ext>
+            </a:extLst>
+          </p:cNvPr>
+          <p:cNvPicPr>
+            <a:picLocks noChangeAspect="1"/>
+          </p:cNvPicPr>
+          <p:nvPr/>
+        </p:nvPicPr>
+        <p:blipFill>
+          <a:blip r:embed="rId3">
+            <a:extLst>
+              <a:ext uri="{28A0092B-C50C-407E-A947-70E740481C1C}">
+                <a14:useLocalDpi xmlns:a14="http://schemas.microsoft.com/office/drawing/2010/main" val="0"/>
+              </a:ext>
+            </a:extLst>
+          </a:blip>
+          <a:stretch>
+            <a:fillRect/>
+          </a:stretch>
+        </p:blipFill>
+        <p:spPr>
+          <a:xfrm>
+            <a:off x="1104900" y="1265418"/>
+            <a:ext cx="6934200" cy="5105400"/>
+          </a:xfrm>
+          <a:prstGeom prst="rect">
+            <a:avLst/>
+          </a:prstGeom>
+        </p:spPr>
+      </p:pic>
     </p:spTree>
     <p:extLst>
       <p:ext uri="{BB962C8B-B14F-4D97-AF65-F5344CB8AC3E}">
-        <p14:creationId xmlns:p14="http://schemas.microsoft.com/office/powerpoint/2010/main" val="867830800"/>
+        <p14:creationId xmlns:p14="http://schemas.microsoft.com/office/powerpoint/2010/main" val="804538074"/>
       </p:ext>
     </p:extLst>
   </p:cSld>
@@ -20890,6 +21317,606 @@
             <a:spLocks noGrp="1"/>
           </p:cNvSpPr>
           <p:nvPr>
+            <p:ph type="title"/>
+          </p:nvPr>
+        </p:nvSpPr>
+        <p:spPr/>
+        <p:txBody>
+          <a:bodyPr>
+            <a:normAutofit/>
+          </a:bodyPr>
+          <a:lstStyle/>
+          <a:p>
+            <a:r>
+              <a:rPr lang="en-US" b="1" dirty="0">
+                <a:solidFill>
+                  <a:srgbClr val="000099"/>
+                </a:solidFill>
+                <a:latin typeface="Palatino Linotype" pitchFamily="18" charset="0"/>
+                <a:ea typeface="Cambria Math" pitchFamily="18" charset="0"/>
+              </a:rPr>
+              <a:t>Areas of normal distribution</a:t>
+            </a:r>
+          </a:p>
+        </p:txBody>
+      </p:sp>
+      <p:sp>
+        <p:nvSpPr>
+          <p:cNvPr id="4" name="Slide Number Placeholder 3"/>
+          <p:cNvSpPr>
+            <a:spLocks noGrp="1"/>
+          </p:cNvSpPr>
+          <p:nvPr>
+            <p:ph type="sldNum" sz="quarter" idx="12"/>
+          </p:nvPr>
+        </p:nvSpPr>
+        <p:spPr/>
+        <p:txBody>
+          <a:bodyPr/>
+          <a:lstStyle/>
+          <a:p>
+            <a:fld id="{916FD222-E0FD-459C-9D88-B0CFF0D9A662}" type="slidenum">
+              <a:rPr lang="en-US" smtClean="0"/>
+              <a:t>33</a:t>
+            </a:fld>
+            <a:endParaRPr lang="en-US"/>
+          </a:p>
+        </p:txBody>
+      </p:sp>
+      <p:sp>
+        <p:nvSpPr>
+          <p:cNvPr id="3" name="TextBox 2">
+            <a:extLst>
+              <a:ext uri="{FF2B5EF4-FFF2-40B4-BE49-F238E27FC236}">
+                <a16:creationId xmlns:a16="http://schemas.microsoft.com/office/drawing/2014/main" id="{CC029A41-CFF3-974F-8408-A7B073BB8F7F}"/>
+              </a:ext>
+            </a:extLst>
+          </p:cNvPr>
+          <p:cNvSpPr txBox="1"/>
+          <p:nvPr/>
+        </p:nvSpPr>
+        <p:spPr>
+          <a:xfrm>
+            <a:off x="762000" y="1417638"/>
+            <a:ext cx="7620000" cy="923330"/>
+          </a:xfrm>
+          <a:prstGeom prst="rect">
+            <a:avLst/>
+          </a:prstGeom>
+          <a:noFill/>
+        </p:spPr>
+        <p:txBody>
+          <a:bodyPr wrap="square" rtlCol="0">
+            <a:spAutoFit/>
+          </a:bodyPr>
+          <a:lstStyle/>
+          <a:p>
+            <a:r>
+              <a:rPr lang="en-US" b="1" dirty="0"/>
+              <a:t>Normal Distribution</a:t>
+            </a:r>
+            <a:r>
+              <a:rPr lang="zh-Hans" altLang="en-US" b="1" dirty="0"/>
+              <a:t> </a:t>
+            </a:r>
+            <a:r>
+              <a:rPr lang="en-US" altLang="zh-Hans" b="1" dirty="0"/>
+              <a:t>Calculator</a:t>
+            </a:r>
+          </a:p>
+          <a:p>
+            <a:r>
+              <a:rPr lang="en-US" b="1" dirty="0">
+                <a:hlinkClick r:id="rId3"/>
+              </a:rPr>
+              <a:t>http://onlinestatbook.com/2/calculators/normal_dist.html</a:t>
+            </a:r>
+            <a:endParaRPr lang="en-US" b="1" dirty="0"/>
+          </a:p>
+          <a:p>
+            <a:endParaRPr lang="en-US" b="1" dirty="0"/>
+          </a:p>
+        </p:txBody>
+      </p:sp>
+      <p:pic>
+        <p:nvPicPr>
+          <p:cNvPr id="7" name="Picture 6">
+            <a:extLst>
+              <a:ext uri="{FF2B5EF4-FFF2-40B4-BE49-F238E27FC236}">
+                <a16:creationId xmlns:a16="http://schemas.microsoft.com/office/drawing/2014/main" id="{9919E780-B4B4-8247-87B6-1932545DE836}"/>
+              </a:ext>
+            </a:extLst>
+          </p:cNvPr>
+          <p:cNvPicPr>
+            <a:picLocks noChangeAspect="1"/>
+          </p:cNvPicPr>
+          <p:nvPr/>
+        </p:nvPicPr>
+        <p:blipFill>
+          <a:blip r:embed="rId4">
+            <a:extLst>
+              <a:ext uri="{28A0092B-C50C-407E-A947-70E740481C1C}">
+                <a14:useLocalDpi xmlns:a14="http://schemas.microsoft.com/office/drawing/2010/main" val="0"/>
+              </a:ext>
+            </a:extLst>
+          </a:blip>
+          <a:stretch>
+            <a:fillRect/>
+          </a:stretch>
+        </p:blipFill>
+        <p:spPr>
+          <a:xfrm>
+            <a:off x="1905000" y="2072717"/>
+            <a:ext cx="6134562" cy="4639112"/>
+          </a:xfrm>
+          <a:prstGeom prst="rect">
+            <a:avLst/>
+          </a:prstGeom>
+        </p:spPr>
+      </p:pic>
+    </p:spTree>
+    <p:extLst>
+      <p:ext uri="{BB962C8B-B14F-4D97-AF65-F5344CB8AC3E}">
+        <p14:creationId xmlns:p14="http://schemas.microsoft.com/office/powerpoint/2010/main" val="2670558036"/>
+      </p:ext>
+    </p:extLst>
+  </p:cSld>
+  <p:clrMapOvr>
+    <a:masterClrMapping/>
+  </p:clrMapOvr>
+</p:sld>
+</file>
+
+<file path=ppt/slides/slide34.xml><?xml version="1.0" encoding="utf-8"?>
+<p:sld xmlns:a="http://schemas.openxmlformats.org/drawingml/2006/main" xmlns:r="http://schemas.openxmlformats.org/officeDocument/2006/relationships" xmlns:p="http://schemas.openxmlformats.org/presentationml/2006/main">
+  <p:cSld>
+    <p:spTree>
+      <p:nvGrpSpPr>
+        <p:cNvPr id="1" name=""/>
+        <p:cNvGrpSpPr/>
+        <p:nvPr/>
+      </p:nvGrpSpPr>
+      <p:grpSpPr>
+        <a:xfrm>
+          <a:off x="0" y="0"/>
+          <a:ext cx="0" cy="0"/>
+          <a:chOff x="0" y="0"/>
+          <a:chExt cx="0" cy="0"/>
+        </a:xfrm>
+      </p:grpSpPr>
+      <p:sp>
+        <p:nvSpPr>
+          <p:cNvPr id="2" name="Title 1"/>
+          <p:cNvSpPr>
+            <a:spLocks noGrp="1"/>
+          </p:cNvSpPr>
+          <p:nvPr>
+            <p:ph type="title"/>
+          </p:nvPr>
+        </p:nvSpPr>
+        <p:spPr/>
+        <p:txBody>
+          <a:bodyPr>
+            <a:normAutofit/>
+          </a:bodyPr>
+          <a:lstStyle/>
+          <a:p>
+            <a:r>
+              <a:rPr lang="en-US" b="1" dirty="0">
+                <a:solidFill>
+                  <a:srgbClr val="000099"/>
+                </a:solidFill>
+                <a:latin typeface="Palatino Linotype" pitchFamily="18" charset="0"/>
+                <a:ea typeface="Cambria Math" pitchFamily="18" charset="0"/>
+              </a:rPr>
+              <a:t>Areas of normal distribution</a:t>
+            </a:r>
+          </a:p>
+        </p:txBody>
+      </p:sp>
+      <p:sp>
+        <p:nvSpPr>
+          <p:cNvPr id="4" name="Slide Number Placeholder 3"/>
+          <p:cNvSpPr>
+            <a:spLocks noGrp="1"/>
+          </p:cNvSpPr>
+          <p:nvPr>
+            <p:ph type="sldNum" sz="quarter" idx="12"/>
+          </p:nvPr>
+        </p:nvSpPr>
+        <p:spPr/>
+        <p:txBody>
+          <a:bodyPr/>
+          <a:lstStyle/>
+          <a:p>
+            <a:fld id="{916FD222-E0FD-459C-9D88-B0CFF0D9A662}" type="slidenum">
+              <a:rPr lang="en-US" smtClean="0"/>
+              <a:t>34</a:t>
+            </a:fld>
+            <a:endParaRPr lang="en-US"/>
+          </a:p>
+        </p:txBody>
+      </p:sp>
+      <p:sp>
+        <p:nvSpPr>
+          <p:cNvPr id="3" name="TextBox 2">
+            <a:extLst>
+              <a:ext uri="{FF2B5EF4-FFF2-40B4-BE49-F238E27FC236}">
+                <a16:creationId xmlns:a16="http://schemas.microsoft.com/office/drawing/2014/main" id="{CC029A41-CFF3-974F-8408-A7B073BB8F7F}"/>
+              </a:ext>
+            </a:extLst>
+          </p:cNvPr>
+          <p:cNvSpPr txBox="1"/>
+          <p:nvPr/>
+        </p:nvSpPr>
+        <p:spPr>
+          <a:xfrm>
+            <a:off x="762000" y="1417638"/>
+            <a:ext cx="7620000" cy="923330"/>
+          </a:xfrm>
+          <a:prstGeom prst="rect">
+            <a:avLst/>
+          </a:prstGeom>
+          <a:noFill/>
+        </p:spPr>
+        <p:txBody>
+          <a:bodyPr wrap="square" rtlCol="0">
+            <a:spAutoFit/>
+          </a:bodyPr>
+          <a:lstStyle/>
+          <a:p>
+            <a:r>
+              <a:rPr lang="en-US" b="1" dirty="0"/>
+              <a:t>Inverse Normal Distribution</a:t>
+            </a:r>
+            <a:r>
+              <a:rPr lang="zh-Hans" altLang="en-US" b="1" dirty="0"/>
+              <a:t> </a:t>
+            </a:r>
+            <a:r>
+              <a:rPr lang="en-US" altLang="zh-Hans" b="1" dirty="0"/>
+              <a:t>Calculator</a:t>
+            </a:r>
+          </a:p>
+          <a:p>
+            <a:r>
+              <a:rPr lang="en-US" b="1" dirty="0">
+                <a:hlinkClick r:id="rId3"/>
+              </a:rPr>
+              <a:t>http://onlinestatbook.com/2/calculators/inverse_normal_dist.html</a:t>
+            </a:r>
+            <a:endParaRPr lang="en-US" b="1" dirty="0"/>
+          </a:p>
+          <a:p>
+            <a:endParaRPr lang="en-US" b="1" dirty="0"/>
+          </a:p>
+        </p:txBody>
+      </p:sp>
+      <p:pic>
+        <p:nvPicPr>
+          <p:cNvPr id="6" name="Picture 5">
+            <a:extLst>
+              <a:ext uri="{FF2B5EF4-FFF2-40B4-BE49-F238E27FC236}">
+                <a16:creationId xmlns:a16="http://schemas.microsoft.com/office/drawing/2014/main" id="{0E088897-C5E0-B644-AAA6-A2D60E7D3B87}"/>
+              </a:ext>
+            </a:extLst>
+          </p:cNvPr>
+          <p:cNvPicPr>
+            <a:picLocks noChangeAspect="1"/>
+          </p:cNvPicPr>
+          <p:nvPr/>
+        </p:nvPicPr>
+        <p:blipFill>
+          <a:blip r:embed="rId4">
+            <a:extLst>
+              <a:ext uri="{28A0092B-C50C-407E-A947-70E740481C1C}">
+                <a14:useLocalDpi xmlns:a14="http://schemas.microsoft.com/office/drawing/2010/main" val="0"/>
+              </a:ext>
+            </a:extLst>
+          </a:blip>
+          <a:stretch>
+            <a:fillRect/>
+          </a:stretch>
+        </p:blipFill>
+        <p:spPr>
+          <a:xfrm>
+            <a:off x="1738835" y="2041764"/>
+            <a:ext cx="5853193" cy="4555916"/>
+          </a:xfrm>
+          <a:prstGeom prst="rect">
+            <a:avLst/>
+          </a:prstGeom>
+        </p:spPr>
+      </p:pic>
+    </p:spTree>
+    <p:extLst>
+      <p:ext uri="{BB962C8B-B14F-4D97-AF65-F5344CB8AC3E}">
+        <p14:creationId xmlns:p14="http://schemas.microsoft.com/office/powerpoint/2010/main" val="3832709913"/>
+      </p:ext>
+    </p:extLst>
+  </p:cSld>
+  <p:clrMapOvr>
+    <a:masterClrMapping/>
+  </p:clrMapOvr>
+</p:sld>
+</file>
+
+<file path=ppt/slides/slide35.xml><?xml version="1.0" encoding="utf-8"?>
+<p:sld xmlns:a="http://schemas.openxmlformats.org/drawingml/2006/main" xmlns:r="http://schemas.openxmlformats.org/officeDocument/2006/relationships" xmlns:p="http://schemas.openxmlformats.org/presentationml/2006/main">
+  <p:cSld>
+    <p:spTree>
+      <p:nvGrpSpPr>
+        <p:cNvPr id="1" name=""/>
+        <p:cNvGrpSpPr/>
+        <p:nvPr/>
+      </p:nvGrpSpPr>
+      <p:grpSpPr>
+        <a:xfrm>
+          <a:off x="0" y="0"/>
+          <a:ext cx="0" cy="0"/>
+          <a:chOff x="0" y="0"/>
+          <a:chExt cx="0" cy="0"/>
+        </a:xfrm>
+      </p:grpSpPr>
+      <p:sp>
+        <p:nvSpPr>
+          <p:cNvPr id="2" name="Title 1"/>
+          <p:cNvSpPr>
+            <a:spLocks noGrp="1"/>
+          </p:cNvSpPr>
+          <p:nvPr>
+            <p:ph type="title"/>
+          </p:nvPr>
+        </p:nvSpPr>
+        <p:spPr/>
+        <p:txBody>
+          <a:bodyPr/>
+          <a:lstStyle/>
+          <a:p>
+            <a:r>
+              <a:rPr lang="en-US" b="1" dirty="0">
+                <a:solidFill>
+                  <a:srgbClr val="000099"/>
+                </a:solidFill>
+                <a:latin typeface="Palatino Linotype" pitchFamily="18" charset="0"/>
+                <a:ea typeface="Cambria Math" pitchFamily="18" charset="0"/>
+              </a:rPr>
+              <a:t>1-2-3 Rule</a:t>
+            </a:r>
+            <a:endParaRPr lang="en-US" dirty="0">
+              <a:latin typeface="Palatino Linotype" pitchFamily="18" charset="0"/>
+            </a:endParaRPr>
+          </a:p>
+        </p:txBody>
+      </p:sp>
+      <p:sp>
+        <p:nvSpPr>
+          <p:cNvPr id="3" name="Content Placeholder 2"/>
+          <p:cNvSpPr>
+            <a:spLocks noGrp="1"/>
+          </p:cNvSpPr>
+          <p:nvPr>
+            <p:ph idx="1"/>
+          </p:nvPr>
+        </p:nvSpPr>
+        <p:spPr>
+          <a:xfrm>
+            <a:off x="457200" y="1447800"/>
+            <a:ext cx="8305800" cy="5029200"/>
+          </a:xfrm>
+        </p:spPr>
+        <p:txBody>
+          <a:bodyPr>
+            <a:normAutofit/>
+          </a:bodyPr>
+          <a:lstStyle/>
+          <a:p>
+            <a:r>
+              <a:rPr lang="en-US" sz="2400" dirty="0">
+                <a:latin typeface="Palatino Linotype" pitchFamily="18" charset="0"/>
+              </a:rPr>
+              <a:t>Relating standard deviations to the area under the normal curve is so fundamental to statistical inference that statisticians often think of it as the 1-2-3 Rule.</a:t>
+            </a:r>
+          </a:p>
+          <a:p>
+            <a:pPr marL="0" indent="0">
+              <a:buNone/>
+            </a:pPr>
+            <a:endParaRPr lang="en-US" sz="2400" dirty="0">
+              <a:latin typeface="Palatino Linotype" pitchFamily="18" charset="0"/>
+            </a:endParaRPr>
+          </a:p>
+          <a:p>
+            <a:r>
+              <a:rPr lang="en-US" sz="2400" dirty="0">
+                <a:latin typeface="Palatino Linotype" pitchFamily="18" charset="0"/>
+              </a:rPr>
+              <a:t>The rule tells us the amount of area under the normal curve that is located between certain points (expressed in standard deviation units). Approximately 68% of the area is found between one standard deviation above and below the mean. Approximately 95% of the area is found to between two standard deviations above and below the mean. Approximately 99% of the area is found to between three standard deviations above and below the mean. </a:t>
+            </a:r>
+          </a:p>
+          <a:p>
+            <a:endParaRPr lang="en-US" sz="2400" dirty="0">
+              <a:latin typeface="Palatino Linotype" pitchFamily="18" charset="0"/>
+            </a:endParaRPr>
+          </a:p>
+        </p:txBody>
+      </p:sp>
+      <p:sp>
+        <p:nvSpPr>
+          <p:cNvPr id="4" name="Slide Number Placeholder 3"/>
+          <p:cNvSpPr>
+            <a:spLocks noGrp="1"/>
+          </p:cNvSpPr>
+          <p:nvPr>
+            <p:ph type="sldNum" sz="quarter" idx="12"/>
+          </p:nvPr>
+        </p:nvSpPr>
+        <p:spPr/>
+        <p:txBody>
+          <a:bodyPr/>
+          <a:lstStyle/>
+          <a:p>
+            <a:fld id="{916FD222-E0FD-459C-9D88-B0CFF0D9A662}" type="slidenum">
+              <a:rPr lang="en-US" smtClean="0"/>
+              <a:t>35</a:t>
+            </a:fld>
+            <a:endParaRPr lang="en-US"/>
+          </a:p>
+        </p:txBody>
+      </p:sp>
+    </p:spTree>
+    <p:extLst>
+      <p:ext uri="{BB962C8B-B14F-4D97-AF65-F5344CB8AC3E}">
+        <p14:creationId xmlns:p14="http://schemas.microsoft.com/office/powerpoint/2010/main" val="1464882971"/>
+      </p:ext>
+    </p:extLst>
+  </p:cSld>
+  <p:clrMapOvr>
+    <a:masterClrMapping/>
+  </p:clrMapOvr>
+</p:sld>
+</file>
+
+<file path=ppt/slides/slide36.xml><?xml version="1.0" encoding="utf-8"?>
+<p:sld xmlns:a="http://schemas.openxmlformats.org/drawingml/2006/main" xmlns:r="http://schemas.openxmlformats.org/officeDocument/2006/relationships" xmlns:p="http://schemas.openxmlformats.org/presentationml/2006/main">
+  <p:cSld>
+    <p:spTree>
+      <p:nvGrpSpPr>
+        <p:cNvPr id="1" name=""/>
+        <p:cNvGrpSpPr/>
+        <p:nvPr/>
+      </p:nvGrpSpPr>
+      <p:grpSpPr>
+        <a:xfrm>
+          <a:off x="0" y="0"/>
+          <a:ext cx="0" cy="0"/>
+          <a:chOff x="0" y="0"/>
+          <a:chExt cx="0" cy="0"/>
+        </a:xfrm>
+      </p:grpSpPr>
+      <p:sp>
+        <p:nvSpPr>
+          <p:cNvPr id="2" name="Title 1"/>
+          <p:cNvSpPr>
+            <a:spLocks noGrp="1"/>
+          </p:cNvSpPr>
+          <p:nvPr>
+            <p:ph type="title"/>
+          </p:nvPr>
+        </p:nvSpPr>
+        <p:spPr/>
+        <p:txBody>
+          <a:bodyPr>
+            <a:normAutofit/>
+          </a:bodyPr>
+          <a:lstStyle/>
+          <a:p>
+            <a:r>
+              <a:rPr lang="en-US" b="1" dirty="0">
+                <a:solidFill>
+                  <a:srgbClr val="000099"/>
+                </a:solidFill>
+                <a:latin typeface="Palatino Linotype" pitchFamily="18" charset="0"/>
+                <a:ea typeface="Cambria Math" pitchFamily="18" charset="0"/>
+              </a:rPr>
+              <a:t>More about normal curve</a:t>
+            </a:r>
+          </a:p>
+        </p:txBody>
+      </p:sp>
+      <p:sp>
+        <p:nvSpPr>
+          <p:cNvPr id="3" name="Content Placeholder 2"/>
+          <p:cNvSpPr>
+            <a:spLocks noGrp="1"/>
+          </p:cNvSpPr>
+          <p:nvPr>
+            <p:ph idx="1"/>
+          </p:nvPr>
+        </p:nvSpPr>
+        <p:spPr/>
+        <p:txBody>
+          <a:bodyPr/>
+          <a:lstStyle/>
+          <a:p>
+            <a:r>
+              <a:rPr lang="en-US" dirty="0">
+                <a:latin typeface="Palatino Linotype" pitchFamily="18" charset="0"/>
+              </a:rPr>
+              <a:t>Let’s say you know that some test results are normally distributed. You also know that you are one standard deviation above the mean. </a:t>
+            </a:r>
+          </a:p>
+          <a:p>
+            <a:pPr lvl="1"/>
+            <a:r>
+              <a:rPr lang="en-US" dirty="0">
+                <a:latin typeface="Palatino Linotype" pitchFamily="18" charset="0"/>
+              </a:rPr>
+              <a:t>Approximately what percentage of the test scores would be below/above yours?</a:t>
+            </a:r>
+          </a:p>
+        </p:txBody>
+      </p:sp>
+      <p:sp>
+        <p:nvSpPr>
+          <p:cNvPr id="4" name="Slide Number Placeholder 3"/>
+          <p:cNvSpPr>
+            <a:spLocks noGrp="1"/>
+          </p:cNvSpPr>
+          <p:nvPr>
+            <p:ph type="sldNum" sz="quarter" idx="12"/>
+          </p:nvPr>
+        </p:nvSpPr>
+        <p:spPr/>
+        <p:txBody>
+          <a:bodyPr/>
+          <a:lstStyle/>
+          <a:p>
+            <a:fld id="{916FD222-E0FD-459C-9D88-B0CFF0D9A662}" type="slidenum">
+              <a:rPr lang="en-US" smtClean="0"/>
+              <a:t>36</a:t>
+            </a:fld>
+            <a:endParaRPr lang="en-US"/>
+          </a:p>
+        </p:txBody>
+      </p:sp>
+    </p:spTree>
+    <p:extLst>
+      <p:ext uri="{BB962C8B-B14F-4D97-AF65-F5344CB8AC3E}">
+        <p14:creationId xmlns:p14="http://schemas.microsoft.com/office/powerpoint/2010/main" val="867830800"/>
+      </p:ext>
+    </p:extLst>
+  </p:cSld>
+  <p:clrMapOvr>
+    <a:masterClrMapping/>
+  </p:clrMapOvr>
+</p:sld>
+</file>
+
+<file path=ppt/slides/slide37.xml><?xml version="1.0" encoding="utf-8"?>
+<p:sld xmlns:a="http://schemas.openxmlformats.org/drawingml/2006/main" xmlns:r="http://schemas.openxmlformats.org/officeDocument/2006/relationships" xmlns:p="http://schemas.openxmlformats.org/presentationml/2006/main">
+  <p:cSld>
+    <p:spTree>
+      <p:nvGrpSpPr>
+        <p:cNvPr id="1" name=""/>
+        <p:cNvGrpSpPr/>
+        <p:nvPr/>
+      </p:nvGrpSpPr>
+      <p:grpSpPr>
+        <a:xfrm>
+          <a:off x="0" y="0"/>
+          <a:ext cx="0" cy="0"/>
+          <a:chOff x="0" y="0"/>
+          <a:chExt cx="0" cy="0"/>
+        </a:xfrm>
+      </p:grpSpPr>
+      <p:sp>
+        <p:nvSpPr>
+          <p:cNvPr id="2" name="Title 1"/>
+          <p:cNvSpPr>
+            <a:spLocks noGrp="1"/>
+          </p:cNvSpPr>
+          <p:nvPr>
             <p:ph type="ctrTitle"/>
           </p:nvPr>
         </p:nvSpPr>
@@ -20949,7 +21976,7 @@
           <a:p>
             <a:fld id="{916FD222-E0FD-459C-9D88-B0CFF0D9A662}" type="slidenum">
               <a:rPr lang="en-US" smtClean="0"/>
-              <a:t>33</a:t>
+              <a:t>37</a:t>
             </a:fld>
             <a:endParaRPr lang="en-US"/>
           </a:p>
@@ -20968,7 +21995,7 @@
 </p:sld>
 </file>
 
-<file path=ppt/slides/slide34.xml><?xml version="1.0" encoding="utf-8"?>
+<file path=ppt/slides/slide38.xml><?xml version="1.0" encoding="utf-8"?>
 <p:sld xmlns:a="http://schemas.openxmlformats.org/drawingml/2006/main" xmlns:r="http://schemas.openxmlformats.org/officeDocument/2006/relationships" xmlns:p="http://schemas.openxmlformats.org/presentationml/2006/main">
   <p:cSld>
     <p:spTree>
@@ -21629,7 +22656,7 @@
 </p:sld>
 </file>
 
-<file path=ppt/slides/slide35.xml><?xml version="1.0" encoding="utf-8"?>
+<file path=ppt/slides/slide39.xml><?xml version="1.0" encoding="utf-8"?>
 <p:sld xmlns:a="http://schemas.openxmlformats.org/drawingml/2006/main" xmlns:r="http://schemas.openxmlformats.org/officeDocument/2006/relationships" xmlns:p="http://schemas.openxmlformats.org/presentationml/2006/main">
   <p:cSld>
     <p:spTree>
@@ -22040,7 +23067,7 @@
           <a:graphicData uri="http://schemas.openxmlformats.org/presentationml/2006/ole">
             <mc:AlternateContent xmlns:mc="http://schemas.openxmlformats.org/markup-compatibility/2006">
               <mc:Choice xmlns:v="urn:schemas-microsoft-com:vml" Requires="v">
-                <p:oleObj spid="_x0000_s24595" name="Equation" r:id="rId4" imgW="952087" imgH="253890" progId="Equation.3">
+                <p:oleObj spid="_x0000_s24697" name="Equation" r:id="rId4" imgW="952087" imgH="253890" progId="Equation.3">
                   <p:embed/>
                 </p:oleObj>
               </mc:Choice>
@@ -22464,2674 +23491,6 @@
       </p:par>
     </p:tnLst>
   </p:timing>
-</p:sld>
-</file>
-
-<file path=ppt/slides/slide36.xml><?xml version="1.0" encoding="utf-8"?>
-<p:sld xmlns:a="http://schemas.openxmlformats.org/drawingml/2006/main" xmlns:r="http://schemas.openxmlformats.org/officeDocument/2006/relationships" xmlns:p="http://schemas.openxmlformats.org/presentationml/2006/main">
-  <p:cSld>
-    <p:spTree>
-      <p:nvGrpSpPr>
-        <p:cNvPr id="1" name=""/>
-        <p:cNvGrpSpPr/>
-        <p:nvPr/>
-      </p:nvGrpSpPr>
-      <p:grpSpPr>
-        <a:xfrm>
-          <a:off x="0" y="0"/>
-          <a:ext cx="0" cy="0"/>
-          <a:chOff x="0" y="0"/>
-          <a:chExt cx="0" cy="0"/>
-        </a:xfrm>
-      </p:grpSpPr>
-      <p:sp>
-        <p:nvSpPr>
-          <p:cNvPr id="185346" name="Rectangle 3"/>
-          <p:cNvSpPr>
-            <a:spLocks noGrp="1" noChangeArrowheads="1"/>
-          </p:cNvSpPr>
-          <p:nvPr>
-            <p:ph type="body" idx="4294967295"/>
-          </p:nvPr>
-        </p:nvSpPr>
-        <p:spPr>
-          <a:xfrm>
-            <a:off x="432775" y="1676400"/>
-            <a:ext cx="8305800" cy="2747962"/>
-          </a:xfrm>
-        </p:spPr>
-        <p:txBody>
-          <a:bodyPr>
-            <a:normAutofit fontScale="92500" lnSpcReduction="20000"/>
-          </a:bodyPr>
-          <a:lstStyle/>
-          <a:p>
-            <a:pPr algn="just"/>
-            <a:r>
-              <a:rPr lang="en-US" sz="2800" dirty="0">
-                <a:latin typeface="Palatino Linotype" pitchFamily="18" charset="0"/>
-              </a:rPr>
-              <a:t>This leads to several questions:</a:t>
-            </a:r>
-          </a:p>
-          <a:p>
-            <a:pPr marL="742950" lvl="1" indent="-285750" algn="just"/>
-            <a:r>
-              <a:rPr lang="en-US" sz="2800" dirty="0">
-                <a:latin typeface="Palatino Linotype" pitchFamily="18" charset="0"/>
-              </a:rPr>
-              <a:t>How does     compare to </a:t>
-            </a:r>
-            <a:r>
-              <a:rPr lang="en-US" altLang="zh-CN" sz="2800" dirty="0">
-                <a:latin typeface="Palatino Linotype" pitchFamily="18" charset="0"/>
-                <a:ea typeface="宋体" pitchFamily="2" charset="-122"/>
-              </a:rPr>
-              <a:t>    ?</a:t>
-            </a:r>
-          </a:p>
-          <a:p>
-            <a:pPr marL="742950" lvl="1" indent="-285750" algn="just"/>
-            <a:r>
-              <a:rPr lang="en-US" sz="2800" dirty="0">
-                <a:latin typeface="Palatino Linotype" pitchFamily="18" charset="0"/>
-              </a:rPr>
-              <a:t>How does standard deviation of Y compare to the standard deviation of  X ?</a:t>
-            </a:r>
-          </a:p>
-          <a:p>
-            <a:pPr marL="742950" lvl="1" indent="-285750"/>
-            <a:r>
-              <a:rPr lang="en-US" sz="2800" dirty="0">
-                <a:latin typeface="Palatino Linotype" pitchFamily="18" charset="0"/>
-              </a:rPr>
-              <a:t>How does the shape of the distribution of Y scores compare to the shape of the distribution of X scores?</a:t>
-            </a:r>
-          </a:p>
-          <a:p>
-            <a:pPr>
-              <a:buFont typeface="Wingdings 3" pitchFamily="18" charset="2"/>
-              <a:buNone/>
-            </a:pPr>
-            <a:endParaRPr lang="en-US" sz="2800" dirty="0">
-              <a:solidFill>
-                <a:schemeClr val="tx2"/>
-              </a:solidFill>
-              <a:latin typeface="Palatino Linotype" pitchFamily="18" charset="0"/>
-            </a:endParaRPr>
-          </a:p>
-        </p:txBody>
-      </p:sp>
-      <p:sp>
-        <p:nvSpPr>
-          <p:cNvPr id="2054" name="Text Box 4"/>
-          <p:cNvSpPr txBox="1">
-            <a:spLocks noChangeArrowheads="1"/>
-          </p:cNvSpPr>
-          <p:nvPr/>
-        </p:nvSpPr>
-        <p:spPr bwMode="auto">
-          <a:xfrm>
-            <a:off x="466725" y="495300"/>
-            <a:ext cx="8382000" cy="769441"/>
-          </a:xfrm>
-          <a:prstGeom prst="rect">
-            <a:avLst/>
-          </a:prstGeom>
-          <a:noFill/>
-          <a:ln>
-            <a:noFill/>
-          </a:ln>
-          <a:extLst>
-            <a:ext uri="{909E8E84-426E-40DD-AFC4-6F175D3DCCD1}">
-              <a14:hiddenFill xmlns:a14="http://schemas.microsoft.com/office/drawing/2010/main">
-                <a:solidFill>
-                  <a:srgbClr val="FFFFFF"/>
-                </a:solidFill>
-              </a14:hiddenFill>
-            </a:ext>
-            <a:ext uri="{91240B29-F687-4F45-9708-019B960494DF}">
-              <a14:hiddenLine xmlns:a14="http://schemas.microsoft.com/office/drawing/2010/main" w="9525" algn="ctr">
-                <a:solidFill>
-                  <a:srgbClr val="000000"/>
-                </a:solidFill>
-                <a:miter lim="800000"/>
-                <a:headEnd/>
-                <a:tailEnd/>
-              </a14:hiddenLine>
-            </a:ext>
-          </a:extLst>
-        </p:spPr>
-        <p:txBody>
-          <a:bodyPr>
-            <a:spAutoFit/>
-          </a:bodyPr>
-          <a:lstStyle>
-            <a:lvl1pPr>
-              <a:defRPr sz="2400">
-                <a:solidFill>
-                  <a:srgbClr val="FF9900"/>
-                </a:solidFill>
-                <a:latin typeface="Times New Roman" pitchFamily="18" charset="0"/>
-                <a:cs typeface="Arial" pitchFamily="34" charset="0"/>
-              </a:defRPr>
-            </a:lvl1pPr>
-            <a:lvl2pPr marL="742950" indent="-285750">
-              <a:defRPr sz="2400">
-                <a:solidFill>
-                  <a:srgbClr val="FF9900"/>
-                </a:solidFill>
-                <a:latin typeface="Times New Roman" pitchFamily="18" charset="0"/>
-                <a:cs typeface="Arial" pitchFamily="34" charset="0"/>
-              </a:defRPr>
-            </a:lvl2pPr>
-            <a:lvl3pPr marL="1143000" indent="-228600">
-              <a:defRPr sz="2400">
-                <a:solidFill>
-                  <a:srgbClr val="FF9900"/>
-                </a:solidFill>
-                <a:latin typeface="Times New Roman" pitchFamily="18" charset="0"/>
-                <a:cs typeface="Arial" pitchFamily="34" charset="0"/>
-              </a:defRPr>
-            </a:lvl3pPr>
-            <a:lvl4pPr marL="1600200" indent="-228600">
-              <a:defRPr sz="2400">
-                <a:solidFill>
-                  <a:srgbClr val="FF9900"/>
-                </a:solidFill>
-                <a:latin typeface="Times New Roman" pitchFamily="18" charset="0"/>
-                <a:cs typeface="Arial" pitchFamily="34" charset="0"/>
-              </a:defRPr>
-            </a:lvl4pPr>
-            <a:lvl5pPr marL="2057400" indent="-228600">
-              <a:defRPr sz="2400">
-                <a:solidFill>
-                  <a:srgbClr val="FF9900"/>
-                </a:solidFill>
-                <a:latin typeface="Times New Roman" pitchFamily="18" charset="0"/>
-                <a:cs typeface="Arial" pitchFamily="34" charset="0"/>
-              </a:defRPr>
-            </a:lvl5pPr>
-            <a:lvl6pPr marL="2514600" indent="-228600" eaLnBrk="0" fontAlgn="base" hangingPunct="0">
-              <a:lnSpc>
-                <a:spcPct val="80000"/>
-              </a:lnSpc>
-              <a:spcBef>
-                <a:spcPct val="0"/>
-              </a:spcBef>
-              <a:spcAft>
-                <a:spcPct val="0"/>
-              </a:spcAft>
-              <a:defRPr sz="2400">
-                <a:solidFill>
-                  <a:srgbClr val="FF9900"/>
-                </a:solidFill>
-                <a:latin typeface="Times New Roman" pitchFamily="18" charset="0"/>
-                <a:cs typeface="Arial" pitchFamily="34" charset="0"/>
-              </a:defRPr>
-            </a:lvl6pPr>
-            <a:lvl7pPr marL="2971800" indent="-228600" eaLnBrk="0" fontAlgn="base" hangingPunct="0">
-              <a:lnSpc>
-                <a:spcPct val="80000"/>
-              </a:lnSpc>
-              <a:spcBef>
-                <a:spcPct val="0"/>
-              </a:spcBef>
-              <a:spcAft>
-                <a:spcPct val="0"/>
-              </a:spcAft>
-              <a:defRPr sz="2400">
-                <a:solidFill>
-                  <a:srgbClr val="FF9900"/>
-                </a:solidFill>
-                <a:latin typeface="Times New Roman" pitchFamily="18" charset="0"/>
-                <a:cs typeface="Arial" pitchFamily="34" charset="0"/>
-              </a:defRPr>
-            </a:lvl7pPr>
-            <a:lvl8pPr marL="3429000" indent="-228600" eaLnBrk="0" fontAlgn="base" hangingPunct="0">
-              <a:lnSpc>
-                <a:spcPct val="80000"/>
-              </a:lnSpc>
-              <a:spcBef>
-                <a:spcPct val="0"/>
-              </a:spcBef>
-              <a:spcAft>
-                <a:spcPct val="0"/>
-              </a:spcAft>
-              <a:defRPr sz="2400">
-                <a:solidFill>
-                  <a:srgbClr val="FF9900"/>
-                </a:solidFill>
-                <a:latin typeface="Times New Roman" pitchFamily="18" charset="0"/>
-                <a:cs typeface="Arial" pitchFamily="34" charset="0"/>
-              </a:defRPr>
-            </a:lvl8pPr>
-            <a:lvl9pPr marL="3886200" indent="-228600" eaLnBrk="0" fontAlgn="base" hangingPunct="0">
-              <a:lnSpc>
-                <a:spcPct val="80000"/>
-              </a:lnSpc>
-              <a:spcBef>
-                <a:spcPct val="0"/>
-              </a:spcBef>
-              <a:spcAft>
-                <a:spcPct val="0"/>
-              </a:spcAft>
-              <a:defRPr sz="2400">
-                <a:solidFill>
-                  <a:srgbClr val="FF9900"/>
-                </a:solidFill>
-                <a:latin typeface="Times New Roman" pitchFamily="18" charset="0"/>
-                <a:cs typeface="Arial" pitchFamily="34" charset="0"/>
-              </a:defRPr>
-            </a:lvl9pPr>
-          </a:lstStyle>
-          <a:p>
-            <a:pPr algn="ctr">
-              <a:spcBef>
-                <a:spcPct val="0"/>
-              </a:spcBef>
-            </a:pPr>
-            <a:r>
-              <a:rPr lang="en-US" sz="4400" b="1" dirty="0">
-                <a:solidFill>
-                  <a:srgbClr val="000099"/>
-                </a:solidFill>
-                <a:latin typeface="Palatino Linotype" pitchFamily="18" charset="0"/>
-                <a:ea typeface="Cambria Math" pitchFamily="18" charset="0"/>
-                <a:cs typeface="+mj-cs"/>
-              </a:rPr>
-              <a:t>Linear Transformations</a:t>
-            </a:r>
-          </a:p>
-        </p:txBody>
-      </p:sp>
-      <p:sp>
-        <p:nvSpPr>
-          <p:cNvPr id="2055" name="Rectangle 6"/>
-          <p:cNvSpPr>
-            <a:spLocks noChangeArrowheads="1"/>
-          </p:cNvSpPr>
-          <p:nvPr/>
-        </p:nvSpPr>
-        <p:spPr bwMode="auto">
-          <a:xfrm>
-            <a:off x="0" y="-184666"/>
-            <a:ext cx="184731" cy="369332"/>
-          </a:xfrm>
-          <a:prstGeom prst="rect">
-            <a:avLst/>
-          </a:prstGeom>
-          <a:noFill/>
-          <a:ln>
-            <a:noFill/>
-          </a:ln>
-          <a:extLst>
-            <a:ext uri="{909E8E84-426E-40DD-AFC4-6F175D3DCCD1}">
-              <a14:hiddenFill xmlns:a14="http://schemas.microsoft.com/office/drawing/2010/main">
-                <a:solidFill>
-                  <a:srgbClr val="FFFFFF"/>
-                </a:solidFill>
-              </a14:hiddenFill>
-            </a:ext>
-            <a:ext uri="{91240B29-F687-4F45-9708-019B960494DF}">
-              <a14:hiddenLine xmlns:a14="http://schemas.microsoft.com/office/drawing/2010/main" w="9525" algn="ctr">
-                <a:solidFill>
-                  <a:srgbClr val="000000"/>
-                </a:solidFill>
-                <a:miter lim="800000"/>
-                <a:headEnd/>
-                <a:tailEnd/>
-              </a14:hiddenLine>
-            </a:ext>
-          </a:extLst>
-        </p:spPr>
-        <p:txBody>
-          <a:bodyPr wrap="none" anchor="ctr">
-            <a:spAutoFit/>
-          </a:bodyPr>
-          <a:lstStyle/>
-          <a:p>
-            <a:endParaRPr lang="en-US">
-              <a:latin typeface="Palatino Linotype" pitchFamily="18" charset="0"/>
-            </a:endParaRPr>
-          </a:p>
-        </p:txBody>
-      </p:sp>
-      <p:graphicFrame>
-        <p:nvGraphicFramePr>
-          <p:cNvPr id="2050" name="Object 5"/>
-          <p:cNvGraphicFramePr>
-            <a:graphicFrameLocks noChangeAspect="1"/>
-          </p:cNvGraphicFramePr>
-          <p:nvPr>
-            <p:extLst>
-              <p:ext uri="{D42A27DB-BD31-4B8C-83A1-F6EECF244321}">
-                <p14:modId xmlns:p14="http://schemas.microsoft.com/office/powerpoint/2010/main" val="206352303"/>
-              </p:ext>
-            </p:extLst>
-          </p:nvPr>
-        </p:nvGraphicFramePr>
-        <p:xfrm>
-          <a:off x="2819400" y="1981200"/>
-          <a:ext cx="300037" cy="419100"/>
-        </p:xfrm>
-        <a:graphic>
-          <a:graphicData uri="http://schemas.openxmlformats.org/presentationml/2006/ole">
-            <mc:AlternateContent xmlns:mc="http://schemas.openxmlformats.org/markup-compatibility/2006">
-              <mc:Choice xmlns:v="urn:schemas-microsoft-com:vml" Requires="v">
-                <p:oleObj spid="_x0000_s25636" name="Equation" r:id="rId4" imgW="139639" imgH="203112" progId="Equation.3">
-                  <p:embed/>
-                </p:oleObj>
-              </mc:Choice>
-              <mc:Fallback>
-                <p:oleObj name="Equation" r:id="rId4" imgW="139639" imgH="203112" progId="Equation.3">
-                  <p:embed/>
-                  <p:pic>
-                    <p:nvPicPr>
-                      <p:cNvPr id="0" name=""/>
-                      <p:cNvPicPr>
-                        <a:picLocks noChangeAspect="1" noChangeArrowheads="1"/>
-                      </p:cNvPicPr>
-                      <p:nvPr/>
-                    </p:nvPicPr>
-                    <p:blipFill>
-                      <a:blip r:embed="rId5">
-                        <a:extLst>
-                          <a:ext uri="{28A0092B-C50C-407E-A947-70E740481C1C}">
-                            <a14:useLocalDpi xmlns:a14="http://schemas.microsoft.com/office/drawing/2010/main" val="0"/>
-                          </a:ext>
-                        </a:extLst>
-                      </a:blip>
-                      <a:srcRect/>
-                      <a:stretch>
-                        <a:fillRect/>
-                      </a:stretch>
-                    </p:blipFill>
-                    <p:spPr bwMode="auto">
-                      <a:xfrm>
-                        <a:off x="2819400" y="1981200"/>
-                        <a:ext cx="300037" cy="419100"/>
-                      </a:xfrm>
-                      <a:prstGeom prst="rect">
-                        <a:avLst/>
-                      </a:prstGeom>
-                      <a:noFill/>
-                      <a:extLst>
-                        <a:ext uri="{909E8E84-426E-40DD-AFC4-6F175D3DCCD1}">
-                          <a14:hiddenFill xmlns:a14="http://schemas.microsoft.com/office/drawing/2010/main">
-                            <a:solidFill>
-                              <a:srgbClr val="FFFFFF"/>
-                            </a:solidFill>
-                          </a14:hiddenFill>
-                        </a:ext>
-                      </a:extLst>
-                    </p:spPr>
-                  </p:pic>
-                </p:oleObj>
-              </mc:Fallback>
-            </mc:AlternateContent>
-          </a:graphicData>
-        </a:graphic>
-      </p:graphicFrame>
-      <p:sp>
-        <p:nvSpPr>
-          <p:cNvPr id="2056" name="Rectangle 8"/>
-          <p:cNvSpPr>
-            <a:spLocks noChangeArrowheads="1"/>
-          </p:cNvSpPr>
-          <p:nvPr/>
-        </p:nvSpPr>
-        <p:spPr bwMode="auto">
-          <a:xfrm>
-            <a:off x="0" y="-184666"/>
-            <a:ext cx="184731" cy="369332"/>
-          </a:xfrm>
-          <a:prstGeom prst="rect">
-            <a:avLst/>
-          </a:prstGeom>
-          <a:noFill/>
-          <a:ln>
-            <a:noFill/>
-          </a:ln>
-          <a:extLst>
-            <a:ext uri="{909E8E84-426E-40DD-AFC4-6F175D3DCCD1}">
-              <a14:hiddenFill xmlns:a14="http://schemas.microsoft.com/office/drawing/2010/main">
-                <a:solidFill>
-                  <a:srgbClr val="FFFFFF"/>
-                </a:solidFill>
-              </a14:hiddenFill>
-            </a:ext>
-            <a:ext uri="{91240B29-F687-4F45-9708-019B960494DF}">
-              <a14:hiddenLine xmlns:a14="http://schemas.microsoft.com/office/drawing/2010/main" w="9525" algn="ctr">
-                <a:solidFill>
-                  <a:srgbClr val="000000"/>
-                </a:solidFill>
-                <a:miter lim="800000"/>
-                <a:headEnd/>
-                <a:tailEnd/>
-              </a14:hiddenLine>
-            </a:ext>
-          </a:extLst>
-        </p:spPr>
-        <p:txBody>
-          <a:bodyPr wrap="none" anchor="ctr">
-            <a:spAutoFit/>
-          </a:bodyPr>
-          <a:lstStyle/>
-          <a:p>
-            <a:endParaRPr lang="en-US">
-              <a:latin typeface="Palatino Linotype" pitchFamily="18" charset="0"/>
-            </a:endParaRPr>
-          </a:p>
-        </p:txBody>
-      </p:sp>
-      <p:graphicFrame>
-        <p:nvGraphicFramePr>
-          <p:cNvPr id="2051" name="Object 7"/>
-          <p:cNvGraphicFramePr>
-            <a:graphicFrameLocks noChangeAspect="1"/>
-          </p:cNvGraphicFramePr>
-          <p:nvPr>
-            <p:extLst>
-              <p:ext uri="{D42A27DB-BD31-4B8C-83A1-F6EECF244321}">
-                <p14:modId xmlns:p14="http://schemas.microsoft.com/office/powerpoint/2010/main" val="2554858447"/>
-              </p:ext>
-            </p:extLst>
-          </p:nvPr>
-        </p:nvGraphicFramePr>
-        <p:xfrm>
-          <a:off x="4800600" y="1981200"/>
-          <a:ext cx="414337" cy="381000"/>
-        </p:xfrm>
-        <a:graphic>
-          <a:graphicData uri="http://schemas.openxmlformats.org/presentationml/2006/ole">
-            <mc:AlternateContent xmlns:mc="http://schemas.openxmlformats.org/markup-compatibility/2006">
-              <mc:Choice xmlns:v="urn:schemas-microsoft-com:vml" Requires="v">
-                <p:oleObj spid="_x0000_s25637" name="Equation" r:id="rId6" imgW="177569" imgH="202936" progId="Equation.3">
-                  <p:embed/>
-                </p:oleObj>
-              </mc:Choice>
-              <mc:Fallback>
-                <p:oleObj name="Equation" r:id="rId6" imgW="177569" imgH="202936" progId="Equation.3">
-                  <p:embed/>
-                  <p:pic>
-                    <p:nvPicPr>
-                      <p:cNvPr id="0" name=""/>
-                      <p:cNvPicPr>
-                        <a:picLocks noChangeAspect="1" noChangeArrowheads="1"/>
-                      </p:cNvPicPr>
-                      <p:nvPr/>
-                    </p:nvPicPr>
-                    <p:blipFill>
-                      <a:blip r:embed="rId7">
-                        <a:extLst>
-                          <a:ext uri="{28A0092B-C50C-407E-A947-70E740481C1C}">
-                            <a14:useLocalDpi xmlns:a14="http://schemas.microsoft.com/office/drawing/2010/main" val="0"/>
-                          </a:ext>
-                        </a:extLst>
-                      </a:blip>
-                      <a:srcRect/>
-                      <a:stretch>
-                        <a:fillRect/>
-                      </a:stretch>
-                    </p:blipFill>
-                    <p:spPr bwMode="auto">
-                      <a:xfrm>
-                        <a:off x="4800600" y="1981200"/>
-                        <a:ext cx="414337" cy="381000"/>
-                      </a:xfrm>
-                      <a:prstGeom prst="rect">
-                        <a:avLst/>
-                      </a:prstGeom>
-                      <a:noFill/>
-                      <a:extLst>
-                        <a:ext uri="{909E8E84-426E-40DD-AFC4-6F175D3DCCD1}">
-                          <a14:hiddenFill xmlns:a14="http://schemas.microsoft.com/office/drawing/2010/main">
-                            <a:solidFill>
-                              <a:srgbClr val="FFFFFF"/>
-                            </a:solidFill>
-                          </a14:hiddenFill>
-                        </a:ext>
-                      </a:extLst>
-                    </p:spPr>
-                  </p:pic>
-                </p:oleObj>
-              </mc:Fallback>
-            </mc:AlternateContent>
-          </a:graphicData>
-        </a:graphic>
-      </p:graphicFrame>
-    </p:spTree>
-    <p:extLst>
-      <p:ext uri="{BB962C8B-B14F-4D97-AF65-F5344CB8AC3E}">
-        <p14:creationId xmlns:p14="http://schemas.microsoft.com/office/powerpoint/2010/main" val="142028384"/>
-      </p:ext>
-    </p:extLst>
-  </p:cSld>
-  <p:clrMapOvr>
-    <a:masterClrMapping/>
-  </p:clrMapOvr>
-  <p:transition/>
-  <p:timing>
-    <p:tnLst>
-      <p:par>
-        <p:cTn id="1" dur="indefinite" restart="never" nodeType="tmRoot">
-          <p:childTnLst>
-            <p:seq concurrent="1" nextAc="seek">
-              <p:cTn id="2" dur="indefinite" nodeType="mainSeq">
-                <p:childTnLst>
-                  <p:par>
-                    <p:cTn id="3" fill="hold" nodeType="clickPar">
-                      <p:stCondLst>
-                        <p:cond delay="indefinite"/>
-                      </p:stCondLst>
-                      <p:childTnLst>
-                        <p:par>
-                          <p:cTn id="4" fill="hold" nodeType="withGroup">
-                            <p:stCondLst>
-                              <p:cond delay="0"/>
-                            </p:stCondLst>
-                            <p:childTnLst>
-                              <p:par>
-                                <p:cTn id="5" presetID="29" presetClass="entr" presetSubtype="0" fill="hold" nodeType="clickEffect">
-                                  <p:stCondLst>
-                                    <p:cond delay="0"/>
-                                  </p:stCondLst>
-                                  <p:childTnLst>
-                                    <p:set>
-                                      <p:cBhvr>
-                                        <p:cTn id="6" dur="1" fill="hold">
-                                          <p:stCondLst>
-                                            <p:cond delay="0"/>
-                                          </p:stCondLst>
-                                        </p:cTn>
-                                        <p:tgtEl>
-                                          <p:spTgt spid="185346">
-                                            <p:txEl>
-                                              <p:pRg st="1" end="1"/>
-                                            </p:txEl>
-                                          </p:spTgt>
-                                        </p:tgtEl>
-                                        <p:attrNameLst>
-                                          <p:attrName>style.visibility</p:attrName>
-                                        </p:attrNameLst>
-                                      </p:cBhvr>
-                                      <p:to>
-                                        <p:strVal val="visible"/>
-                                      </p:to>
-                                    </p:set>
-                                    <p:anim calcmode="lin" valueType="num">
-                                      <p:cBhvr>
-                                        <p:cTn id="7" dur="1000" fill="hold"/>
-                                        <p:tgtEl>
-                                          <p:spTgt spid="185346">
-                                            <p:txEl>
-                                              <p:pRg st="1" end="1"/>
-                                            </p:txEl>
-                                          </p:spTgt>
-                                        </p:tgtEl>
-                                        <p:attrNameLst>
-                                          <p:attrName>ppt_x</p:attrName>
-                                        </p:attrNameLst>
-                                      </p:cBhvr>
-                                      <p:tavLst>
-                                        <p:tav tm="0">
-                                          <p:val>
-                                            <p:strVal val="#ppt_x-.2"/>
-                                          </p:val>
-                                        </p:tav>
-                                        <p:tav tm="100000">
-                                          <p:val>
-                                            <p:strVal val="#ppt_x"/>
-                                          </p:val>
-                                        </p:tav>
-                                      </p:tavLst>
-                                    </p:anim>
-                                    <p:anim calcmode="lin" valueType="num">
-                                      <p:cBhvr>
-                                        <p:cTn id="8" dur="1000" fill="hold"/>
-                                        <p:tgtEl>
-                                          <p:spTgt spid="185346">
-                                            <p:txEl>
-                                              <p:pRg st="1" end="1"/>
-                                            </p:txEl>
-                                          </p:spTgt>
-                                        </p:tgtEl>
-                                        <p:attrNameLst>
-                                          <p:attrName>ppt_y</p:attrName>
-                                        </p:attrNameLst>
-                                      </p:cBhvr>
-                                      <p:tavLst>
-                                        <p:tav tm="0">
-                                          <p:val>
-                                            <p:strVal val="#ppt_y"/>
-                                          </p:val>
-                                        </p:tav>
-                                        <p:tav tm="100000">
-                                          <p:val>
-                                            <p:strVal val="#ppt_y"/>
-                                          </p:val>
-                                        </p:tav>
-                                      </p:tavLst>
-                                    </p:anim>
-                                    <p:animEffect transition="in" filter="wipe(right)" prLst="gradientSize: 0.1">
-                                      <p:cBhvr>
-                                        <p:cTn id="9" dur="1000"/>
-                                        <p:tgtEl>
-                                          <p:spTgt spid="185346">
-                                            <p:txEl>
-                                              <p:pRg st="1" end="1"/>
-                                            </p:txEl>
-                                          </p:spTgt>
-                                        </p:tgtEl>
-                                      </p:cBhvr>
-                                    </p:animEffect>
-                                  </p:childTnLst>
-                                </p:cTn>
-                              </p:par>
-                            </p:childTnLst>
-                          </p:cTn>
-                        </p:par>
-                      </p:childTnLst>
-                    </p:cTn>
-                  </p:par>
-                  <p:par>
-                    <p:cTn id="10" fill="hold" nodeType="clickPar">
-                      <p:stCondLst>
-                        <p:cond delay="indefinite"/>
-                      </p:stCondLst>
-                      <p:childTnLst>
-                        <p:par>
-                          <p:cTn id="11" fill="hold" nodeType="withGroup">
-                            <p:stCondLst>
-                              <p:cond delay="0"/>
-                            </p:stCondLst>
-                            <p:childTnLst>
-                              <p:par>
-                                <p:cTn id="12" presetID="29" presetClass="entr" presetSubtype="0" fill="hold" nodeType="clickEffect">
-                                  <p:stCondLst>
-                                    <p:cond delay="0"/>
-                                  </p:stCondLst>
-                                  <p:childTnLst>
-                                    <p:set>
-                                      <p:cBhvr>
-                                        <p:cTn id="13" dur="1" fill="hold">
-                                          <p:stCondLst>
-                                            <p:cond delay="0"/>
-                                          </p:stCondLst>
-                                        </p:cTn>
-                                        <p:tgtEl>
-                                          <p:spTgt spid="185346">
-                                            <p:txEl>
-                                              <p:pRg st="2" end="2"/>
-                                            </p:txEl>
-                                          </p:spTgt>
-                                        </p:tgtEl>
-                                        <p:attrNameLst>
-                                          <p:attrName>style.visibility</p:attrName>
-                                        </p:attrNameLst>
-                                      </p:cBhvr>
-                                      <p:to>
-                                        <p:strVal val="visible"/>
-                                      </p:to>
-                                    </p:set>
-                                    <p:anim calcmode="lin" valueType="num">
-                                      <p:cBhvr>
-                                        <p:cTn id="14" dur="1000" fill="hold"/>
-                                        <p:tgtEl>
-                                          <p:spTgt spid="185346">
-                                            <p:txEl>
-                                              <p:pRg st="2" end="2"/>
-                                            </p:txEl>
-                                          </p:spTgt>
-                                        </p:tgtEl>
-                                        <p:attrNameLst>
-                                          <p:attrName>ppt_x</p:attrName>
-                                        </p:attrNameLst>
-                                      </p:cBhvr>
-                                      <p:tavLst>
-                                        <p:tav tm="0">
-                                          <p:val>
-                                            <p:strVal val="#ppt_x-.2"/>
-                                          </p:val>
-                                        </p:tav>
-                                        <p:tav tm="100000">
-                                          <p:val>
-                                            <p:strVal val="#ppt_x"/>
-                                          </p:val>
-                                        </p:tav>
-                                      </p:tavLst>
-                                    </p:anim>
-                                    <p:anim calcmode="lin" valueType="num">
-                                      <p:cBhvr>
-                                        <p:cTn id="15" dur="1000" fill="hold"/>
-                                        <p:tgtEl>
-                                          <p:spTgt spid="185346">
-                                            <p:txEl>
-                                              <p:pRg st="2" end="2"/>
-                                            </p:txEl>
-                                          </p:spTgt>
-                                        </p:tgtEl>
-                                        <p:attrNameLst>
-                                          <p:attrName>ppt_y</p:attrName>
-                                        </p:attrNameLst>
-                                      </p:cBhvr>
-                                      <p:tavLst>
-                                        <p:tav tm="0">
-                                          <p:val>
-                                            <p:strVal val="#ppt_y"/>
-                                          </p:val>
-                                        </p:tav>
-                                        <p:tav tm="100000">
-                                          <p:val>
-                                            <p:strVal val="#ppt_y"/>
-                                          </p:val>
-                                        </p:tav>
-                                      </p:tavLst>
-                                    </p:anim>
-                                    <p:animEffect transition="in" filter="wipe(right)" prLst="gradientSize: 0.1">
-                                      <p:cBhvr>
-                                        <p:cTn id="16" dur="1000"/>
-                                        <p:tgtEl>
-                                          <p:spTgt spid="185346">
-                                            <p:txEl>
-                                              <p:pRg st="2" end="2"/>
-                                            </p:txEl>
-                                          </p:spTgt>
-                                        </p:tgtEl>
-                                      </p:cBhvr>
-                                    </p:animEffect>
-                                  </p:childTnLst>
-                                </p:cTn>
-                              </p:par>
-                            </p:childTnLst>
-                          </p:cTn>
-                        </p:par>
-                      </p:childTnLst>
-                    </p:cTn>
-                  </p:par>
-                  <p:par>
-                    <p:cTn id="17" fill="hold" nodeType="clickPar">
-                      <p:stCondLst>
-                        <p:cond delay="indefinite"/>
-                      </p:stCondLst>
-                      <p:childTnLst>
-                        <p:par>
-                          <p:cTn id="18" fill="hold" nodeType="withGroup">
-                            <p:stCondLst>
-                              <p:cond delay="0"/>
-                            </p:stCondLst>
-                            <p:childTnLst>
-                              <p:par>
-                                <p:cTn id="19" presetID="29" presetClass="entr" presetSubtype="0" fill="hold" nodeType="clickEffect">
-                                  <p:stCondLst>
-                                    <p:cond delay="0"/>
-                                  </p:stCondLst>
-                                  <p:childTnLst>
-                                    <p:set>
-                                      <p:cBhvr>
-                                        <p:cTn id="20" dur="1" fill="hold">
-                                          <p:stCondLst>
-                                            <p:cond delay="0"/>
-                                          </p:stCondLst>
-                                        </p:cTn>
-                                        <p:tgtEl>
-                                          <p:spTgt spid="185346">
-                                            <p:txEl>
-                                              <p:pRg st="3" end="3"/>
-                                            </p:txEl>
-                                          </p:spTgt>
-                                        </p:tgtEl>
-                                        <p:attrNameLst>
-                                          <p:attrName>style.visibility</p:attrName>
-                                        </p:attrNameLst>
-                                      </p:cBhvr>
-                                      <p:to>
-                                        <p:strVal val="visible"/>
-                                      </p:to>
-                                    </p:set>
-                                    <p:anim calcmode="lin" valueType="num">
-                                      <p:cBhvr>
-                                        <p:cTn id="21" dur="1000" fill="hold"/>
-                                        <p:tgtEl>
-                                          <p:spTgt spid="185346">
-                                            <p:txEl>
-                                              <p:pRg st="3" end="3"/>
-                                            </p:txEl>
-                                          </p:spTgt>
-                                        </p:tgtEl>
-                                        <p:attrNameLst>
-                                          <p:attrName>ppt_x</p:attrName>
-                                        </p:attrNameLst>
-                                      </p:cBhvr>
-                                      <p:tavLst>
-                                        <p:tav tm="0">
-                                          <p:val>
-                                            <p:strVal val="#ppt_x-.2"/>
-                                          </p:val>
-                                        </p:tav>
-                                        <p:tav tm="100000">
-                                          <p:val>
-                                            <p:strVal val="#ppt_x"/>
-                                          </p:val>
-                                        </p:tav>
-                                      </p:tavLst>
-                                    </p:anim>
-                                    <p:anim calcmode="lin" valueType="num">
-                                      <p:cBhvr>
-                                        <p:cTn id="22" dur="1000" fill="hold"/>
-                                        <p:tgtEl>
-                                          <p:spTgt spid="185346">
-                                            <p:txEl>
-                                              <p:pRg st="3" end="3"/>
-                                            </p:txEl>
-                                          </p:spTgt>
-                                        </p:tgtEl>
-                                        <p:attrNameLst>
-                                          <p:attrName>ppt_y</p:attrName>
-                                        </p:attrNameLst>
-                                      </p:cBhvr>
-                                      <p:tavLst>
-                                        <p:tav tm="0">
-                                          <p:val>
-                                            <p:strVal val="#ppt_y"/>
-                                          </p:val>
-                                        </p:tav>
-                                        <p:tav tm="100000">
-                                          <p:val>
-                                            <p:strVal val="#ppt_y"/>
-                                          </p:val>
-                                        </p:tav>
-                                      </p:tavLst>
-                                    </p:anim>
-                                    <p:animEffect transition="in" filter="wipe(right)" prLst="gradientSize: 0.1">
-                                      <p:cBhvr>
-                                        <p:cTn id="23" dur="1000"/>
-                                        <p:tgtEl>
-                                          <p:spTgt spid="185346">
-                                            <p:txEl>
-                                              <p:pRg st="3" end="3"/>
-                                            </p:txEl>
-                                          </p:spTgt>
-                                        </p:tgtEl>
-                                      </p:cBhvr>
-                                    </p:animEffect>
-                                  </p:childTnLst>
-                                </p:cTn>
-                              </p:par>
-                            </p:childTnLst>
-                          </p:cTn>
-                        </p:par>
-                      </p:childTnLst>
-                    </p:cTn>
-                  </p:par>
-                </p:childTnLst>
-              </p:cTn>
-              <p:prevCondLst>
-                <p:cond evt="onPrev" delay="0">
-                  <p:tgtEl>
-                    <p:sldTgt/>
-                  </p:tgtEl>
-                </p:cond>
-              </p:prevCondLst>
-              <p:nextCondLst>
-                <p:cond evt="onNext" delay="0">
-                  <p:tgtEl>
-                    <p:sldTgt/>
-                  </p:tgtEl>
-                </p:cond>
-              </p:nextCondLst>
-            </p:seq>
-          </p:childTnLst>
-        </p:cTn>
-      </p:par>
-    </p:tnLst>
-  </p:timing>
-</p:sld>
-</file>
-
-<file path=ppt/slides/slide37.xml><?xml version="1.0" encoding="utf-8"?>
-<p:sld xmlns:a="http://schemas.openxmlformats.org/drawingml/2006/main" xmlns:r="http://schemas.openxmlformats.org/officeDocument/2006/relationships" xmlns:p="http://schemas.openxmlformats.org/presentationml/2006/main" showMasterPhAnim="0">
-  <p:cSld>
-    <p:spTree>
-      <p:nvGrpSpPr>
-        <p:cNvPr id="1" name=""/>
-        <p:cNvGrpSpPr/>
-        <p:nvPr/>
-      </p:nvGrpSpPr>
-      <p:grpSpPr>
-        <a:xfrm>
-          <a:off x="0" y="0"/>
-          <a:ext cx="0" cy="0"/>
-          <a:chOff x="0" y="0"/>
-          <a:chExt cx="0" cy="0"/>
-        </a:xfrm>
-      </p:grpSpPr>
-      <p:sp>
-        <p:nvSpPr>
-          <p:cNvPr id="253954" name="Rectangle 3"/>
-          <p:cNvSpPr>
-            <a:spLocks noGrp="1" noChangeArrowheads="1"/>
-          </p:cNvSpPr>
-          <p:nvPr>
-            <p:ph type="body" idx="4294967295"/>
-          </p:nvPr>
-        </p:nvSpPr>
-        <p:spPr>
-          <a:xfrm>
-            <a:off x="381000" y="1290638"/>
-            <a:ext cx="8305800" cy="4386262"/>
-          </a:xfrm>
-        </p:spPr>
-        <p:txBody>
-          <a:bodyPr/>
-          <a:lstStyle/>
-          <a:p>
-            <a:r>
-              <a:rPr lang="en-US" altLang="zh-CN" sz="2800" dirty="0">
-                <a:latin typeface="Palatino Linotype" pitchFamily="18" charset="0"/>
-                <a:ea typeface="宋体" pitchFamily="2" charset="-122"/>
-              </a:rPr>
-              <a:t>Basic rules for how the transformed scores (Y) relate to the original scores (X):</a:t>
-            </a:r>
-          </a:p>
-          <a:p>
-            <a:pPr lvl="1"/>
-            <a:endParaRPr lang="en-US" altLang="zh-CN" sz="2800" dirty="0">
-              <a:latin typeface="Palatino Linotype" pitchFamily="18" charset="0"/>
-              <a:ea typeface="宋体" pitchFamily="2" charset="-122"/>
-            </a:endParaRPr>
-          </a:p>
-          <a:p>
-            <a:pPr lvl="1"/>
-            <a:endParaRPr lang="en-US" altLang="zh-CN" sz="2800" dirty="0">
-              <a:latin typeface="Palatino Linotype" pitchFamily="18" charset="0"/>
-              <a:ea typeface="宋体" pitchFamily="2" charset="-122"/>
-            </a:endParaRPr>
-          </a:p>
-          <a:p>
-            <a:endParaRPr lang="en-US" altLang="zh-CN" sz="2800" dirty="0">
-              <a:latin typeface="Palatino Linotype" pitchFamily="18" charset="0"/>
-              <a:ea typeface="宋体" pitchFamily="2" charset="-122"/>
-            </a:endParaRPr>
-          </a:p>
-          <a:p>
-            <a:pPr marL="876300" lvl="4" indent="-255588">
-              <a:spcBef>
-                <a:spcPts val="400"/>
-              </a:spcBef>
-              <a:buClr>
-                <a:schemeClr val="accent1"/>
-              </a:buClr>
-              <a:buSzPct val="68000"/>
-              <a:buFont typeface="Wingdings 2" pitchFamily="18" charset="2"/>
-              <a:buNone/>
-            </a:pPr>
-            <a:endParaRPr lang="en-US" sz="2800" dirty="0">
-              <a:latin typeface="Palatino Linotype" pitchFamily="18" charset="0"/>
-            </a:endParaRPr>
-          </a:p>
-          <a:p>
-            <a:pPr marL="876300" lvl="4" indent="-255588">
-              <a:spcBef>
-                <a:spcPct val="0"/>
-              </a:spcBef>
-              <a:buClr>
-                <a:schemeClr val="accent1"/>
-              </a:buClr>
-              <a:buSzPct val="68000"/>
-              <a:buFont typeface="Wingdings 2" pitchFamily="18" charset="2"/>
-              <a:buNone/>
-            </a:pPr>
-            <a:r>
-              <a:rPr lang="en-US" sz="2800" dirty="0">
-                <a:latin typeface="Palatino Linotype" pitchFamily="18" charset="0"/>
-              </a:rPr>
-              <a:t>Note: The linear transformation does NOT change the shape of the distribution of scores.</a:t>
-            </a:r>
-          </a:p>
-          <a:p>
-            <a:endParaRPr lang="en-US" altLang="zh-CN" sz="2800" dirty="0">
-              <a:ea typeface="宋体" pitchFamily="2" charset="-122"/>
-            </a:endParaRPr>
-          </a:p>
-          <a:p>
-            <a:endParaRPr lang="en-US" sz="2800" dirty="0">
-              <a:solidFill>
-                <a:schemeClr val="tx2"/>
-              </a:solidFill>
-              <a:latin typeface="Arial" pitchFamily="34" charset="0"/>
-            </a:endParaRPr>
-          </a:p>
-        </p:txBody>
-      </p:sp>
-      <p:sp>
-        <p:nvSpPr>
-          <p:cNvPr id="3078" name="Text Box 4"/>
-          <p:cNvSpPr txBox="1">
-            <a:spLocks noChangeArrowheads="1"/>
-          </p:cNvSpPr>
-          <p:nvPr/>
-        </p:nvSpPr>
-        <p:spPr bwMode="auto">
-          <a:xfrm>
-            <a:off x="381000" y="474552"/>
-            <a:ext cx="8382000" cy="769441"/>
-          </a:xfrm>
-          <a:prstGeom prst="rect">
-            <a:avLst/>
-          </a:prstGeom>
-          <a:noFill/>
-          <a:ln>
-            <a:noFill/>
-          </a:ln>
-          <a:extLst>
-            <a:ext uri="{909E8E84-426E-40DD-AFC4-6F175D3DCCD1}">
-              <a14:hiddenFill xmlns:a14="http://schemas.microsoft.com/office/drawing/2010/main">
-                <a:solidFill>
-                  <a:srgbClr val="FFFFFF"/>
-                </a:solidFill>
-              </a14:hiddenFill>
-            </a:ext>
-            <a:ext uri="{91240B29-F687-4F45-9708-019B960494DF}">
-              <a14:hiddenLine xmlns:a14="http://schemas.microsoft.com/office/drawing/2010/main" w="9525" algn="ctr">
-                <a:solidFill>
-                  <a:srgbClr val="000000"/>
-                </a:solidFill>
-                <a:miter lim="800000"/>
-                <a:headEnd/>
-                <a:tailEnd/>
-              </a14:hiddenLine>
-            </a:ext>
-          </a:extLst>
-        </p:spPr>
-        <p:txBody>
-          <a:bodyPr>
-            <a:spAutoFit/>
-          </a:bodyPr>
-          <a:lstStyle>
-            <a:lvl1pPr>
-              <a:defRPr sz="2400">
-                <a:solidFill>
-                  <a:srgbClr val="FF9900"/>
-                </a:solidFill>
-                <a:latin typeface="Times New Roman" pitchFamily="18" charset="0"/>
-                <a:cs typeface="Arial" pitchFamily="34" charset="0"/>
-              </a:defRPr>
-            </a:lvl1pPr>
-            <a:lvl2pPr marL="742950" indent="-285750">
-              <a:defRPr sz="2400">
-                <a:solidFill>
-                  <a:srgbClr val="FF9900"/>
-                </a:solidFill>
-                <a:latin typeface="Times New Roman" pitchFamily="18" charset="0"/>
-                <a:cs typeface="Arial" pitchFamily="34" charset="0"/>
-              </a:defRPr>
-            </a:lvl2pPr>
-            <a:lvl3pPr marL="1143000" indent="-228600">
-              <a:defRPr sz="2400">
-                <a:solidFill>
-                  <a:srgbClr val="FF9900"/>
-                </a:solidFill>
-                <a:latin typeface="Times New Roman" pitchFamily="18" charset="0"/>
-                <a:cs typeface="Arial" pitchFamily="34" charset="0"/>
-              </a:defRPr>
-            </a:lvl3pPr>
-            <a:lvl4pPr marL="1600200" indent="-228600">
-              <a:defRPr sz="2400">
-                <a:solidFill>
-                  <a:srgbClr val="FF9900"/>
-                </a:solidFill>
-                <a:latin typeface="Times New Roman" pitchFamily="18" charset="0"/>
-                <a:cs typeface="Arial" pitchFamily="34" charset="0"/>
-              </a:defRPr>
-            </a:lvl4pPr>
-            <a:lvl5pPr marL="2057400" indent="-228600">
-              <a:defRPr sz="2400">
-                <a:solidFill>
-                  <a:srgbClr val="FF9900"/>
-                </a:solidFill>
-                <a:latin typeface="Times New Roman" pitchFamily="18" charset="0"/>
-                <a:cs typeface="Arial" pitchFamily="34" charset="0"/>
-              </a:defRPr>
-            </a:lvl5pPr>
-            <a:lvl6pPr marL="2514600" indent="-228600" eaLnBrk="0" fontAlgn="base" hangingPunct="0">
-              <a:lnSpc>
-                <a:spcPct val="80000"/>
-              </a:lnSpc>
-              <a:spcBef>
-                <a:spcPct val="0"/>
-              </a:spcBef>
-              <a:spcAft>
-                <a:spcPct val="0"/>
-              </a:spcAft>
-              <a:defRPr sz="2400">
-                <a:solidFill>
-                  <a:srgbClr val="FF9900"/>
-                </a:solidFill>
-                <a:latin typeface="Times New Roman" pitchFamily="18" charset="0"/>
-                <a:cs typeface="Arial" pitchFamily="34" charset="0"/>
-              </a:defRPr>
-            </a:lvl6pPr>
-            <a:lvl7pPr marL="2971800" indent="-228600" eaLnBrk="0" fontAlgn="base" hangingPunct="0">
-              <a:lnSpc>
-                <a:spcPct val="80000"/>
-              </a:lnSpc>
-              <a:spcBef>
-                <a:spcPct val="0"/>
-              </a:spcBef>
-              <a:spcAft>
-                <a:spcPct val="0"/>
-              </a:spcAft>
-              <a:defRPr sz="2400">
-                <a:solidFill>
-                  <a:srgbClr val="FF9900"/>
-                </a:solidFill>
-                <a:latin typeface="Times New Roman" pitchFamily="18" charset="0"/>
-                <a:cs typeface="Arial" pitchFamily="34" charset="0"/>
-              </a:defRPr>
-            </a:lvl7pPr>
-            <a:lvl8pPr marL="3429000" indent="-228600" eaLnBrk="0" fontAlgn="base" hangingPunct="0">
-              <a:lnSpc>
-                <a:spcPct val="80000"/>
-              </a:lnSpc>
-              <a:spcBef>
-                <a:spcPct val="0"/>
-              </a:spcBef>
-              <a:spcAft>
-                <a:spcPct val="0"/>
-              </a:spcAft>
-              <a:defRPr sz="2400">
-                <a:solidFill>
-                  <a:srgbClr val="FF9900"/>
-                </a:solidFill>
-                <a:latin typeface="Times New Roman" pitchFamily="18" charset="0"/>
-                <a:cs typeface="Arial" pitchFamily="34" charset="0"/>
-              </a:defRPr>
-            </a:lvl8pPr>
-            <a:lvl9pPr marL="3886200" indent="-228600" eaLnBrk="0" fontAlgn="base" hangingPunct="0">
-              <a:lnSpc>
-                <a:spcPct val="80000"/>
-              </a:lnSpc>
-              <a:spcBef>
-                <a:spcPct val="0"/>
-              </a:spcBef>
-              <a:spcAft>
-                <a:spcPct val="0"/>
-              </a:spcAft>
-              <a:defRPr sz="2400">
-                <a:solidFill>
-                  <a:srgbClr val="FF9900"/>
-                </a:solidFill>
-                <a:latin typeface="Times New Roman" pitchFamily="18" charset="0"/>
-                <a:cs typeface="Arial" pitchFamily="34" charset="0"/>
-              </a:defRPr>
-            </a:lvl9pPr>
-          </a:lstStyle>
-          <a:p>
-            <a:pPr algn="ctr">
-              <a:spcBef>
-                <a:spcPct val="0"/>
-              </a:spcBef>
-            </a:pPr>
-            <a:r>
-              <a:rPr lang="en-US" sz="4400" b="1" dirty="0">
-                <a:solidFill>
-                  <a:srgbClr val="000099"/>
-                </a:solidFill>
-                <a:latin typeface="Palatino Linotype" pitchFamily="18" charset="0"/>
-                <a:ea typeface="Cambria Math" pitchFamily="18" charset="0"/>
-                <a:cs typeface="+mj-cs"/>
-              </a:rPr>
-              <a:t>Basic Rules</a:t>
-            </a:r>
-          </a:p>
-        </p:txBody>
-      </p:sp>
-      <p:sp>
-        <p:nvSpPr>
-          <p:cNvPr id="3079" name="Rectangle 6"/>
-          <p:cNvSpPr>
-            <a:spLocks noChangeArrowheads="1"/>
-          </p:cNvSpPr>
-          <p:nvPr/>
-        </p:nvSpPr>
-        <p:spPr bwMode="auto">
-          <a:xfrm>
-            <a:off x="0" y="0"/>
-            <a:ext cx="9144000" cy="0"/>
-          </a:xfrm>
-          <a:prstGeom prst="rect">
-            <a:avLst/>
-          </a:prstGeom>
-          <a:noFill/>
-          <a:ln>
-            <a:noFill/>
-          </a:ln>
-          <a:extLst>
-            <a:ext uri="{909E8E84-426E-40DD-AFC4-6F175D3DCCD1}">
-              <a14:hiddenFill xmlns:a14="http://schemas.microsoft.com/office/drawing/2010/main">
-                <a:solidFill>
-                  <a:srgbClr val="FFFFFF"/>
-                </a:solidFill>
-              </a14:hiddenFill>
-            </a:ext>
-            <a:ext uri="{91240B29-F687-4F45-9708-019B960494DF}">
-              <a14:hiddenLine xmlns:a14="http://schemas.microsoft.com/office/drawing/2010/main" w="9525" algn="ctr">
-                <a:solidFill>
-                  <a:srgbClr val="000000"/>
-                </a:solidFill>
-                <a:miter lim="800000"/>
-                <a:headEnd/>
-                <a:tailEnd/>
-              </a14:hiddenLine>
-            </a:ext>
-          </a:extLst>
-        </p:spPr>
-        <p:txBody>
-          <a:bodyPr wrap="none" anchor="ctr">
-            <a:spAutoFit/>
-          </a:bodyPr>
-          <a:lstStyle/>
-          <a:p>
-            <a:endParaRPr lang="en-US"/>
-          </a:p>
-        </p:txBody>
-      </p:sp>
-      <p:sp>
-        <p:nvSpPr>
-          <p:cNvPr id="3080" name="Rectangle 8"/>
-          <p:cNvSpPr>
-            <a:spLocks noChangeArrowheads="1"/>
-          </p:cNvSpPr>
-          <p:nvPr/>
-        </p:nvSpPr>
-        <p:spPr bwMode="auto">
-          <a:xfrm>
-            <a:off x="0" y="0"/>
-            <a:ext cx="9144000" cy="0"/>
-          </a:xfrm>
-          <a:prstGeom prst="rect">
-            <a:avLst/>
-          </a:prstGeom>
-          <a:noFill/>
-          <a:ln>
-            <a:noFill/>
-          </a:ln>
-          <a:extLst>
-            <a:ext uri="{909E8E84-426E-40DD-AFC4-6F175D3DCCD1}">
-              <a14:hiddenFill xmlns:a14="http://schemas.microsoft.com/office/drawing/2010/main">
-                <a:solidFill>
-                  <a:srgbClr val="FFFFFF"/>
-                </a:solidFill>
-              </a14:hiddenFill>
-            </a:ext>
-            <a:ext uri="{91240B29-F687-4F45-9708-019B960494DF}">
-              <a14:hiddenLine xmlns:a14="http://schemas.microsoft.com/office/drawing/2010/main" w="9525" algn="ctr">
-                <a:solidFill>
-                  <a:srgbClr val="000000"/>
-                </a:solidFill>
-                <a:miter lim="800000"/>
-                <a:headEnd/>
-                <a:tailEnd/>
-              </a14:hiddenLine>
-            </a:ext>
-          </a:extLst>
-        </p:spPr>
-        <p:txBody>
-          <a:bodyPr wrap="none" anchor="ctr">
-            <a:spAutoFit/>
-          </a:bodyPr>
-          <a:lstStyle/>
-          <a:p>
-            <a:endParaRPr lang="en-US"/>
-          </a:p>
-        </p:txBody>
-      </p:sp>
-      <p:sp>
-        <p:nvSpPr>
-          <p:cNvPr id="2" name="Rectangle 7"/>
-          <p:cNvSpPr>
-            <a:spLocks noChangeArrowheads="1"/>
-          </p:cNvSpPr>
-          <p:nvPr/>
-        </p:nvSpPr>
-        <p:spPr bwMode="auto">
-          <a:xfrm>
-            <a:off x="0" y="0"/>
-            <a:ext cx="9144000" cy="0"/>
-          </a:xfrm>
-          <a:prstGeom prst="rect">
-            <a:avLst/>
-          </a:prstGeom>
-          <a:noFill/>
-          <a:ln>
-            <a:noFill/>
-          </a:ln>
-          <a:effectLst/>
-          <a:extLst>
-            <a:ext uri="{909E8E84-426E-40DD-AFC4-6F175D3DCCD1}">
-              <a14:hiddenFill xmlns:a14="http://schemas.microsoft.com/office/drawing/2010/main">
-                <a:solidFill>
-                  <a:schemeClr val="accent1"/>
-                </a:solidFill>
-              </a14:hiddenFill>
-            </a:ext>
-            <a:ext uri="{91240B29-F687-4F45-9708-019B960494DF}">
-              <a14:hiddenLine xmlns:a14="http://schemas.microsoft.com/office/drawing/2010/main" w="9525">
-                <a:solidFill>
-                  <a:schemeClr val="tx1"/>
-                </a:solidFill>
-                <a:miter lim="800000"/>
-                <a:headEnd/>
-                <a:tailEnd/>
-              </a14:hiddenLine>
-            </a:ext>
-            <a:ext uri="{AF507438-7753-43E0-B8FC-AC1667EBCBE1}">
-              <a14:hiddenEffects xmlns:a14="http://schemas.microsoft.com/office/drawing/2010/main">
-                <a:effectLst>
-                  <a:outerShdw dist="35921" dir="2700000" algn="ctr" rotWithShape="0">
-                    <a:schemeClr val="bg2"/>
-                  </a:outerShdw>
-                </a:effectLst>
-              </a14:hiddenEffects>
-            </a:ext>
-          </a:extLst>
-        </p:spPr>
-        <p:txBody>
-          <a:bodyPr vert="horz" wrap="none" lIns="91440" tIns="45720" rIns="91440" bIns="45720" numCol="1" anchor="ctr" anchorCtr="0" compatLnSpc="1">
-            <a:prstTxWarp prst="textNoShape">
-              <a:avLst/>
-            </a:prstTxWarp>
-            <a:spAutoFit/>
-          </a:bodyPr>
-          <a:lstStyle/>
-          <a:p>
-            <a:endParaRPr lang="en-US"/>
-          </a:p>
-        </p:txBody>
-      </p:sp>
-      <p:graphicFrame>
-        <p:nvGraphicFramePr>
-          <p:cNvPr id="3" name="Object 2"/>
-          <p:cNvGraphicFramePr>
-            <a:graphicFrameLocks noChangeAspect="1"/>
-          </p:cNvGraphicFramePr>
-          <p:nvPr>
-            <p:extLst>
-              <p:ext uri="{D42A27DB-BD31-4B8C-83A1-F6EECF244321}">
-                <p14:modId xmlns:p14="http://schemas.microsoft.com/office/powerpoint/2010/main" val="2838044719"/>
-              </p:ext>
-            </p:extLst>
-          </p:nvPr>
-        </p:nvGraphicFramePr>
-        <p:xfrm>
-          <a:off x="2133600" y="2362200"/>
-          <a:ext cx="1981200" cy="547992"/>
-        </p:xfrm>
-        <a:graphic>
-          <a:graphicData uri="http://schemas.openxmlformats.org/presentationml/2006/ole">
-            <mc:AlternateContent xmlns:mc="http://schemas.openxmlformats.org/markup-compatibility/2006">
-              <mc:Choice xmlns:v="urn:schemas-microsoft-com:vml" Requires="v">
-                <p:oleObj spid="_x0000_s26660" name="Equation" r:id="rId4" imgW="748975" imgH="203112" progId="Equation.3">
-                  <p:embed/>
-                </p:oleObj>
-              </mc:Choice>
-              <mc:Fallback>
-                <p:oleObj name="Equation" r:id="rId4" imgW="748975" imgH="203112" progId="Equation.3">
-                  <p:embed/>
-                  <p:pic>
-                    <p:nvPicPr>
-                      <p:cNvPr id="0" name=""/>
-                      <p:cNvPicPr>
-                        <a:picLocks noChangeAspect="1" noChangeArrowheads="1"/>
-                      </p:cNvPicPr>
-                      <p:nvPr/>
-                    </p:nvPicPr>
-                    <p:blipFill>
-                      <a:blip r:embed="rId5">
-                        <a:extLst>
-                          <a:ext uri="{28A0092B-C50C-407E-A947-70E740481C1C}">
-                            <a14:useLocalDpi xmlns:a14="http://schemas.microsoft.com/office/drawing/2010/main" val="0"/>
-                          </a:ext>
-                        </a:extLst>
-                      </a:blip>
-                      <a:srcRect/>
-                      <a:stretch>
-                        <a:fillRect/>
-                      </a:stretch>
-                    </p:blipFill>
-                    <p:spPr bwMode="auto">
-                      <a:xfrm>
-                        <a:off x="2133600" y="2362200"/>
-                        <a:ext cx="1981200" cy="547992"/>
-                      </a:xfrm>
-                      <a:prstGeom prst="rect">
-                        <a:avLst/>
-                      </a:prstGeom>
-                      <a:noFill/>
-                    </p:spPr>
-                  </p:pic>
-                </p:oleObj>
-              </mc:Fallback>
-            </mc:AlternateContent>
-          </a:graphicData>
-        </a:graphic>
-      </p:graphicFrame>
-      <p:sp>
-        <p:nvSpPr>
-          <p:cNvPr id="5" name="Rectangle 11"/>
-          <p:cNvSpPr>
-            <a:spLocks noChangeArrowheads="1"/>
-          </p:cNvSpPr>
-          <p:nvPr/>
-        </p:nvSpPr>
-        <p:spPr bwMode="auto">
-          <a:xfrm>
-            <a:off x="0" y="0"/>
-            <a:ext cx="9144000" cy="0"/>
-          </a:xfrm>
-          <a:prstGeom prst="rect">
-            <a:avLst/>
-          </a:prstGeom>
-          <a:noFill/>
-          <a:ln>
-            <a:noFill/>
-          </a:ln>
-          <a:effectLst/>
-          <a:extLst>
-            <a:ext uri="{909E8E84-426E-40DD-AFC4-6F175D3DCCD1}">
-              <a14:hiddenFill xmlns:a14="http://schemas.microsoft.com/office/drawing/2010/main">
-                <a:solidFill>
-                  <a:schemeClr val="accent1"/>
-                </a:solidFill>
-              </a14:hiddenFill>
-            </a:ext>
-            <a:ext uri="{91240B29-F687-4F45-9708-019B960494DF}">
-              <a14:hiddenLine xmlns:a14="http://schemas.microsoft.com/office/drawing/2010/main" w="9525">
-                <a:solidFill>
-                  <a:schemeClr val="tx1"/>
-                </a:solidFill>
-                <a:miter lim="800000"/>
-                <a:headEnd/>
-                <a:tailEnd/>
-              </a14:hiddenLine>
-            </a:ext>
-            <a:ext uri="{AF507438-7753-43E0-B8FC-AC1667EBCBE1}">
-              <a14:hiddenEffects xmlns:a14="http://schemas.microsoft.com/office/drawing/2010/main">
-                <a:effectLst>
-                  <a:outerShdw dist="35921" dir="2700000" algn="ctr" rotWithShape="0">
-                    <a:schemeClr val="bg2"/>
-                  </a:outerShdw>
-                </a:effectLst>
-              </a14:hiddenEffects>
-            </a:ext>
-          </a:extLst>
-        </p:spPr>
-        <p:txBody>
-          <a:bodyPr vert="horz" wrap="none" lIns="91440" tIns="45720" rIns="91440" bIns="45720" numCol="1" anchor="ctr" anchorCtr="0" compatLnSpc="1">
-            <a:prstTxWarp prst="textNoShape">
-              <a:avLst/>
-            </a:prstTxWarp>
-            <a:spAutoFit/>
-          </a:bodyPr>
-          <a:lstStyle/>
-          <a:p>
-            <a:endParaRPr lang="en-US"/>
-          </a:p>
-        </p:txBody>
-      </p:sp>
-      <p:graphicFrame>
-        <p:nvGraphicFramePr>
-          <p:cNvPr id="6" name="Object 5"/>
-          <p:cNvGraphicFramePr>
-            <a:graphicFrameLocks noChangeAspect="1"/>
-          </p:cNvGraphicFramePr>
-          <p:nvPr>
-            <p:extLst>
-              <p:ext uri="{D42A27DB-BD31-4B8C-83A1-F6EECF244321}">
-                <p14:modId xmlns:p14="http://schemas.microsoft.com/office/powerpoint/2010/main" val="3139554144"/>
-              </p:ext>
-            </p:extLst>
-          </p:nvPr>
-        </p:nvGraphicFramePr>
-        <p:xfrm>
-          <a:off x="2209800" y="3200400"/>
-          <a:ext cx="1528549" cy="533400"/>
-        </p:xfrm>
-        <a:graphic>
-          <a:graphicData uri="http://schemas.openxmlformats.org/presentationml/2006/ole">
-            <mc:AlternateContent xmlns:mc="http://schemas.openxmlformats.org/markup-compatibility/2006">
-              <mc:Choice xmlns:v="urn:schemas-microsoft-com:vml" Requires="v">
-                <p:oleObj spid="_x0000_s26661" name="Equation" r:id="rId6" imgW="609336" imgH="215806" progId="Equation.DSMT4">
-                  <p:embed/>
-                </p:oleObj>
-              </mc:Choice>
-              <mc:Fallback>
-                <p:oleObj name="Equation" r:id="rId6" imgW="609336" imgH="215806" progId="Equation.DSMT4">
-                  <p:embed/>
-                  <p:pic>
-                    <p:nvPicPr>
-                      <p:cNvPr id="0" name=""/>
-                      <p:cNvPicPr>
-                        <a:picLocks noChangeAspect="1" noChangeArrowheads="1"/>
-                      </p:cNvPicPr>
-                      <p:nvPr/>
-                    </p:nvPicPr>
-                    <p:blipFill>
-                      <a:blip r:embed="rId7">
-                        <a:extLst>
-                          <a:ext uri="{28A0092B-C50C-407E-A947-70E740481C1C}">
-                            <a14:useLocalDpi xmlns:a14="http://schemas.microsoft.com/office/drawing/2010/main" val="0"/>
-                          </a:ext>
-                        </a:extLst>
-                      </a:blip>
-                      <a:srcRect/>
-                      <a:stretch>
-                        <a:fillRect/>
-                      </a:stretch>
-                    </p:blipFill>
-                    <p:spPr bwMode="auto">
-                      <a:xfrm>
-                        <a:off x="2209800" y="3200400"/>
-                        <a:ext cx="1528549" cy="533400"/>
-                      </a:xfrm>
-                      <a:prstGeom prst="rect">
-                        <a:avLst/>
-                      </a:prstGeom>
-                      <a:noFill/>
-                    </p:spPr>
-                  </p:pic>
-                </p:oleObj>
-              </mc:Fallback>
-            </mc:AlternateContent>
-          </a:graphicData>
-        </a:graphic>
-      </p:graphicFrame>
-    </p:spTree>
-    <p:extLst>
-      <p:ext uri="{BB962C8B-B14F-4D97-AF65-F5344CB8AC3E}">
-        <p14:creationId xmlns:p14="http://schemas.microsoft.com/office/powerpoint/2010/main" val="1621168569"/>
-      </p:ext>
-    </p:extLst>
-  </p:cSld>
-  <p:clrMapOvr>
-    <a:masterClrMapping/>
-  </p:clrMapOvr>
-  <p:transition/>
-  <p:timing>
-    <p:tnLst>
-      <p:par>
-        <p:cTn id="1" dur="indefinite" restart="never" nodeType="tmRoot">
-          <p:childTnLst>
-            <p:seq concurrent="1" nextAc="seek">
-              <p:cTn id="2" dur="indefinite" nodeType="mainSeq">
-                <p:childTnLst>
-                  <p:par>
-                    <p:cTn id="3" fill="hold" nodeType="clickPar">
-                      <p:stCondLst>
-                        <p:cond delay="indefinite"/>
-                      </p:stCondLst>
-                      <p:childTnLst>
-                        <p:par>
-                          <p:cTn id="4" fill="hold" nodeType="withGroup">
-                            <p:stCondLst>
-                              <p:cond delay="0"/>
-                            </p:stCondLst>
-                            <p:childTnLst>
-                              <p:par>
-                                <p:cTn id="5" presetID="1" presetClass="entr" presetSubtype="0" fill="hold" grpId="0" nodeType="clickEffect">
-                                  <p:stCondLst>
-                                    <p:cond delay="0"/>
-                                  </p:stCondLst>
-                                  <p:childTnLst>
-                                    <p:set>
-                                      <p:cBhvr>
-                                        <p:cTn id="6" dur="1" fill="hold">
-                                          <p:stCondLst>
-                                            <p:cond delay="499"/>
-                                          </p:stCondLst>
-                                        </p:cTn>
-                                        <p:tgtEl>
-                                          <p:spTgt spid="253954">
-                                            <p:txEl>
-                                              <p:pRg st="0" end="0"/>
-                                            </p:txEl>
-                                          </p:spTgt>
-                                        </p:tgtEl>
-                                        <p:attrNameLst>
-                                          <p:attrName>style.visibility</p:attrName>
-                                        </p:attrNameLst>
-                                      </p:cBhvr>
-                                      <p:to>
-                                        <p:strVal val="visible"/>
-                                      </p:to>
-                                    </p:set>
-                                  </p:childTnLst>
-                                </p:cTn>
-                              </p:par>
-                              <p:par>
-                                <p:cTn id="7" presetID="1" presetClass="entr" presetSubtype="0" fill="hold" grpId="0" nodeType="withEffect">
-                                  <p:stCondLst>
-                                    <p:cond delay="0"/>
-                                  </p:stCondLst>
-                                  <p:childTnLst>
-                                    <p:set>
-                                      <p:cBhvr>
-                                        <p:cTn id="8" dur="1" fill="hold">
-                                          <p:stCondLst>
-                                            <p:cond delay="499"/>
-                                          </p:stCondLst>
-                                        </p:cTn>
-                                        <p:tgtEl>
-                                          <p:spTgt spid="253954">
-                                            <p:txEl>
-                                              <p:pRg st="5" end="5"/>
-                                            </p:txEl>
-                                          </p:spTgt>
-                                        </p:tgtEl>
-                                        <p:attrNameLst>
-                                          <p:attrName>style.visibility</p:attrName>
-                                        </p:attrNameLst>
-                                      </p:cBhvr>
-                                      <p:to>
-                                        <p:strVal val="visible"/>
-                                      </p:to>
-                                    </p:set>
-                                  </p:childTnLst>
-                                </p:cTn>
-                              </p:par>
-                            </p:childTnLst>
-                          </p:cTn>
-                        </p:par>
-                      </p:childTnLst>
-                    </p:cTn>
-                  </p:par>
-                  <p:par>
-                    <p:cTn id="9" fill="hold" nodeType="clickPar">
-                      <p:stCondLst>
-                        <p:cond delay="indefinite"/>
-                      </p:stCondLst>
-                      <p:childTnLst>
-                        <p:par>
-                          <p:cTn id="10" fill="hold" nodeType="withGroup">
-                            <p:stCondLst>
-                              <p:cond delay="0"/>
-                            </p:stCondLst>
-                            <p:childTnLst>
-                              <p:par>
-                                <p:cTn id="11" presetID="29" presetClass="entr" presetSubtype="0" fill="hold" nodeType="clickEffect">
-                                  <p:stCondLst>
-                                    <p:cond delay="0"/>
-                                  </p:stCondLst>
-                                  <p:childTnLst>
-                                    <p:set>
-                                      <p:cBhvr>
-                                        <p:cTn id="12" dur="1" fill="hold">
-                                          <p:stCondLst>
-                                            <p:cond delay="0"/>
-                                          </p:stCondLst>
-                                        </p:cTn>
-                                        <p:tgtEl>
-                                          <p:spTgt spid="253954">
-                                            <p:txEl>
-                                              <p:pRg st="5" end="5"/>
-                                            </p:txEl>
-                                          </p:spTgt>
-                                        </p:tgtEl>
-                                        <p:attrNameLst>
-                                          <p:attrName>style.visibility</p:attrName>
-                                        </p:attrNameLst>
-                                      </p:cBhvr>
-                                      <p:to>
-                                        <p:strVal val="visible"/>
-                                      </p:to>
-                                    </p:set>
-                                    <p:anim calcmode="lin" valueType="num">
-                                      <p:cBhvr>
-                                        <p:cTn id="13" dur="1000" fill="hold"/>
-                                        <p:tgtEl>
-                                          <p:spTgt spid="253954">
-                                            <p:txEl>
-                                              <p:pRg st="5" end="5"/>
-                                            </p:txEl>
-                                          </p:spTgt>
-                                        </p:tgtEl>
-                                        <p:attrNameLst>
-                                          <p:attrName>ppt_x</p:attrName>
-                                        </p:attrNameLst>
-                                      </p:cBhvr>
-                                      <p:tavLst>
-                                        <p:tav tm="0">
-                                          <p:val>
-                                            <p:strVal val="#ppt_x-.2"/>
-                                          </p:val>
-                                        </p:tav>
-                                        <p:tav tm="100000">
-                                          <p:val>
-                                            <p:strVal val="#ppt_x"/>
-                                          </p:val>
-                                        </p:tav>
-                                      </p:tavLst>
-                                    </p:anim>
-                                    <p:anim calcmode="lin" valueType="num">
-                                      <p:cBhvr>
-                                        <p:cTn id="14" dur="1000" fill="hold"/>
-                                        <p:tgtEl>
-                                          <p:spTgt spid="253954">
-                                            <p:txEl>
-                                              <p:pRg st="5" end="5"/>
-                                            </p:txEl>
-                                          </p:spTgt>
-                                        </p:tgtEl>
-                                        <p:attrNameLst>
-                                          <p:attrName>ppt_y</p:attrName>
-                                        </p:attrNameLst>
-                                      </p:cBhvr>
-                                      <p:tavLst>
-                                        <p:tav tm="0">
-                                          <p:val>
-                                            <p:strVal val="#ppt_y"/>
-                                          </p:val>
-                                        </p:tav>
-                                        <p:tav tm="100000">
-                                          <p:val>
-                                            <p:strVal val="#ppt_y"/>
-                                          </p:val>
-                                        </p:tav>
-                                      </p:tavLst>
-                                    </p:anim>
-                                    <p:animEffect transition="in" filter="wipe(right)" prLst="gradientSize: 0.1">
-                                      <p:cBhvr>
-                                        <p:cTn id="15" dur="1000"/>
-                                        <p:tgtEl>
-                                          <p:spTgt spid="253954">
-                                            <p:txEl>
-                                              <p:pRg st="5" end="5"/>
-                                            </p:txEl>
-                                          </p:spTgt>
-                                        </p:tgtEl>
-                                      </p:cBhvr>
-                                    </p:animEffect>
-                                  </p:childTnLst>
-                                </p:cTn>
-                              </p:par>
-                            </p:childTnLst>
-                          </p:cTn>
-                        </p:par>
-                      </p:childTnLst>
-                    </p:cTn>
-                  </p:par>
-                </p:childTnLst>
-              </p:cTn>
-              <p:prevCondLst>
-                <p:cond evt="onPrev" delay="0">
-                  <p:tgtEl>
-                    <p:sldTgt/>
-                  </p:tgtEl>
-                </p:cond>
-              </p:prevCondLst>
-              <p:nextCondLst>
-                <p:cond evt="onNext" delay="0">
-                  <p:tgtEl>
-                    <p:sldTgt/>
-                  </p:tgtEl>
-                </p:cond>
-              </p:nextCondLst>
-            </p:seq>
-          </p:childTnLst>
-        </p:cTn>
-      </p:par>
-    </p:tnLst>
-    <p:bldLst>
-      <p:bldP spid="253954" grpId="0" build="allAtOnce" autoUpdateAnimBg="0"/>
-    </p:bldLst>
-  </p:timing>
-</p:sld>
-</file>
-
-<file path=ppt/slides/slide38.xml><?xml version="1.0" encoding="utf-8"?>
-<p:sld xmlns:a="http://schemas.openxmlformats.org/drawingml/2006/main" xmlns:r="http://schemas.openxmlformats.org/officeDocument/2006/relationships" xmlns:p="http://schemas.openxmlformats.org/presentationml/2006/main">
-  <p:cSld>
-    <p:spTree>
-      <p:nvGrpSpPr>
-        <p:cNvPr id="1" name=""/>
-        <p:cNvGrpSpPr/>
-        <p:nvPr/>
-      </p:nvGrpSpPr>
-      <p:grpSpPr>
-        <a:xfrm>
-          <a:off x="0" y="0"/>
-          <a:ext cx="0" cy="0"/>
-          <a:chOff x="0" y="0"/>
-          <a:chExt cx="0" cy="0"/>
-        </a:xfrm>
-      </p:grpSpPr>
-      <p:sp>
-        <p:nvSpPr>
-          <p:cNvPr id="20482" name="Rectangle 3"/>
-          <p:cNvSpPr>
-            <a:spLocks noGrp="1" noChangeArrowheads="1"/>
-          </p:cNvSpPr>
-          <p:nvPr>
-            <p:ph type="body" idx="4294967295"/>
-          </p:nvPr>
-        </p:nvSpPr>
-        <p:spPr>
-          <a:xfrm>
-            <a:off x="466725" y="1371600"/>
-            <a:ext cx="8305800" cy="5029200"/>
-          </a:xfrm>
-        </p:spPr>
-        <p:txBody>
-          <a:bodyPr>
-            <a:normAutofit fontScale="92500" lnSpcReduction="20000"/>
-          </a:bodyPr>
-          <a:lstStyle/>
-          <a:p>
-            <a:r>
-              <a:rPr lang="en-US" sz="2800" dirty="0">
-                <a:latin typeface="Palatino Linotype" pitchFamily="18" charset="0"/>
-              </a:rPr>
-              <a:t>Standard scores are a </a:t>
-            </a:r>
-            <a:r>
-              <a:rPr lang="en-US" sz="2800" dirty="0">
-                <a:solidFill>
-                  <a:srgbClr val="FF0000"/>
-                </a:solidFill>
-                <a:latin typeface="Palatino Linotype" pitchFamily="18" charset="0"/>
-              </a:rPr>
-              <a:t>special subclass </a:t>
-            </a:r>
-            <a:r>
-              <a:rPr lang="en-US" sz="2800" dirty="0">
-                <a:latin typeface="Palatino Linotype" pitchFamily="18" charset="0"/>
-              </a:rPr>
-              <a:t>of linearly transformed scores for which the </a:t>
-            </a:r>
-            <a:r>
-              <a:rPr lang="en-US" sz="2800" dirty="0">
-                <a:solidFill>
-                  <a:srgbClr val="FF0000"/>
-                </a:solidFill>
-                <a:latin typeface="Palatino Linotype" pitchFamily="18" charset="0"/>
-              </a:rPr>
-              <a:t>mean</a:t>
-            </a:r>
-            <a:r>
-              <a:rPr lang="en-US" sz="2800" dirty="0">
-                <a:latin typeface="Palatino Linotype" pitchFamily="18" charset="0"/>
-              </a:rPr>
-              <a:t> and </a:t>
-            </a:r>
-            <a:r>
-              <a:rPr lang="en-US" sz="2800" dirty="0">
-                <a:solidFill>
-                  <a:srgbClr val="FF0000"/>
-                </a:solidFill>
-                <a:latin typeface="Palatino Linotype" pitchFamily="18" charset="0"/>
-              </a:rPr>
-              <a:t>standard deviation </a:t>
-            </a:r>
-            <a:r>
-              <a:rPr lang="en-US" sz="2800" dirty="0">
-                <a:latin typeface="Palatino Linotype" pitchFamily="18" charset="0"/>
-              </a:rPr>
-              <a:t>are fixed. </a:t>
-            </a:r>
-          </a:p>
-          <a:p>
-            <a:endParaRPr lang="en-US" sz="2000" dirty="0">
-              <a:latin typeface="Palatino Linotype" pitchFamily="18" charset="0"/>
-            </a:endParaRPr>
-          </a:p>
-          <a:p>
-            <a:r>
-              <a:rPr lang="en-US" sz="2800" dirty="0">
-                <a:latin typeface="Palatino Linotype" pitchFamily="18" charset="0"/>
-              </a:rPr>
-              <a:t>The idea behind Z score transformation is to linearly transform our original scores to obtain new scores (called Z’s rather than Y’s) that have a </a:t>
-            </a:r>
-            <a:r>
-              <a:rPr lang="en-US" sz="2800" dirty="0">
-                <a:solidFill>
-                  <a:srgbClr val="FF0000"/>
-                </a:solidFill>
-                <a:latin typeface="Palatino Linotype" pitchFamily="18" charset="0"/>
-              </a:rPr>
-              <a:t>mean of 0 </a:t>
-            </a:r>
-            <a:r>
-              <a:rPr lang="en-US" sz="2800" dirty="0">
-                <a:latin typeface="Palatino Linotype" pitchFamily="18" charset="0"/>
-              </a:rPr>
-              <a:t>and a</a:t>
-            </a:r>
-            <a:r>
-              <a:rPr lang="en-US" sz="2800" dirty="0">
-                <a:solidFill>
-                  <a:schemeClr val="tx2"/>
-                </a:solidFill>
-                <a:latin typeface="Palatino Linotype" pitchFamily="18" charset="0"/>
-              </a:rPr>
-              <a:t> </a:t>
-            </a:r>
-            <a:r>
-              <a:rPr lang="en-US" sz="2800" dirty="0">
-                <a:solidFill>
-                  <a:srgbClr val="FF0000"/>
-                </a:solidFill>
-                <a:latin typeface="Palatino Linotype" pitchFamily="18" charset="0"/>
-              </a:rPr>
-              <a:t>standard deviation of 1.</a:t>
-            </a:r>
-          </a:p>
-          <a:p>
-            <a:endParaRPr lang="en-US" sz="2000" dirty="0">
-              <a:solidFill>
-                <a:srgbClr val="DB4931"/>
-              </a:solidFill>
-              <a:latin typeface="Palatino Linotype" pitchFamily="18" charset="0"/>
-            </a:endParaRPr>
-          </a:p>
-          <a:p>
-            <a:r>
-              <a:rPr lang="en-US" sz="2800" dirty="0">
-                <a:latin typeface="Palatino Linotype" pitchFamily="18" charset="0"/>
-              </a:rPr>
-              <a:t>Z scores explains </a:t>
-            </a:r>
-            <a:r>
-              <a:rPr lang="en-US" sz="2800" dirty="0">
-                <a:solidFill>
-                  <a:srgbClr val="FF0000"/>
-                </a:solidFill>
-                <a:latin typeface="Palatino Linotype" pitchFamily="18" charset="0"/>
-              </a:rPr>
-              <a:t>“how far away a score is from the mean in standard deviation units?” </a:t>
-            </a:r>
-          </a:p>
-          <a:p>
-            <a:endParaRPr lang="en-US" sz="2000" dirty="0">
-              <a:latin typeface="Palatino Linotype" pitchFamily="18" charset="0"/>
-            </a:endParaRPr>
-          </a:p>
-          <a:p>
-            <a:r>
-              <a:rPr lang="en-US" sz="2800" dirty="0">
-                <a:latin typeface="Palatino Linotype" pitchFamily="18" charset="0"/>
-              </a:rPr>
-              <a:t>It makes it possible to compare scores or measurements from different kinds of distributions.</a:t>
-            </a:r>
-          </a:p>
-          <a:p>
-            <a:pPr marL="742950" lvl="1" indent="-285750"/>
-            <a:endParaRPr lang="en-US" dirty="0">
-              <a:solidFill>
-                <a:srgbClr val="DB4931"/>
-              </a:solidFill>
-              <a:latin typeface="Palatino Linotype" pitchFamily="18" charset="0"/>
-            </a:endParaRPr>
-          </a:p>
-          <a:p>
-            <a:endParaRPr lang="en-US" sz="2500" dirty="0">
-              <a:solidFill>
-                <a:schemeClr val="tx2"/>
-              </a:solidFill>
-              <a:latin typeface="Palatino Linotype" pitchFamily="18" charset="0"/>
-            </a:endParaRPr>
-          </a:p>
-          <a:p>
-            <a:endParaRPr lang="en-US" sz="2500" dirty="0">
-              <a:solidFill>
-                <a:schemeClr val="tx2"/>
-              </a:solidFill>
-              <a:latin typeface="Palatino Linotype" pitchFamily="18" charset="0"/>
-            </a:endParaRPr>
-          </a:p>
-          <a:p>
-            <a:pPr marL="742950" lvl="1" indent="-285750"/>
-            <a:endParaRPr lang="en-US" dirty="0">
-              <a:solidFill>
-                <a:srgbClr val="DB4931"/>
-              </a:solidFill>
-              <a:latin typeface="Palatino Linotype" pitchFamily="18" charset="0"/>
-            </a:endParaRPr>
-          </a:p>
-        </p:txBody>
-      </p:sp>
-      <p:sp>
-        <p:nvSpPr>
-          <p:cNvPr id="23556" name="Text Box 4"/>
-          <p:cNvSpPr txBox="1">
-            <a:spLocks noChangeArrowheads="1"/>
-          </p:cNvSpPr>
-          <p:nvPr/>
-        </p:nvSpPr>
-        <p:spPr bwMode="auto">
-          <a:xfrm>
-            <a:off x="217283" y="457200"/>
-            <a:ext cx="8382000" cy="769441"/>
-          </a:xfrm>
-          <a:prstGeom prst="rect">
-            <a:avLst/>
-          </a:prstGeom>
-          <a:noFill/>
-          <a:ln>
-            <a:noFill/>
-          </a:ln>
-          <a:extLst>
-            <a:ext uri="{909E8E84-426E-40DD-AFC4-6F175D3DCCD1}">
-              <a14:hiddenFill xmlns:a14="http://schemas.microsoft.com/office/drawing/2010/main">
-                <a:solidFill>
-                  <a:srgbClr val="FFFFFF"/>
-                </a:solidFill>
-              </a14:hiddenFill>
-            </a:ext>
-            <a:ext uri="{91240B29-F687-4F45-9708-019B960494DF}">
-              <a14:hiddenLine xmlns:a14="http://schemas.microsoft.com/office/drawing/2010/main" w="9525" algn="ctr">
-                <a:solidFill>
-                  <a:srgbClr val="000000"/>
-                </a:solidFill>
-                <a:miter lim="800000"/>
-                <a:headEnd/>
-                <a:tailEnd/>
-              </a14:hiddenLine>
-            </a:ext>
-          </a:extLst>
-        </p:spPr>
-        <p:txBody>
-          <a:bodyPr>
-            <a:spAutoFit/>
-          </a:bodyPr>
-          <a:lstStyle>
-            <a:lvl1pPr>
-              <a:defRPr sz="2400">
-                <a:solidFill>
-                  <a:srgbClr val="FF9900"/>
-                </a:solidFill>
-                <a:latin typeface="Times New Roman" pitchFamily="18" charset="0"/>
-                <a:cs typeface="Arial" pitchFamily="34" charset="0"/>
-              </a:defRPr>
-            </a:lvl1pPr>
-            <a:lvl2pPr marL="742950" indent="-285750">
-              <a:defRPr sz="2400">
-                <a:solidFill>
-                  <a:srgbClr val="FF9900"/>
-                </a:solidFill>
-                <a:latin typeface="Times New Roman" pitchFamily="18" charset="0"/>
-                <a:cs typeface="Arial" pitchFamily="34" charset="0"/>
-              </a:defRPr>
-            </a:lvl2pPr>
-            <a:lvl3pPr marL="1143000" indent="-228600">
-              <a:defRPr sz="2400">
-                <a:solidFill>
-                  <a:srgbClr val="FF9900"/>
-                </a:solidFill>
-                <a:latin typeface="Times New Roman" pitchFamily="18" charset="0"/>
-                <a:cs typeface="Arial" pitchFamily="34" charset="0"/>
-              </a:defRPr>
-            </a:lvl3pPr>
-            <a:lvl4pPr marL="1600200" indent="-228600">
-              <a:defRPr sz="2400">
-                <a:solidFill>
-                  <a:srgbClr val="FF9900"/>
-                </a:solidFill>
-                <a:latin typeface="Times New Roman" pitchFamily="18" charset="0"/>
-                <a:cs typeface="Arial" pitchFamily="34" charset="0"/>
-              </a:defRPr>
-            </a:lvl4pPr>
-            <a:lvl5pPr marL="2057400" indent="-228600">
-              <a:defRPr sz="2400">
-                <a:solidFill>
-                  <a:srgbClr val="FF9900"/>
-                </a:solidFill>
-                <a:latin typeface="Times New Roman" pitchFamily="18" charset="0"/>
-                <a:cs typeface="Arial" pitchFamily="34" charset="0"/>
-              </a:defRPr>
-            </a:lvl5pPr>
-            <a:lvl6pPr marL="2514600" indent="-228600" eaLnBrk="0" fontAlgn="base" hangingPunct="0">
-              <a:lnSpc>
-                <a:spcPct val="80000"/>
-              </a:lnSpc>
-              <a:spcBef>
-                <a:spcPct val="0"/>
-              </a:spcBef>
-              <a:spcAft>
-                <a:spcPct val="0"/>
-              </a:spcAft>
-              <a:defRPr sz="2400">
-                <a:solidFill>
-                  <a:srgbClr val="FF9900"/>
-                </a:solidFill>
-                <a:latin typeface="Times New Roman" pitchFamily="18" charset="0"/>
-                <a:cs typeface="Arial" pitchFamily="34" charset="0"/>
-              </a:defRPr>
-            </a:lvl6pPr>
-            <a:lvl7pPr marL="2971800" indent="-228600" eaLnBrk="0" fontAlgn="base" hangingPunct="0">
-              <a:lnSpc>
-                <a:spcPct val="80000"/>
-              </a:lnSpc>
-              <a:spcBef>
-                <a:spcPct val="0"/>
-              </a:spcBef>
-              <a:spcAft>
-                <a:spcPct val="0"/>
-              </a:spcAft>
-              <a:defRPr sz="2400">
-                <a:solidFill>
-                  <a:srgbClr val="FF9900"/>
-                </a:solidFill>
-                <a:latin typeface="Times New Roman" pitchFamily="18" charset="0"/>
-                <a:cs typeface="Arial" pitchFamily="34" charset="0"/>
-              </a:defRPr>
-            </a:lvl7pPr>
-            <a:lvl8pPr marL="3429000" indent="-228600" eaLnBrk="0" fontAlgn="base" hangingPunct="0">
-              <a:lnSpc>
-                <a:spcPct val="80000"/>
-              </a:lnSpc>
-              <a:spcBef>
-                <a:spcPct val="0"/>
-              </a:spcBef>
-              <a:spcAft>
-                <a:spcPct val="0"/>
-              </a:spcAft>
-              <a:defRPr sz="2400">
-                <a:solidFill>
-                  <a:srgbClr val="FF9900"/>
-                </a:solidFill>
-                <a:latin typeface="Times New Roman" pitchFamily="18" charset="0"/>
-                <a:cs typeface="Arial" pitchFamily="34" charset="0"/>
-              </a:defRPr>
-            </a:lvl8pPr>
-            <a:lvl9pPr marL="3886200" indent="-228600" eaLnBrk="0" fontAlgn="base" hangingPunct="0">
-              <a:lnSpc>
-                <a:spcPct val="80000"/>
-              </a:lnSpc>
-              <a:spcBef>
-                <a:spcPct val="0"/>
-              </a:spcBef>
-              <a:spcAft>
-                <a:spcPct val="0"/>
-              </a:spcAft>
-              <a:defRPr sz="2400">
-                <a:solidFill>
-                  <a:srgbClr val="FF9900"/>
-                </a:solidFill>
-                <a:latin typeface="Times New Roman" pitchFamily="18" charset="0"/>
-                <a:cs typeface="Arial" pitchFamily="34" charset="0"/>
-              </a:defRPr>
-            </a:lvl9pPr>
-          </a:lstStyle>
-          <a:p>
-            <a:pPr algn="ctr">
-              <a:spcBef>
-                <a:spcPct val="0"/>
-              </a:spcBef>
-            </a:pPr>
-            <a:r>
-              <a:rPr lang="en-US" sz="4400" b="1" dirty="0">
-                <a:solidFill>
-                  <a:srgbClr val="000099"/>
-                </a:solidFill>
-                <a:latin typeface="Palatino Linotype" pitchFamily="18" charset="0"/>
-                <a:ea typeface="Cambria Math" pitchFamily="18" charset="0"/>
-                <a:cs typeface="+mj-cs"/>
-              </a:rPr>
-              <a:t>Standard Scores—Z scores</a:t>
-            </a:r>
-          </a:p>
-        </p:txBody>
-      </p:sp>
-    </p:spTree>
-    <p:extLst>
-      <p:ext uri="{BB962C8B-B14F-4D97-AF65-F5344CB8AC3E}">
-        <p14:creationId xmlns:p14="http://schemas.microsoft.com/office/powerpoint/2010/main" val="3289968504"/>
-      </p:ext>
-    </p:extLst>
-  </p:cSld>
-  <p:clrMapOvr>
-    <a:masterClrMapping/>
-  </p:clrMapOvr>
-  <p:transition/>
-  <p:timing>
-    <p:tnLst>
-      <p:par>
-        <p:cTn id="1" dur="indefinite" restart="never" nodeType="tmRoot">
-          <p:childTnLst>
-            <p:seq concurrent="1" nextAc="seek">
-              <p:cTn id="2" dur="indefinite" nodeType="mainSeq">
-                <p:childTnLst>
-                  <p:par>
-                    <p:cTn id="3" fill="hold" nodeType="clickPar">
-                      <p:stCondLst>
-                        <p:cond delay="indefinite"/>
-                      </p:stCondLst>
-                      <p:childTnLst>
-                        <p:par>
-                          <p:cTn id="4" fill="hold" nodeType="withGroup">
-                            <p:stCondLst>
-                              <p:cond delay="0"/>
-                            </p:stCondLst>
-                            <p:childTnLst>
-                              <p:par>
-                                <p:cTn id="5" presetID="29" presetClass="entr" presetSubtype="0" fill="hold" nodeType="clickEffect">
-                                  <p:stCondLst>
-                                    <p:cond delay="0"/>
-                                  </p:stCondLst>
-                                  <p:childTnLst>
-                                    <p:set>
-                                      <p:cBhvr>
-                                        <p:cTn id="6" dur="1" fill="hold">
-                                          <p:stCondLst>
-                                            <p:cond delay="0"/>
-                                          </p:stCondLst>
-                                        </p:cTn>
-                                        <p:tgtEl>
-                                          <p:spTgt spid="20482">
-                                            <p:txEl>
-                                              <p:pRg st="0" end="0"/>
-                                            </p:txEl>
-                                          </p:spTgt>
-                                        </p:tgtEl>
-                                        <p:attrNameLst>
-                                          <p:attrName>style.visibility</p:attrName>
-                                        </p:attrNameLst>
-                                      </p:cBhvr>
-                                      <p:to>
-                                        <p:strVal val="visible"/>
-                                      </p:to>
-                                    </p:set>
-                                    <p:anim calcmode="lin" valueType="num">
-                                      <p:cBhvr>
-                                        <p:cTn id="7" dur="1000" fill="hold"/>
-                                        <p:tgtEl>
-                                          <p:spTgt spid="20482">
-                                            <p:txEl>
-                                              <p:pRg st="0" end="0"/>
-                                            </p:txEl>
-                                          </p:spTgt>
-                                        </p:tgtEl>
-                                        <p:attrNameLst>
-                                          <p:attrName>ppt_x</p:attrName>
-                                        </p:attrNameLst>
-                                      </p:cBhvr>
-                                      <p:tavLst>
-                                        <p:tav tm="0">
-                                          <p:val>
-                                            <p:strVal val="#ppt_x-.2"/>
-                                          </p:val>
-                                        </p:tav>
-                                        <p:tav tm="100000">
-                                          <p:val>
-                                            <p:strVal val="#ppt_x"/>
-                                          </p:val>
-                                        </p:tav>
-                                      </p:tavLst>
-                                    </p:anim>
-                                    <p:anim calcmode="lin" valueType="num">
-                                      <p:cBhvr>
-                                        <p:cTn id="8" dur="1000" fill="hold"/>
-                                        <p:tgtEl>
-                                          <p:spTgt spid="20482">
-                                            <p:txEl>
-                                              <p:pRg st="0" end="0"/>
-                                            </p:txEl>
-                                          </p:spTgt>
-                                        </p:tgtEl>
-                                        <p:attrNameLst>
-                                          <p:attrName>ppt_y</p:attrName>
-                                        </p:attrNameLst>
-                                      </p:cBhvr>
-                                      <p:tavLst>
-                                        <p:tav tm="0">
-                                          <p:val>
-                                            <p:strVal val="#ppt_y"/>
-                                          </p:val>
-                                        </p:tav>
-                                        <p:tav tm="100000">
-                                          <p:val>
-                                            <p:strVal val="#ppt_y"/>
-                                          </p:val>
-                                        </p:tav>
-                                      </p:tavLst>
-                                    </p:anim>
-                                    <p:animEffect transition="in" filter="wipe(right)" prLst="gradientSize: 0.1">
-                                      <p:cBhvr>
-                                        <p:cTn id="9" dur="1000"/>
-                                        <p:tgtEl>
-                                          <p:spTgt spid="20482">
-                                            <p:txEl>
-                                              <p:pRg st="0" end="0"/>
-                                            </p:txEl>
-                                          </p:spTgt>
-                                        </p:tgtEl>
-                                      </p:cBhvr>
-                                    </p:animEffect>
-                                  </p:childTnLst>
-                                </p:cTn>
-                              </p:par>
-                            </p:childTnLst>
-                          </p:cTn>
-                        </p:par>
-                      </p:childTnLst>
-                    </p:cTn>
-                  </p:par>
-                  <p:par>
-                    <p:cTn id="10" fill="hold" nodeType="clickPar">
-                      <p:stCondLst>
-                        <p:cond delay="indefinite"/>
-                      </p:stCondLst>
-                      <p:childTnLst>
-                        <p:par>
-                          <p:cTn id="11" fill="hold" nodeType="withGroup">
-                            <p:stCondLst>
-                              <p:cond delay="0"/>
-                            </p:stCondLst>
-                            <p:childTnLst>
-                              <p:par>
-                                <p:cTn id="12" presetID="29" presetClass="entr" presetSubtype="0" fill="hold" nodeType="clickEffect">
-                                  <p:stCondLst>
-                                    <p:cond delay="0"/>
-                                  </p:stCondLst>
-                                  <p:childTnLst>
-                                    <p:set>
-                                      <p:cBhvr>
-                                        <p:cTn id="13" dur="1" fill="hold">
-                                          <p:stCondLst>
-                                            <p:cond delay="0"/>
-                                          </p:stCondLst>
-                                        </p:cTn>
-                                        <p:tgtEl>
-                                          <p:spTgt spid="20482">
-                                            <p:txEl>
-                                              <p:pRg st="6" end="6"/>
-                                            </p:txEl>
-                                          </p:spTgt>
-                                        </p:tgtEl>
-                                        <p:attrNameLst>
-                                          <p:attrName>style.visibility</p:attrName>
-                                        </p:attrNameLst>
-                                      </p:cBhvr>
-                                      <p:to>
-                                        <p:strVal val="visible"/>
-                                      </p:to>
-                                    </p:set>
-                                    <p:anim calcmode="lin" valueType="num">
-                                      <p:cBhvr>
-                                        <p:cTn id="14" dur="1000" fill="hold"/>
-                                        <p:tgtEl>
-                                          <p:spTgt spid="20482">
-                                            <p:txEl>
-                                              <p:pRg st="6" end="6"/>
-                                            </p:txEl>
-                                          </p:spTgt>
-                                        </p:tgtEl>
-                                        <p:attrNameLst>
-                                          <p:attrName>ppt_x</p:attrName>
-                                        </p:attrNameLst>
-                                      </p:cBhvr>
-                                      <p:tavLst>
-                                        <p:tav tm="0">
-                                          <p:val>
-                                            <p:strVal val="#ppt_x-.2"/>
-                                          </p:val>
-                                        </p:tav>
-                                        <p:tav tm="100000">
-                                          <p:val>
-                                            <p:strVal val="#ppt_x"/>
-                                          </p:val>
-                                        </p:tav>
-                                      </p:tavLst>
-                                    </p:anim>
-                                    <p:anim calcmode="lin" valueType="num">
-                                      <p:cBhvr>
-                                        <p:cTn id="15" dur="1000" fill="hold"/>
-                                        <p:tgtEl>
-                                          <p:spTgt spid="20482">
-                                            <p:txEl>
-                                              <p:pRg st="6" end="6"/>
-                                            </p:txEl>
-                                          </p:spTgt>
-                                        </p:tgtEl>
-                                        <p:attrNameLst>
-                                          <p:attrName>ppt_y</p:attrName>
-                                        </p:attrNameLst>
-                                      </p:cBhvr>
-                                      <p:tavLst>
-                                        <p:tav tm="0">
-                                          <p:val>
-                                            <p:strVal val="#ppt_y"/>
-                                          </p:val>
-                                        </p:tav>
-                                        <p:tav tm="100000">
-                                          <p:val>
-                                            <p:strVal val="#ppt_y"/>
-                                          </p:val>
-                                        </p:tav>
-                                      </p:tavLst>
-                                    </p:anim>
-                                    <p:animEffect transition="in" filter="wipe(right)" prLst="gradientSize: 0.1">
-                                      <p:cBhvr>
-                                        <p:cTn id="16" dur="1000"/>
-                                        <p:tgtEl>
-                                          <p:spTgt spid="20482">
-                                            <p:txEl>
-                                              <p:pRg st="6" end="6"/>
-                                            </p:txEl>
-                                          </p:spTgt>
-                                        </p:tgtEl>
-                                      </p:cBhvr>
-                                    </p:animEffect>
-                                  </p:childTnLst>
-                                </p:cTn>
-                              </p:par>
-                            </p:childTnLst>
-                          </p:cTn>
-                        </p:par>
-                      </p:childTnLst>
-                    </p:cTn>
-                  </p:par>
-                </p:childTnLst>
-              </p:cTn>
-              <p:prevCondLst>
-                <p:cond evt="onPrev" delay="0">
-                  <p:tgtEl>
-                    <p:sldTgt/>
-                  </p:tgtEl>
-                </p:cond>
-              </p:prevCondLst>
-              <p:nextCondLst>
-                <p:cond evt="onNext" delay="0">
-                  <p:tgtEl>
-                    <p:sldTgt/>
-                  </p:tgtEl>
-                </p:cond>
-              </p:nextCondLst>
-            </p:seq>
-          </p:childTnLst>
-        </p:cTn>
-      </p:par>
-    </p:tnLst>
-  </p:timing>
-</p:sld>
-</file>
-
-<file path=ppt/slides/slide39.xml><?xml version="1.0" encoding="utf-8"?>
-<p:sld xmlns:a="http://schemas.openxmlformats.org/drawingml/2006/main" xmlns:r="http://schemas.openxmlformats.org/officeDocument/2006/relationships" xmlns:p="http://schemas.openxmlformats.org/presentationml/2006/main">
-  <p:cSld>
-    <p:spTree>
-      <p:nvGrpSpPr>
-        <p:cNvPr id="1" name=""/>
-        <p:cNvGrpSpPr/>
-        <p:nvPr/>
-      </p:nvGrpSpPr>
-      <p:grpSpPr>
-        <a:xfrm>
-          <a:off x="0" y="0"/>
-          <a:ext cx="0" cy="0"/>
-          <a:chOff x="0" y="0"/>
-          <a:chExt cx="0" cy="0"/>
-        </a:xfrm>
-      </p:grpSpPr>
-      <p:sp>
-        <p:nvSpPr>
-          <p:cNvPr id="2" name="Title 1"/>
-          <p:cNvSpPr>
-            <a:spLocks noGrp="1"/>
-          </p:cNvSpPr>
-          <p:nvPr>
-            <p:ph type="title"/>
-          </p:nvPr>
-        </p:nvSpPr>
-        <p:spPr/>
-        <p:txBody>
-          <a:bodyPr>
-            <a:normAutofit/>
-          </a:bodyPr>
-          <a:lstStyle/>
-          <a:p>
-            <a:r>
-              <a:rPr lang="en-US" sz="4800" b="1" dirty="0">
-                <a:solidFill>
-                  <a:srgbClr val="000099"/>
-                </a:solidFill>
-                <a:latin typeface="Palatino Linotype" pitchFamily="18" charset="0"/>
-                <a:ea typeface="Cambria Math" pitchFamily="18" charset="0"/>
-              </a:rPr>
-              <a:t>Z-score: Standardization</a:t>
-            </a:r>
-          </a:p>
-        </p:txBody>
-      </p:sp>
-      <p:sp>
-        <p:nvSpPr>
-          <p:cNvPr id="3" name="Content Placeholder 2"/>
-          <p:cNvSpPr>
-            <a:spLocks noGrp="1"/>
-          </p:cNvSpPr>
-          <p:nvPr>
-            <p:ph idx="1"/>
-          </p:nvPr>
-        </p:nvSpPr>
-        <p:spPr/>
-        <p:txBody>
-          <a:bodyPr>
-            <a:normAutofit/>
-          </a:bodyPr>
-          <a:lstStyle/>
-          <a:p>
-            <a:r>
-              <a:rPr lang="en-US" sz="2800" dirty="0">
-                <a:latin typeface="Palatino Linotype" pitchFamily="18" charset="0"/>
-              </a:rPr>
-              <a:t>If you determine the difference between an individual score and the mean of a distribution, and then you divide the difference by the standard deviation of the distribution, then you get the so-called “z-score”.</a:t>
-            </a:r>
-          </a:p>
-        </p:txBody>
-      </p:sp>
-      <p:graphicFrame>
-        <p:nvGraphicFramePr>
-          <p:cNvPr id="4" name="Object 3"/>
-          <p:cNvGraphicFramePr>
-            <a:graphicFrameLocks noChangeAspect="1"/>
-          </p:cNvGraphicFramePr>
-          <p:nvPr>
-            <p:extLst>
-              <p:ext uri="{D42A27DB-BD31-4B8C-83A1-F6EECF244321}">
-                <p14:modId xmlns:p14="http://schemas.microsoft.com/office/powerpoint/2010/main" val="1475074815"/>
-              </p:ext>
-            </p:extLst>
-          </p:nvPr>
-        </p:nvGraphicFramePr>
-        <p:xfrm>
-          <a:off x="2249488" y="3978275"/>
-          <a:ext cx="3044825" cy="1076325"/>
-        </p:xfrm>
-        <a:graphic>
-          <a:graphicData uri="http://schemas.openxmlformats.org/presentationml/2006/ole">
-            <mc:AlternateContent xmlns:mc="http://schemas.openxmlformats.org/markup-compatibility/2006">
-              <mc:Choice xmlns:v="urn:schemas-microsoft-com:vml" Requires="v">
-                <p:oleObj spid="_x0000_s27667" name="Equation" r:id="rId4" imgW="1257120" imgH="444240" progId="Equation.DSMT4">
-                  <p:embed/>
-                </p:oleObj>
-              </mc:Choice>
-              <mc:Fallback>
-                <p:oleObj name="Equation" r:id="rId4" imgW="1257120" imgH="444240" progId="Equation.DSMT4">
-                  <p:embed/>
-                  <p:pic>
-                    <p:nvPicPr>
-                      <p:cNvPr id="0" name=""/>
-                      <p:cNvPicPr/>
-                      <p:nvPr/>
-                    </p:nvPicPr>
-                    <p:blipFill>
-                      <a:blip r:embed="rId5"/>
-                      <a:stretch>
-                        <a:fillRect/>
-                      </a:stretch>
-                    </p:blipFill>
-                    <p:spPr>
-                      <a:xfrm>
-                        <a:off x="2249488" y="3978275"/>
-                        <a:ext cx="3044825" cy="1076325"/>
-                      </a:xfrm>
-                      <a:prstGeom prst="rect">
-                        <a:avLst/>
-                      </a:prstGeom>
-                    </p:spPr>
-                  </p:pic>
-                </p:oleObj>
-              </mc:Fallback>
-            </mc:AlternateContent>
-          </a:graphicData>
-        </a:graphic>
-      </p:graphicFrame>
-      <p:sp>
-        <p:nvSpPr>
-          <p:cNvPr id="5" name="TextBox 4"/>
-          <p:cNvSpPr txBox="1"/>
-          <p:nvPr/>
-        </p:nvSpPr>
-        <p:spPr>
-          <a:xfrm>
-            <a:off x="838200" y="5334000"/>
-            <a:ext cx="7010400" cy="830997"/>
-          </a:xfrm>
-          <a:prstGeom prst="rect">
-            <a:avLst/>
-          </a:prstGeom>
-          <a:noFill/>
-        </p:spPr>
-        <p:txBody>
-          <a:bodyPr wrap="square" rtlCol="0">
-            <a:spAutoFit/>
-          </a:bodyPr>
-          <a:lstStyle/>
-          <a:p>
-            <a:r>
-              <a:rPr lang="en-US" sz="2400" dirty="0">
-                <a:solidFill>
-                  <a:srgbClr val="C00000"/>
-                </a:solidFill>
-                <a:latin typeface="Palatino Linotype" pitchFamily="18" charset="0"/>
-              </a:rPr>
-              <a:t>The distance the score is from the mean, expressed in standard deviation units.</a:t>
-            </a:r>
-          </a:p>
-        </p:txBody>
-      </p:sp>
-    </p:spTree>
-    <p:extLst>
-      <p:ext uri="{BB962C8B-B14F-4D97-AF65-F5344CB8AC3E}">
-        <p14:creationId xmlns:p14="http://schemas.microsoft.com/office/powerpoint/2010/main" val="3763872023"/>
-      </p:ext>
-    </p:extLst>
-  </p:cSld>
-  <p:clrMapOvr>
-    <a:masterClrMapping/>
-  </p:clrMapOvr>
 </p:sld>
 </file>
 
@@ -26394,6 +24753,2674 @@
       </p:grpSpPr>
       <p:sp>
         <p:nvSpPr>
+          <p:cNvPr id="185346" name="Rectangle 3"/>
+          <p:cNvSpPr>
+            <a:spLocks noGrp="1" noChangeArrowheads="1"/>
+          </p:cNvSpPr>
+          <p:nvPr>
+            <p:ph type="body" idx="4294967295"/>
+          </p:nvPr>
+        </p:nvSpPr>
+        <p:spPr>
+          <a:xfrm>
+            <a:off x="432775" y="1676400"/>
+            <a:ext cx="8305800" cy="2747962"/>
+          </a:xfrm>
+        </p:spPr>
+        <p:txBody>
+          <a:bodyPr>
+            <a:normAutofit fontScale="92500" lnSpcReduction="20000"/>
+          </a:bodyPr>
+          <a:lstStyle/>
+          <a:p>
+            <a:pPr algn="just"/>
+            <a:r>
+              <a:rPr lang="en-US" sz="2800" dirty="0">
+                <a:latin typeface="Palatino Linotype" pitchFamily="18" charset="0"/>
+              </a:rPr>
+              <a:t>This leads to several questions:</a:t>
+            </a:r>
+          </a:p>
+          <a:p>
+            <a:pPr marL="742950" lvl="1" indent="-285750" algn="just"/>
+            <a:r>
+              <a:rPr lang="en-US" sz="2800" dirty="0">
+                <a:latin typeface="Palatino Linotype" pitchFamily="18" charset="0"/>
+              </a:rPr>
+              <a:t>How does     compare to </a:t>
+            </a:r>
+            <a:r>
+              <a:rPr lang="en-US" altLang="zh-CN" sz="2800" dirty="0">
+                <a:latin typeface="Palatino Linotype" pitchFamily="18" charset="0"/>
+                <a:ea typeface="宋体" pitchFamily="2" charset="-122"/>
+              </a:rPr>
+              <a:t>    ?</a:t>
+            </a:r>
+          </a:p>
+          <a:p>
+            <a:pPr marL="742950" lvl="1" indent="-285750" algn="just"/>
+            <a:r>
+              <a:rPr lang="en-US" sz="2800" dirty="0">
+                <a:latin typeface="Palatino Linotype" pitchFamily="18" charset="0"/>
+              </a:rPr>
+              <a:t>How does standard deviation of Y compare to the standard deviation of  X ?</a:t>
+            </a:r>
+          </a:p>
+          <a:p>
+            <a:pPr marL="742950" lvl="1" indent="-285750"/>
+            <a:r>
+              <a:rPr lang="en-US" sz="2800" dirty="0">
+                <a:latin typeface="Palatino Linotype" pitchFamily="18" charset="0"/>
+              </a:rPr>
+              <a:t>How does the shape of the distribution of Y scores compare to the shape of the distribution of X scores?</a:t>
+            </a:r>
+          </a:p>
+          <a:p>
+            <a:pPr>
+              <a:buFont typeface="Wingdings 3" pitchFamily="18" charset="2"/>
+              <a:buNone/>
+            </a:pPr>
+            <a:endParaRPr lang="en-US" sz="2800" dirty="0">
+              <a:solidFill>
+                <a:schemeClr val="tx2"/>
+              </a:solidFill>
+              <a:latin typeface="Palatino Linotype" pitchFamily="18" charset="0"/>
+            </a:endParaRPr>
+          </a:p>
+        </p:txBody>
+      </p:sp>
+      <p:sp>
+        <p:nvSpPr>
+          <p:cNvPr id="2054" name="Text Box 4"/>
+          <p:cNvSpPr txBox="1">
+            <a:spLocks noChangeArrowheads="1"/>
+          </p:cNvSpPr>
+          <p:nvPr/>
+        </p:nvSpPr>
+        <p:spPr bwMode="auto">
+          <a:xfrm>
+            <a:off x="466725" y="495300"/>
+            <a:ext cx="8382000" cy="769441"/>
+          </a:xfrm>
+          <a:prstGeom prst="rect">
+            <a:avLst/>
+          </a:prstGeom>
+          <a:noFill/>
+          <a:ln>
+            <a:noFill/>
+          </a:ln>
+          <a:extLst>
+            <a:ext uri="{909E8E84-426E-40DD-AFC4-6F175D3DCCD1}">
+              <a14:hiddenFill xmlns:a14="http://schemas.microsoft.com/office/drawing/2010/main">
+                <a:solidFill>
+                  <a:srgbClr val="FFFFFF"/>
+                </a:solidFill>
+              </a14:hiddenFill>
+            </a:ext>
+            <a:ext uri="{91240B29-F687-4F45-9708-019B960494DF}">
+              <a14:hiddenLine xmlns:a14="http://schemas.microsoft.com/office/drawing/2010/main" w="9525" algn="ctr">
+                <a:solidFill>
+                  <a:srgbClr val="000000"/>
+                </a:solidFill>
+                <a:miter lim="800000"/>
+                <a:headEnd/>
+                <a:tailEnd/>
+              </a14:hiddenLine>
+            </a:ext>
+          </a:extLst>
+        </p:spPr>
+        <p:txBody>
+          <a:bodyPr>
+            <a:spAutoFit/>
+          </a:bodyPr>
+          <a:lstStyle>
+            <a:lvl1pPr>
+              <a:defRPr sz="2400">
+                <a:solidFill>
+                  <a:srgbClr val="FF9900"/>
+                </a:solidFill>
+                <a:latin typeface="Times New Roman" pitchFamily="18" charset="0"/>
+                <a:cs typeface="Arial" pitchFamily="34" charset="0"/>
+              </a:defRPr>
+            </a:lvl1pPr>
+            <a:lvl2pPr marL="742950" indent="-285750">
+              <a:defRPr sz="2400">
+                <a:solidFill>
+                  <a:srgbClr val="FF9900"/>
+                </a:solidFill>
+                <a:latin typeface="Times New Roman" pitchFamily="18" charset="0"/>
+                <a:cs typeface="Arial" pitchFamily="34" charset="0"/>
+              </a:defRPr>
+            </a:lvl2pPr>
+            <a:lvl3pPr marL="1143000" indent="-228600">
+              <a:defRPr sz="2400">
+                <a:solidFill>
+                  <a:srgbClr val="FF9900"/>
+                </a:solidFill>
+                <a:latin typeface="Times New Roman" pitchFamily="18" charset="0"/>
+                <a:cs typeface="Arial" pitchFamily="34" charset="0"/>
+              </a:defRPr>
+            </a:lvl3pPr>
+            <a:lvl4pPr marL="1600200" indent="-228600">
+              <a:defRPr sz="2400">
+                <a:solidFill>
+                  <a:srgbClr val="FF9900"/>
+                </a:solidFill>
+                <a:latin typeface="Times New Roman" pitchFamily="18" charset="0"/>
+                <a:cs typeface="Arial" pitchFamily="34" charset="0"/>
+              </a:defRPr>
+            </a:lvl4pPr>
+            <a:lvl5pPr marL="2057400" indent="-228600">
+              <a:defRPr sz="2400">
+                <a:solidFill>
+                  <a:srgbClr val="FF9900"/>
+                </a:solidFill>
+                <a:latin typeface="Times New Roman" pitchFamily="18" charset="0"/>
+                <a:cs typeface="Arial" pitchFamily="34" charset="0"/>
+              </a:defRPr>
+            </a:lvl5pPr>
+            <a:lvl6pPr marL="2514600" indent="-228600" eaLnBrk="0" fontAlgn="base" hangingPunct="0">
+              <a:lnSpc>
+                <a:spcPct val="80000"/>
+              </a:lnSpc>
+              <a:spcBef>
+                <a:spcPct val="0"/>
+              </a:spcBef>
+              <a:spcAft>
+                <a:spcPct val="0"/>
+              </a:spcAft>
+              <a:defRPr sz="2400">
+                <a:solidFill>
+                  <a:srgbClr val="FF9900"/>
+                </a:solidFill>
+                <a:latin typeface="Times New Roman" pitchFamily="18" charset="0"/>
+                <a:cs typeface="Arial" pitchFamily="34" charset="0"/>
+              </a:defRPr>
+            </a:lvl6pPr>
+            <a:lvl7pPr marL="2971800" indent="-228600" eaLnBrk="0" fontAlgn="base" hangingPunct="0">
+              <a:lnSpc>
+                <a:spcPct val="80000"/>
+              </a:lnSpc>
+              <a:spcBef>
+                <a:spcPct val="0"/>
+              </a:spcBef>
+              <a:spcAft>
+                <a:spcPct val="0"/>
+              </a:spcAft>
+              <a:defRPr sz="2400">
+                <a:solidFill>
+                  <a:srgbClr val="FF9900"/>
+                </a:solidFill>
+                <a:latin typeface="Times New Roman" pitchFamily="18" charset="0"/>
+                <a:cs typeface="Arial" pitchFamily="34" charset="0"/>
+              </a:defRPr>
+            </a:lvl7pPr>
+            <a:lvl8pPr marL="3429000" indent="-228600" eaLnBrk="0" fontAlgn="base" hangingPunct="0">
+              <a:lnSpc>
+                <a:spcPct val="80000"/>
+              </a:lnSpc>
+              <a:spcBef>
+                <a:spcPct val="0"/>
+              </a:spcBef>
+              <a:spcAft>
+                <a:spcPct val="0"/>
+              </a:spcAft>
+              <a:defRPr sz="2400">
+                <a:solidFill>
+                  <a:srgbClr val="FF9900"/>
+                </a:solidFill>
+                <a:latin typeface="Times New Roman" pitchFamily="18" charset="0"/>
+                <a:cs typeface="Arial" pitchFamily="34" charset="0"/>
+              </a:defRPr>
+            </a:lvl8pPr>
+            <a:lvl9pPr marL="3886200" indent="-228600" eaLnBrk="0" fontAlgn="base" hangingPunct="0">
+              <a:lnSpc>
+                <a:spcPct val="80000"/>
+              </a:lnSpc>
+              <a:spcBef>
+                <a:spcPct val="0"/>
+              </a:spcBef>
+              <a:spcAft>
+                <a:spcPct val="0"/>
+              </a:spcAft>
+              <a:defRPr sz="2400">
+                <a:solidFill>
+                  <a:srgbClr val="FF9900"/>
+                </a:solidFill>
+                <a:latin typeface="Times New Roman" pitchFamily="18" charset="0"/>
+                <a:cs typeface="Arial" pitchFamily="34" charset="0"/>
+              </a:defRPr>
+            </a:lvl9pPr>
+          </a:lstStyle>
+          <a:p>
+            <a:pPr algn="ctr">
+              <a:spcBef>
+                <a:spcPct val="0"/>
+              </a:spcBef>
+            </a:pPr>
+            <a:r>
+              <a:rPr lang="en-US" sz="4400" b="1" dirty="0">
+                <a:solidFill>
+                  <a:srgbClr val="000099"/>
+                </a:solidFill>
+                <a:latin typeface="Palatino Linotype" pitchFamily="18" charset="0"/>
+                <a:ea typeface="Cambria Math" pitchFamily="18" charset="0"/>
+                <a:cs typeface="+mj-cs"/>
+              </a:rPr>
+              <a:t>Linear Transformations</a:t>
+            </a:r>
+          </a:p>
+        </p:txBody>
+      </p:sp>
+      <p:sp>
+        <p:nvSpPr>
+          <p:cNvPr id="2055" name="Rectangle 6"/>
+          <p:cNvSpPr>
+            <a:spLocks noChangeArrowheads="1"/>
+          </p:cNvSpPr>
+          <p:nvPr/>
+        </p:nvSpPr>
+        <p:spPr bwMode="auto">
+          <a:xfrm>
+            <a:off x="0" y="-184666"/>
+            <a:ext cx="184731" cy="369332"/>
+          </a:xfrm>
+          <a:prstGeom prst="rect">
+            <a:avLst/>
+          </a:prstGeom>
+          <a:noFill/>
+          <a:ln>
+            <a:noFill/>
+          </a:ln>
+          <a:extLst>
+            <a:ext uri="{909E8E84-426E-40DD-AFC4-6F175D3DCCD1}">
+              <a14:hiddenFill xmlns:a14="http://schemas.microsoft.com/office/drawing/2010/main">
+                <a:solidFill>
+                  <a:srgbClr val="FFFFFF"/>
+                </a:solidFill>
+              </a14:hiddenFill>
+            </a:ext>
+            <a:ext uri="{91240B29-F687-4F45-9708-019B960494DF}">
+              <a14:hiddenLine xmlns:a14="http://schemas.microsoft.com/office/drawing/2010/main" w="9525" algn="ctr">
+                <a:solidFill>
+                  <a:srgbClr val="000000"/>
+                </a:solidFill>
+                <a:miter lim="800000"/>
+                <a:headEnd/>
+                <a:tailEnd/>
+              </a14:hiddenLine>
+            </a:ext>
+          </a:extLst>
+        </p:spPr>
+        <p:txBody>
+          <a:bodyPr wrap="none" anchor="ctr">
+            <a:spAutoFit/>
+          </a:bodyPr>
+          <a:lstStyle/>
+          <a:p>
+            <a:endParaRPr lang="en-US">
+              <a:latin typeface="Palatino Linotype" pitchFamily="18" charset="0"/>
+            </a:endParaRPr>
+          </a:p>
+        </p:txBody>
+      </p:sp>
+      <p:graphicFrame>
+        <p:nvGraphicFramePr>
+          <p:cNvPr id="2050" name="Object 5"/>
+          <p:cNvGraphicFramePr>
+            <a:graphicFrameLocks noChangeAspect="1"/>
+          </p:cNvGraphicFramePr>
+          <p:nvPr>
+            <p:extLst>
+              <p:ext uri="{D42A27DB-BD31-4B8C-83A1-F6EECF244321}">
+                <p14:modId xmlns:p14="http://schemas.microsoft.com/office/powerpoint/2010/main" val="206352303"/>
+              </p:ext>
+            </p:extLst>
+          </p:nvPr>
+        </p:nvGraphicFramePr>
+        <p:xfrm>
+          <a:off x="2819400" y="1981200"/>
+          <a:ext cx="300037" cy="419100"/>
+        </p:xfrm>
+        <a:graphic>
+          <a:graphicData uri="http://schemas.openxmlformats.org/presentationml/2006/ole">
+            <mc:AlternateContent xmlns:mc="http://schemas.openxmlformats.org/markup-compatibility/2006">
+              <mc:Choice xmlns:v="urn:schemas-microsoft-com:vml" Requires="v">
+                <p:oleObj spid="_x0000_s25840" name="Equation" r:id="rId4" imgW="139639" imgH="203112" progId="Equation.3">
+                  <p:embed/>
+                </p:oleObj>
+              </mc:Choice>
+              <mc:Fallback>
+                <p:oleObj name="Equation" r:id="rId4" imgW="139639" imgH="203112" progId="Equation.3">
+                  <p:embed/>
+                  <p:pic>
+                    <p:nvPicPr>
+                      <p:cNvPr id="0" name=""/>
+                      <p:cNvPicPr>
+                        <a:picLocks noChangeAspect="1" noChangeArrowheads="1"/>
+                      </p:cNvPicPr>
+                      <p:nvPr/>
+                    </p:nvPicPr>
+                    <p:blipFill>
+                      <a:blip r:embed="rId5">
+                        <a:extLst>
+                          <a:ext uri="{28A0092B-C50C-407E-A947-70E740481C1C}">
+                            <a14:useLocalDpi xmlns:a14="http://schemas.microsoft.com/office/drawing/2010/main" val="0"/>
+                          </a:ext>
+                        </a:extLst>
+                      </a:blip>
+                      <a:srcRect/>
+                      <a:stretch>
+                        <a:fillRect/>
+                      </a:stretch>
+                    </p:blipFill>
+                    <p:spPr bwMode="auto">
+                      <a:xfrm>
+                        <a:off x="2819400" y="1981200"/>
+                        <a:ext cx="300037" cy="419100"/>
+                      </a:xfrm>
+                      <a:prstGeom prst="rect">
+                        <a:avLst/>
+                      </a:prstGeom>
+                      <a:noFill/>
+                      <a:extLst>
+                        <a:ext uri="{909E8E84-426E-40DD-AFC4-6F175D3DCCD1}">
+                          <a14:hiddenFill xmlns:a14="http://schemas.microsoft.com/office/drawing/2010/main">
+                            <a:solidFill>
+                              <a:srgbClr val="FFFFFF"/>
+                            </a:solidFill>
+                          </a14:hiddenFill>
+                        </a:ext>
+                      </a:extLst>
+                    </p:spPr>
+                  </p:pic>
+                </p:oleObj>
+              </mc:Fallback>
+            </mc:AlternateContent>
+          </a:graphicData>
+        </a:graphic>
+      </p:graphicFrame>
+      <p:sp>
+        <p:nvSpPr>
+          <p:cNvPr id="2056" name="Rectangle 8"/>
+          <p:cNvSpPr>
+            <a:spLocks noChangeArrowheads="1"/>
+          </p:cNvSpPr>
+          <p:nvPr/>
+        </p:nvSpPr>
+        <p:spPr bwMode="auto">
+          <a:xfrm>
+            <a:off x="0" y="-184666"/>
+            <a:ext cx="184731" cy="369332"/>
+          </a:xfrm>
+          <a:prstGeom prst="rect">
+            <a:avLst/>
+          </a:prstGeom>
+          <a:noFill/>
+          <a:ln>
+            <a:noFill/>
+          </a:ln>
+          <a:extLst>
+            <a:ext uri="{909E8E84-426E-40DD-AFC4-6F175D3DCCD1}">
+              <a14:hiddenFill xmlns:a14="http://schemas.microsoft.com/office/drawing/2010/main">
+                <a:solidFill>
+                  <a:srgbClr val="FFFFFF"/>
+                </a:solidFill>
+              </a14:hiddenFill>
+            </a:ext>
+            <a:ext uri="{91240B29-F687-4F45-9708-019B960494DF}">
+              <a14:hiddenLine xmlns:a14="http://schemas.microsoft.com/office/drawing/2010/main" w="9525" algn="ctr">
+                <a:solidFill>
+                  <a:srgbClr val="000000"/>
+                </a:solidFill>
+                <a:miter lim="800000"/>
+                <a:headEnd/>
+                <a:tailEnd/>
+              </a14:hiddenLine>
+            </a:ext>
+          </a:extLst>
+        </p:spPr>
+        <p:txBody>
+          <a:bodyPr wrap="none" anchor="ctr">
+            <a:spAutoFit/>
+          </a:bodyPr>
+          <a:lstStyle/>
+          <a:p>
+            <a:endParaRPr lang="en-US">
+              <a:latin typeface="Palatino Linotype" pitchFamily="18" charset="0"/>
+            </a:endParaRPr>
+          </a:p>
+        </p:txBody>
+      </p:sp>
+      <p:graphicFrame>
+        <p:nvGraphicFramePr>
+          <p:cNvPr id="2051" name="Object 7"/>
+          <p:cNvGraphicFramePr>
+            <a:graphicFrameLocks noChangeAspect="1"/>
+          </p:cNvGraphicFramePr>
+          <p:nvPr>
+            <p:extLst>
+              <p:ext uri="{D42A27DB-BD31-4B8C-83A1-F6EECF244321}">
+                <p14:modId xmlns:p14="http://schemas.microsoft.com/office/powerpoint/2010/main" val="2554858447"/>
+              </p:ext>
+            </p:extLst>
+          </p:nvPr>
+        </p:nvGraphicFramePr>
+        <p:xfrm>
+          <a:off x="4800600" y="1981200"/>
+          <a:ext cx="414337" cy="381000"/>
+        </p:xfrm>
+        <a:graphic>
+          <a:graphicData uri="http://schemas.openxmlformats.org/presentationml/2006/ole">
+            <mc:AlternateContent xmlns:mc="http://schemas.openxmlformats.org/markup-compatibility/2006">
+              <mc:Choice xmlns:v="urn:schemas-microsoft-com:vml" Requires="v">
+                <p:oleObj spid="_x0000_s25841" name="Equation" r:id="rId6" imgW="177569" imgH="202936" progId="Equation.3">
+                  <p:embed/>
+                </p:oleObj>
+              </mc:Choice>
+              <mc:Fallback>
+                <p:oleObj name="Equation" r:id="rId6" imgW="177569" imgH="202936" progId="Equation.3">
+                  <p:embed/>
+                  <p:pic>
+                    <p:nvPicPr>
+                      <p:cNvPr id="0" name=""/>
+                      <p:cNvPicPr>
+                        <a:picLocks noChangeAspect="1" noChangeArrowheads="1"/>
+                      </p:cNvPicPr>
+                      <p:nvPr/>
+                    </p:nvPicPr>
+                    <p:blipFill>
+                      <a:blip r:embed="rId7">
+                        <a:extLst>
+                          <a:ext uri="{28A0092B-C50C-407E-A947-70E740481C1C}">
+                            <a14:useLocalDpi xmlns:a14="http://schemas.microsoft.com/office/drawing/2010/main" val="0"/>
+                          </a:ext>
+                        </a:extLst>
+                      </a:blip>
+                      <a:srcRect/>
+                      <a:stretch>
+                        <a:fillRect/>
+                      </a:stretch>
+                    </p:blipFill>
+                    <p:spPr bwMode="auto">
+                      <a:xfrm>
+                        <a:off x="4800600" y="1981200"/>
+                        <a:ext cx="414337" cy="381000"/>
+                      </a:xfrm>
+                      <a:prstGeom prst="rect">
+                        <a:avLst/>
+                      </a:prstGeom>
+                      <a:noFill/>
+                      <a:extLst>
+                        <a:ext uri="{909E8E84-426E-40DD-AFC4-6F175D3DCCD1}">
+                          <a14:hiddenFill xmlns:a14="http://schemas.microsoft.com/office/drawing/2010/main">
+                            <a:solidFill>
+                              <a:srgbClr val="FFFFFF"/>
+                            </a:solidFill>
+                          </a14:hiddenFill>
+                        </a:ext>
+                      </a:extLst>
+                    </p:spPr>
+                  </p:pic>
+                </p:oleObj>
+              </mc:Fallback>
+            </mc:AlternateContent>
+          </a:graphicData>
+        </a:graphic>
+      </p:graphicFrame>
+    </p:spTree>
+    <p:extLst>
+      <p:ext uri="{BB962C8B-B14F-4D97-AF65-F5344CB8AC3E}">
+        <p14:creationId xmlns:p14="http://schemas.microsoft.com/office/powerpoint/2010/main" val="142028384"/>
+      </p:ext>
+    </p:extLst>
+  </p:cSld>
+  <p:clrMapOvr>
+    <a:masterClrMapping/>
+  </p:clrMapOvr>
+  <p:transition/>
+  <p:timing>
+    <p:tnLst>
+      <p:par>
+        <p:cTn id="1" dur="indefinite" restart="never" nodeType="tmRoot">
+          <p:childTnLst>
+            <p:seq concurrent="1" nextAc="seek">
+              <p:cTn id="2" dur="indefinite" nodeType="mainSeq">
+                <p:childTnLst>
+                  <p:par>
+                    <p:cTn id="3" fill="hold" nodeType="clickPar">
+                      <p:stCondLst>
+                        <p:cond delay="indefinite"/>
+                      </p:stCondLst>
+                      <p:childTnLst>
+                        <p:par>
+                          <p:cTn id="4" fill="hold" nodeType="withGroup">
+                            <p:stCondLst>
+                              <p:cond delay="0"/>
+                            </p:stCondLst>
+                            <p:childTnLst>
+                              <p:par>
+                                <p:cTn id="5" presetID="29" presetClass="entr" presetSubtype="0" fill="hold" nodeType="clickEffect">
+                                  <p:stCondLst>
+                                    <p:cond delay="0"/>
+                                  </p:stCondLst>
+                                  <p:childTnLst>
+                                    <p:set>
+                                      <p:cBhvr>
+                                        <p:cTn id="6" dur="1" fill="hold">
+                                          <p:stCondLst>
+                                            <p:cond delay="0"/>
+                                          </p:stCondLst>
+                                        </p:cTn>
+                                        <p:tgtEl>
+                                          <p:spTgt spid="185346">
+                                            <p:txEl>
+                                              <p:pRg st="1" end="1"/>
+                                            </p:txEl>
+                                          </p:spTgt>
+                                        </p:tgtEl>
+                                        <p:attrNameLst>
+                                          <p:attrName>style.visibility</p:attrName>
+                                        </p:attrNameLst>
+                                      </p:cBhvr>
+                                      <p:to>
+                                        <p:strVal val="visible"/>
+                                      </p:to>
+                                    </p:set>
+                                    <p:anim calcmode="lin" valueType="num">
+                                      <p:cBhvr>
+                                        <p:cTn id="7" dur="1000" fill="hold"/>
+                                        <p:tgtEl>
+                                          <p:spTgt spid="185346">
+                                            <p:txEl>
+                                              <p:pRg st="1" end="1"/>
+                                            </p:txEl>
+                                          </p:spTgt>
+                                        </p:tgtEl>
+                                        <p:attrNameLst>
+                                          <p:attrName>ppt_x</p:attrName>
+                                        </p:attrNameLst>
+                                      </p:cBhvr>
+                                      <p:tavLst>
+                                        <p:tav tm="0">
+                                          <p:val>
+                                            <p:strVal val="#ppt_x-.2"/>
+                                          </p:val>
+                                        </p:tav>
+                                        <p:tav tm="100000">
+                                          <p:val>
+                                            <p:strVal val="#ppt_x"/>
+                                          </p:val>
+                                        </p:tav>
+                                      </p:tavLst>
+                                    </p:anim>
+                                    <p:anim calcmode="lin" valueType="num">
+                                      <p:cBhvr>
+                                        <p:cTn id="8" dur="1000" fill="hold"/>
+                                        <p:tgtEl>
+                                          <p:spTgt spid="185346">
+                                            <p:txEl>
+                                              <p:pRg st="1" end="1"/>
+                                            </p:txEl>
+                                          </p:spTgt>
+                                        </p:tgtEl>
+                                        <p:attrNameLst>
+                                          <p:attrName>ppt_y</p:attrName>
+                                        </p:attrNameLst>
+                                      </p:cBhvr>
+                                      <p:tavLst>
+                                        <p:tav tm="0">
+                                          <p:val>
+                                            <p:strVal val="#ppt_y"/>
+                                          </p:val>
+                                        </p:tav>
+                                        <p:tav tm="100000">
+                                          <p:val>
+                                            <p:strVal val="#ppt_y"/>
+                                          </p:val>
+                                        </p:tav>
+                                      </p:tavLst>
+                                    </p:anim>
+                                    <p:animEffect transition="in" filter="wipe(right)" prLst="gradientSize: 0.1">
+                                      <p:cBhvr>
+                                        <p:cTn id="9" dur="1000"/>
+                                        <p:tgtEl>
+                                          <p:spTgt spid="185346">
+                                            <p:txEl>
+                                              <p:pRg st="1" end="1"/>
+                                            </p:txEl>
+                                          </p:spTgt>
+                                        </p:tgtEl>
+                                      </p:cBhvr>
+                                    </p:animEffect>
+                                  </p:childTnLst>
+                                </p:cTn>
+                              </p:par>
+                            </p:childTnLst>
+                          </p:cTn>
+                        </p:par>
+                      </p:childTnLst>
+                    </p:cTn>
+                  </p:par>
+                  <p:par>
+                    <p:cTn id="10" fill="hold" nodeType="clickPar">
+                      <p:stCondLst>
+                        <p:cond delay="indefinite"/>
+                      </p:stCondLst>
+                      <p:childTnLst>
+                        <p:par>
+                          <p:cTn id="11" fill="hold" nodeType="withGroup">
+                            <p:stCondLst>
+                              <p:cond delay="0"/>
+                            </p:stCondLst>
+                            <p:childTnLst>
+                              <p:par>
+                                <p:cTn id="12" presetID="29" presetClass="entr" presetSubtype="0" fill="hold" nodeType="clickEffect">
+                                  <p:stCondLst>
+                                    <p:cond delay="0"/>
+                                  </p:stCondLst>
+                                  <p:childTnLst>
+                                    <p:set>
+                                      <p:cBhvr>
+                                        <p:cTn id="13" dur="1" fill="hold">
+                                          <p:stCondLst>
+                                            <p:cond delay="0"/>
+                                          </p:stCondLst>
+                                        </p:cTn>
+                                        <p:tgtEl>
+                                          <p:spTgt spid="185346">
+                                            <p:txEl>
+                                              <p:pRg st="2" end="2"/>
+                                            </p:txEl>
+                                          </p:spTgt>
+                                        </p:tgtEl>
+                                        <p:attrNameLst>
+                                          <p:attrName>style.visibility</p:attrName>
+                                        </p:attrNameLst>
+                                      </p:cBhvr>
+                                      <p:to>
+                                        <p:strVal val="visible"/>
+                                      </p:to>
+                                    </p:set>
+                                    <p:anim calcmode="lin" valueType="num">
+                                      <p:cBhvr>
+                                        <p:cTn id="14" dur="1000" fill="hold"/>
+                                        <p:tgtEl>
+                                          <p:spTgt spid="185346">
+                                            <p:txEl>
+                                              <p:pRg st="2" end="2"/>
+                                            </p:txEl>
+                                          </p:spTgt>
+                                        </p:tgtEl>
+                                        <p:attrNameLst>
+                                          <p:attrName>ppt_x</p:attrName>
+                                        </p:attrNameLst>
+                                      </p:cBhvr>
+                                      <p:tavLst>
+                                        <p:tav tm="0">
+                                          <p:val>
+                                            <p:strVal val="#ppt_x-.2"/>
+                                          </p:val>
+                                        </p:tav>
+                                        <p:tav tm="100000">
+                                          <p:val>
+                                            <p:strVal val="#ppt_x"/>
+                                          </p:val>
+                                        </p:tav>
+                                      </p:tavLst>
+                                    </p:anim>
+                                    <p:anim calcmode="lin" valueType="num">
+                                      <p:cBhvr>
+                                        <p:cTn id="15" dur="1000" fill="hold"/>
+                                        <p:tgtEl>
+                                          <p:spTgt spid="185346">
+                                            <p:txEl>
+                                              <p:pRg st="2" end="2"/>
+                                            </p:txEl>
+                                          </p:spTgt>
+                                        </p:tgtEl>
+                                        <p:attrNameLst>
+                                          <p:attrName>ppt_y</p:attrName>
+                                        </p:attrNameLst>
+                                      </p:cBhvr>
+                                      <p:tavLst>
+                                        <p:tav tm="0">
+                                          <p:val>
+                                            <p:strVal val="#ppt_y"/>
+                                          </p:val>
+                                        </p:tav>
+                                        <p:tav tm="100000">
+                                          <p:val>
+                                            <p:strVal val="#ppt_y"/>
+                                          </p:val>
+                                        </p:tav>
+                                      </p:tavLst>
+                                    </p:anim>
+                                    <p:animEffect transition="in" filter="wipe(right)" prLst="gradientSize: 0.1">
+                                      <p:cBhvr>
+                                        <p:cTn id="16" dur="1000"/>
+                                        <p:tgtEl>
+                                          <p:spTgt spid="185346">
+                                            <p:txEl>
+                                              <p:pRg st="2" end="2"/>
+                                            </p:txEl>
+                                          </p:spTgt>
+                                        </p:tgtEl>
+                                      </p:cBhvr>
+                                    </p:animEffect>
+                                  </p:childTnLst>
+                                </p:cTn>
+                              </p:par>
+                            </p:childTnLst>
+                          </p:cTn>
+                        </p:par>
+                      </p:childTnLst>
+                    </p:cTn>
+                  </p:par>
+                  <p:par>
+                    <p:cTn id="17" fill="hold" nodeType="clickPar">
+                      <p:stCondLst>
+                        <p:cond delay="indefinite"/>
+                      </p:stCondLst>
+                      <p:childTnLst>
+                        <p:par>
+                          <p:cTn id="18" fill="hold" nodeType="withGroup">
+                            <p:stCondLst>
+                              <p:cond delay="0"/>
+                            </p:stCondLst>
+                            <p:childTnLst>
+                              <p:par>
+                                <p:cTn id="19" presetID="29" presetClass="entr" presetSubtype="0" fill="hold" nodeType="clickEffect">
+                                  <p:stCondLst>
+                                    <p:cond delay="0"/>
+                                  </p:stCondLst>
+                                  <p:childTnLst>
+                                    <p:set>
+                                      <p:cBhvr>
+                                        <p:cTn id="20" dur="1" fill="hold">
+                                          <p:stCondLst>
+                                            <p:cond delay="0"/>
+                                          </p:stCondLst>
+                                        </p:cTn>
+                                        <p:tgtEl>
+                                          <p:spTgt spid="185346">
+                                            <p:txEl>
+                                              <p:pRg st="3" end="3"/>
+                                            </p:txEl>
+                                          </p:spTgt>
+                                        </p:tgtEl>
+                                        <p:attrNameLst>
+                                          <p:attrName>style.visibility</p:attrName>
+                                        </p:attrNameLst>
+                                      </p:cBhvr>
+                                      <p:to>
+                                        <p:strVal val="visible"/>
+                                      </p:to>
+                                    </p:set>
+                                    <p:anim calcmode="lin" valueType="num">
+                                      <p:cBhvr>
+                                        <p:cTn id="21" dur="1000" fill="hold"/>
+                                        <p:tgtEl>
+                                          <p:spTgt spid="185346">
+                                            <p:txEl>
+                                              <p:pRg st="3" end="3"/>
+                                            </p:txEl>
+                                          </p:spTgt>
+                                        </p:tgtEl>
+                                        <p:attrNameLst>
+                                          <p:attrName>ppt_x</p:attrName>
+                                        </p:attrNameLst>
+                                      </p:cBhvr>
+                                      <p:tavLst>
+                                        <p:tav tm="0">
+                                          <p:val>
+                                            <p:strVal val="#ppt_x-.2"/>
+                                          </p:val>
+                                        </p:tav>
+                                        <p:tav tm="100000">
+                                          <p:val>
+                                            <p:strVal val="#ppt_x"/>
+                                          </p:val>
+                                        </p:tav>
+                                      </p:tavLst>
+                                    </p:anim>
+                                    <p:anim calcmode="lin" valueType="num">
+                                      <p:cBhvr>
+                                        <p:cTn id="22" dur="1000" fill="hold"/>
+                                        <p:tgtEl>
+                                          <p:spTgt spid="185346">
+                                            <p:txEl>
+                                              <p:pRg st="3" end="3"/>
+                                            </p:txEl>
+                                          </p:spTgt>
+                                        </p:tgtEl>
+                                        <p:attrNameLst>
+                                          <p:attrName>ppt_y</p:attrName>
+                                        </p:attrNameLst>
+                                      </p:cBhvr>
+                                      <p:tavLst>
+                                        <p:tav tm="0">
+                                          <p:val>
+                                            <p:strVal val="#ppt_y"/>
+                                          </p:val>
+                                        </p:tav>
+                                        <p:tav tm="100000">
+                                          <p:val>
+                                            <p:strVal val="#ppt_y"/>
+                                          </p:val>
+                                        </p:tav>
+                                      </p:tavLst>
+                                    </p:anim>
+                                    <p:animEffect transition="in" filter="wipe(right)" prLst="gradientSize: 0.1">
+                                      <p:cBhvr>
+                                        <p:cTn id="23" dur="1000"/>
+                                        <p:tgtEl>
+                                          <p:spTgt spid="185346">
+                                            <p:txEl>
+                                              <p:pRg st="3" end="3"/>
+                                            </p:txEl>
+                                          </p:spTgt>
+                                        </p:tgtEl>
+                                      </p:cBhvr>
+                                    </p:animEffect>
+                                  </p:childTnLst>
+                                </p:cTn>
+                              </p:par>
+                            </p:childTnLst>
+                          </p:cTn>
+                        </p:par>
+                      </p:childTnLst>
+                    </p:cTn>
+                  </p:par>
+                </p:childTnLst>
+              </p:cTn>
+              <p:prevCondLst>
+                <p:cond evt="onPrev" delay="0">
+                  <p:tgtEl>
+                    <p:sldTgt/>
+                  </p:tgtEl>
+                </p:cond>
+              </p:prevCondLst>
+              <p:nextCondLst>
+                <p:cond evt="onNext" delay="0">
+                  <p:tgtEl>
+                    <p:sldTgt/>
+                  </p:tgtEl>
+                </p:cond>
+              </p:nextCondLst>
+            </p:seq>
+          </p:childTnLst>
+        </p:cTn>
+      </p:par>
+    </p:tnLst>
+  </p:timing>
+</p:sld>
+</file>
+
+<file path=ppt/slides/slide41.xml><?xml version="1.0" encoding="utf-8"?>
+<p:sld xmlns:a="http://schemas.openxmlformats.org/drawingml/2006/main" xmlns:r="http://schemas.openxmlformats.org/officeDocument/2006/relationships" xmlns:p="http://schemas.openxmlformats.org/presentationml/2006/main" showMasterPhAnim="0">
+  <p:cSld>
+    <p:spTree>
+      <p:nvGrpSpPr>
+        <p:cNvPr id="1" name=""/>
+        <p:cNvGrpSpPr/>
+        <p:nvPr/>
+      </p:nvGrpSpPr>
+      <p:grpSpPr>
+        <a:xfrm>
+          <a:off x="0" y="0"/>
+          <a:ext cx="0" cy="0"/>
+          <a:chOff x="0" y="0"/>
+          <a:chExt cx="0" cy="0"/>
+        </a:xfrm>
+      </p:grpSpPr>
+      <p:sp>
+        <p:nvSpPr>
+          <p:cNvPr id="253954" name="Rectangle 3"/>
+          <p:cNvSpPr>
+            <a:spLocks noGrp="1" noChangeArrowheads="1"/>
+          </p:cNvSpPr>
+          <p:nvPr>
+            <p:ph type="body" idx="4294967295"/>
+          </p:nvPr>
+        </p:nvSpPr>
+        <p:spPr>
+          <a:xfrm>
+            <a:off x="381000" y="1290638"/>
+            <a:ext cx="8305800" cy="4386262"/>
+          </a:xfrm>
+        </p:spPr>
+        <p:txBody>
+          <a:bodyPr/>
+          <a:lstStyle/>
+          <a:p>
+            <a:r>
+              <a:rPr lang="en-US" altLang="zh-CN" sz="2800" dirty="0">
+                <a:latin typeface="Palatino Linotype" pitchFamily="18" charset="0"/>
+                <a:ea typeface="宋体" pitchFamily="2" charset="-122"/>
+              </a:rPr>
+              <a:t>Basic rules for how the transformed scores (Y) relate to the original scores (X):</a:t>
+            </a:r>
+          </a:p>
+          <a:p>
+            <a:pPr lvl="1"/>
+            <a:endParaRPr lang="en-US" altLang="zh-CN" sz="2800" dirty="0">
+              <a:latin typeface="Palatino Linotype" pitchFamily="18" charset="0"/>
+              <a:ea typeface="宋体" pitchFamily="2" charset="-122"/>
+            </a:endParaRPr>
+          </a:p>
+          <a:p>
+            <a:pPr lvl="1"/>
+            <a:endParaRPr lang="en-US" altLang="zh-CN" sz="2800" dirty="0">
+              <a:latin typeface="Palatino Linotype" pitchFamily="18" charset="0"/>
+              <a:ea typeface="宋体" pitchFamily="2" charset="-122"/>
+            </a:endParaRPr>
+          </a:p>
+          <a:p>
+            <a:endParaRPr lang="en-US" altLang="zh-CN" sz="2800" dirty="0">
+              <a:latin typeface="Palatino Linotype" pitchFamily="18" charset="0"/>
+              <a:ea typeface="宋体" pitchFamily="2" charset="-122"/>
+            </a:endParaRPr>
+          </a:p>
+          <a:p>
+            <a:pPr marL="876300" lvl="4" indent="-255588">
+              <a:spcBef>
+                <a:spcPts val="400"/>
+              </a:spcBef>
+              <a:buClr>
+                <a:schemeClr val="accent1"/>
+              </a:buClr>
+              <a:buSzPct val="68000"/>
+              <a:buFont typeface="Wingdings 2" pitchFamily="18" charset="2"/>
+              <a:buNone/>
+            </a:pPr>
+            <a:endParaRPr lang="en-US" sz="2800" dirty="0">
+              <a:latin typeface="Palatino Linotype" pitchFamily="18" charset="0"/>
+            </a:endParaRPr>
+          </a:p>
+          <a:p>
+            <a:pPr marL="876300" lvl="4" indent="-255588">
+              <a:spcBef>
+                <a:spcPct val="0"/>
+              </a:spcBef>
+              <a:buClr>
+                <a:schemeClr val="accent1"/>
+              </a:buClr>
+              <a:buSzPct val="68000"/>
+              <a:buFont typeface="Wingdings 2" pitchFamily="18" charset="2"/>
+              <a:buNone/>
+            </a:pPr>
+            <a:r>
+              <a:rPr lang="en-US" sz="2800" dirty="0">
+                <a:latin typeface="Palatino Linotype" pitchFamily="18" charset="0"/>
+              </a:rPr>
+              <a:t>Note: The linear transformation does NOT change the shape of the distribution of scores.</a:t>
+            </a:r>
+          </a:p>
+          <a:p>
+            <a:endParaRPr lang="en-US" altLang="zh-CN" sz="2800" dirty="0">
+              <a:ea typeface="宋体" pitchFamily="2" charset="-122"/>
+            </a:endParaRPr>
+          </a:p>
+          <a:p>
+            <a:endParaRPr lang="en-US" sz="2800" dirty="0">
+              <a:solidFill>
+                <a:schemeClr val="tx2"/>
+              </a:solidFill>
+              <a:latin typeface="Arial" pitchFamily="34" charset="0"/>
+            </a:endParaRPr>
+          </a:p>
+        </p:txBody>
+      </p:sp>
+      <p:sp>
+        <p:nvSpPr>
+          <p:cNvPr id="3078" name="Text Box 4"/>
+          <p:cNvSpPr txBox="1">
+            <a:spLocks noChangeArrowheads="1"/>
+          </p:cNvSpPr>
+          <p:nvPr/>
+        </p:nvSpPr>
+        <p:spPr bwMode="auto">
+          <a:xfrm>
+            <a:off x="381000" y="474552"/>
+            <a:ext cx="8382000" cy="769441"/>
+          </a:xfrm>
+          <a:prstGeom prst="rect">
+            <a:avLst/>
+          </a:prstGeom>
+          <a:noFill/>
+          <a:ln>
+            <a:noFill/>
+          </a:ln>
+          <a:extLst>
+            <a:ext uri="{909E8E84-426E-40DD-AFC4-6F175D3DCCD1}">
+              <a14:hiddenFill xmlns:a14="http://schemas.microsoft.com/office/drawing/2010/main">
+                <a:solidFill>
+                  <a:srgbClr val="FFFFFF"/>
+                </a:solidFill>
+              </a14:hiddenFill>
+            </a:ext>
+            <a:ext uri="{91240B29-F687-4F45-9708-019B960494DF}">
+              <a14:hiddenLine xmlns:a14="http://schemas.microsoft.com/office/drawing/2010/main" w="9525" algn="ctr">
+                <a:solidFill>
+                  <a:srgbClr val="000000"/>
+                </a:solidFill>
+                <a:miter lim="800000"/>
+                <a:headEnd/>
+                <a:tailEnd/>
+              </a14:hiddenLine>
+            </a:ext>
+          </a:extLst>
+        </p:spPr>
+        <p:txBody>
+          <a:bodyPr>
+            <a:spAutoFit/>
+          </a:bodyPr>
+          <a:lstStyle>
+            <a:lvl1pPr>
+              <a:defRPr sz="2400">
+                <a:solidFill>
+                  <a:srgbClr val="FF9900"/>
+                </a:solidFill>
+                <a:latin typeface="Times New Roman" pitchFamily="18" charset="0"/>
+                <a:cs typeface="Arial" pitchFamily="34" charset="0"/>
+              </a:defRPr>
+            </a:lvl1pPr>
+            <a:lvl2pPr marL="742950" indent="-285750">
+              <a:defRPr sz="2400">
+                <a:solidFill>
+                  <a:srgbClr val="FF9900"/>
+                </a:solidFill>
+                <a:latin typeface="Times New Roman" pitchFamily="18" charset="0"/>
+                <a:cs typeface="Arial" pitchFamily="34" charset="0"/>
+              </a:defRPr>
+            </a:lvl2pPr>
+            <a:lvl3pPr marL="1143000" indent="-228600">
+              <a:defRPr sz="2400">
+                <a:solidFill>
+                  <a:srgbClr val="FF9900"/>
+                </a:solidFill>
+                <a:latin typeface="Times New Roman" pitchFamily="18" charset="0"/>
+                <a:cs typeface="Arial" pitchFamily="34" charset="0"/>
+              </a:defRPr>
+            </a:lvl3pPr>
+            <a:lvl4pPr marL="1600200" indent="-228600">
+              <a:defRPr sz="2400">
+                <a:solidFill>
+                  <a:srgbClr val="FF9900"/>
+                </a:solidFill>
+                <a:latin typeface="Times New Roman" pitchFamily="18" charset="0"/>
+                <a:cs typeface="Arial" pitchFamily="34" charset="0"/>
+              </a:defRPr>
+            </a:lvl4pPr>
+            <a:lvl5pPr marL="2057400" indent="-228600">
+              <a:defRPr sz="2400">
+                <a:solidFill>
+                  <a:srgbClr val="FF9900"/>
+                </a:solidFill>
+                <a:latin typeface="Times New Roman" pitchFamily="18" charset="0"/>
+                <a:cs typeface="Arial" pitchFamily="34" charset="0"/>
+              </a:defRPr>
+            </a:lvl5pPr>
+            <a:lvl6pPr marL="2514600" indent="-228600" eaLnBrk="0" fontAlgn="base" hangingPunct="0">
+              <a:lnSpc>
+                <a:spcPct val="80000"/>
+              </a:lnSpc>
+              <a:spcBef>
+                <a:spcPct val="0"/>
+              </a:spcBef>
+              <a:spcAft>
+                <a:spcPct val="0"/>
+              </a:spcAft>
+              <a:defRPr sz="2400">
+                <a:solidFill>
+                  <a:srgbClr val="FF9900"/>
+                </a:solidFill>
+                <a:latin typeface="Times New Roman" pitchFamily="18" charset="0"/>
+                <a:cs typeface="Arial" pitchFamily="34" charset="0"/>
+              </a:defRPr>
+            </a:lvl6pPr>
+            <a:lvl7pPr marL="2971800" indent="-228600" eaLnBrk="0" fontAlgn="base" hangingPunct="0">
+              <a:lnSpc>
+                <a:spcPct val="80000"/>
+              </a:lnSpc>
+              <a:spcBef>
+                <a:spcPct val="0"/>
+              </a:spcBef>
+              <a:spcAft>
+                <a:spcPct val="0"/>
+              </a:spcAft>
+              <a:defRPr sz="2400">
+                <a:solidFill>
+                  <a:srgbClr val="FF9900"/>
+                </a:solidFill>
+                <a:latin typeface="Times New Roman" pitchFamily="18" charset="0"/>
+                <a:cs typeface="Arial" pitchFamily="34" charset="0"/>
+              </a:defRPr>
+            </a:lvl7pPr>
+            <a:lvl8pPr marL="3429000" indent="-228600" eaLnBrk="0" fontAlgn="base" hangingPunct="0">
+              <a:lnSpc>
+                <a:spcPct val="80000"/>
+              </a:lnSpc>
+              <a:spcBef>
+                <a:spcPct val="0"/>
+              </a:spcBef>
+              <a:spcAft>
+                <a:spcPct val="0"/>
+              </a:spcAft>
+              <a:defRPr sz="2400">
+                <a:solidFill>
+                  <a:srgbClr val="FF9900"/>
+                </a:solidFill>
+                <a:latin typeface="Times New Roman" pitchFamily="18" charset="0"/>
+                <a:cs typeface="Arial" pitchFamily="34" charset="0"/>
+              </a:defRPr>
+            </a:lvl8pPr>
+            <a:lvl9pPr marL="3886200" indent="-228600" eaLnBrk="0" fontAlgn="base" hangingPunct="0">
+              <a:lnSpc>
+                <a:spcPct val="80000"/>
+              </a:lnSpc>
+              <a:spcBef>
+                <a:spcPct val="0"/>
+              </a:spcBef>
+              <a:spcAft>
+                <a:spcPct val="0"/>
+              </a:spcAft>
+              <a:defRPr sz="2400">
+                <a:solidFill>
+                  <a:srgbClr val="FF9900"/>
+                </a:solidFill>
+                <a:latin typeface="Times New Roman" pitchFamily="18" charset="0"/>
+                <a:cs typeface="Arial" pitchFamily="34" charset="0"/>
+              </a:defRPr>
+            </a:lvl9pPr>
+          </a:lstStyle>
+          <a:p>
+            <a:pPr algn="ctr">
+              <a:spcBef>
+                <a:spcPct val="0"/>
+              </a:spcBef>
+            </a:pPr>
+            <a:r>
+              <a:rPr lang="en-US" sz="4400" b="1" dirty="0">
+                <a:solidFill>
+                  <a:srgbClr val="000099"/>
+                </a:solidFill>
+                <a:latin typeface="Palatino Linotype" pitchFamily="18" charset="0"/>
+                <a:ea typeface="Cambria Math" pitchFamily="18" charset="0"/>
+                <a:cs typeface="+mj-cs"/>
+              </a:rPr>
+              <a:t>Basic Rules</a:t>
+            </a:r>
+          </a:p>
+        </p:txBody>
+      </p:sp>
+      <p:sp>
+        <p:nvSpPr>
+          <p:cNvPr id="3079" name="Rectangle 6"/>
+          <p:cNvSpPr>
+            <a:spLocks noChangeArrowheads="1"/>
+          </p:cNvSpPr>
+          <p:nvPr/>
+        </p:nvSpPr>
+        <p:spPr bwMode="auto">
+          <a:xfrm>
+            <a:off x="0" y="0"/>
+            <a:ext cx="9144000" cy="0"/>
+          </a:xfrm>
+          <a:prstGeom prst="rect">
+            <a:avLst/>
+          </a:prstGeom>
+          <a:noFill/>
+          <a:ln>
+            <a:noFill/>
+          </a:ln>
+          <a:extLst>
+            <a:ext uri="{909E8E84-426E-40DD-AFC4-6F175D3DCCD1}">
+              <a14:hiddenFill xmlns:a14="http://schemas.microsoft.com/office/drawing/2010/main">
+                <a:solidFill>
+                  <a:srgbClr val="FFFFFF"/>
+                </a:solidFill>
+              </a14:hiddenFill>
+            </a:ext>
+            <a:ext uri="{91240B29-F687-4F45-9708-019B960494DF}">
+              <a14:hiddenLine xmlns:a14="http://schemas.microsoft.com/office/drawing/2010/main" w="9525" algn="ctr">
+                <a:solidFill>
+                  <a:srgbClr val="000000"/>
+                </a:solidFill>
+                <a:miter lim="800000"/>
+                <a:headEnd/>
+                <a:tailEnd/>
+              </a14:hiddenLine>
+            </a:ext>
+          </a:extLst>
+        </p:spPr>
+        <p:txBody>
+          <a:bodyPr wrap="none" anchor="ctr">
+            <a:spAutoFit/>
+          </a:bodyPr>
+          <a:lstStyle/>
+          <a:p>
+            <a:endParaRPr lang="en-US"/>
+          </a:p>
+        </p:txBody>
+      </p:sp>
+      <p:sp>
+        <p:nvSpPr>
+          <p:cNvPr id="3080" name="Rectangle 8"/>
+          <p:cNvSpPr>
+            <a:spLocks noChangeArrowheads="1"/>
+          </p:cNvSpPr>
+          <p:nvPr/>
+        </p:nvSpPr>
+        <p:spPr bwMode="auto">
+          <a:xfrm>
+            <a:off x="0" y="0"/>
+            <a:ext cx="9144000" cy="0"/>
+          </a:xfrm>
+          <a:prstGeom prst="rect">
+            <a:avLst/>
+          </a:prstGeom>
+          <a:noFill/>
+          <a:ln>
+            <a:noFill/>
+          </a:ln>
+          <a:extLst>
+            <a:ext uri="{909E8E84-426E-40DD-AFC4-6F175D3DCCD1}">
+              <a14:hiddenFill xmlns:a14="http://schemas.microsoft.com/office/drawing/2010/main">
+                <a:solidFill>
+                  <a:srgbClr val="FFFFFF"/>
+                </a:solidFill>
+              </a14:hiddenFill>
+            </a:ext>
+            <a:ext uri="{91240B29-F687-4F45-9708-019B960494DF}">
+              <a14:hiddenLine xmlns:a14="http://schemas.microsoft.com/office/drawing/2010/main" w="9525" algn="ctr">
+                <a:solidFill>
+                  <a:srgbClr val="000000"/>
+                </a:solidFill>
+                <a:miter lim="800000"/>
+                <a:headEnd/>
+                <a:tailEnd/>
+              </a14:hiddenLine>
+            </a:ext>
+          </a:extLst>
+        </p:spPr>
+        <p:txBody>
+          <a:bodyPr wrap="none" anchor="ctr">
+            <a:spAutoFit/>
+          </a:bodyPr>
+          <a:lstStyle/>
+          <a:p>
+            <a:endParaRPr lang="en-US"/>
+          </a:p>
+        </p:txBody>
+      </p:sp>
+      <p:sp>
+        <p:nvSpPr>
+          <p:cNvPr id="2" name="Rectangle 7"/>
+          <p:cNvSpPr>
+            <a:spLocks noChangeArrowheads="1"/>
+          </p:cNvSpPr>
+          <p:nvPr/>
+        </p:nvSpPr>
+        <p:spPr bwMode="auto">
+          <a:xfrm>
+            <a:off x="0" y="0"/>
+            <a:ext cx="9144000" cy="0"/>
+          </a:xfrm>
+          <a:prstGeom prst="rect">
+            <a:avLst/>
+          </a:prstGeom>
+          <a:noFill/>
+          <a:ln>
+            <a:noFill/>
+          </a:ln>
+          <a:effectLst/>
+          <a:extLst>
+            <a:ext uri="{909E8E84-426E-40DD-AFC4-6F175D3DCCD1}">
+              <a14:hiddenFill xmlns:a14="http://schemas.microsoft.com/office/drawing/2010/main">
+                <a:solidFill>
+                  <a:schemeClr val="accent1"/>
+                </a:solidFill>
+              </a14:hiddenFill>
+            </a:ext>
+            <a:ext uri="{91240B29-F687-4F45-9708-019B960494DF}">
+              <a14:hiddenLine xmlns:a14="http://schemas.microsoft.com/office/drawing/2010/main" w="9525">
+                <a:solidFill>
+                  <a:schemeClr val="tx1"/>
+                </a:solidFill>
+                <a:miter lim="800000"/>
+                <a:headEnd/>
+                <a:tailEnd/>
+              </a14:hiddenLine>
+            </a:ext>
+            <a:ext uri="{AF507438-7753-43E0-B8FC-AC1667EBCBE1}">
+              <a14:hiddenEffects xmlns:a14="http://schemas.microsoft.com/office/drawing/2010/main">
+                <a:effectLst>
+                  <a:outerShdw dist="35921" dir="2700000" algn="ctr" rotWithShape="0">
+                    <a:schemeClr val="bg2"/>
+                  </a:outerShdw>
+                </a:effectLst>
+              </a14:hiddenEffects>
+            </a:ext>
+          </a:extLst>
+        </p:spPr>
+        <p:txBody>
+          <a:bodyPr vert="horz" wrap="none" lIns="91440" tIns="45720" rIns="91440" bIns="45720" numCol="1" anchor="ctr" anchorCtr="0" compatLnSpc="1">
+            <a:prstTxWarp prst="textNoShape">
+              <a:avLst/>
+            </a:prstTxWarp>
+            <a:spAutoFit/>
+          </a:bodyPr>
+          <a:lstStyle/>
+          <a:p>
+            <a:endParaRPr lang="en-US"/>
+          </a:p>
+        </p:txBody>
+      </p:sp>
+      <p:graphicFrame>
+        <p:nvGraphicFramePr>
+          <p:cNvPr id="3" name="Object 2"/>
+          <p:cNvGraphicFramePr>
+            <a:graphicFrameLocks noChangeAspect="1"/>
+          </p:cNvGraphicFramePr>
+          <p:nvPr>
+            <p:extLst>
+              <p:ext uri="{D42A27DB-BD31-4B8C-83A1-F6EECF244321}">
+                <p14:modId xmlns:p14="http://schemas.microsoft.com/office/powerpoint/2010/main" val="2838044719"/>
+              </p:ext>
+            </p:extLst>
+          </p:nvPr>
+        </p:nvGraphicFramePr>
+        <p:xfrm>
+          <a:off x="2133600" y="2362200"/>
+          <a:ext cx="1981200" cy="547992"/>
+        </p:xfrm>
+        <a:graphic>
+          <a:graphicData uri="http://schemas.openxmlformats.org/presentationml/2006/ole">
+            <mc:AlternateContent xmlns:mc="http://schemas.openxmlformats.org/markup-compatibility/2006">
+              <mc:Choice xmlns:v="urn:schemas-microsoft-com:vml" Requires="v">
+                <p:oleObj spid="_x0000_s26864" name="Equation" r:id="rId4" imgW="748975" imgH="203112" progId="Equation.3">
+                  <p:embed/>
+                </p:oleObj>
+              </mc:Choice>
+              <mc:Fallback>
+                <p:oleObj name="Equation" r:id="rId4" imgW="748975" imgH="203112" progId="Equation.3">
+                  <p:embed/>
+                  <p:pic>
+                    <p:nvPicPr>
+                      <p:cNvPr id="0" name=""/>
+                      <p:cNvPicPr>
+                        <a:picLocks noChangeAspect="1" noChangeArrowheads="1"/>
+                      </p:cNvPicPr>
+                      <p:nvPr/>
+                    </p:nvPicPr>
+                    <p:blipFill>
+                      <a:blip r:embed="rId5">
+                        <a:extLst>
+                          <a:ext uri="{28A0092B-C50C-407E-A947-70E740481C1C}">
+                            <a14:useLocalDpi xmlns:a14="http://schemas.microsoft.com/office/drawing/2010/main" val="0"/>
+                          </a:ext>
+                        </a:extLst>
+                      </a:blip>
+                      <a:srcRect/>
+                      <a:stretch>
+                        <a:fillRect/>
+                      </a:stretch>
+                    </p:blipFill>
+                    <p:spPr bwMode="auto">
+                      <a:xfrm>
+                        <a:off x="2133600" y="2362200"/>
+                        <a:ext cx="1981200" cy="547992"/>
+                      </a:xfrm>
+                      <a:prstGeom prst="rect">
+                        <a:avLst/>
+                      </a:prstGeom>
+                      <a:noFill/>
+                    </p:spPr>
+                  </p:pic>
+                </p:oleObj>
+              </mc:Fallback>
+            </mc:AlternateContent>
+          </a:graphicData>
+        </a:graphic>
+      </p:graphicFrame>
+      <p:sp>
+        <p:nvSpPr>
+          <p:cNvPr id="5" name="Rectangle 11"/>
+          <p:cNvSpPr>
+            <a:spLocks noChangeArrowheads="1"/>
+          </p:cNvSpPr>
+          <p:nvPr/>
+        </p:nvSpPr>
+        <p:spPr bwMode="auto">
+          <a:xfrm>
+            <a:off x="0" y="0"/>
+            <a:ext cx="9144000" cy="0"/>
+          </a:xfrm>
+          <a:prstGeom prst="rect">
+            <a:avLst/>
+          </a:prstGeom>
+          <a:noFill/>
+          <a:ln>
+            <a:noFill/>
+          </a:ln>
+          <a:effectLst/>
+          <a:extLst>
+            <a:ext uri="{909E8E84-426E-40DD-AFC4-6F175D3DCCD1}">
+              <a14:hiddenFill xmlns:a14="http://schemas.microsoft.com/office/drawing/2010/main">
+                <a:solidFill>
+                  <a:schemeClr val="accent1"/>
+                </a:solidFill>
+              </a14:hiddenFill>
+            </a:ext>
+            <a:ext uri="{91240B29-F687-4F45-9708-019B960494DF}">
+              <a14:hiddenLine xmlns:a14="http://schemas.microsoft.com/office/drawing/2010/main" w="9525">
+                <a:solidFill>
+                  <a:schemeClr val="tx1"/>
+                </a:solidFill>
+                <a:miter lim="800000"/>
+                <a:headEnd/>
+                <a:tailEnd/>
+              </a14:hiddenLine>
+            </a:ext>
+            <a:ext uri="{AF507438-7753-43E0-B8FC-AC1667EBCBE1}">
+              <a14:hiddenEffects xmlns:a14="http://schemas.microsoft.com/office/drawing/2010/main">
+                <a:effectLst>
+                  <a:outerShdw dist="35921" dir="2700000" algn="ctr" rotWithShape="0">
+                    <a:schemeClr val="bg2"/>
+                  </a:outerShdw>
+                </a:effectLst>
+              </a14:hiddenEffects>
+            </a:ext>
+          </a:extLst>
+        </p:spPr>
+        <p:txBody>
+          <a:bodyPr vert="horz" wrap="none" lIns="91440" tIns="45720" rIns="91440" bIns="45720" numCol="1" anchor="ctr" anchorCtr="0" compatLnSpc="1">
+            <a:prstTxWarp prst="textNoShape">
+              <a:avLst/>
+            </a:prstTxWarp>
+            <a:spAutoFit/>
+          </a:bodyPr>
+          <a:lstStyle/>
+          <a:p>
+            <a:endParaRPr lang="en-US"/>
+          </a:p>
+        </p:txBody>
+      </p:sp>
+      <p:graphicFrame>
+        <p:nvGraphicFramePr>
+          <p:cNvPr id="6" name="Object 5"/>
+          <p:cNvGraphicFramePr>
+            <a:graphicFrameLocks noChangeAspect="1"/>
+          </p:cNvGraphicFramePr>
+          <p:nvPr>
+            <p:extLst>
+              <p:ext uri="{D42A27DB-BD31-4B8C-83A1-F6EECF244321}">
+                <p14:modId xmlns:p14="http://schemas.microsoft.com/office/powerpoint/2010/main" val="3139554144"/>
+              </p:ext>
+            </p:extLst>
+          </p:nvPr>
+        </p:nvGraphicFramePr>
+        <p:xfrm>
+          <a:off x="2209800" y="3200400"/>
+          <a:ext cx="1528549" cy="533400"/>
+        </p:xfrm>
+        <a:graphic>
+          <a:graphicData uri="http://schemas.openxmlformats.org/presentationml/2006/ole">
+            <mc:AlternateContent xmlns:mc="http://schemas.openxmlformats.org/markup-compatibility/2006">
+              <mc:Choice xmlns:v="urn:schemas-microsoft-com:vml" Requires="v">
+                <p:oleObj spid="_x0000_s26865" name="Equation" r:id="rId6" imgW="609336" imgH="215806" progId="Equation.DSMT4">
+                  <p:embed/>
+                </p:oleObj>
+              </mc:Choice>
+              <mc:Fallback>
+                <p:oleObj name="Equation" r:id="rId6" imgW="609336" imgH="215806" progId="Equation.DSMT4">
+                  <p:embed/>
+                  <p:pic>
+                    <p:nvPicPr>
+                      <p:cNvPr id="0" name=""/>
+                      <p:cNvPicPr>
+                        <a:picLocks noChangeAspect="1" noChangeArrowheads="1"/>
+                      </p:cNvPicPr>
+                      <p:nvPr/>
+                    </p:nvPicPr>
+                    <p:blipFill>
+                      <a:blip r:embed="rId7">
+                        <a:extLst>
+                          <a:ext uri="{28A0092B-C50C-407E-A947-70E740481C1C}">
+                            <a14:useLocalDpi xmlns:a14="http://schemas.microsoft.com/office/drawing/2010/main" val="0"/>
+                          </a:ext>
+                        </a:extLst>
+                      </a:blip>
+                      <a:srcRect/>
+                      <a:stretch>
+                        <a:fillRect/>
+                      </a:stretch>
+                    </p:blipFill>
+                    <p:spPr bwMode="auto">
+                      <a:xfrm>
+                        <a:off x="2209800" y="3200400"/>
+                        <a:ext cx="1528549" cy="533400"/>
+                      </a:xfrm>
+                      <a:prstGeom prst="rect">
+                        <a:avLst/>
+                      </a:prstGeom>
+                      <a:noFill/>
+                    </p:spPr>
+                  </p:pic>
+                </p:oleObj>
+              </mc:Fallback>
+            </mc:AlternateContent>
+          </a:graphicData>
+        </a:graphic>
+      </p:graphicFrame>
+    </p:spTree>
+    <p:extLst>
+      <p:ext uri="{BB962C8B-B14F-4D97-AF65-F5344CB8AC3E}">
+        <p14:creationId xmlns:p14="http://schemas.microsoft.com/office/powerpoint/2010/main" val="1621168569"/>
+      </p:ext>
+    </p:extLst>
+  </p:cSld>
+  <p:clrMapOvr>
+    <a:masterClrMapping/>
+  </p:clrMapOvr>
+  <p:transition/>
+  <p:timing>
+    <p:tnLst>
+      <p:par>
+        <p:cTn id="1" dur="indefinite" restart="never" nodeType="tmRoot">
+          <p:childTnLst>
+            <p:seq concurrent="1" nextAc="seek">
+              <p:cTn id="2" dur="indefinite" nodeType="mainSeq">
+                <p:childTnLst>
+                  <p:par>
+                    <p:cTn id="3" fill="hold" nodeType="clickPar">
+                      <p:stCondLst>
+                        <p:cond delay="indefinite"/>
+                      </p:stCondLst>
+                      <p:childTnLst>
+                        <p:par>
+                          <p:cTn id="4" fill="hold" nodeType="withGroup">
+                            <p:stCondLst>
+                              <p:cond delay="0"/>
+                            </p:stCondLst>
+                            <p:childTnLst>
+                              <p:par>
+                                <p:cTn id="5" presetID="1" presetClass="entr" presetSubtype="0" fill="hold" grpId="0" nodeType="clickEffect">
+                                  <p:stCondLst>
+                                    <p:cond delay="0"/>
+                                  </p:stCondLst>
+                                  <p:childTnLst>
+                                    <p:set>
+                                      <p:cBhvr>
+                                        <p:cTn id="6" dur="1" fill="hold">
+                                          <p:stCondLst>
+                                            <p:cond delay="499"/>
+                                          </p:stCondLst>
+                                        </p:cTn>
+                                        <p:tgtEl>
+                                          <p:spTgt spid="253954">
+                                            <p:txEl>
+                                              <p:pRg st="0" end="0"/>
+                                            </p:txEl>
+                                          </p:spTgt>
+                                        </p:tgtEl>
+                                        <p:attrNameLst>
+                                          <p:attrName>style.visibility</p:attrName>
+                                        </p:attrNameLst>
+                                      </p:cBhvr>
+                                      <p:to>
+                                        <p:strVal val="visible"/>
+                                      </p:to>
+                                    </p:set>
+                                  </p:childTnLst>
+                                </p:cTn>
+                              </p:par>
+                              <p:par>
+                                <p:cTn id="7" presetID="1" presetClass="entr" presetSubtype="0" fill="hold" grpId="0" nodeType="withEffect">
+                                  <p:stCondLst>
+                                    <p:cond delay="0"/>
+                                  </p:stCondLst>
+                                  <p:childTnLst>
+                                    <p:set>
+                                      <p:cBhvr>
+                                        <p:cTn id="8" dur="1" fill="hold">
+                                          <p:stCondLst>
+                                            <p:cond delay="499"/>
+                                          </p:stCondLst>
+                                        </p:cTn>
+                                        <p:tgtEl>
+                                          <p:spTgt spid="253954">
+                                            <p:txEl>
+                                              <p:pRg st="5" end="5"/>
+                                            </p:txEl>
+                                          </p:spTgt>
+                                        </p:tgtEl>
+                                        <p:attrNameLst>
+                                          <p:attrName>style.visibility</p:attrName>
+                                        </p:attrNameLst>
+                                      </p:cBhvr>
+                                      <p:to>
+                                        <p:strVal val="visible"/>
+                                      </p:to>
+                                    </p:set>
+                                  </p:childTnLst>
+                                </p:cTn>
+                              </p:par>
+                            </p:childTnLst>
+                          </p:cTn>
+                        </p:par>
+                      </p:childTnLst>
+                    </p:cTn>
+                  </p:par>
+                  <p:par>
+                    <p:cTn id="9" fill="hold" nodeType="clickPar">
+                      <p:stCondLst>
+                        <p:cond delay="indefinite"/>
+                      </p:stCondLst>
+                      <p:childTnLst>
+                        <p:par>
+                          <p:cTn id="10" fill="hold" nodeType="withGroup">
+                            <p:stCondLst>
+                              <p:cond delay="0"/>
+                            </p:stCondLst>
+                            <p:childTnLst>
+                              <p:par>
+                                <p:cTn id="11" presetID="29" presetClass="entr" presetSubtype="0" fill="hold" nodeType="clickEffect">
+                                  <p:stCondLst>
+                                    <p:cond delay="0"/>
+                                  </p:stCondLst>
+                                  <p:childTnLst>
+                                    <p:set>
+                                      <p:cBhvr>
+                                        <p:cTn id="12" dur="1" fill="hold">
+                                          <p:stCondLst>
+                                            <p:cond delay="0"/>
+                                          </p:stCondLst>
+                                        </p:cTn>
+                                        <p:tgtEl>
+                                          <p:spTgt spid="253954">
+                                            <p:txEl>
+                                              <p:pRg st="5" end="5"/>
+                                            </p:txEl>
+                                          </p:spTgt>
+                                        </p:tgtEl>
+                                        <p:attrNameLst>
+                                          <p:attrName>style.visibility</p:attrName>
+                                        </p:attrNameLst>
+                                      </p:cBhvr>
+                                      <p:to>
+                                        <p:strVal val="visible"/>
+                                      </p:to>
+                                    </p:set>
+                                    <p:anim calcmode="lin" valueType="num">
+                                      <p:cBhvr>
+                                        <p:cTn id="13" dur="1000" fill="hold"/>
+                                        <p:tgtEl>
+                                          <p:spTgt spid="253954">
+                                            <p:txEl>
+                                              <p:pRg st="5" end="5"/>
+                                            </p:txEl>
+                                          </p:spTgt>
+                                        </p:tgtEl>
+                                        <p:attrNameLst>
+                                          <p:attrName>ppt_x</p:attrName>
+                                        </p:attrNameLst>
+                                      </p:cBhvr>
+                                      <p:tavLst>
+                                        <p:tav tm="0">
+                                          <p:val>
+                                            <p:strVal val="#ppt_x-.2"/>
+                                          </p:val>
+                                        </p:tav>
+                                        <p:tav tm="100000">
+                                          <p:val>
+                                            <p:strVal val="#ppt_x"/>
+                                          </p:val>
+                                        </p:tav>
+                                      </p:tavLst>
+                                    </p:anim>
+                                    <p:anim calcmode="lin" valueType="num">
+                                      <p:cBhvr>
+                                        <p:cTn id="14" dur="1000" fill="hold"/>
+                                        <p:tgtEl>
+                                          <p:spTgt spid="253954">
+                                            <p:txEl>
+                                              <p:pRg st="5" end="5"/>
+                                            </p:txEl>
+                                          </p:spTgt>
+                                        </p:tgtEl>
+                                        <p:attrNameLst>
+                                          <p:attrName>ppt_y</p:attrName>
+                                        </p:attrNameLst>
+                                      </p:cBhvr>
+                                      <p:tavLst>
+                                        <p:tav tm="0">
+                                          <p:val>
+                                            <p:strVal val="#ppt_y"/>
+                                          </p:val>
+                                        </p:tav>
+                                        <p:tav tm="100000">
+                                          <p:val>
+                                            <p:strVal val="#ppt_y"/>
+                                          </p:val>
+                                        </p:tav>
+                                      </p:tavLst>
+                                    </p:anim>
+                                    <p:animEffect transition="in" filter="wipe(right)" prLst="gradientSize: 0.1">
+                                      <p:cBhvr>
+                                        <p:cTn id="15" dur="1000"/>
+                                        <p:tgtEl>
+                                          <p:spTgt spid="253954">
+                                            <p:txEl>
+                                              <p:pRg st="5" end="5"/>
+                                            </p:txEl>
+                                          </p:spTgt>
+                                        </p:tgtEl>
+                                      </p:cBhvr>
+                                    </p:animEffect>
+                                  </p:childTnLst>
+                                </p:cTn>
+                              </p:par>
+                            </p:childTnLst>
+                          </p:cTn>
+                        </p:par>
+                      </p:childTnLst>
+                    </p:cTn>
+                  </p:par>
+                </p:childTnLst>
+              </p:cTn>
+              <p:prevCondLst>
+                <p:cond evt="onPrev" delay="0">
+                  <p:tgtEl>
+                    <p:sldTgt/>
+                  </p:tgtEl>
+                </p:cond>
+              </p:prevCondLst>
+              <p:nextCondLst>
+                <p:cond evt="onNext" delay="0">
+                  <p:tgtEl>
+                    <p:sldTgt/>
+                  </p:tgtEl>
+                </p:cond>
+              </p:nextCondLst>
+            </p:seq>
+          </p:childTnLst>
+        </p:cTn>
+      </p:par>
+    </p:tnLst>
+    <p:bldLst>
+      <p:bldP spid="253954" grpId="0" build="allAtOnce" autoUpdateAnimBg="0"/>
+    </p:bldLst>
+  </p:timing>
+</p:sld>
+</file>
+
+<file path=ppt/slides/slide42.xml><?xml version="1.0" encoding="utf-8"?>
+<p:sld xmlns:a="http://schemas.openxmlformats.org/drawingml/2006/main" xmlns:r="http://schemas.openxmlformats.org/officeDocument/2006/relationships" xmlns:p="http://schemas.openxmlformats.org/presentationml/2006/main">
+  <p:cSld>
+    <p:spTree>
+      <p:nvGrpSpPr>
+        <p:cNvPr id="1" name=""/>
+        <p:cNvGrpSpPr/>
+        <p:nvPr/>
+      </p:nvGrpSpPr>
+      <p:grpSpPr>
+        <a:xfrm>
+          <a:off x="0" y="0"/>
+          <a:ext cx="0" cy="0"/>
+          <a:chOff x="0" y="0"/>
+          <a:chExt cx="0" cy="0"/>
+        </a:xfrm>
+      </p:grpSpPr>
+      <p:sp>
+        <p:nvSpPr>
+          <p:cNvPr id="20482" name="Rectangle 3"/>
+          <p:cNvSpPr>
+            <a:spLocks noGrp="1" noChangeArrowheads="1"/>
+          </p:cNvSpPr>
+          <p:nvPr>
+            <p:ph type="body" idx="4294967295"/>
+          </p:nvPr>
+        </p:nvSpPr>
+        <p:spPr>
+          <a:xfrm>
+            <a:off x="466725" y="1371600"/>
+            <a:ext cx="8305800" cy="5029200"/>
+          </a:xfrm>
+        </p:spPr>
+        <p:txBody>
+          <a:bodyPr>
+            <a:normAutofit fontScale="92500" lnSpcReduction="20000"/>
+          </a:bodyPr>
+          <a:lstStyle/>
+          <a:p>
+            <a:r>
+              <a:rPr lang="en-US" sz="2800" dirty="0">
+                <a:latin typeface="Palatino Linotype" pitchFamily="18" charset="0"/>
+              </a:rPr>
+              <a:t>Standard scores are a </a:t>
+            </a:r>
+            <a:r>
+              <a:rPr lang="en-US" sz="2800" dirty="0">
+                <a:solidFill>
+                  <a:srgbClr val="FF0000"/>
+                </a:solidFill>
+                <a:latin typeface="Palatino Linotype" pitchFamily="18" charset="0"/>
+              </a:rPr>
+              <a:t>special subclass </a:t>
+            </a:r>
+            <a:r>
+              <a:rPr lang="en-US" sz="2800" dirty="0">
+                <a:latin typeface="Palatino Linotype" pitchFamily="18" charset="0"/>
+              </a:rPr>
+              <a:t>of linearly transformed scores for which the </a:t>
+            </a:r>
+            <a:r>
+              <a:rPr lang="en-US" sz="2800" dirty="0">
+                <a:solidFill>
+                  <a:srgbClr val="FF0000"/>
+                </a:solidFill>
+                <a:latin typeface="Palatino Linotype" pitchFamily="18" charset="0"/>
+              </a:rPr>
+              <a:t>mean</a:t>
+            </a:r>
+            <a:r>
+              <a:rPr lang="en-US" sz="2800" dirty="0">
+                <a:latin typeface="Palatino Linotype" pitchFamily="18" charset="0"/>
+              </a:rPr>
+              <a:t> and </a:t>
+            </a:r>
+            <a:r>
+              <a:rPr lang="en-US" sz="2800" dirty="0">
+                <a:solidFill>
+                  <a:srgbClr val="FF0000"/>
+                </a:solidFill>
+                <a:latin typeface="Palatino Linotype" pitchFamily="18" charset="0"/>
+              </a:rPr>
+              <a:t>standard deviation </a:t>
+            </a:r>
+            <a:r>
+              <a:rPr lang="en-US" sz="2800" dirty="0">
+                <a:latin typeface="Palatino Linotype" pitchFamily="18" charset="0"/>
+              </a:rPr>
+              <a:t>are fixed. </a:t>
+            </a:r>
+          </a:p>
+          <a:p>
+            <a:endParaRPr lang="en-US" sz="2000" dirty="0">
+              <a:latin typeface="Palatino Linotype" pitchFamily="18" charset="0"/>
+            </a:endParaRPr>
+          </a:p>
+          <a:p>
+            <a:r>
+              <a:rPr lang="en-US" sz="2800" dirty="0">
+                <a:latin typeface="Palatino Linotype" pitchFamily="18" charset="0"/>
+              </a:rPr>
+              <a:t>The idea behind Z score transformation is to linearly transform our original scores to obtain new scores (called Z’s rather than Y’s) that have a </a:t>
+            </a:r>
+            <a:r>
+              <a:rPr lang="en-US" sz="2800" dirty="0">
+                <a:solidFill>
+                  <a:srgbClr val="FF0000"/>
+                </a:solidFill>
+                <a:latin typeface="Palatino Linotype" pitchFamily="18" charset="0"/>
+              </a:rPr>
+              <a:t>mean of 0 </a:t>
+            </a:r>
+            <a:r>
+              <a:rPr lang="en-US" sz="2800" dirty="0">
+                <a:latin typeface="Palatino Linotype" pitchFamily="18" charset="0"/>
+              </a:rPr>
+              <a:t>and a</a:t>
+            </a:r>
+            <a:r>
+              <a:rPr lang="en-US" sz="2800" dirty="0">
+                <a:solidFill>
+                  <a:schemeClr val="tx2"/>
+                </a:solidFill>
+                <a:latin typeface="Palatino Linotype" pitchFamily="18" charset="0"/>
+              </a:rPr>
+              <a:t> </a:t>
+            </a:r>
+            <a:r>
+              <a:rPr lang="en-US" sz="2800" dirty="0">
+                <a:solidFill>
+                  <a:srgbClr val="FF0000"/>
+                </a:solidFill>
+                <a:latin typeface="Palatino Linotype" pitchFamily="18" charset="0"/>
+              </a:rPr>
+              <a:t>standard deviation of 1.</a:t>
+            </a:r>
+          </a:p>
+          <a:p>
+            <a:endParaRPr lang="en-US" sz="2000" dirty="0">
+              <a:solidFill>
+                <a:srgbClr val="DB4931"/>
+              </a:solidFill>
+              <a:latin typeface="Palatino Linotype" pitchFamily="18" charset="0"/>
+            </a:endParaRPr>
+          </a:p>
+          <a:p>
+            <a:r>
+              <a:rPr lang="en-US" sz="2800" dirty="0">
+                <a:latin typeface="Palatino Linotype" pitchFamily="18" charset="0"/>
+              </a:rPr>
+              <a:t>Z scores explains </a:t>
+            </a:r>
+            <a:r>
+              <a:rPr lang="en-US" sz="2800" dirty="0">
+                <a:solidFill>
+                  <a:srgbClr val="FF0000"/>
+                </a:solidFill>
+                <a:latin typeface="Palatino Linotype" pitchFamily="18" charset="0"/>
+              </a:rPr>
+              <a:t>“how far away a score is from the mean in standard deviation units?” </a:t>
+            </a:r>
+          </a:p>
+          <a:p>
+            <a:endParaRPr lang="en-US" sz="2000" dirty="0">
+              <a:latin typeface="Palatino Linotype" pitchFamily="18" charset="0"/>
+            </a:endParaRPr>
+          </a:p>
+          <a:p>
+            <a:r>
+              <a:rPr lang="en-US" sz="2800" dirty="0">
+                <a:latin typeface="Palatino Linotype" pitchFamily="18" charset="0"/>
+              </a:rPr>
+              <a:t>It makes it possible to compare scores or measurements from different kinds of distributions.</a:t>
+            </a:r>
+          </a:p>
+          <a:p>
+            <a:pPr marL="742950" lvl="1" indent="-285750"/>
+            <a:endParaRPr lang="en-US" dirty="0">
+              <a:solidFill>
+                <a:srgbClr val="DB4931"/>
+              </a:solidFill>
+              <a:latin typeface="Palatino Linotype" pitchFamily="18" charset="0"/>
+            </a:endParaRPr>
+          </a:p>
+          <a:p>
+            <a:endParaRPr lang="en-US" sz="2500" dirty="0">
+              <a:solidFill>
+                <a:schemeClr val="tx2"/>
+              </a:solidFill>
+              <a:latin typeface="Palatino Linotype" pitchFamily="18" charset="0"/>
+            </a:endParaRPr>
+          </a:p>
+          <a:p>
+            <a:endParaRPr lang="en-US" sz="2500" dirty="0">
+              <a:solidFill>
+                <a:schemeClr val="tx2"/>
+              </a:solidFill>
+              <a:latin typeface="Palatino Linotype" pitchFamily="18" charset="0"/>
+            </a:endParaRPr>
+          </a:p>
+          <a:p>
+            <a:pPr marL="742950" lvl="1" indent="-285750"/>
+            <a:endParaRPr lang="en-US" dirty="0">
+              <a:solidFill>
+                <a:srgbClr val="DB4931"/>
+              </a:solidFill>
+              <a:latin typeface="Palatino Linotype" pitchFamily="18" charset="0"/>
+            </a:endParaRPr>
+          </a:p>
+        </p:txBody>
+      </p:sp>
+      <p:sp>
+        <p:nvSpPr>
+          <p:cNvPr id="23556" name="Text Box 4"/>
+          <p:cNvSpPr txBox="1">
+            <a:spLocks noChangeArrowheads="1"/>
+          </p:cNvSpPr>
+          <p:nvPr/>
+        </p:nvSpPr>
+        <p:spPr bwMode="auto">
+          <a:xfrm>
+            <a:off x="217283" y="457200"/>
+            <a:ext cx="8382000" cy="769441"/>
+          </a:xfrm>
+          <a:prstGeom prst="rect">
+            <a:avLst/>
+          </a:prstGeom>
+          <a:noFill/>
+          <a:ln>
+            <a:noFill/>
+          </a:ln>
+          <a:extLst>
+            <a:ext uri="{909E8E84-426E-40DD-AFC4-6F175D3DCCD1}">
+              <a14:hiddenFill xmlns:a14="http://schemas.microsoft.com/office/drawing/2010/main">
+                <a:solidFill>
+                  <a:srgbClr val="FFFFFF"/>
+                </a:solidFill>
+              </a14:hiddenFill>
+            </a:ext>
+            <a:ext uri="{91240B29-F687-4F45-9708-019B960494DF}">
+              <a14:hiddenLine xmlns:a14="http://schemas.microsoft.com/office/drawing/2010/main" w="9525" algn="ctr">
+                <a:solidFill>
+                  <a:srgbClr val="000000"/>
+                </a:solidFill>
+                <a:miter lim="800000"/>
+                <a:headEnd/>
+                <a:tailEnd/>
+              </a14:hiddenLine>
+            </a:ext>
+          </a:extLst>
+        </p:spPr>
+        <p:txBody>
+          <a:bodyPr>
+            <a:spAutoFit/>
+          </a:bodyPr>
+          <a:lstStyle>
+            <a:lvl1pPr>
+              <a:defRPr sz="2400">
+                <a:solidFill>
+                  <a:srgbClr val="FF9900"/>
+                </a:solidFill>
+                <a:latin typeface="Times New Roman" pitchFamily="18" charset="0"/>
+                <a:cs typeface="Arial" pitchFamily="34" charset="0"/>
+              </a:defRPr>
+            </a:lvl1pPr>
+            <a:lvl2pPr marL="742950" indent="-285750">
+              <a:defRPr sz="2400">
+                <a:solidFill>
+                  <a:srgbClr val="FF9900"/>
+                </a:solidFill>
+                <a:latin typeface="Times New Roman" pitchFamily="18" charset="0"/>
+                <a:cs typeface="Arial" pitchFamily="34" charset="0"/>
+              </a:defRPr>
+            </a:lvl2pPr>
+            <a:lvl3pPr marL="1143000" indent="-228600">
+              <a:defRPr sz="2400">
+                <a:solidFill>
+                  <a:srgbClr val="FF9900"/>
+                </a:solidFill>
+                <a:latin typeface="Times New Roman" pitchFamily="18" charset="0"/>
+                <a:cs typeface="Arial" pitchFamily="34" charset="0"/>
+              </a:defRPr>
+            </a:lvl3pPr>
+            <a:lvl4pPr marL="1600200" indent="-228600">
+              <a:defRPr sz="2400">
+                <a:solidFill>
+                  <a:srgbClr val="FF9900"/>
+                </a:solidFill>
+                <a:latin typeface="Times New Roman" pitchFamily="18" charset="0"/>
+                <a:cs typeface="Arial" pitchFamily="34" charset="0"/>
+              </a:defRPr>
+            </a:lvl4pPr>
+            <a:lvl5pPr marL="2057400" indent="-228600">
+              <a:defRPr sz="2400">
+                <a:solidFill>
+                  <a:srgbClr val="FF9900"/>
+                </a:solidFill>
+                <a:latin typeface="Times New Roman" pitchFamily="18" charset="0"/>
+                <a:cs typeface="Arial" pitchFamily="34" charset="0"/>
+              </a:defRPr>
+            </a:lvl5pPr>
+            <a:lvl6pPr marL="2514600" indent="-228600" eaLnBrk="0" fontAlgn="base" hangingPunct="0">
+              <a:lnSpc>
+                <a:spcPct val="80000"/>
+              </a:lnSpc>
+              <a:spcBef>
+                <a:spcPct val="0"/>
+              </a:spcBef>
+              <a:spcAft>
+                <a:spcPct val="0"/>
+              </a:spcAft>
+              <a:defRPr sz="2400">
+                <a:solidFill>
+                  <a:srgbClr val="FF9900"/>
+                </a:solidFill>
+                <a:latin typeface="Times New Roman" pitchFamily="18" charset="0"/>
+                <a:cs typeface="Arial" pitchFamily="34" charset="0"/>
+              </a:defRPr>
+            </a:lvl6pPr>
+            <a:lvl7pPr marL="2971800" indent="-228600" eaLnBrk="0" fontAlgn="base" hangingPunct="0">
+              <a:lnSpc>
+                <a:spcPct val="80000"/>
+              </a:lnSpc>
+              <a:spcBef>
+                <a:spcPct val="0"/>
+              </a:spcBef>
+              <a:spcAft>
+                <a:spcPct val="0"/>
+              </a:spcAft>
+              <a:defRPr sz="2400">
+                <a:solidFill>
+                  <a:srgbClr val="FF9900"/>
+                </a:solidFill>
+                <a:latin typeface="Times New Roman" pitchFamily="18" charset="0"/>
+                <a:cs typeface="Arial" pitchFamily="34" charset="0"/>
+              </a:defRPr>
+            </a:lvl7pPr>
+            <a:lvl8pPr marL="3429000" indent="-228600" eaLnBrk="0" fontAlgn="base" hangingPunct="0">
+              <a:lnSpc>
+                <a:spcPct val="80000"/>
+              </a:lnSpc>
+              <a:spcBef>
+                <a:spcPct val="0"/>
+              </a:spcBef>
+              <a:spcAft>
+                <a:spcPct val="0"/>
+              </a:spcAft>
+              <a:defRPr sz="2400">
+                <a:solidFill>
+                  <a:srgbClr val="FF9900"/>
+                </a:solidFill>
+                <a:latin typeface="Times New Roman" pitchFamily="18" charset="0"/>
+                <a:cs typeface="Arial" pitchFamily="34" charset="0"/>
+              </a:defRPr>
+            </a:lvl8pPr>
+            <a:lvl9pPr marL="3886200" indent="-228600" eaLnBrk="0" fontAlgn="base" hangingPunct="0">
+              <a:lnSpc>
+                <a:spcPct val="80000"/>
+              </a:lnSpc>
+              <a:spcBef>
+                <a:spcPct val="0"/>
+              </a:spcBef>
+              <a:spcAft>
+                <a:spcPct val="0"/>
+              </a:spcAft>
+              <a:defRPr sz="2400">
+                <a:solidFill>
+                  <a:srgbClr val="FF9900"/>
+                </a:solidFill>
+                <a:latin typeface="Times New Roman" pitchFamily="18" charset="0"/>
+                <a:cs typeface="Arial" pitchFamily="34" charset="0"/>
+              </a:defRPr>
+            </a:lvl9pPr>
+          </a:lstStyle>
+          <a:p>
+            <a:pPr algn="ctr">
+              <a:spcBef>
+                <a:spcPct val="0"/>
+              </a:spcBef>
+            </a:pPr>
+            <a:r>
+              <a:rPr lang="en-US" sz="4400" b="1" dirty="0">
+                <a:solidFill>
+                  <a:srgbClr val="000099"/>
+                </a:solidFill>
+                <a:latin typeface="Palatino Linotype" pitchFamily="18" charset="0"/>
+                <a:ea typeface="Cambria Math" pitchFamily="18" charset="0"/>
+                <a:cs typeface="+mj-cs"/>
+              </a:rPr>
+              <a:t>Standard Scores—Z scores</a:t>
+            </a:r>
+          </a:p>
+        </p:txBody>
+      </p:sp>
+    </p:spTree>
+    <p:extLst>
+      <p:ext uri="{BB962C8B-B14F-4D97-AF65-F5344CB8AC3E}">
+        <p14:creationId xmlns:p14="http://schemas.microsoft.com/office/powerpoint/2010/main" val="3289968504"/>
+      </p:ext>
+    </p:extLst>
+  </p:cSld>
+  <p:clrMapOvr>
+    <a:masterClrMapping/>
+  </p:clrMapOvr>
+  <p:transition/>
+  <p:timing>
+    <p:tnLst>
+      <p:par>
+        <p:cTn id="1" dur="indefinite" restart="never" nodeType="tmRoot">
+          <p:childTnLst>
+            <p:seq concurrent="1" nextAc="seek">
+              <p:cTn id="2" dur="indefinite" nodeType="mainSeq">
+                <p:childTnLst>
+                  <p:par>
+                    <p:cTn id="3" fill="hold" nodeType="clickPar">
+                      <p:stCondLst>
+                        <p:cond delay="indefinite"/>
+                      </p:stCondLst>
+                      <p:childTnLst>
+                        <p:par>
+                          <p:cTn id="4" fill="hold" nodeType="withGroup">
+                            <p:stCondLst>
+                              <p:cond delay="0"/>
+                            </p:stCondLst>
+                            <p:childTnLst>
+                              <p:par>
+                                <p:cTn id="5" presetID="29" presetClass="entr" presetSubtype="0" fill="hold" nodeType="clickEffect">
+                                  <p:stCondLst>
+                                    <p:cond delay="0"/>
+                                  </p:stCondLst>
+                                  <p:childTnLst>
+                                    <p:set>
+                                      <p:cBhvr>
+                                        <p:cTn id="6" dur="1" fill="hold">
+                                          <p:stCondLst>
+                                            <p:cond delay="0"/>
+                                          </p:stCondLst>
+                                        </p:cTn>
+                                        <p:tgtEl>
+                                          <p:spTgt spid="20482">
+                                            <p:txEl>
+                                              <p:pRg st="0" end="0"/>
+                                            </p:txEl>
+                                          </p:spTgt>
+                                        </p:tgtEl>
+                                        <p:attrNameLst>
+                                          <p:attrName>style.visibility</p:attrName>
+                                        </p:attrNameLst>
+                                      </p:cBhvr>
+                                      <p:to>
+                                        <p:strVal val="visible"/>
+                                      </p:to>
+                                    </p:set>
+                                    <p:anim calcmode="lin" valueType="num">
+                                      <p:cBhvr>
+                                        <p:cTn id="7" dur="1000" fill="hold"/>
+                                        <p:tgtEl>
+                                          <p:spTgt spid="20482">
+                                            <p:txEl>
+                                              <p:pRg st="0" end="0"/>
+                                            </p:txEl>
+                                          </p:spTgt>
+                                        </p:tgtEl>
+                                        <p:attrNameLst>
+                                          <p:attrName>ppt_x</p:attrName>
+                                        </p:attrNameLst>
+                                      </p:cBhvr>
+                                      <p:tavLst>
+                                        <p:tav tm="0">
+                                          <p:val>
+                                            <p:strVal val="#ppt_x-.2"/>
+                                          </p:val>
+                                        </p:tav>
+                                        <p:tav tm="100000">
+                                          <p:val>
+                                            <p:strVal val="#ppt_x"/>
+                                          </p:val>
+                                        </p:tav>
+                                      </p:tavLst>
+                                    </p:anim>
+                                    <p:anim calcmode="lin" valueType="num">
+                                      <p:cBhvr>
+                                        <p:cTn id="8" dur="1000" fill="hold"/>
+                                        <p:tgtEl>
+                                          <p:spTgt spid="20482">
+                                            <p:txEl>
+                                              <p:pRg st="0" end="0"/>
+                                            </p:txEl>
+                                          </p:spTgt>
+                                        </p:tgtEl>
+                                        <p:attrNameLst>
+                                          <p:attrName>ppt_y</p:attrName>
+                                        </p:attrNameLst>
+                                      </p:cBhvr>
+                                      <p:tavLst>
+                                        <p:tav tm="0">
+                                          <p:val>
+                                            <p:strVal val="#ppt_y"/>
+                                          </p:val>
+                                        </p:tav>
+                                        <p:tav tm="100000">
+                                          <p:val>
+                                            <p:strVal val="#ppt_y"/>
+                                          </p:val>
+                                        </p:tav>
+                                      </p:tavLst>
+                                    </p:anim>
+                                    <p:animEffect transition="in" filter="wipe(right)" prLst="gradientSize: 0.1">
+                                      <p:cBhvr>
+                                        <p:cTn id="9" dur="1000"/>
+                                        <p:tgtEl>
+                                          <p:spTgt spid="20482">
+                                            <p:txEl>
+                                              <p:pRg st="0" end="0"/>
+                                            </p:txEl>
+                                          </p:spTgt>
+                                        </p:tgtEl>
+                                      </p:cBhvr>
+                                    </p:animEffect>
+                                  </p:childTnLst>
+                                </p:cTn>
+                              </p:par>
+                            </p:childTnLst>
+                          </p:cTn>
+                        </p:par>
+                      </p:childTnLst>
+                    </p:cTn>
+                  </p:par>
+                  <p:par>
+                    <p:cTn id="10" fill="hold" nodeType="clickPar">
+                      <p:stCondLst>
+                        <p:cond delay="indefinite"/>
+                      </p:stCondLst>
+                      <p:childTnLst>
+                        <p:par>
+                          <p:cTn id="11" fill="hold" nodeType="withGroup">
+                            <p:stCondLst>
+                              <p:cond delay="0"/>
+                            </p:stCondLst>
+                            <p:childTnLst>
+                              <p:par>
+                                <p:cTn id="12" presetID="29" presetClass="entr" presetSubtype="0" fill="hold" nodeType="clickEffect">
+                                  <p:stCondLst>
+                                    <p:cond delay="0"/>
+                                  </p:stCondLst>
+                                  <p:childTnLst>
+                                    <p:set>
+                                      <p:cBhvr>
+                                        <p:cTn id="13" dur="1" fill="hold">
+                                          <p:stCondLst>
+                                            <p:cond delay="0"/>
+                                          </p:stCondLst>
+                                        </p:cTn>
+                                        <p:tgtEl>
+                                          <p:spTgt spid="20482">
+                                            <p:txEl>
+                                              <p:pRg st="6" end="6"/>
+                                            </p:txEl>
+                                          </p:spTgt>
+                                        </p:tgtEl>
+                                        <p:attrNameLst>
+                                          <p:attrName>style.visibility</p:attrName>
+                                        </p:attrNameLst>
+                                      </p:cBhvr>
+                                      <p:to>
+                                        <p:strVal val="visible"/>
+                                      </p:to>
+                                    </p:set>
+                                    <p:anim calcmode="lin" valueType="num">
+                                      <p:cBhvr>
+                                        <p:cTn id="14" dur="1000" fill="hold"/>
+                                        <p:tgtEl>
+                                          <p:spTgt spid="20482">
+                                            <p:txEl>
+                                              <p:pRg st="6" end="6"/>
+                                            </p:txEl>
+                                          </p:spTgt>
+                                        </p:tgtEl>
+                                        <p:attrNameLst>
+                                          <p:attrName>ppt_x</p:attrName>
+                                        </p:attrNameLst>
+                                      </p:cBhvr>
+                                      <p:tavLst>
+                                        <p:tav tm="0">
+                                          <p:val>
+                                            <p:strVal val="#ppt_x-.2"/>
+                                          </p:val>
+                                        </p:tav>
+                                        <p:tav tm="100000">
+                                          <p:val>
+                                            <p:strVal val="#ppt_x"/>
+                                          </p:val>
+                                        </p:tav>
+                                      </p:tavLst>
+                                    </p:anim>
+                                    <p:anim calcmode="lin" valueType="num">
+                                      <p:cBhvr>
+                                        <p:cTn id="15" dur="1000" fill="hold"/>
+                                        <p:tgtEl>
+                                          <p:spTgt spid="20482">
+                                            <p:txEl>
+                                              <p:pRg st="6" end="6"/>
+                                            </p:txEl>
+                                          </p:spTgt>
+                                        </p:tgtEl>
+                                        <p:attrNameLst>
+                                          <p:attrName>ppt_y</p:attrName>
+                                        </p:attrNameLst>
+                                      </p:cBhvr>
+                                      <p:tavLst>
+                                        <p:tav tm="0">
+                                          <p:val>
+                                            <p:strVal val="#ppt_y"/>
+                                          </p:val>
+                                        </p:tav>
+                                        <p:tav tm="100000">
+                                          <p:val>
+                                            <p:strVal val="#ppt_y"/>
+                                          </p:val>
+                                        </p:tav>
+                                      </p:tavLst>
+                                    </p:anim>
+                                    <p:animEffect transition="in" filter="wipe(right)" prLst="gradientSize: 0.1">
+                                      <p:cBhvr>
+                                        <p:cTn id="16" dur="1000"/>
+                                        <p:tgtEl>
+                                          <p:spTgt spid="20482">
+                                            <p:txEl>
+                                              <p:pRg st="6" end="6"/>
+                                            </p:txEl>
+                                          </p:spTgt>
+                                        </p:tgtEl>
+                                      </p:cBhvr>
+                                    </p:animEffect>
+                                  </p:childTnLst>
+                                </p:cTn>
+                              </p:par>
+                            </p:childTnLst>
+                          </p:cTn>
+                        </p:par>
+                      </p:childTnLst>
+                    </p:cTn>
+                  </p:par>
+                </p:childTnLst>
+              </p:cTn>
+              <p:prevCondLst>
+                <p:cond evt="onPrev" delay="0">
+                  <p:tgtEl>
+                    <p:sldTgt/>
+                  </p:tgtEl>
+                </p:cond>
+              </p:prevCondLst>
+              <p:nextCondLst>
+                <p:cond evt="onNext" delay="0">
+                  <p:tgtEl>
+                    <p:sldTgt/>
+                  </p:tgtEl>
+                </p:cond>
+              </p:nextCondLst>
+            </p:seq>
+          </p:childTnLst>
+        </p:cTn>
+      </p:par>
+    </p:tnLst>
+  </p:timing>
+</p:sld>
+</file>
+
+<file path=ppt/slides/slide43.xml><?xml version="1.0" encoding="utf-8"?>
+<p:sld xmlns:a="http://schemas.openxmlformats.org/drawingml/2006/main" xmlns:r="http://schemas.openxmlformats.org/officeDocument/2006/relationships" xmlns:p="http://schemas.openxmlformats.org/presentationml/2006/main">
+  <p:cSld>
+    <p:spTree>
+      <p:nvGrpSpPr>
+        <p:cNvPr id="1" name=""/>
+        <p:cNvGrpSpPr/>
+        <p:nvPr/>
+      </p:nvGrpSpPr>
+      <p:grpSpPr>
+        <a:xfrm>
+          <a:off x="0" y="0"/>
+          <a:ext cx="0" cy="0"/>
+          <a:chOff x="0" y="0"/>
+          <a:chExt cx="0" cy="0"/>
+        </a:xfrm>
+      </p:grpSpPr>
+      <p:sp>
+        <p:nvSpPr>
+          <p:cNvPr id="2" name="Title 1"/>
+          <p:cNvSpPr>
+            <a:spLocks noGrp="1"/>
+          </p:cNvSpPr>
+          <p:nvPr>
+            <p:ph type="title"/>
+          </p:nvPr>
+        </p:nvSpPr>
+        <p:spPr/>
+        <p:txBody>
+          <a:bodyPr>
+            <a:normAutofit/>
+          </a:bodyPr>
+          <a:lstStyle/>
+          <a:p>
+            <a:r>
+              <a:rPr lang="en-US" sz="4800" b="1" dirty="0">
+                <a:solidFill>
+                  <a:srgbClr val="000099"/>
+                </a:solidFill>
+                <a:latin typeface="Palatino Linotype" pitchFamily="18" charset="0"/>
+                <a:ea typeface="Cambria Math" pitchFamily="18" charset="0"/>
+              </a:rPr>
+              <a:t>Z-score: Standardization</a:t>
+            </a:r>
+          </a:p>
+        </p:txBody>
+      </p:sp>
+      <p:sp>
+        <p:nvSpPr>
+          <p:cNvPr id="3" name="Content Placeholder 2"/>
+          <p:cNvSpPr>
+            <a:spLocks noGrp="1"/>
+          </p:cNvSpPr>
+          <p:nvPr>
+            <p:ph idx="1"/>
+          </p:nvPr>
+        </p:nvSpPr>
+        <p:spPr/>
+        <p:txBody>
+          <a:bodyPr>
+            <a:normAutofit/>
+          </a:bodyPr>
+          <a:lstStyle/>
+          <a:p>
+            <a:r>
+              <a:rPr lang="en-US" sz="2800" dirty="0">
+                <a:latin typeface="Palatino Linotype" pitchFamily="18" charset="0"/>
+              </a:rPr>
+              <a:t>If you determine the difference between an individual score and the mean of a distribution, and then you divide the difference by the standard deviation of the distribution, then you get the so-called “z-score”.</a:t>
+            </a:r>
+          </a:p>
+        </p:txBody>
+      </p:sp>
+      <p:graphicFrame>
+        <p:nvGraphicFramePr>
+          <p:cNvPr id="4" name="Object 3"/>
+          <p:cNvGraphicFramePr>
+            <a:graphicFrameLocks noChangeAspect="1"/>
+          </p:cNvGraphicFramePr>
+          <p:nvPr>
+            <p:extLst>
+              <p:ext uri="{D42A27DB-BD31-4B8C-83A1-F6EECF244321}">
+                <p14:modId xmlns:p14="http://schemas.microsoft.com/office/powerpoint/2010/main" val="1475074815"/>
+              </p:ext>
+            </p:extLst>
+          </p:nvPr>
+        </p:nvGraphicFramePr>
+        <p:xfrm>
+          <a:off x="2249488" y="3978275"/>
+          <a:ext cx="3044825" cy="1076325"/>
+        </p:xfrm>
+        <a:graphic>
+          <a:graphicData uri="http://schemas.openxmlformats.org/presentationml/2006/ole">
+            <mc:AlternateContent xmlns:mc="http://schemas.openxmlformats.org/markup-compatibility/2006">
+              <mc:Choice xmlns:v="urn:schemas-microsoft-com:vml" Requires="v">
+                <p:oleObj spid="_x0000_s27769" name="Equation" r:id="rId4" imgW="1257120" imgH="444240" progId="Equation.DSMT4">
+                  <p:embed/>
+                </p:oleObj>
+              </mc:Choice>
+              <mc:Fallback>
+                <p:oleObj name="Equation" r:id="rId4" imgW="1257120" imgH="444240" progId="Equation.DSMT4">
+                  <p:embed/>
+                  <p:pic>
+                    <p:nvPicPr>
+                      <p:cNvPr id="0" name=""/>
+                      <p:cNvPicPr/>
+                      <p:nvPr/>
+                    </p:nvPicPr>
+                    <p:blipFill>
+                      <a:blip r:embed="rId5"/>
+                      <a:stretch>
+                        <a:fillRect/>
+                      </a:stretch>
+                    </p:blipFill>
+                    <p:spPr>
+                      <a:xfrm>
+                        <a:off x="2249488" y="3978275"/>
+                        <a:ext cx="3044825" cy="1076325"/>
+                      </a:xfrm>
+                      <a:prstGeom prst="rect">
+                        <a:avLst/>
+                      </a:prstGeom>
+                    </p:spPr>
+                  </p:pic>
+                </p:oleObj>
+              </mc:Fallback>
+            </mc:AlternateContent>
+          </a:graphicData>
+        </a:graphic>
+      </p:graphicFrame>
+      <p:sp>
+        <p:nvSpPr>
+          <p:cNvPr id="5" name="TextBox 4"/>
+          <p:cNvSpPr txBox="1"/>
+          <p:nvPr/>
+        </p:nvSpPr>
+        <p:spPr>
+          <a:xfrm>
+            <a:off x="838200" y="5334000"/>
+            <a:ext cx="7010400" cy="830997"/>
+          </a:xfrm>
+          <a:prstGeom prst="rect">
+            <a:avLst/>
+          </a:prstGeom>
+          <a:noFill/>
+        </p:spPr>
+        <p:txBody>
+          <a:bodyPr wrap="square" rtlCol="0">
+            <a:spAutoFit/>
+          </a:bodyPr>
+          <a:lstStyle/>
+          <a:p>
+            <a:r>
+              <a:rPr lang="en-US" sz="2400" dirty="0">
+                <a:solidFill>
+                  <a:srgbClr val="C00000"/>
+                </a:solidFill>
+                <a:latin typeface="Palatino Linotype" pitchFamily="18" charset="0"/>
+              </a:rPr>
+              <a:t>The distance the score is from the mean, expressed in standard deviation units.</a:t>
+            </a:r>
+          </a:p>
+        </p:txBody>
+      </p:sp>
+    </p:spTree>
+    <p:extLst>
+      <p:ext uri="{BB962C8B-B14F-4D97-AF65-F5344CB8AC3E}">
+        <p14:creationId xmlns:p14="http://schemas.microsoft.com/office/powerpoint/2010/main" val="3763872023"/>
+      </p:ext>
+    </p:extLst>
+  </p:cSld>
+  <p:clrMapOvr>
+    <a:masterClrMapping/>
+  </p:clrMapOvr>
+</p:sld>
+</file>
+
+<file path=ppt/slides/slide44.xml><?xml version="1.0" encoding="utf-8"?>
+<p:sld xmlns:a="http://schemas.openxmlformats.org/drawingml/2006/main" xmlns:r="http://schemas.openxmlformats.org/officeDocument/2006/relationships" xmlns:p="http://schemas.openxmlformats.org/presentationml/2006/main">
+  <p:cSld>
+    <p:spTree>
+      <p:nvGrpSpPr>
+        <p:cNvPr id="1" name=""/>
+        <p:cNvGrpSpPr/>
+        <p:nvPr/>
+      </p:nvGrpSpPr>
+      <p:grpSpPr>
+        <a:xfrm>
+          <a:off x="0" y="0"/>
+          <a:ext cx="0" cy="0"/>
+          <a:chOff x="0" y="0"/>
+          <a:chExt cx="0" cy="0"/>
+        </a:xfrm>
+      </p:grpSpPr>
+      <p:sp>
+        <p:nvSpPr>
           <p:cNvPr id="5126" name="Text Box 4"/>
           <p:cNvSpPr txBox="1">
             <a:spLocks noChangeArrowheads="1"/>
@@ -27099,7 +28126,7 @@
           <a:graphicData uri="http://schemas.openxmlformats.org/presentationml/2006/ole">
             <mc:AlternateContent xmlns:mc="http://schemas.openxmlformats.org/markup-compatibility/2006">
               <mc:Choice xmlns:v="urn:schemas-microsoft-com:vml" Requires="v">
-                <p:oleObj spid="_x0000_s28708" r:id="rId4" imgW="1040948" imgH="241195" progId="Equation.3">
+                <p:oleObj spid="_x0000_s28912" r:id="rId4" imgW="1040948" imgH="241195" progId="Equation.3">
                   <p:embed/>
                 </p:oleObj>
               </mc:Choice>
@@ -27210,7 +28237,7 @@
           <a:graphicData uri="http://schemas.openxmlformats.org/presentationml/2006/ole">
             <mc:AlternateContent xmlns:mc="http://schemas.openxmlformats.org/markup-compatibility/2006">
               <mc:Choice xmlns:v="urn:schemas-microsoft-com:vml" Requires="v">
-                <p:oleObj spid="_x0000_s28709" r:id="rId6" imgW="990170" imgH="241195" progId="Equation.3">
+                <p:oleObj spid="_x0000_s28913" r:id="rId6" imgW="990170" imgH="241195" progId="Equation.3">
                   <p:embed/>
                 </p:oleObj>
               </mc:Choice>
@@ -27524,7 +28551,7 @@
 </p:sld>
 </file>
 
-<file path=ppt/slides/slide41.xml><?xml version="1.0" encoding="utf-8"?>
+<file path=ppt/slides/slide45.xml><?xml version="1.0" encoding="utf-8"?>
 <p:sld xmlns:a="http://schemas.openxmlformats.org/drawingml/2006/main" xmlns:r="http://schemas.openxmlformats.org/officeDocument/2006/relationships" xmlns:p="http://schemas.openxmlformats.org/presentationml/2006/main">
   <p:cSld>
     <p:spTree>
@@ -28743,7 +29770,7 @@
 </p:sld>
 </file>
 
-<file path=ppt/slides/slide42.xml><?xml version="1.0" encoding="utf-8"?>
+<file path=ppt/slides/slide46.xml><?xml version="1.0" encoding="utf-8"?>
 <p:sld xmlns:a="http://schemas.openxmlformats.org/drawingml/2006/main" xmlns:r="http://schemas.openxmlformats.org/officeDocument/2006/relationships" xmlns:p="http://schemas.openxmlformats.org/presentationml/2006/main">
   <p:cSld>
     <p:spTree>
@@ -29568,7 +30595,7 @@
 </p:sld>
 </file>
 
-<file path=ppt/slides/slide43.xml><?xml version="1.0" encoding="utf-8"?>
+<file path=ppt/slides/slide47.xml><?xml version="1.0" encoding="utf-8"?>
 <p:sld xmlns:a="http://schemas.openxmlformats.org/drawingml/2006/main" xmlns:r="http://schemas.openxmlformats.org/officeDocument/2006/relationships" xmlns:p="http://schemas.openxmlformats.org/presentationml/2006/main">
   <p:cSld>
     <p:spTree>
@@ -29781,7 +30808,7 @@
 </p:sld>
 </file>
 
-<file path=ppt/slides/slide44.xml><?xml version="1.0" encoding="utf-8"?>
+<file path=ppt/slides/slide48.xml><?xml version="1.0" encoding="utf-8"?>
 <p:sld xmlns:a="http://schemas.openxmlformats.org/drawingml/2006/main" xmlns:r="http://schemas.openxmlformats.org/officeDocument/2006/relationships" xmlns:p="http://schemas.openxmlformats.org/presentationml/2006/main">
   <p:cSld>
     <p:spTree>
@@ -29893,7 +30920,7 @@
 </p:sld>
 </file>
 
-<file path=ppt/slides/slide45.xml><?xml version="1.0" encoding="utf-8"?>
+<file path=ppt/slides/slide49.xml><?xml version="1.0" encoding="utf-8"?>
 <p:sld xmlns:a="http://schemas.openxmlformats.org/drawingml/2006/main" xmlns:r="http://schemas.openxmlformats.org/officeDocument/2006/relationships" xmlns:p="http://schemas.openxmlformats.org/presentationml/2006/main">
   <p:cSld>
     <p:spTree>
@@ -29976,205 +31003,6 @@
     <p:extLst>
       <p:ext uri="{BB962C8B-B14F-4D97-AF65-F5344CB8AC3E}">
         <p14:creationId xmlns:p14="http://schemas.microsoft.com/office/powerpoint/2010/main" val="2963818501"/>
-      </p:ext>
-    </p:extLst>
-  </p:cSld>
-  <p:clrMapOvr>
-    <a:masterClrMapping/>
-  </p:clrMapOvr>
-</p:sld>
-</file>
-
-<file path=ppt/slides/slide46.xml><?xml version="1.0" encoding="utf-8"?>
-<p:sld xmlns:a="http://schemas.openxmlformats.org/drawingml/2006/main" xmlns:r="http://schemas.openxmlformats.org/officeDocument/2006/relationships" xmlns:p="http://schemas.openxmlformats.org/presentationml/2006/main">
-  <p:cSld>
-    <p:spTree>
-      <p:nvGrpSpPr>
-        <p:cNvPr id="1" name=""/>
-        <p:cNvGrpSpPr/>
-        <p:nvPr/>
-      </p:nvGrpSpPr>
-      <p:grpSpPr>
-        <a:xfrm>
-          <a:off x="0" y="0"/>
-          <a:ext cx="0" cy="0"/>
-          <a:chOff x="0" y="0"/>
-          <a:chExt cx="0" cy="0"/>
-        </a:xfrm>
-      </p:grpSpPr>
-      <p:sp>
-        <p:nvSpPr>
-          <p:cNvPr id="2" name="Title 1"/>
-          <p:cNvSpPr>
-            <a:spLocks noGrp="1"/>
-          </p:cNvSpPr>
-          <p:nvPr>
-            <p:ph type="title"/>
-          </p:nvPr>
-        </p:nvSpPr>
-        <p:spPr/>
-        <p:txBody>
-          <a:bodyPr>
-            <a:noAutofit/>
-          </a:bodyPr>
-          <a:lstStyle/>
-          <a:p>
-            <a:r>
-              <a:rPr lang="en-US" sz="3600" b="1" dirty="0">
-                <a:solidFill>
-                  <a:srgbClr val="000099"/>
-                </a:solidFill>
-                <a:latin typeface="Palatino Linotype" pitchFamily="18" charset="0"/>
-                <a:ea typeface="Cambria Math" pitchFamily="18" charset="0"/>
-              </a:rPr>
-              <a:t>Table of Areas Under the Normal Curve</a:t>
-            </a:r>
-          </a:p>
-        </p:txBody>
-      </p:sp>
-      <p:sp>
-        <p:nvSpPr>
-          <p:cNvPr id="3" name="Content Placeholder 2"/>
-          <p:cNvSpPr>
-            <a:spLocks noGrp="1"/>
-          </p:cNvSpPr>
-          <p:nvPr>
-            <p:ph idx="1"/>
-          </p:nvPr>
-        </p:nvSpPr>
-        <p:spPr/>
-        <p:txBody>
-          <a:bodyPr>
-            <a:normAutofit/>
-          </a:bodyPr>
-          <a:lstStyle/>
-          <a:p>
-            <a:r>
-              <a:rPr lang="en-US" sz="2800" dirty="0">
-                <a:latin typeface="Palatino Linotype" pitchFamily="18" charset="0"/>
-              </a:rPr>
-              <a:t>This table expands our knowledge from 1-2-3 rule.</a:t>
-            </a:r>
-          </a:p>
-          <a:p>
-            <a:pPr lvl="1"/>
-            <a:r>
-              <a:rPr lang="en-US" sz="2400" dirty="0">
-                <a:latin typeface="Palatino Linotype" pitchFamily="18" charset="0"/>
-              </a:rPr>
-              <a:t>What about the areas under the curve that fall, let’s say, between the mean and 1.25 standard deviations above the mean?</a:t>
-            </a:r>
-          </a:p>
-        </p:txBody>
-      </p:sp>
-    </p:spTree>
-    <p:extLst>
-      <p:ext uri="{BB962C8B-B14F-4D97-AF65-F5344CB8AC3E}">
-        <p14:creationId xmlns:p14="http://schemas.microsoft.com/office/powerpoint/2010/main" val="1851070924"/>
-      </p:ext>
-    </p:extLst>
-  </p:cSld>
-  <p:clrMapOvr>
-    <a:masterClrMapping/>
-  </p:clrMapOvr>
-</p:sld>
-</file>
-
-<file path=ppt/slides/slide47.xml><?xml version="1.0" encoding="utf-8"?>
-<p:sld xmlns:a="http://schemas.openxmlformats.org/drawingml/2006/main" xmlns:r="http://schemas.openxmlformats.org/officeDocument/2006/relationships" xmlns:p="http://schemas.openxmlformats.org/presentationml/2006/main">
-  <p:cSld>
-    <p:spTree>
-      <p:nvGrpSpPr>
-        <p:cNvPr id="1" name=""/>
-        <p:cNvGrpSpPr/>
-        <p:nvPr/>
-      </p:nvGrpSpPr>
-      <p:grpSpPr>
-        <a:xfrm>
-          <a:off x="0" y="0"/>
-          <a:ext cx="0" cy="0"/>
-          <a:chOff x="0" y="0"/>
-          <a:chExt cx="0" cy="0"/>
-        </a:xfrm>
-      </p:grpSpPr>
-      <p:sp>
-        <p:nvSpPr>
-          <p:cNvPr id="2" name="Title 1"/>
-          <p:cNvSpPr>
-            <a:spLocks noGrp="1"/>
-          </p:cNvSpPr>
-          <p:nvPr>
-            <p:ph type="title"/>
-          </p:nvPr>
-        </p:nvSpPr>
-        <p:spPr/>
-        <p:txBody>
-          <a:bodyPr/>
-          <a:lstStyle/>
-          <a:p>
-            <a:r>
-              <a:rPr lang="en-US" b="1" dirty="0">
-                <a:solidFill>
-                  <a:srgbClr val="000099"/>
-                </a:solidFill>
-                <a:latin typeface="Palatino Linotype" pitchFamily="18" charset="0"/>
-                <a:ea typeface="Cambria Math" pitchFamily="18" charset="0"/>
-              </a:rPr>
-              <a:t>In-class exercise</a:t>
-            </a:r>
-            <a:endParaRPr lang="en-US" dirty="0"/>
-          </a:p>
-        </p:txBody>
-      </p:sp>
-      <p:sp>
-        <p:nvSpPr>
-          <p:cNvPr id="3" name="Content Placeholder 2"/>
-          <p:cNvSpPr>
-            <a:spLocks noGrp="1"/>
-          </p:cNvSpPr>
-          <p:nvPr>
-            <p:ph idx="1"/>
-          </p:nvPr>
-        </p:nvSpPr>
-        <p:spPr/>
-        <p:txBody>
-          <a:bodyPr/>
-          <a:lstStyle/>
-          <a:p>
-            <a:r>
-              <a:rPr lang="en-US" dirty="0">
-                <a:latin typeface="Palatino Linotype" pitchFamily="18" charset="0"/>
-              </a:rPr>
-              <a:t>In a normal distribution with µ = 100 and σ = 10, what proportion of scores fall between each of the following pairs of scores?</a:t>
-            </a:r>
-          </a:p>
-          <a:p>
-            <a:pPr lvl="1"/>
-            <a:r>
-              <a:rPr lang="en-US" dirty="0">
-                <a:latin typeface="Palatino Linotype" pitchFamily="18" charset="0"/>
-              </a:rPr>
-              <a:t>90 – 110</a:t>
-            </a:r>
-          </a:p>
-          <a:p>
-            <a:pPr lvl="1"/>
-            <a:r>
-              <a:rPr lang="en-US" dirty="0">
-                <a:latin typeface="Palatino Linotype" pitchFamily="18" charset="0"/>
-              </a:rPr>
-              <a:t>85 – 112</a:t>
-            </a:r>
-          </a:p>
-          <a:p>
-            <a:endParaRPr lang="en-US" dirty="0"/>
-          </a:p>
-        </p:txBody>
-      </p:sp>
-    </p:spTree>
-    <p:extLst>
-      <p:ext uri="{BB962C8B-B14F-4D97-AF65-F5344CB8AC3E}">
-        <p14:creationId xmlns:p14="http://schemas.microsoft.com/office/powerpoint/2010/main" val="1229379986"/>
       </p:ext>
     </p:extLst>
   </p:cSld>
@@ -30627,6 +31455,1386 @@
     <a:masterClrMapping/>
   </p:clrMapOvr>
   <p:transition/>
+</p:sld>
+</file>
+
+<file path=ppt/slides/slide50.xml><?xml version="1.0" encoding="utf-8"?>
+<p:sld xmlns:a="http://schemas.openxmlformats.org/drawingml/2006/main" xmlns:r="http://schemas.openxmlformats.org/officeDocument/2006/relationships" xmlns:p="http://schemas.openxmlformats.org/presentationml/2006/main">
+  <p:cSld>
+    <p:spTree>
+      <p:nvGrpSpPr>
+        <p:cNvPr id="1" name=""/>
+        <p:cNvGrpSpPr/>
+        <p:nvPr/>
+      </p:nvGrpSpPr>
+      <p:grpSpPr>
+        <a:xfrm>
+          <a:off x="0" y="0"/>
+          <a:ext cx="0" cy="0"/>
+          <a:chOff x="0" y="0"/>
+          <a:chExt cx="0" cy="0"/>
+        </a:xfrm>
+      </p:grpSpPr>
+      <p:sp>
+        <p:nvSpPr>
+          <p:cNvPr id="2" name="Title 1"/>
+          <p:cNvSpPr>
+            <a:spLocks noGrp="1"/>
+          </p:cNvSpPr>
+          <p:nvPr>
+            <p:ph type="title"/>
+          </p:nvPr>
+        </p:nvSpPr>
+        <p:spPr/>
+        <p:txBody>
+          <a:bodyPr>
+            <a:noAutofit/>
+          </a:bodyPr>
+          <a:lstStyle/>
+          <a:p>
+            <a:r>
+              <a:rPr lang="en-US" sz="3600" b="1" dirty="0">
+                <a:solidFill>
+                  <a:srgbClr val="000099"/>
+                </a:solidFill>
+                <a:latin typeface="Palatino Linotype" pitchFamily="18" charset="0"/>
+                <a:ea typeface="Cambria Math" pitchFamily="18" charset="0"/>
+              </a:rPr>
+              <a:t>Table of Areas Under the Normal Curve</a:t>
+            </a:r>
+          </a:p>
+        </p:txBody>
+      </p:sp>
+      <p:sp>
+        <p:nvSpPr>
+          <p:cNvPr id="3" name="Content Placeholder 2"/>
+          <p:cNvSpPr>
+            <a:spLocks noGrp="1"/>
+          </p:cNvSpPr>
+          <p:nvPr>
+            <p:ph idx="1"/>
+          </p:nvPr>
+        </p:nvSpPr>
+        <p:spPr/>
+        <p:txBody>
+          <a:bodyPr>
+            <a:normAutofit/>
+          </a:bodyPr>
+          <a:lstStyle/>
+          <a:p>
+            <a:r>
+              <a:rPr lang="en-US" sz="2800" dirty="0">
+                <a:latin typeface="Palatino Linotype" pitchFamily="18" charset="0"/>
+              </a:rPr>
+              <a:t>This table expands our knowledge from 1-2-3 rule.</a:t>
+            </a:r>
+          </a:p>
+          <a:p>
+            <a:pPr lvl="1"/>
+            <a:r>
+              <a:rPr lang="en-US" sz="2400" dirty="0">
+                <a:latin typeface="Palatino Linotype" pitchFamily="18" charset="0"/>
+              </a:rPr>
+              <a:t>What about the areas under the curve that fall, let’s say, between the mean and 1.25 standard deviations above the mean?</a:t>
+            </a:r>
+          </a:p>
+        </p:txBody>
+      </p:sp>
+    </p:spTree>
+    <p:extLst>
+      <p:ext uri="{BB962C8B-B14F-4D97-AF65-F5344CB8AC3E}">
+        <p14:creationId xmlns:p14="http://schemas.microsoft.com/office/powerpoint/2010/main" val="1851070924"/>
+      </p:ext>
+    </p:extLst>
+  </p:cSld>
+  <p:clrMapOvr>
+    <a:masterClrMapping/>
+  </p:clrMapOvr>
+</p:sld>
+</file>
+
+<file path=ppt/slides/slide51.xml><?xml version="1.0" encoding="utf-8"?>
+<p:sld xmlns:a="http://schemas.openxmlformats.org/drawingml/2006/main" xmlns:r="http://schemas.openxmlformats.org/officeDocument/2006/relationships" xmlns:p="http://schemas.openxmlformats.org/presentationml/2006/main">
+  <p:cSld>
+    <p:spTree>
+      <p:nvGrpSpPr>
+        <p:cNvPr id="1" name=""/>
+        <p:cNvGrpSpPr/>
+        <p:nvPr/>
+      </p:nvGrpSpPr>
+      <p:grpSpPr>
+        <a:xfrm>
+          <a:off x="0" y="0"/>
+          <a:ext cx="0" cy="0"/>
+          <a:chOff x="0" y="0"/>
+          <a:chExt cx="0" cy="0"/>
+        </a:xfrm>
+      </p:grpSpPr>
+      <p:sp>
+        <p:nvSpPr>
+          <p:cNvPr id="2" name="Title 1"/>
+          <p:cNvSpPr>
+            <a:spLocks noGrp="1"/>
+          </p:cNvSpPr>
+          <p:nvPr>
+            <p:ph type="title"/>
+          </p:nvPr>
+        </p:nvSpPr>
+        <p:spPr/>
+        <p:txBody>
+          <a:bodyPr>
+            <a:noAutofit/>
+          </a:bodyPr>
+          <a:lstStyle/>
+          <a:p>
+            <a:r>
+              <a:rPr lang="en-US" sz="3600" b="1" dirty="0">
+                <a:solidFill>
+                  <a:srgbClr val="000099"/>
+                </a:solidFill>
+                <a:latin typeface="Palatino Linotype" pitchFamily="18" charset="0"/>
+                <a:ea typeface="Cambria Math" pitchFamily="18" charset="0"/>
+              </a:rPr>
+              <a:t>Table of Areas Under the Normal Curve</a:t>
+            </a:r>
+          </a:p>
+        </p:txBody>
+      </p:sp>
+      <p:pic>
+        <p:nvPicPr>
+          <p:cNvPr id="7" name="Picture 6">
+            <a:extLst>
+              <a:ext uri="{FF2B5EF4-FFF2-40B4-BE49-F238E27FC236}">
+                <a16:creationId xmlns:a16="http://schemas.microsoft.com/office/drawing/2014/main" id="{8DD6C003-BB2D-E54F-86A4-89EAAFC33F49}"/>
+              </a:ext>
+            </a:extLst>
+          </p:cNvPr>
+          <p:cNvPicPr>
+            <a:picLocks noChangeAspect="1"/>
+          </p:cNvPicPr>
+          <p:nvPr/>
+        </p:nvPicPr>
+        <p:blipFill>
+          <a:blip r:embed="rId2">
+            <a:extLst>
+              <a:ext uri="{28A0092B-C50C-407E-A947-70E740481C1C}">
+                <a14:useLocalDpi xmlns:a14="http://schemas.microsoft.com/office/drawing/2010/main" val="0"/>
+              </a:ext>
+            </a:extLst>
+          </a:blip>
+          <a:stretch>
+            <a:fillRect/>
+          </a:stretch>
+        </p:blipFill>
+        <p:spPr>
+          <a:xfrm>
+            <a:off x="1593850" y="1600200"/>
+            <a:ext cx="5956300" cy="4927600"/>
+          </a:xfrm>
+          <a:prstGeom prst="rect">
+            <a:avLst/>
+          </a:prstGeom>
+        </p:spPr>
+      </p:pic>
+    </p:spTree>
+    <p:extLst>
+      <p:ext uri="{BB962C8B-B14F-4D97-AF65-F5344CB8AC3E}">
+        <p14:creationId xmlns:p14="http://schemas.microsoft.com/office/powerpoint/2010/main" val="4259302790"/>
+      </p:ext>
+    </p:extLst>
+  </p:cSld>
+  <p:clrMapOvr>
+    <a:masterClrMapping/>
+  </p:clrMapOvr>
+</p:sld>
+</file>
+
+<file path=ppt/slides/slide52.xml><?xml version="1.0" encoding="utf-8"?>
+<p:sld xmlns:a="http://schemas.openxmlformats.org/drawingml/2006/main" xmlns:r="http://schemas.openxmlformats.org/officeDocument/2006/relationships" xmlns:p="http://schemas.openxmlformats.org/presentationml/2006/main">
+  <p:cSld>
+    <p:spTree>
+      <p:nvGrpSpPr>
+        <p:cNvPr id="1" name=""/>
+        <p:cNvGrpSpPr/>
+        <p:nvPr/>
+      </p:nvGrpSpPr>
+      <p:grpSpPr>
+        <a:xfrm>
+          <a:off x="0" y="0"/>
+          <a:ext cx="0" cy="0"/>
+          <a:chOff x="0" y="0"/>
+          <a:chExt cx="0" cy="0"/>
+        </a:xfrm>
+      </p:grpSpPr>
+      <p:sp>
+        <p:nvSpPr>
+          <p:cNvPr id="2" name="Title 1">
+            <a:extLst>
+              <a:ext uri="{FF2B5EF4-FFF2-40B4-BE49-F238E27FC236}">
+                <a16:creationId xmlns:a16="http://schemas.microsoft.com/office/drawing/2014/main" id="{661E8284-6BD0-F642-B025-909098734294}"/>
+              </a:ext>
+            </a:extLst>
+          </p:cNvPr>
+          <p:cNvSpPr>
+            <a:spLocks noGrp="1"/>
+          </p:cNvSpPr>
+          <p:nvPr>
+            <p:ph type="title"/>
+          </p:nvPr>
+        </p:nvSpPr>
+        <p:spPr/>
+        <p:txBody>
+          <a:bodyPr/>
+          <a:lstStyle/>
+          <a:p>
+            <a:r>
+              <a:rPr lang="en-US" b="1" dirty="0"/>
+              <a:t>probability </a:t>
+            </a:r>
+            <a:r>
+              <a:rPr lang="en-US" b="1" i="1" dirty="0"/>
+              <a:t>Q</a:t>
+            </a:r>
+            <a:r>
+              <a:rPr lang="zh-Hans" altLang="en-US" b="1" i="1" dirty="0"/>
+              <a:t> </a:t>
+            </a:r>
+            <a:r>
+              <a:rPr lang="en-US" altLang="zh-Hans" b="1" i="1" dirty="0"/>
+              <a:t>and</a:t>
+            </a:r>
+            <a:r>
+              <a:rPr lang="zh-Hans" altLang="en-US" b="1" i="1" dirty="0"/>
+              <a:t> </a:t>
+            </a:r>
+            <a:r>
+              <a:rPr lang="en-US" altLang="zh-Hans" b="1" i="1" dirty="0"/>
+              <a:t>Z</a:t>
+            </a:r>
+            <a:r>
+              <a:rPr lang="zh-Hans" altLang="en-US" b="1" i="1" dirty="0"/>
+              <a:t> </a:t>
+            </a:r>
+            <a:r>
+              <a:rPr lang="en-US" altLang="zh-Hans" b="1" i="1" dirty="0"/>
+              <a:t>score</a:t>
+            </a:r>
+            <a:endParaRPr lang="en-US" dirty="0"/>
+          </a:p>
+        </p:txBody>
+      </p:sp>
+      <p:sp>
+        <p:nvSpPr>
+          <p:cNvPr id="3" name="Content Placeholder 2">
+            <a:extLst>
+              <a:ext uri="{FF2B5EF4-FFF2-40B4-BE49-F238E27FC236}">
+                <a16:creationId xmlns:a16="http://schemas.microsoft.com/office/drawing/2014/main" id="{BD289329-6D94-1042-BCB1-108F36E4E00E}"/>
+              </a:ext>
+            </a:extLst>
+          </p:cNvPr>
+          <p:cNvSpPr>
+            <a:spLocks noGrp="1"/>
+          </p:cNvSpPr>
+          <p:nvPr>
+            <p:ph idx="1"/>
+          </p:nvPr>
+        </p:nvSpPr>
+        <p:spPr/>
+        <p:txBody>
+          <a:bodyPr/>
+          <a:lstStyle/>
+          <a:p>
+            <a:r>
+              <a:rPr lang="en-US" b="1" dirty="0"/>
+              <a:t>Calculate probability </a:t>
+            </a:r>
+            <a:r>
+              <a:rPr lang="en-US" b="1" i="1" dirty="0"/>
+              <a:t>Q</a:t>
+            </a:r>
+            <a:r>
+              <a:rPr lang="en-US" b="1" dirty="0"/>
+              <a:t> from </a:t>
+            </a:r>
+            <a:r>
+              <a:rPr lang="en-US" b="1" i="1" dirty="0"/>
+              <a:t>z</a:t>
+            </a:r>
+            <a:endParaRPr lang="en-US" b="1" dirty="0"/>
+          </a:p>
+          <a:p>
+            <a:r>
+              <a:rPr lang="en-US" b="1" dirty="0"/>
+              <a:t>Calculate </a:t>
+            </a:r>
+            <a:r>
+              <a:rPr lang="en-US" b="1" i="1" dirty="0"/>
+              <a:t>z</a:t>
+            </a:r>
+            <a:r>
+              <a:rPr lang="en-US" b="1" dirty="0"/>
+              <a:t> from probability </a:t>
+            </a:r>
+            <a:r>
+              <a:rPr lang="en-US" b="1" i="1" dirty="0"/>
+              <a:t>Q</a:t>
+            </a:r>
+            <a:endParaRPr lang="en-US" b="1" dirty="0"/>
+          </a:p>
+          <a:p>
+            <a:pPr marL="0" indent="0">
+              <a:buNone/>
+            </a:pPr>
+            <a:br>
+              <a:rPr lang="en-US" dirty="0"/>
+            </a:br>
+            <a:r>
+              <a:rPr lang="en-US" dirty="0">
+                <a:hlinkClick r:id="rId2"/>
+              </a:rPr>
+              <a:t>https://www.fourmilab.ch/rpkp/experiments/analysis/zCalc.html</a:t>
+            </a:r>
+            <a:endParaRPr lang="en-US" dirty="0"/>
+          </a:p>
+          <a:p>
+            <a:endParaRPr lang="en-US" dirty="0"/>
+          </a:p>
+        </p:txBody>
+      </p:sp>
+      <p:sp>
+        <p:nvSpPr>
+          <p:cNvPr id="4" name="Slide Number Placeholder 3">
+            <a:extLst>
+              <a:ext uri="{FF2B5EF4-FFF2-40B4-BE49-F238E27FC236}">
+                <a16:creationId xmlns:a16="http://schemas.microsoft.com/office/drawing/2014/main" id="{AE83032B-C715-904B-8732-FF3123AA238F}"/>
+              </a:ext>
+            </a:extLst>
+          </p:cNvPr>
+          <p:cNvSpPr>
+            <a:spLocks noGrp="1"/>
+          </p:cNvSpPr>
+          <p:nvPr>
+            <p:ph type="sldNum" sz="quarter" idx="12"/>
+          </p:nvPr>
+        </p:nvSpPr>
+        <p:spPr/>
+        <p:txBody>
+          <a:bodyPr/>
+          <a:lstStyle/>
+          <a:p>
+            <a:fld id="{916FD222-E0FD-459C-9D88-B0CFF0D9A662}" type="slidenum">
+              <a:rPr lang="en-US" smtClean="0"/>
+              <a:t>52</a:t>
+            </a:fld>
+            <a:endParaRPr lang="en-US"/>
+          </a:p>
+        </p:txBody>
+      </p:sp>
+    </p:spTree>
+    <p:extLst>
+      <p:ext uri="{BB962C8B-B14F-4D97-AF65-F5344CB8AC3E}">
+        <p14:creationId xmlns:p14="http://schemas.microsoft.com/office/powerpoint/2010/main" val="3196495163"/>
+      </p:ext>
+    </p:extLst>
+  </p:cSld>
+  <p:clrMapOvr>
+    <a:masterClrMapping/>
+  </p:clrMapOvr>
+</p:sld>
+</file>
+
+<file path=ppt/slides/slide53.xml><?xml version="1.0" encoding="utf-8"?>
+<p:sld xmlns:a="http://schemas.openxmlformats.org/drawingml/2006/main" xmlns:r="http://schemas.openxmlformats.org/officeDocument/2006/relationships" xmlns:p="http://schemas.openxmlformats.org/presentationml/2006/main">
+  <p:cSld>
+    <p:spTree>
+      <p:nvGrpSpPr>
+        <p:cNvPr id="1" name=""/>
+        <p:cNvGrpSpPr/>
+        <p:nvPr/>
+      </p:nvGrpSpPr>
+      <p:grpSpPr>
+        <a:xfrm>
+          <a:off x="0" y="0"/>
+          <a:ext cx="0" cy="0"/>
+          <a:chOff x="0" y="0"/>
+          <a:chExt cx="0" cy="0"/>
+        </a:xfrm>
+      </p:grpSpPr>
+      <p:sp>
+        <p:nvSpPr>
+          <p:cNvPr id="2" name="Title 1">
+            <a:extLst>
+              <a:ext uri="{FF2B5EF4-FFF2-40B4-BE49-F238E27FC236}">
+                <a16:creationId xmlns:a16="http://schemas.microsoft.com/office/drawing/2014/main" id="{661E8284-6BD0-F642-B025-909098734294}"/>
+              </a:ext>
+            </a:extLst>
+          </p:cNvPr>
+          <p:cNvSpPr>
+            <a:spLocks noGrp="1"/>
+          </p:cNvSpPr>
+          <p:nvPr>
+            <p:ph type="title"/>
+          </p:nvPr>
+        </p:nvSpPr>
+        <p:spPr/>
+        <p:txBody>
+          <a:bodyPr/>
+          <a:lstStyle/>
+          <a:p>
+            <a:r>
+              <a:rPr lang="en-US" b="1" dirty="0"/>
+              <a:t>probability </a:t>
+            </a:r>
+            <a:r>
+              <a:rPr lang="en-US" b="1" i="1" dirty="0"/>
+              <a:t>Q</a:t>
+            </a:r>
+            <a:r>
+              <a:rPr lang="zh-Hans" altLang="en-US" b="1" i="1" dirty="0"/>
+              <a:t> </a:t>
+            </a:r>
+            <a:r>
+              <a:rPr lang="en-US" altLang="zh-Hans" b="1" i="1" dirty="0"/>
+              <a:t>and</a:t>
+            </a:r>
+            <a:r>
+              <a:rPr lang="zh-Hans" altLang="en-US" b="1" i="1" dirty="0"/>
+              <a:t> </a:t>
+            </a:r>
+            <a:r>
+              <a:rPr lang="en-US" altLang="zh-Hans" b="1" i="1" dirty="0"/>
+              <a:t>Z</a:t>
+            </a:r>
+            <a:r>
+              <a:rPr lang="zh-Hans" altLang="en-US" b="1" i="1" dirty="0"/>
+              <a:t> </a:t>
+            </a:r>
+            <a:r>
+              <a:rPr lang="en-US" altLang="zh-Hans" b="1" i="1" dirty="0"/>
+              <a:t>score</a:t>
+            </a:r>
+            <a:endParaRPr lang="en-US" dirty="0"/>
+          </a:p>
+        </p:txBody>
+      </p:sp>
+      <p:sp>
+        <p:nvSpPr>
+          <p:cNvPr id="3" name="Content Placeholder 2">
+            <a:extLst>
+              <a:ext uri="{FF2B5EF4-FFF2-40B4-BE49-F238E27FC236}">
+                <a16:creationId xmlns:a16="http://schemas.microsoft.com/office/drawing/2014/main" id="{BD289329-6D94-1042-BCB1-108F36E4E00E}"/>
+              </a:ext>
+            </a:extLst>
+          </p:cNvPr>
+          <p:cNvSpPr>
+            <a:spLocks noGrp="1"/>
+          </p:cNvSpPr>
+          <p:nvPr>
+            <p:ph idx="1"/>
+          </p:nvPr>
+        </p:nvSpPr>
+        <p:spPr/>
+        <p:txBody>
+          <a:bodyPr/>
+          <a:lstStyle/>
+          <a:p>
+            <a:r>
+              <a:rPr lang="en-US" b="1" dirty="0"/>
+              <a:t>Calculate probability </a:t>
+            </a:r>
+            <a:r>
+              <a:rPr lang="en-US" b="1" i="1" dirty="0"/>
+              <a:t>Q</a:t>
+            </a:r>
+            <a:r>
+              <a:rPr lang="en-US" b="1" dirty="0"/>
+              <a:t> from </a:t>
+            </a:r>
+            <a:r>
+              <a:rPr lang="en-US" b="1" i="1" dirty="0"/>
+              <a:t>z</a:t>
+            </a:r>
+            <a:r>
+              <a:rPr lang="zh-Hans" altLang="en-US" b="1" i="1" dirty="0"/>
+              <a:t> </a:t>
+            </a:r>
+            <a:r>
+              <a:rPr lang="en-US" altLang="zh-Hans" b="1" i="1" dirty="0"/>
+              <a:t>using</a:t>
+            </a:r>
+            <a:r>
+              <a:rPr lang="zh-Hans" altLang="en-US" b="1" i="1" dirty="0"/>
+              <a:t> </a:t>
+            </a:r>
+            <a:r>
+              <a:rPr lang="en-US" altLang="zh-Hans" b="1" i="1" dirty="0"/>
+              <a:t>R</a:t>
+            </a:r>
+            <a:r>
+              <a:rPr lang="zh-Hans" altLang="en-US" b="1" i="1" dirty="0"/>
+              <a:t> </a:t>
+            </a:r>
+            <a:r>
+              <a:rPr lang="en-US" altLang="zh-Hans" b="1" i="1" dirty="0"/>
+              <a:t>code</a:t>
+            </a:r>
+            <a:endParaRPr lang="en-US" b="1" dirty="0"/>
+          </a:p>
+          <a:p>
+            <a:pPr marL="0" indent="0">
+              <a:buNone/>
+            </a:pPr>
+            <a:r>
+              <a:rPr lang="en-US" altLang="zh-Hans" dirty="0" err="1"/>
+              <a:t>pnorm</a:t>
+            </a:r>
+            <a:r>
+              <a:rPr lang="en-US" altLang="zh-Hans" dirty="0"/>
+              <a:t>(1.35)</a:t>
+            </a:r>
+            <a:r>
+              <a:rPr lang="zh-Hans" altLang="en-US" dirty="0"/>
+              <a:t> </a:t>
+            </a:r>
+            <a:r>
+              <a:rPr lang="en-US" altLang="zh-Hans" dirty="0"/>
+              <a:t>= 0.911492</a:t>
+            </a:r>
+          </a:p>
+          <a:p>
+            <a:pPr marL="0" indent="0">
+              <a:buNone/>
+            </a:pPr>
+            <a:r>
+              <a:rPr lang="en-US" altLang="zh-Hans" dirty="0"/>
+              <a:t>1-pnorm(1.35)</a:t>
+            </a:r>
+            <a:r>
+              <a:rPr lang="zh-Hans" altLang="en-US" dirty="0"/>
+              <a:t> </a:t>
+            </a:r>
+            <a:r>
+              <a:rPr lang="en-US" altLang="zh-Hans" dirty="0"/>
+              <a:t>=</a:t>
+            </a:r>
+            <a:r>
+              <a:rPr lang="zh-Hans" altLang="en-US" dirty="0"/>
+              <a:t> </a:t>
+            </a:r>
+            <a:r>
+              <a:rPr lang="en-US" altLang="zh-Hans" dirty="0"/>
+              <a:t>0.08850799</a:t>
+            </a:r>
+            <a:br>
+              <a:rPr lang="en-US" dirty="0"/>
+            </a:br>
+            <a:r>
+              <a:rPr lang="en-US" dirty="0">
+                <a:hlinkClick r:id="rId2"/>
+              </a:rPr>
+              <a:t>http://stats.seandolinar.com/calculating-z-scores-with-r/</a:t>
+            </a:r>
+            <a:endParaRPr lang="en-US" dirty="0"/>
+          </a:p>
+          <a:p>
+            <a:pPr marL="0" indent="0">
+              <a:buNone/>
+            </a:pPr>
+            <a:endParaRPr lang="en-US" dirty="0"/>
+          </a:p>
+        </p:txBody>
+      </p:sp>
+      <p:sp>
+        <p:nvSpPr>
+          <p:cNvPr id="4" name="Slide Number Placeholder 3">
+            <a:extLst>
+              <a:ext uri="{FF2B5EF4-FFF2-40B4-BE49-F238E27FC236}">
+                <a16:creationId xmlns:a16="http://schemas.microsoft.com/office/drawing/2014/main" id="{AE83032B-C715-904B-8732-FF3123AA238F}"/>
+              </a:ext>
+            </a:extLst>
+          </p:cNvPr>
+          <p:cNvSpPr>
+            <a:spLocks noGrp="1"/>
+          </p:cNvSpPr>
+          <p:nvPr>
+            <p:ph type="sldNum" sz="quarter" idx="12"/>
+          </p:nvPr>
+        </p:nvSpPr>
+        <p:spPr/>
+        <p:txBody>
+          <a:bodyPr/>
+          <a:lstStyle/>
+          <a:p>
+            <a:fld id="{916FD222-E0FD-459C-9D88-B0CFF0D9A662}" type="slidenum">
+              <a:rPr lang="en-US" smtClean="0"/>
+              <a:t>53</a:t>
+            </a:fld>
+            <a:endParaRPr lang="en-US"/>
+          </a:p>
+        </p:txBody>
+      </p:sp>
+    </p:spTree>
+    <p:extLst>
+      <p:ext uri="{BB962C8B-B14F-4D97-AF65-F5344CB8AC3E}">
+        <p14:creationId xmlns:p14="http://schemas.microsoft.com/office/powerpoint/2010/main" val="120706371"/>
+      </p:ext>
+    </p:extLst>
+  </p:cSld>
+  <p:clrMapOvr>
+    <a:masterClrMapping/>
+  </p:clrMapOvr>
+</p:sld>
+</file>
+
+<file path=ppt/slides/slide54.xml><?xml version="1.0" encoding="utf-8"?>
+<p:sld xmlns:a="http://schemas.openxmlformats.org/drawingml/2006/main" xmlns:r="http://schemas.openxmlformats.org/officeDocument/2006/relationships" xmlns:p="http://schemas.openxmlformats.org/presentationml/2006/main">
+  <p:cSld>
+    <p:spTree>
+      <p:nvGrpSpPr>
+        <p:cNvPr id="1" name=""/>
+        <p:cNvGrpSpPr/>
+        <p:nvPr/>
+      </p:nvGrpSpPr>
+      <p:grpSpPr>
+        <a:xfrm>
+          <a:off x="0" y="0"/>
+          <a:ext cx="0" cy="0"/>
+          <a:chOff x="0" y="0"/>
+          <a:chExt cx="0" cy="0"/>
+        </a:xfrm>
+      </p:grpSpPr>
+      <p:sp>
+        <p:nvSpPr>
+          <p:cNvPr id="2" name="Title 1">
+            <a:extLst>
+              <a:ext uri="{FF2B5EF4-FFF2-40B4-BE49-F238E27FC236}">
+                <a16:creationId xmlns:a16="http://schemas.microsoft.com/office/drawing/2014/main" id="{661E8284-6BD0-F642-B025-909098734294}"/>
+              </a:ext>
+            </a:extLst>
+          </p:cNvPr>
+          <p:cNvSpPr>
+            <a:spLocks noGrp="1"/>
+          </p:cNvSpPr>
+          <p:nvPr>
+            <p:ph type="title"/>
+          </p:nvPr>
+        </p:nvSpPr>
+        <p:spPr/>
+        <p:txBody>
+          <a:bodyPr/>
+          <a:lstStyle/>
+          <a:p>
+            <a:r>
+              <a:rPr lang="en-US" b="1" dirty="0"/>
+              <a:t>probability </a:t>
+            </a:r>
+            <a:r>
+              <a:rPr lang="en-US" b="1" i="1" dirty="0"/>
+              <a:t>Q</a:t>
+            </a:r>
+            <a:r>
+              <a:rPr lang="zh-Hans" altLang="en-US" b="1" i="1" dirty="0"/>
+              <a:t> </a:t>
+            </a:r>
+            <a:r>
+              <a:rPr lang="en-US" altLang="zh-Hans" b="1" i="1" dirty="0"/>
+              <a:t>and</a:t>
+            </a:r>
+            <a:r>
+              <a:rPr lang="zh-Hans" altLang="en-US" b="1" i="1" dirty="0"/>
+              <a:t> </a:t>
+            </a:r>
+            <a:r>
+              <a:rPr lang="en-US" altLang="zh-Hans" b="1" i="1" dirty="0"/>
+              <a:t>Z</a:t>
+            </a:r>
+            <a:r>
+              <a:rPr lang="zh-Hans" altLang="en-US" b="1" i="1" dirty="0"/>
+              <a:t> </a:t>
+            </a:r>
+            <a:r>
+              <a:rPr lang="en-US" altLang="zh-Hans" b="1" i="1" dirty="0"/>
+              <a:t>score</a:t>
+            </a:r>
+            <a:endParaRPr lang="en-US" dirty="0"/>
+          </a:p>
+        </p:txBody>
+      </p:sp>
+      <p:sp>
+        <p:nvSpPr>
+          <p:cNvPr id="3" name="Content Placeholder 2">
+            <a:extLst>
+              <a:ext uri="{FF2B5EF4-FFF2-40B4-BE49-F238E27FC236}">
+                <a16:creationId xmlns:a16="http://schemas.microsoft.com/office/drawing/2014/main" id="{BD289329-6D94-1042-BCB1-108F36E4E00E}"/>
+              </a:ext>
+            </a:extLst>
+          </p:cNvPr>
+          <p:cNvSpPr>
+            <a:spLocks noGrp="1"/>
+          </p:cNvSpPr>
+          <p:nvPr>
+            <p:ph idx="1"/>
+          </p:nvPr>
+        </p:nvSpPr>
+        <p:spPr/>
+        <p:txBody>
+          <a:bodyPr/>
+          <a:lstStyle/>
+          <a:p>
+            <a:r>
+              <a:rPr lang="en-US" b="1" dirty="0"/>
+              <a:t>Calculate </a:t>
+            </a:r>
+            <a:r>
+              <a:rPr lang="en-US" b="1" i="1" dirty="0"/>
+              <a:t>z</a:t>
+            </a:r>
+            <a:r>
+              <a:rPr lang="en-US" b="1" dirty="0"/>
+              <a:t> from probability </a:t>
+            </a:r>
+            <a:r>
+              <a:rPr lang="en-US" b="1" i="1" dirty="0"/>
+              <a:t>Q</a:t>
+            </a:r>
+            <a:r>
+              <a:rPr lang="zh-Hans" altLang="en-US" b="1" dirty="0"/>
+              <a:t> </a:t>
+            </a:r>
+            <a:r>
+              <a:rPr lang="en-US" altLang="zh-Hans" b="1" i="1" dirty="0"/>
+              <a:t>using</a:t>
+            </a:r>
+            <a:r>
+              <a:rPr lang="zh-Hans" altLang="en-US" b="1" i="1" dirty="0"/>
+              <a:t> </a:t>
+            </a:r>
+            <a:r>
+              <a:rPr lang="en-US" altLang="zh-Hans" b="1" i="1" dirty="0"/>
+              <a:t>R</a:t>
+            </a:r>
+            <a:r>
+              <a:rPr lang="zh-Hans" altLang="en-US" b="1" i="1" dirty="0"/>
+              <a:t> </a:t>
+            </a:r>
+            <a:r>
+              <a:rPr lang="en-US" altLang="zh-Hans" b="1" i="1" dirty="0"/>
+              <a:t>code</a:t>
+            </a:r>
+            <a:endParaRPr lang="en-US" b="1" dirty="0"/>
+          </a:p>
+          <a:p>
+            <a:pPr>
+              <a:buFont typeface="Wingdings" pitchFamily="2" charset="2"/>
+              <a:buChar char="Ø"/>
+            </a:pPr>
+            <a:r>
+              <a:rPr lang="en-US" altLang="zh-Hans" dirty="0" err="1"/>
+              <a:t>qnorm</a:t>
+            </a:r>
+            <a:r>
+              <a:rPr lang="en-US" altLang="zh-Hans" dirty="0"/>
+              <a:t>(0.025)</a:t>
+            </a:r>
+          </a:p>
+          <a:p>
+            <a:pPr lvl="1">
+              <a:buFont typeface="Courier New" panose="02070309020205020404" pitchFamily="49" charset="0"/>
+              <a:buChar char="o"/>
+            </a:pPr>
+            <a:r>
+              <a:rPr lang="en-US" altLang="zh-Hans" dirty="0"/>
+              <a:t> -1.959964</a:t>
+            </a:r>
+          </a:p>
+          <a:p>
+            <a:pPr>
+              <a:buFont typeface="Wingdings" pitchFamily="2" charset="2"/>
+              <a:buChar char="Ø"/>
+            </a:pPr>
+            <a:r>
+              <a:rPr lang="en-US" altLang="zh-Hans" dirty="0" err="1"/>
+              <a:t>qnorm</a:t>
+            </a:r>
+            <a:r>
+              <a:rPr lang="en-US" altLang="zh-Hans" dirty="0"/>
+              <a:t>(0.975)</a:t>
+            </a:r>
+          </a:p>
+          <a:p>
+            <a:pPr lvl="1">
+              <a:buFont typeface="Courier New" panose="02070309020205020404" pitchFamily="49" charset="0"/>
+              <a:buChar char="o"/>
+            </a:pPr>
+            <a:r>
+              <a:rPr lang="en-US" altLang="zh-Hans" dirty="0"/>
+              <a:t>1.959964</a:t>
+            </a:r>
+          </a:p>
+          <a:p>
+            <a:pPr marL="0" indent="0">
+              <a:buNone/>
+            </a:pPr>
+            <a:br>
+              <a:rPr lang="en-US" dirty="0"/>
+            </a:br>
+            <a:r>
+              <a:rPr lang="en-US" dirty="0">
+                <a:hlinkClick r:id="rId2"/>
+              </a:rPr>
+              <a:t>http://www.stat.umn.edu/geyer/old/5101/rlook.html</a:t>
+            </a:r>
+            <a:endParaRPr lang="en-US" dirty="0"/>
+          </a:p>
+          <a:p>
+            <a:pPr marL="0" indent="0">
+              <a:buNone/>
+            </a:pPr>
+            <a:endParaRPr lang="en-US" dirty="0"/>
+          </a:p>
+        </p:txBody>
+      </p:sp>
+      <p:sp>
+        <p:nvSpPr>
+          <p:cNvPr id="4" name="Slide Number Placeholder 3">
+            <a:extLst>
+              <a:ext uri="{FF2B5EF4-FFF2-40B4-BE49-F238E27FC236}">
+                <a16:creationId xmlns:a16="http://schemas.microsoft.com/office/drawing/2014/main" id="{AE83032B-C715-904B-8732-FF3123AA238F}"/>
+              </a:ext>
+            </a:extLst>
+          </p:cNvPr>
+          <p:cNvSpPr>
+            <a:spLocks noGrp="1"/>
+          </p:cNvSpPr>
+          <p:nvPr>
+            <p:ph type="sldNum" sz="quarter" idx="12"/>
+          </p:nvPr>
+        </p:nvSpPr>
+        <p:spPr/>
+        <p:txBody>
+          <a:bodyPr/>
+          <a:lstStyle/>
+          <a:p>
+            <a:fld id="{916FD222-E0FD-459C-9D88-B0CFF0D9A662}" type="slidenum">
+              <a:rPr lang="en-US" smtClean="0"/>
+              <a:t>54</a:t>
+            </a:fld>
+            <a:endParaRPr lang="en-US"/>
+          </a:p>
+        </p:txBody>
+      </p:sp>
+      <p:pic>
+        <p:nvPicPr>
+          <p:cNvPr id="6" name="Picture 5">
+            <a:extLst>
+              <a:ext uri="{FF2B5EF4-FFF2-40B4-BE49-F238E27FC236}">
+                <a16:creationId xmlns:a16="http://schemas.microsoft.com/office/drawing/2014/main" id="{5892F7A9-84AB-AF4B-BB66-EC3C1F947173}"/>
+              </a:ext>
+            </a:extLst>
+          </p:cNvPr>
+          <p:cNvPicPr>
+            <a:picLocks noChangeAspect="1"/>
+          </p:cNvPicPr>
+          <p:nvPr/>
+        </p:nvPicPr>
+        <p:blipFill>
+          <a:blip r:embed="rId3">
+            <a:extLst>
+              <a:ext uri="{28A0092B-C50C-407E-A947-70E740481C1C}">
+                <a14:useLocalDpi xmlns:a14="http://schemas.microsoft.com/office/drawing/2010/main" val="0"/>
+              </a:ext>
+            </a:extLst>
+          </a:blip>
+          <a:stretch>
+            <a:fillRect/>
+          </a:stretch>
+        </p:blipFill>
+        <p:spPr>
+          <a:xfrm>
+            <a:off x="4191000" y="2286000"/>
+            <a:ext cx="3388894" cy="1981200"/>
+          </a:xfrm>
+          <a:prstGeom prst="rect">
+            <a:avLst/>
+          </a:prstGeom>
+        </p:spPr>
+      </p:pic>
+    </p:spTree>
+    <p:extLst>
+      <p:ext uri="{BB962C8B-B14F-4D97-AF65-F5344CB8AC3E}">
+        <p14:creationId xmlns:p14="http://schemas.microsoft.com/office/powerpoint/2010/main" val="4209509697"/>
+      </p:ext>
+    </p:extLst>
+  </p:cSld>
+  <p:clrMapOvr>
+    <a:masterClrMapping/>
+  </p:clrMapOvr>
+</p:sld>
+</file>
+
+<file path=ppt/slides/slide55.xml><?xml version="1.0" encoding="utf-8"?>
+<p:sld xmlns:a="http://schemas.openxmlformats.org/drawingml/2006/main" xmlns:r="http://schemas.openxmlformats.org/officeDocument/2006/relationships" xmlns:p="http://schemas.openxmlformats.org/presentationml/2006/main">
+  <p:cSld>
+    <p:spTree>
+      <p:nvGrpSpPr>
+        <p:cNvPr id="1" name=""/>
+        <p:cNvGrpSpPr/>
+        <p:nvPr/>
+      </p:nvGrpSpPr>
+      <p:grpSpPr>
+        <a:xfrm>
+          <a:off x="0" y="0"/>
+          <a:ext cx="0" cy="0"/>
+          <a:chOff x="0" y="0"/>
+          <a:chExt cx="0" cy="0"/>
+        </a:xfrm>
+      </p:grpSpPr>
+      <p:sp>
+        <p:nvSpPr>
+          <p:cNvPr id="2" name="Title 1">
+            <a:extLst>
+              <a:ext uri="{FF2B5EF4-FFF2-40B4-BE49-F238E27FC236}">
+                <a16:creationId xmlns:a16="http://schemas.microsoft.com/office/drawing/2014/main" id="{661E8284-6BD0-F642-B025-909098734294}"/>
+              </a:ext>
+            </a:extLst>
+          </p:cNvPr>
+          <p:cNvSpPr>
+            <a:spLocks noGrp="1"/>
+          </p:cNvSpPr>
+          <p:nvPr>
+            <p:ph type="title"/>
+          </p:nvPr>
+        </p:nvSpPr>
+        <p:spPr/>
+        <p:txBody>
+          <a:bodyPr/>
+          <a:lstStyle/>
+          <a:p>
+            <a:r>
+              <a:rPr lang="en-US" b="1" dirty="0"/>
+              <a:t>probability </a:t>
+            </a:r>
+            <a:r>
+              <a:rPr lang="en-US" b="1" i="1" dirty="0"/>
+              <a:t>Q</a:t>
+            </a:r>
+            <a:r>
+              <a:rPr lang="zh-Hans" altLang="en-US" b="1" i="1" dirty="0"/>
+              <a:t> </a:t>
+            </a:r>
+            <a:r>
+              <a:rPr lang="en-US" altLang="zh-Hans" b="1" i="1" dirty="0"/>
+              <a:t>and</a:t>
+            </a:r>
+            <a:r>
+              <a:rPr lang="zh-Hans" altLang="en-US" b="1" i="1" dirty="0"/>
+              <a:t> </a:t>
+            </a:r>
+            <a:r>
+              <a:rPr lang="en-US" altLang="zh-Hans" b="1" i="1" dirty="0"/>
+              <a:t>Z</a:t>
+            </a:r>
+            <a:r>
+              <a:rPr lang="zh-Hans" altLang="en-US" b="1" i="1" dirty="0"/>
+              <a:t> </a:t>
+            </a:r>
+            <a:r>
+              <a:rPr lang="en-US" altLang="zh-Hans" b="1" i="1" dirty="0"/>
+              <a:t>score</a:t>
+            </a:r>
+            <a:endParaRPr lang="en-US" dirty="0"/>
+          </a:p>
+        </p:txBody>
+      </p:sp>
+      <p:sp>
+        <p:nvSpPr>
+          <p:cNvPr id="3" name="Content Placeholder 2">
+            <a:extLst>
+              <a:ext uri="{FF2B5EF4-FFF2-40B4-BE49-F238E27FC236}">
+                <a16:creationId xmlns:a16="http://schemas.microsoft.com/office/drawing/2014/main" id="{BD289329-6D94-1042-BCB1-108F36E4E00E}"/>
+              </a:ext>
+            </a:extLst>
+          </p:cNvPr>
+          <p:cNvSpPr>
+            <a:spLocks noGrp="1"/>
+          </p:cNvSpPr>
+          <p:nvPr>
+            <p:ph idx="1"/>
+          </p:nvPr>
+        </p:nvSpPr>
+        <p:spPr/>
+        <p:txBody>
+          <a:bodyPr/>
+          <a:lstStyle/>
+          <a:p>
+            <a:r>
+              <a:rPr lang="en-US" b="1" dirty="0"/>
+              <a:t>Calculate probability </a:t>
+            </a:r>
+            <a:r>
+              <a:rPr lang="en-US" b="1" i="1" dirty="0"/>
+              <a:t>Q</a:t>
+            </a:r>
+            <a:r>
+              <a:rPr lang="en-US" b="1" dirty="0"/>
+              <a:t> from </a:t>
+            </a:r>
+            <a:r>
+              <a:rPr lang="en-US" b="1" i="1" dirty="0"/>
+              <a:t>z</a:t>
+            </a:r>
+            <a:r>
+              <a:rPr lang="zh-Hans" altLang="en-US" b="1" i="1" dirty="0"/>
+              <a:t> </a:t>
+            </a:r>
+            <a:r>
+              <a:rPr lang="en-US" altLang="zh-Hans" b="1" i="1" dirty="0"/>
+              <a:t>using</a:t>
+            </a:r>
+            <a:r>
+              <a:rPr lang="zh-Hans" altLang="en-US" b="1" i="1" dirty="0"/>
+              <a:t> </a:t>
+            </a:r>
+            <a:r>
+              <a:rPr lang="en-US" altLang="zh-Hans" b="1" i="1" dirty="0"/>
+              <a:t>R</a:t>
+            </a:r>
+            <a:r>
+              <a:rPr lang="zh-Hans" altLang="en-US" b="1" i="1" dirty="0"/>
+              <a:t> </a:t>
+            </a:r>
+            <a:r>
+              <a:rPr lang="en-US" altLang="zh-Hans" b="1" i="1" dirty="0"/>
+              <a:t>code</a:t>
+            </a:r>
+            <a:endParaRPr lang="en-US" b="1" dirty="0"/>
+          </a:p>
+          <a:p>
+            <a:pPr marL="0" indent="0">
+              <a:buNone/>
+            </a:pPr>
+            <a:endParaRPr lang="en-US" dirty="0"/>
+          </a:p>
+          <a:p>
+            <a:pPr marL="0" indent="0">
+              <a:buNone/>
+            </a:pPr>
+            <a:endParaRPr lang="en-US" dirty="0"/>
+          </a:p>
+          <a:p>
+            <a:pPr marL="0" indent="0">
+              <a:buNone/>
+            </a:pPr>
+            <a:endParaRPr lang="en-US" dirty="0"/>
+          </a:p>
+          <a:p>
+            <a:pPr marL="0" indent="0">
+              <a:buNone/>
+            </a:pPr>
+            <a:endParaRPr lang="en-US" dirty="0"/>
+          </a:p>
+          <a:p>
+            <a:pPr marL="0" indent="0">
+              <a:buNone/>
+            </a:pPr>
+            <a:br>
+              <a:rPr lang="en-US" dirty="0"/>
+            </a:br>
+            <a:r>
+              <a:rPr lang="en-US" dirty="0">
+                <a:hlinkClick r:id="rId2"/>
+              </a:rPr>
+              <a:t>http://stats.seandolinar.com/calculating-z-scores-with-r/</a:t>
+            </a:r>
+            <a:endParaRPr lang="en-US" dirty="0"/>
+          </a:p>
+          <a:p>
+            <a:pPr marL="0" indent="0">
+              <a:buNone/>
+            </a:pPr>
+            <a:endParaRPr lang="en-US" dirty="0"/>
+          </a:p>
+        </p:txBody>
+      </p:sp>
+      <p:sp>
+        <p:nvSpPr>
+          <p:cNvPr id="4" name="Slide Number Placeholder 3">
+            <a:extLst>
+              <a:ext uri="{FF2B5EF4-FFF2-40B4-BE49-F238E27FC236}">
+                <a16:creationId xmlns:a16="http://schemas.microsoft.com/office/drawing/2014/main" id="{AE83032B-C715-904B-8732-FF3123AA238F}"/>
+              </a:ext>
+            </a:extLst>
+          </p:cNvPr>
+          <p:cNvSpPr>
+            <a:spLocks noGrp="1"/>
+          </p:cNvSpPr>
+          <p:nvPr>
+            <p:ph type="sldNum" sz="quarter" idx="12"/>
+          </p:nvPr>
+        </p:nvSpPr>
+        <p:spPr/>
+        <p:txBody>
+          <a:bodyPr/>
+          <a:lstStyle/>
+          <a:p>
+            <a:fld id="{916FD222-E0FD-459C-9D88-B0CFF0D9A662}" type="slidenum">
+              <a:rPr lang="en-US" smtClean="0"/>
+              <a:t>55</a:t>
+            </a:fld>
+            <a:endParaRPr lang="en-US"/>
+          </a:p>
+        </p:txBody>
+      </p:sp>
+      <p:pic>
+        <p:nvPicPr>
+          <p:cNvPr id="6" name="Picture 5">
+            <a:extLst>
+              <a:ext uri="{FF2B5EF4-FFF2-40B4-BE49-F238E27FC236}">
+                <a16:creationId xmlns:a16="http://schemas.microsoft.com/office/drawing/2014/main" id="{AA4DCB17-7DEC-C14B-809C-5C7FDD7C4A83}"/>
+              </a:ext>
+            </a:extLst>
+          </p:cNvPr>
+          <p:cNvPicPr>
+            <a:picLocks noChangeAspect="1"/>
+          </p:cNvPicPr>
+          <p:nvPr/>
+        </p:nvPicPr>
+        <p:blipFill>
+          <a:blip r:embed="rId3">
+            <a:extLst>
+              <a:ext uri="{28A0092B-C50C-407E-A947-70E740481C1C}">
+                <a14:useLocalDpi xmlns:a14="http://schemas.microsoft.com/office/drawing/2010/main" val="0"/>
+              </a:ext>
+            </a:extLst>
+          </a:blip>
+          <a:stretch>
+            <a:fillRect/>
+          </a:stretch>
+        </p:blipFill>
+        <p:spPr>
+          <a:xfrm>
+            <a:off x="571500" y="2301425"/>
+            <a:ext cx="8001000" cy="4556575"/>
+          </a:xfrm>
+          <a:prstGeom prst="rect">
+            <a:avLst/>
+          </a:prstGeom>
+        </p:spPr>
+      </p:pic>
+    </p:spTree>
+    <p:extLst>
+      <p:ext uri="{BB962C8B-B14F-4D97-AF65-F5344CB8AC3E}">
+        <p14:creationId xmlns:p14="http://schemas.microsoft.com/office/powerpoint/2010/main" val="1994237251"/>
+      </p:ext>
+    </p:extLst>
+  </p:cSld>
+  <p:clrMapOvr>
+    <a:masterClrMapping/>
+  </p:clrMapOvr>
+</p:sld>
+</file>
+
+<file path=ppt/slides/slide56.xml><?xml version="1.0" encoding="utf-8"?>
+<p:sld xmlns:a="http://schemas.openxmlformats.org/drawingml/2006/main" xmlns:r="http://schemas.openxmlformats.org/officeDocument/2006/relationships" xmlns:p="http://schemas.openxmlformats.org/presentationml/2006/main">
+  <p:cSld>
+    <p:spTree>
+      <p:nvGrpSpPr>
+        <p:cNvPr id="1" name=""/>
+        <p:cNvGrpSpPr/>
+        <p:nvPr/>
+      </p:nvGrpSpPr>
+      <p:grpSpPr>
+        <a:xfrm>
+          <a:off x="0" y="0"/>
+          <a:ext cx="0" cy="0"/>
+          <a:chOff x="0" y="0"/>
+          <a:chExt cx="0" cy="0"/>
+        </a:xfrm>
+      </p:grpSpPr>
+      <p:sp>
+        <p:nvSpPr>
+          <p:cNvPr id="2" name="Title 1"/>
+          <p:cNvSpPr>
+            <a:spLocks noGrp="1"/>
+          </p:cNvSpPr>
+          <p:nvPr>
+            <p:ph type="title"/>
+          </p:nvPr>
+        </p:nvSpPr>
+        <p:spPr/>
+        <p:txBody>
+          <a:bodyPr/>
+          <a:lstStyle/>
+          <a:p>
+            <a:r>
+              <a:rPr lang="en-US" b="1" dirty="0">
+                <a:solidFill>
+                  <a:srgbClr val="000099"/>
+                </a:solidFill>
+                <a:latin typeface="Palatino Linotype" pitchFamily="18" charset="0"/>
+                <a:ea typeface="Cambria Math" pitchFamily="18" charset="0"/>
+              </a:rPr>
+              <a:t>In-class exercise</a:t>
+            </a:r>
+            <a:endParaRPr lang="en-US" dirty="0"/>
+          </a:p>
+        </p:txBody>
+      </p:sp>
+      <p:sp>
+        <p:nvSpPr>
+          <p:cNvPr id="3" name="Content Placeholder 2"/>
+          <p:cNvSpPr>
+            <a:spLocks noGrp="1"/>
+          </p:cNvSpPr>
+          <p:nvPr>
+            <p:ph idx="1"/>
+          </p:nvPr>
+        </p:nvSpPr>
+        <p:spPr/>
+        <p:txBody>
+          <a:bodyPr/>
+          <a:lstStyle/>
+          <a:p>
+            <a:r>
+              <a:rPr lang="en-US" dirty="0">
+                <a:latin typeface="Palatino Linotype" pitchFamily="18" charset="0"/>
+              </a:rPr>
+              <a:t>In a normal distribution with µ = 100 and σ = 10, what proportion of scores fall between each of the following pairs of scores?</a:t>
+            </a:r>
+          </a:p>
+          <a:p>
+            <a:pPr lvl="1">
+              <a:buFont typeface="Courier New" panose="02070309020205020404" pitchFamily="49" charset="0"/>
+              <a:buChar char="o"/>
+            </a:pPr>
+            <a:r>
+              <a:rPr lang="en-US" dirty="0">
+                <a:latin typeface="Palatino Linotype" pitchFamily="18" charset="0"/>
+              </a:rPr>
+              <a:t>90 – 110</a:t>
+            </a:r>
+          </a:p>
+          <a:p>
+            <a:pPr lvl="1">
+              <a:buFont typeface="Courier New" panose="02070309020205020404" pitchFamily="49" charset="0"/>
+              <a:buChar char="o"/>
+            </a:pPr>
+            <a:r>
+              <a:rPr lang="en-US" dirty="0">
+                <a:latin typeface="Palatino Linotype" pitchFamily="18" charset="0"/>
+              </a:rPr>
+              <a:t>85 – 112</a:t>
+            </a:r>
+          </a:p>
+          <a:p>
+            <a:endParaRPr lang="en-US" dirty="0"/>
+          </a:p>
+        </p:txBody>
+      </p:sp>
+    </p:spTree>
+    <p:extLst>
+      <p:ext uri="{BB962C8B-B14F-4D97-AF65-F5344CB8AC3E}">
+        <p14:creationId xmlns:p14="http://schemas.microsoft.com/office/powerpoint/2010/main" val="1229379986"/>
+      </p:ext>
+    </p:extLst>
+  </p:cSld>
+  <p:clrMapOvr>
+    <a:masterClrMapping/>
+  </p:clrMapOvr>
+</p:sld>
+</file>
+
+<file path=ppt/slides/slide57.xml><?xml version="1.0" encoding="utf-8"?>
+<p:sld xmlns:a="http://schemas.openxmlformats.org/drawingml/2006/main" xmlns:r="http://schemas.openxmlformats.org/officeDocument/2006/relationships" xmlns:p="http://schemas.openxmlformats.org/presentationml/2006/main">
+  <p:cSld>
+    <p:spTree>
+      <p:nvGrpSpPr>
+        <p:cNvPr id="1" name=""/>
+        <p:cNvGrpSpPr/>
+        <p:nvPr/>
+      </p:nvGrpSpPr>
+      <p:grpSpPr>
+        <a:xfrm>
+          <a:off x="0" y="0"/>
+          <a:ext cx="0" cy="0"/>
+          <a:chOff x="0" y="0"/>
+          <a:chExt cx="0" cy="0"/>
+        </a:xfrm>
+      </p:grpSpPr>
+      <p:sp>
+        <p:nvSpPr>
+          <p:cNvPr id="2" name="Title 1"/>
+          <p:cNvSpPr>
+            <a:spLocks noGrp="1"/>
+          </p:cNvSpPr>
+          <p:nvPr>
+            <p:ph type="title"/>
+          </p:nvPr>
+        </p:nvSpPr>
+        <p:spPr/>
+        <p:txBody>
+          <a:bodyPr/>
+          <a:lstStyle/>
+          <a:p>
+            <a:r>
+              <a:rPr lang="en-US" b="1" dirty="0">
+                <a:solidFill>
+                  <a:srgbClr val="000099"/>
+                </a:solidFill>
+                <a:latin typeface="Palatino Linotype" pitchFamily="18" charset="0"/>
+                <a:ea typeface="Cambria Math" pitchFamily="18" charset="0"/>
+              </a:rPr>
+              <a:t>In-class exercise</a:t>
+            </a:r>
+            <a:endParaRPr lang="en-US" dirty="0"/>
+          </a:p>
+        </p:txBody>
+      </p:sp>
+      <p:pic>
+        <p:nvPicPr>
+          <p:cNvPr id="7" name="Content Placeholder 6">
+            <a:extLst>
+              <a:ext uri="{FF2B5EF4-FFF2-40B4-BE49-F238E27FC236}">
+                <a16:creationId xmlns:a16="http://schemas.microsoft.com/office/drawing/2014/main" id="{06D7A59F-4CDE-9449-81ED-B870F1FCACE0}"/>
+              </a:ext>
+            </a:extLst>
+          </p:cNvPr>
+          <p:cNvPicPr>
+            <a:picLocks noGrp="1" noChangeAspect="1"/>
+          </p:cNvPicPr>
+          <p:nvPr>
+            <p:ph idx="1"/>
+          </p:nvPr>
+        </p:nvPicPr>
+        <p:blipFill>
+          <a:blip r:embed="rId2">
+            <a:extLst>
+              <a:ext uri="{28A0092B-C50C-407E-A947-70E740481C1C}">
+                <a14:useLocalDpi xmlns:a14="http://schemas.microsoft.com/office/drawing/2010/main" val="0"/>
+              </a:ext>
+            </a:extLst>
+          </a:blip>
+          <a:stretch>
+            <a:fillRect/>
+          </a:stretch>
+        </p:blipFill>
+        <p:spPr>
+          <a:xfrm>
+            <a:off x="457200" y="2781997"/>
+            <a:ext cx="8229600" cy="2162369"/>
+          </a:xfrm>
+        </p:spPr>
+      </p:pic>
+    </p:spTree>
+    <p:extLst>
+      <p:ext uri="{BB962C8B-B14F-4D97-AF65-F5344CB8AC3E}">
+        <p14:creationId xmlns:p14="http://schemas.microsoft.com/office/powerpoint/2010/main" val="10250224"/>
+      </p:ext>
+    </p:extLst>
+  </p:cSld>
+  <p:clrMapOvr>
+    <a:masterClrMapping/>
+  </p:clrMapOvr>
 </p:sld>
 </file>
 

--- a/Lecture 4 - Measure of Dispersion & Normal Curve/Lecture 4 - Measure of Dispersion & Normal Curve.pptx
+++ b/Lecture 4 - Measure of Dispersion & Normal Curve/Lecture 4 - Measure of Dispersion & Normal Curve.pptx
@@ -6983,7 +6983,7 @@
           <a:graphicData uri="http://schemas.openxmlformats.org/presentationml/2006/ole">
             <mc:AlternateContent xmlns:mc="http://schemas.openxmlformats.org/markup-compatibility/2006">
               <mc:Choice xmlns:v="urn:schemas-microsoft-com:vml" Requires="v">
-                <p:oleObj spid="_x0000_s21072" name="Equation" r:id="rId4" imgW="177569" imgH="202936" progId="Equation.3">
+                <p:oleObj spid="_x0000_s21076" name="Equation" r:id="rId4" imgW="177569" imgH="202936" progId="Equation.3">
                   <p:embed/>
                 </p:oleObj>
               </mc:Choice>
@@ -7163,7 +7163,7 @@
           <a:graphicData uri="http://schemas.openxmlformats.org/presentationml/2006/ole">
             <mc:AlternateContent xmlns:mc="http://schemas.openxmlformats.org/markup-compatibility/2006">
               <mc:Choice xmlns:v="urn:schemas-microsoft-com:vml" Requires="v">
-                <p:oleObj spid="_x0000_s21073" name="Equation" r:id="rId6" imgW="634680" imgH="253800" progId="Equation.3">
+                <p:oleObj spid="_x0000_s21077" name="Equation" r:id="rId6" imgW="634680" imgH="253800" progId="Equation.3">
                   <p:embed/>
                 </p:oleObj>
               </mc:Choice>
@@ -7285,7 +7285,7 @@
           <a:graphicData uri="http://schemas.openxmlformats.org/presentationml/2006/ole">
             <mc:AlternateContent xmlns:mc="http://schemas.openxmlformats.org/markup-compatibility/2006">
               <mc:Choice xmlns:v="urn:schemas-microsoft-com:vml" Requires="v">
-                <p:oleObj spid="_x0000_s21074" name="Equation" r:id="rId8" imgW="1294838" imgH="266584" progId="Equation.3">
+                <p:oleObj spid="_x0000_s21078" name="Equation" r:id="rId8" imgW="1294838" imgH="266584" progId="Equation.3">
                   <p:embed/>
                 </p:oleObj>
               </mc:Choice>
@@ -7361,7 +7361,7 @@
           <a:graphicData uri="http://schemas.openxmlformats.org/presentationml/2006/ole">
             <mc:AlternateContent xmlns:mc="http://schemas.openxmlformats.org/markup-compatibility/2006">
               <mc:Choice xmlns:v="urn:schemas-microsoft-com:vml" Requires="v">
-                <p:oleObj spid="_x0000_s21075" name="Equation" r:id="rId10" imgW="583920" imgH="253800" progId="Equation.3">
+                <p:oleObj spid="_x0000_s21079" name="Equation" r:id="rId10" imgW="583920" imgH="253800" progId="Equation.3">
                   <p:embed/>
                 </p:oleObj>
               </mc:Choice>
@@ -11517,7 +11517,7 @@
           <a:graphicData uri="http://schemas.openxmlformats.org/presentationml/2006/ole">
             <mc:AlternateContent xmlns:mc="http://schemas.openxmlformats.org/markup-compatibility/2006">
               <mc:Choice xmlns:v="urn:schemas-microsoft-com:vml" Requires="v">
-                <p:oleObj spid="_x0000_s18756" name="Equation" r:id="rId4" imgW="457002" imgH="203112" progId="Equation.3">
+                <p:oleObj spid="_x0000_s18758" name="Equation" r:id="rId4" imgW="457002" imgH="203112" progId="Equation.3">
                   <p:embed/>
                 </p:oleObj>
               </mc:Choice>
@@ -11645,7 +11645,7 @@
           <a:graphicData uri="http://schemas.openxmlformats.org/presentationml/2006/ole">
             <mc:AlternateContent xmlns:mc="http://schemas.openxmlformats.org/markup-compatibility/2006">
               <mc:Choice xmlns:v="urn:schemas-microsoft-com:vml" Requires="v">
-                <p:oleObj spid="_x0000_s18757" name="Equation" r:id="rId6" imgW="457002" imgH="203112" progId="Equation.3">
+                <p:oleObj spid="_x0000_s18759" name="Equation" r:id="rId6" imgW="457002" imgH="203112" progId="Equation.3">
                   <p:embed/>
                 </p:oleObj>
               </mc:Choice>
@@ -12599,7 +12599,7 @@
           <a:graphicData uri="http://schemas.openxmlformats.org/presentationml/2006/ole">
             <mc:AlternateContent xmlns:mc="http://schemas.openxmlformats.org/markup-compatibility/2006">
               <mc:Choice xmlns:v="urn:schemas-microsoft-com:vml" Requires="v">
-                <p:oleObj spid="_x0000_s20102" name="Equation" r:id="rId4" imgW="494870" imgH="215713" progId="Equation.3">
+                <p:oleObj spid="_x0000_s20106" name="Equation" r:id="rId4" imgW="494870" imgH="215713" progId="Equation.3">
                   <p:embed/>
                 </p:oleObj>
               </mc:Choice>
@@ -12719,7 +12719,7 @@
           <a:graphicData uri="http://schemas.openxmlformats.org/presentationml/2006/ole">
             <mc:AlternateContent xmlns:mc="http://schemas.openxmlformats.org/markup-compatibility/2006">
               <mc:Choice xmlns:v="urn:schemas-microsoft-com:vml" Requires="v">
-                <p:oleObj spid="_x0000_s20103" name="Equation" r:id="rId6" imgW="1205977" imgH="266584" progId="Equation.3">
+                <p:oleObj spid="_x0000_s20107" name="Equation" r:id="rId6" imgW="1205977" imgH="266584" progId="Equation.3">
                   <p:embed/>
                 </p:oleObj>
               </mc:Choice>
@@ -12839,7 +12839,7 @@
           <a:graphicData uri="http://schemas.openxmlformats.org/presentationml/2006/ole">
             <mc:AlternateContent xmlns:mc="http://schemas.openxmlformats.org/markup-compatibility/2006">
               <mc:Choice xmlns:v="urn:schemas-microsoft-com:vml" Requires="v">
-                <p:oleObj spid="_x0000_s20104" name="Equation" r:id="rId8" imgW="2120900" imgH="444500" progId="Equation.3">
+                <p:oleObj spid="_x0000_s20108" name="Equation" r:id="rId8" imgW="2120900" imgH="444500" progId="Equation.3">
                   <p:embed/>
                 </p:oleObj>
               </mc:Choice>
@@ -13009,7 +13009,7 @@
           <a:graphicData uri="http://schemas.openxmlformats.org/presentationml/2006/ole">
             <mc:AlternateContent xmlns:mc="http://schemas.openxmlformats.org/markup-compatibility/2006">
               <mc:Choice xmlns:v="urn:schemas-microsoft-com:vml" Requires="v">
-                <p:oleObj spid="_x0000_s20105" name="Equation" r:id="rId10" imgW="2514600" imgH="482400" progId="Equation.3">
+                <p:oleObj spid="_x0000_s20109" name="Equation" r:id="rId10" imgW="2514600" imgH="482400" progId="Equation.3">
                   <p:embed/>
                 </p:oleObj>
               </mc:Choice>
@@ -13878,7 +13878,7 @@
           <a:graphicData uri="http://schemas.openxmlformats.org/presentationml/2006/ole">
             <mc:AlternateContent xmlns:mc="http://schemas.openxmlformats.org/markup-compatibility/2006">
               <mc:Choice xmlns:v="urn:schemas-microsoft-com:vml" Requires="v">
-                <p:oleObj spid="_x0000_s36956" name="Equation" r:id="rId3" imgW="812520" imgH="431640" progId="Equation.DSMT4">
+                <p:oleObj spid="_x0000_s36962" name="Equation" r:id="rId3" imgW="812520" imgH="431640" progId="Equation.DSMT4">
                   <p:embed/>
                 </p:oleObj>
               </mc:Choice>
@@ -13935,7 +13935,7 @@
           <a:graphicData uri="http://schemas.openxmlformats.org/presentationml/2006/ole">
             <mc:AlternateContent xmlns:mc="http://schemas.openxmlformats.org/markup-compatibility/2006">
               <mc:Choice xmlns:v="urn:schemas-microsoft-com:vml" Requires="v">
-                <p:oleObj spid="_x0000_s36957" name="Equation" r:id="rId5" imgW="799920" imgH="431640" progId="Equation.DSMT4">
+                <p:oleObj spid="_x0000_s36963" name="Equation" r:id="rId5" imgW="799920" imgH="431640" progId="Equation.DSMT4">
                   <p:embed/>
                 </p:oleObj>
               </mc:Choice>
@@ -13999,7 +13999,7 @@
           <a:graphicData uri="http://schemas.openxmlformats.org/presentationml/2006/ole">
             <mc:AlternateContent xmlns:mc="http://schemas.openxmlformats.org/markup-compatibility/2006">
               <mc:Choice xmlns:v="urn:schemas-microsoft-com:vml" Requires="v">
-                <p:oleObj spid="_x0000_s36958" name="Equation" r:id="rId7" imgW="1143000" imgH="609480" progId="Equation.DSMT4">
+                <p:oleObj spid="_x0000_s36964" name="Equation" r:id="rId7" imgW="1143000" imgH="609480" progId="Equation.DSMT4">
                   <p:embed/>
                 </p:oleObj>
               </mc:Choice>
@@ -14056,7 +14056,7 @@
           <a:graphicData uri="http://schemas.openxmlformats.org/presentationml/2006/ole">
             <mc:AlternateContent xmlns:mc="http://schemas.openxmlformats.org/markup-compatibility/2006">
               <mc:Choice xmlns:v="urn:schemas-microsoft-com:vml" Requires="v">
-                <p:oleObj spid="_x0000_s36959" name="Equation" r:id="rId9" imgW="1193760" imgH="660240" progId="Equation.DSMT4">
+                <p:oleObj spid="_x0000_s36965" name="Equation" r:id="rId9" imgW="1193760" imgH="660240" progId="Equation.DSMT4">
                   <p:embed/>
                 </p:oleObj>
               </mc:Choice>
@@ -14120,7 +14120,7 @@
           <a:graphicData uri="http://schemas.openxmlformats.org/presentationml/2006/ole">
             <mc:AlternateContent xmlns:mc="http://schemas.openxmlformats.org/markup-compatibility/2006">
               <mc:Choice xmlns:v="urn:schemas-microsoft-com:vml" Requires="v">
-                <p:oleObj spid="_x0000_s36960" name="Equation" r:id="rId11" imgW="1143000" imgH="609480" progId="Equation.DSMT4">
+                <p:oleObj spid="_x0000_s36966" name="Equation" r:id="rId11" imgW="1143000" imgH="609480" progId="Equation.DSMT4">
                   <p:embed/>
                 </p:oleObj>
               </mc:Choice>
@@ -14177,7 +14177,7 @@
           <a:graphicData uri="http://schemas.openxmlformats.org/presentationml/2006/ole">
             <mc:AlternateContent xmlns:mc="http://schemas.openxmlformats.org/markup-compatibility/2006">
               <mc:Choice xmlns:v="urn:schemas-microsoft-com:vml" Requires="v">
-                <p:oleObj spid="_x0000_s36961" name="Equation" r:id="rId13" imgW="1193760" imgH="660240" progId="Equation.DSMT4">
+                <p:oleObj spid="_x0000_s36967" name="Equation" r:id="rId13" imgW="1193760" imgH="660240" progId="Equation.DSMT4">
                   <p:embed/>
                 </p:oleObj>
               </mc:Choice>
@@ -14888,7 +14888,7 @@
           <a:graphicData uri="http://schemas.openxmlformats.org/presentationml/2006/ole">
             <mc:AlternateContent xmlns:mc="http://schemas.openxmlformats.org/markup-compatibility/2006">
               <mc:Choice xmlns:v="urn:schemas-microsoft-com:vml" Requires="v">
-                <p:oleObj spid="_x0000_s11428" name="Bitmap Image" r:id="rId4" imgW="2866667" imgH="2019048" progId="Paint.Picture">
+                <p:oleObj spid="_x0000_s11429" name="Bitmap Image" r:id="rId4" imgW="2866667" imgH="2019048" progId="Paint.Picture">
                   <p:embed/>
                 </p:oleObj>
               </mc:Choice>
@@ -15300,7 +15300,7 @@
           <a:graphicData uri="http://schemas.openxmlformats.org/presentationml/2006/ole">
             <mc:AlternateContent xmlns:mc="http://schemas.openxmlformats.org/markup-compatibility/2006">
               <mc:Choice xmlns:v="urn:schemas-microsoft-com:vml" Requires="v">
-                <p:oleObj spid="_x0000_s12452" name="Bitmap Image" r:id="rId4" imgW="3048426" imgH="1980952" progId="Paint.Picture">
+                <p:oleObj spid="_x0000_s12453" name="Bitmap Image" r:id="rId4" imgW="3048426" imgH="1980952" progId="Paint.Picture">
                   <p:embed/>
                 </p:oleObj>
               </mc:Choice>
@@ -15894,7 +15894,7 @@
           <a:graphicData uri="http://schemas.openxmlformats.org/presentationml/2006/ole">
             <mc:AlternateContent xmlns:mc="http://schemas.openxmlformats.org/markup-compatibility/2006">
               <mc:Choice xmlns:v="urn:schemas-microsoft-com:vml" Requires="v">
-                <p:oleObj spid="_x0000_s13476" name="Bitmap Image" r:id="rId4" imgW="3648584" imgH="2200582" progId="Paint.Picture">
+                <p:oleObj spid="_x0000_s13477" name="Bitmap Image" r:id="rId4" imgW="3648584" imgH="2200582" progId="Paint.Picture">
                   <p:embed/>
                 </p:oleObj>
               </mc:Choice>
@@ -16495,7 +16495,7 @@
           <a:graphicData uri="http://schemas.openxmlformats.org/presentationml/2006/ole">
             <mc:AlternateContent xmlns:mc="http://schemas.openxmlformats.org/markup-compatibility/2006">
               <mc:Choice xmlns:v="urn:schemas-microsoft-com:vml" Requires="v">
-                <p:oleObj spid="_x0000_s6662" name="Equation" r:id="rId3" imgW="812447" imgH="253890" progId="Equation.DSMT4">
+                <p:oleObj spid="_x0000_s6665" name="Equation" r:id="rId3" imgW="812447" imgH="253890" progId="Equation.DSMT4">
                   <p:embed/>
                 </p:oleObj>
               </mc:Choice>
@@ -16625,7 +16625,7 @@
           <a:graphicData uri="http://schemas.openxmlformats.org/presentationml/2006/ole">
             <mc:AlternateContent xmlns:mc="http://schemas.openxmlformats.org/markup-compatibility/2006">
               <mc:Choice xmlns:v="urn:schemas-microsoft-com:vml" Requires="v">
-                <p:oleObj spid="_x0000_s6663" name="Equation" r:id="rId5" imgW="1104900" imgH="254000" progId="Equation.DSMT4">
+                <p:oleObj spid="_x0000_s6666" name="Equation" r:id="rId5" imgW="1104900" imgH="254000" progId="Equation.DSMT4">
                   <p:embed/>
                 </p:oleObj>
               </mc:Choice>
@@ -16755,7 +16755,7 @@
           <a:graphicData uri="http://schemas.openxmlformats.org/presentationml/2006/ole">
             <mc:AlternateContent xmlns:mc="http://schemas.openxmlformats.org/markup-compatibility/2006">
               <mc:Choice xmlns:v="urn:schemas-microsoft-com:vml" Requires="v">
-                <p:oleObj spid="_x0000_s6664" name="Equation" r:id="rId7" imgW="1129810" imgH="253890" progId="Equation.DSMT4">
+                <p:oleObj spid="_x0000_s6667" name="Equation" r:id="rId7" imgW="1129810" imgH="253890" progId="Equation.DSMT4">
                   <p:embed/>
                 </p:oleObj>
               </mc:Choice>
@@ -18444,7 +18444,7 @@
           <a:graphicData uri="http://schemas.openxmlformats.org/presentationml/2006/ole">
             <mc:AlternateContent xmlns:mc="http://schemas.openxmlformats.org/markup-compatibility/2006">
               <mc:Choice xmlns:v="urn:schemas-microsoft-com:vml" Requires="v">
-                <p:oleObj spid="_x0000_s21628" name="Bitmap Image" r:id="rId4" imgW="4858428" imgH="2180952" progId="Paint.Picture">
+                <p:oleObj spid="_x0000_s21629" name="Bitmap Image" r:id="rId4" imgW="4858428" imgH="2180952" progId="Paint.Picture">
                   <p:embed/>
                 </p:oleObj>
               </mc:Choice>
@@ -19251,7 +19251,7 @@
           <a:graphicData uri="http://schemas.openxmlformats.org/presentationml/2006/ole">
             <mc:AlternateContent xmlns:mc="http://schemas.openxmlformats.org/markup-compatibility/2006">
               <mc:Choice xmlns:v="urn:schemas-microsoft-com:vml" Requires="v">
-                <p:oleObj spid="_x0000_s22652" name="Bitmap Image" r:id="rId4" imgW="3648584" imgH="2285714" progId="Paint.Picture">
+                <p:oleObj spid="_x0000_s22653" name="Bitmap Image" r:id="rId4" imgW="3648584" imgH="2285714" progId="Paint.Picture">
                   <p:embed/>
                 </p:oleObj>
               </mc:Choice>
@@ -20046,7 +20046,7 @@
           <a:graphicData uri="http://schemas.openxmlformats.org/presentationml/2006/ole">
             <mc:AlternateContent xmlns:mc="http://schemas.openxmlformats.org/markup-compatibility/2006">
               <mc:Choice xmlns:v="urn:schemas-microsoft-com:vml" Requires="v">
-                <p:oleObj spid="_x0000_s23676" name="Bitmap Image" r:id="rId4" imgW="4229690" imgH="2486372" progId="Paint.Picture">
+                <p:oleObj spid="_x0000_s23677" name="Bitmap Image" r:id="rId4" imgW="4229690" imgH="2486372" progId="Paint.Picture">
                   <p:embed/>
                 </p:oleObj>
               </mc:Choice>
@@ -23067,7 +23067,7 @@
           <a:graphicData uri="http://schemas.openxmlformats.org/presentationml/2006/ole">
             <mc:AlternateContent xmlns:mc="http://schemas.openxmlformats.org/markup-compatibility/2006">
               <mc:Choice xmlns:v="urn:schemas-microsoft-com:vml" Requires="v">
-                <p:oleObj spid="_x0000_s24697" name="Equation" r:id="rId4" imgW="952087" imgH="253890" progId="Equation.3">
+                <p:oleObj spid="_x0000_s24698" name="Equation" r:id="rId4" imgW="952087" imgH="253890" progId="Equation.3">
                   <p:embed/>
                 </p:oleObj>
               </mc:Choice>
@@ -25086,7 +25086,7 @@
           <a:graphicData uri="http://schemas.openxmlformats.org/presentationml/2006/ole">
             <mc:AlternateContent xmlns:mc="http://schemas.openxmlformats.org/markup-compatibility/2006">
               <mc:Choice xmlns:v="urn:schemas-microsoft-com:vml" Requires="v">
-                <p:oleObj spid="_x0000_s25840" name="Equation" r:id="rId4" imgW="139639" imgH="203112" progId="Equation.3">
+                <p:oleObj spid="_x0000_s25842" name="Equation" r:id="rId4" imgW="139639" imgH="203112" progId="Equation.3">
                   <p:embed/>
                 </p:oleObj>
               </mc:Choice>
@@ -25214,7 +25214,7 @@
           <a:graphicData uri="http://schemas.openxmlformats.org/presentationml/2006/ole">
             <mc:AlternateContent xmlns:mc="http://schemas.openxmlformats.org/markup-compatibility/2006">
               <mc:Choice xmlns:v="urn:schemas-microsoft-com:vml" Requires="v">
-                <p:oleObj spid="_x0000_s25841" name="Equation" r:id="rId6" imgW="177569" imgH="202936" progId="Equation.3">
+                <p:oleObj spid="_x0000_s25843" name="Equation" r:id="rId6" imgW="177569" imgH="202936" progId="Equation.3">
                   <p:embed/>
                 </p:oleObj>
               </mc:Choice>
@@ -26140,7 +26140,7 @@
           <a:graphicData uri="http://schemas.openxmlformats.org/presentationml/2006/ole">
             <mc:AlternateContent xmlns:mc="http://schemas.openxmlformats.org/markup-compatibility/2006">
               <mc:Choice xmlns:v="urn:schemas-microsoft-com:vml" Requires="v">
-                <p:oleObj spid="_x0000_s26864" name="Equation" r:id="rId4" imgW="748975" imgH="203112" progId="Equation.3">
+                <p:oleObj spid="_x0000_s26866" name="Equation" r:id="rId4" imgW="748975" imgH="203112" progId="Equation.3">
                   <p:embed/>
                 </p:oleObj>
               </mc:Choice>
@@ -26270,7 +26270,7 @@
           <a:graphicData uri="http://schemas.openxmlformats.org/presentationml/2006/ole">
             <mc:AlternateContent xmlns:mc="http://schemas.openxmlformats.org/markup-compatibility/2006">
               <mc:Choice xmlns:v="urn:schemas-microsoft-com:vml" Requires="v">
-                <p:oleObj spid="_x0000_s26865" name="Equation" r:id="rId6" imgW="609336" imgH="215806" progId="Equation.DSMT4">
+                <p:oleObj spid="_x0000_s26867" name="Equation" r:id="rId6" imgW="609336" imgH="215806" progId="Equation.DSMT4">
                   <p:embed/>
                 </p:oleObj>
               </mc:Choice>
@@ -27320,7 +27320,7 @@
           <a:graphicData uri="http://schemas.openxmlformats.org/presentationml/2006/ole">
             <mc:AlternateContent xmlns:mc="http://schemas.openxmlformats.org/markup-compatibility/2006">
               <mc:Choice xmlns:v="urn:schemas-microsoft-com:vml" Requires="v">
-                <p:oleObj spid="_x0000_s27769" name="Equation" r:id="rId4" imgW="1257120" imgH="444240" progId="Equation.DSMT4">
+                <p:oleObj spid="_x0000_s27770" name="Equation" r:id="rId4" imgW="1257120" imgH="444240" progId="Equation.DSMT4">
                   <p:embed/>
                 </p:oleObj>
               </mc:Choice>
@@ -28126,7 +28126,7 @@
           <a:graphicData uri="http://schemas.openxmlformats.org/presentationml/2006/ole">
             <mc:AlternateContent xmlns:mc="http://schemas.openxmlformats.org/markup-compatibility/2006">
               <mc:Choice xmlns:v="urn:schemas-microsoft-com:vml" Requires="v">
-                <p:oleObj spid="_x0000_s28912" r:id="rId4" imgW="1040948" imgH="241195" progId="Equation.3">
+                <p:oleObj spid="_x0000_s28914" r:id="rId4" imgW="1040948" imgH="241195" progId="Equation.3">
                   <p:embed/>
                 </p:oleObj>
               </mc:Choice>
@@ -28237,7 +28237,7 @@
           <a:graphicData uri="http://schemas.openxmlformats.org/presentationml/2006/ole">
             <mc:AlternateContent xmlns:mc="http://schemas.openxmlformats.org/markup-compatibility/2006">
               <mc:Choice xmlns:v="urn:schemas-microsoft-com:vml" Requires="v">
-                <p:oleObj spid="_x0000_s28913" r:id="rId6" imgW="990170" imgH="241195" progId="Equation.3">
+                <p:oleObj spid="_x0000_s28915" r:id="rId6" imgW="990170" imgH="241195" progId="Equation.3">
                   <p:embed/>
                 </p:oleObj>
               </mc:Choice>
